--- a/Lectures/week 3 - Information Retrieval Indexing.pptx
+++ b/Lectures/week 3 - Information Retrieval Indexing.pptx
@@ -241,6 +241,85 @@
 </p:presentation>
 </file>
 
+<file path=ppt/commentAuthors.xml><?xml version="1.0" encoding="utf-8"?>
+<p:cmAuthorLst xmlns:a="http://schemas.openxmlformats.org/drawingml/2006/main" xmlns:r="http://schemas.openxmlformats.org/officeDocument/2006/relationships" xmlns:p="http://schemas.openxmlformats.org/presentationml/2006/main">
+  <p:cmAuthor id="1" name="Microsoft Office User" initials="Office" lastIdx="1" clrIdx="0">
+    <p:extLst>
+      <p:ext uri="{19B8F6BF-5375-455C-9EA6-DF929625EA0E}">
+        <p15:presenceInfo xmlns:p15="http://schemas.microsoft.com/office/powerpoint/2012/main" userId="" providerId=""/>
+      </p:ext>
+    </p:extLst>
+  </p:cmAuthor>
+  <p:cmAuthor id="2" name="Microsoft Office User" initials="Office [2]" lastIdx="1" clrIdx="1">
+    <p:extLst>
+      <p:ext uri="{19B8F6BF-5375-455C-9EA6-DF929625EA0E}">
+        <p15:presenceInfo xmlns:p15="http://schemas.microsoft.com/office/powerpoint/2012/main" userId="" providerId=""/>
+      </p:ext>
+    </p:extLst>
+  </p:cmAuthor>
+  <p:cmAuthor id="3" name="Microsoft Office User" initials="Office [3]" lastIdx="1" clrIdx="2">
+    <p:extLst>
+      <p:ext uri="{19B8F6BF-5375-455C-9EA6-DF929625EA0E}">
+        <p15:presenceInfo xmlns:p15="http://schemas.microsoft.com/office/powerpoint/2012/main" userId="" providerId=""/>
+      </p:ext>
+    </p:extLst>
+  </p:cmAuthor>
+  <p:cmAuthor id="4" name="Microsoft Office User" initials="Office [4]" lastIdx="1" clrIdx="3">
+    <p:extLst>
+      <p:ext uri="{19B8F6BF-5375-455C-9EA6-DF929625EA0E}">
+        <p15:presenceInfo xmlns:p15="http://schemas.microsoft.com/office/powerpoint/2012/main" userId="" providerId=""/>
+      </p:ext>
+    </p:extLst>
+  </p:cmAuthor>
+</p:cmAuthorLst>
+</file>
+
+<file path=ppt/comments/comment1.xml><?xml version="1.0" encoding="utf-8"?>
+<p:cmLst xmlns:a="http://schemas.openxmlformats.org/drawingml/2006/main" xmlns:r="http://schemas.openxmlformats.org/officeDocument/2006/relationships" xmlns:p="http://schemas.openxmlformats.org/presentationml/2006/main">
+  <p:cm authorId="1" dt="2020-03-02T10:43:02.386" idx="1">
+    <p:pos x="2122" y="647"/>
+    <p:text>NUMBER OF OCCURENCIES</p:text>
+    <p:extLst>
+      <p:ext uri="{C676402C-5697-4E1C-873F-D02D1690AC5C}">
+        <p15:threadingInfo xmlns:p15="http://schemas.microsoft.com/office/powerpoint/2012/main" timeZoneBias="-60"/>
+      </p:ext>
+    </p:extLst>
+  </p:cm>
+  <p:cm authorId="2" dt="2020-03-02T10:43:19.520" idx="1">
+    <p:pos x="2672" y="656"/>
+    <p:text>INDEXES OF DOCS</p:text>
+    <p:extLst>
+      <p:ext uri="{C676402C-5697-4E1C-873F-D02D1690AC5C}">
+        <p15:threadingInfo xmlns:p15="http://schemas.microsoft.com/office/powerpoint/2012/main" timeZoneBias="-60"/>
+      </p:ext>
+    </p:extLst>
+  </p:cm>
+</p:cmLst>
+</file>
+
+<file path=ppt/comments/comment2.xml><?xml version="1.0" encoding="utf-8"?>
+<p:cmLst xmlns:a="http://schemas.openxmlformats.org/drawingml/2006/main" xmlns:r="http://schemas.openxmlformats.org/officeDocument/2006/relationships" xmlns:p="http://schemas.openxmlformats.org/presentationml/2006/main">
+  <p:cm authorId="3" dt="2020-03-02T10:51:51.288" idx="1">
+    <p:pos x="2602" y="865"/>
+    <p:text>Main memory</p:text>
+    <p:extLst>
+      <p:ext uri="{C676402C-5697-4E1C-873F-D02D1690AC5C}">
+        <p15:threadingInfo xmlns:p15="http://schemas.microsoft.com/office/powerpoint/2012/main" timeZoneBias="-60"/>
+      </p:ext>
+    </p:extLst>
+  </p:cm>
+  <p:cm authorId="4" dt="2020-03-02T10:52:05.385" idx="1">
+    <p:pos x="3091" y="1485"/>
+    <p:text>Disk memory</p:text>
+    <p:extLst>
+      <p:ext uri="{C676402C-5697-4E1C-873F-D02D1690AC5C}">
+        <p15:threadingInfo xmlns:p15="http://schemas.microsoft.com/office/powerpoint/2012/main" timeZoneBias="-60"/>
+      </p:ext>
+    </p:extLst>
+  </p:cm>
+</p:cmLst>
+</file>
+
 <file path=ppt/handoutMasters/handoutMaster1.xml><?xml version="1.0" encoding="utf-8"?>
 <p:handoutMaster xmlns:a="http://schemas.openxmlformats.org/drawingml/2006/main" xmlns:r="http://schemas.openxmlformats.org/officeDocument/2006/relationships" xmlns:p="http://schemas.openxmlformats.org/presentationml/2006/main">
   <p:cSld>
@@ -649,10 +728,10 @@
           </a:ln>
           <a:extLst>
             <a:ext uri="{FAA26D3D-D897-4be2-8F04-BA451C77F1D7}">
-              <ma14:placeholderFlag xmlns:ma14="http://schemas.microsoft.com/office/mac/drawingml/2011/main" xmlns="" val="1"/>
+              <ma14:placeholderFlag xmlns:ma14="http://schemas.microsoft.com/office/mac/drawingml/2011/main" val="1"/>
             </a:ext>
             <a:ext uri="{909E8E84-426E-40dd-AFC4-6F175D3DCCD1}">
-              <a14:hiddenFill xmlns:a14="http://schemas.microsoft.com/office/drawing/2010/main" xmlns="">
+              <a14:hiddenFill xmlns="" xmlns:a14="http://schemas.microsoft.com/office/drawing/2010/main">
                 <a:solidFill>
                   <a:srgbClr val="FFFFFF"/>
                 </a:solidFill>
@@ -1276,81 +1355,72 @@
       </p:grpSpPr>
       <p:sp>
         <p:nvSpPr>
-          <p:cNvPr id="47106" name="Rectangle 7"/>
-          <p:cNvSpPr>
-            <a:spLocks noGrp="1" noChangeArrowheads="1"/>
-          </p:cNvSpPr>
-          <p:nvPr>
-            <p:ph type="sldNum" sz="quarter" idx="5"/>
-          </p:nvPr>
-        </p:nvSpPr>
-        <p:spPr>
-          <a:noFill/>
-        </p:spPr>
-        <p:txBody>
-          <a:bodyPr/>
-          <a:lstStyle/>
-          <a:p>
-            <a:fld id="{DE45E04E-2D3E-4EFE-812A-9E7755EDB9D2}" type="slidenum">
-              <a:rPr lang="en-US" smtClean="0"/>
-              <a:pPr/>
-              <a:t>14</a:t>
-            </a:fld>
-            <a:endParaRPr lang="en-US"/>
-          </a:p>
-        </p:txBody>
-      </p:sp>
-      <p:sp>
-        <p:nvSpPr>
-          <p:cNvPr id="47107" name="Rectangle 2"/>
-          <p:cNvSpPr>
-            <a:spLocks noGrp="1" noRot="1" noChangeAspect="1" noChangeArrowheads="1" noTextEdit="1"/>
+          <p:cNvPr id="2" name="Slide Image Placeholder 1"/>
+          <p:cNvSpPr>
+            <a:spLocks noGrp="1" noRot="1" noChangeAspect="1"/>
           </p:cNvSpPr>
           <p:nvPr>
             <p:ph type="sldImg"/>
           </p:nvPr>
         </p:nvSpPr>
-        <p:spPr>
-          <a:xfrm>
-            <a:off x="841375" y="792163"/>
-            <a:ext cx="5475288" cy="3792537"/>
-          </a:xfrm>
-          <a:ln cap="flat"/>
-        </p:spPr>
-      </p:sp>
-      <p:sp>
-        <p:nvSpPr>
-          <p:cNvPr id="47108" name="Rectangle 3"/>
-          <p:cNvSpPr>
-            <a:spLocks noGrp="1" noChangeArrowheads="1"/>
+        <p:spPr/>
+      </p:sp>
+      <p:sp>
+        <p:nvSpPr>
+          <p:cNvPr id="3" name="Notes Placeholder 2"/>
+          <p:cNvSpPr>
+            <a:spLocks noGrp="1"/>
           </p:cNvSpPr>
           <p:nvPr>
             <p:ph type="body" idx="1"/>
           </p:nvPr>
         </p:nvSpPr>
-        <p:spPr>
-          <a:xfrm>
-            <a:off x="977900" y="4900613"/>
-            <a:ext cx="5208588" cy="4581525"/>
-          </a:xfrm>
-          <a:noFill/>
-          <a:ln/>
-        </p:spPr>
+        <p:spPr/>
         <p:txBody>
           <a:bodyPr/>
           <a:lstStyle/>
           <a:p>
             <a:r>
-              <a:rPr lang="en-US" dirty="0"/>
-              <a:t>The index construction is performed by first constructing dynamically a trie structure, in order to generate a sorted vocabulary and to collect the occurrences of index terms. </a:t>
-            </a:r>
+              <a:rPr lang="en-US" dirty="0" smtClean="0"/>
+              <a:t>3</a:t>
+            </a:r>
+            <a:endParaRPr lang="en-US" dirty="0"/>
+          </a:p>
+        </p:txBody>
+      </p:sp>
+      <p:sp>
+        <p:nvSpPr>
+          <p:cNvPr id="4" name="Slide Number Placeholder 3"/>
+          <p:cNvSpPr>
+            <a:spLocks noGrp="1"/>
+          </p:cNvSpPr>
+          <p:nvPr>
+            <p:ph type="sldNum" sz="quarter" idx="10"/>
+          </p:nvPr>
+        </p:nvSpPr>
+        <p:spPr/>
+        <p:txBody>
+          <a:bodyPr/>
+          <a:lstStyle/>
+          <a:p>
+            <a:pPr>
+              <a:defRPr/>
+            </a:pPr>
+            <a:fld id="{14727734-ABCF-234D-B636-C5B0C95204C2}" type="slidenum">
+              <a:rPr lang="en-US" smtClean="0"/>
+              <a:pPr>
+                <a:defRPr/>
+              </a:pPr>
+              <a:t>12</a:t>
+            </a:fld>
+            <a:endParaRPr lang="en-US"/>
           </a:p>
         </p:txBody>
       </p:sp>
     </p:spTree>
     <p:extLst>
       <p:ext uri="{BB962C8B-B14F-4D97-AF65-F5344CB8AC3E}">
-        <p14:creationId xmlns:p14="http://schemas.microsoft.com/office/powerpoint/2010/main" val="2101416553"/>
+        <p14:creationId xmlns:p14="http://schemas.microsoft.com/office/powerpoint/2010/main" val="1909651983"/>
       </p:ext>
     </p:extLst>
   </p:cSld>
@@ -1405,10 +1475,13 @@
           <a:lstStyle/>
           <a:p>
             <a:r>
-              <a:rPr lang="en-US" dirty="0"/>
-              <a:t>After the complete document collection has been traversed, the trie structure is sequentially traversed and the posting file is written to secondary storage. The trie structure itself can be used as a data access structure for the index file that is kept in main memory.</a:t>
-            </a:r>
-            <a:endParaRPr lang="en-GB" dirty="0"/>
+              <a:rPr lang="en-US" smtClean="0"/>
+              <a:t>4</a:t>
+            </a:r>
+            <a:br>
+              <a:rPr lang="en-US" smtClean="0"/>
+            </a:br>
+            <a:endParaRPr lang="en-US"/>
           </a:p>
         </p:txBody>
       </p:sp>
@@ -1427,10 +1500,15 @@
           <a:bodyPr/>
           <a:lstStyle/>
           <a:p>
-            <a:fld id="{E6C47E0B-2958-48CC-BA4E-C350203CF107}" type="slidenum">
+            <a:pPr>
+              <a:defRPr/>
+            </a:pPr>
+            <a:fld id="{14727734-ABCF-234D-B636-C5B0C95204C2}" type="slidenum">
               <a:rPr lang="en-US" smtClean="0"/>
-              <a:pPr/>
-              <a:t>15</a:t>
+              <a:pPr>
+                <a:defRPr/>
+              </a:pPr>
+              <a:t>13</a:t>
             </a:fld>
             <a:endParaRPr lang="en-US"/>
           </a:p>
@@ -1439,7 +1517,7 @@
     </p:spTree>
     <p:extLst>
       <p:ext uri="{BB962C8B-B14F-4D97-AF65-F5344CB8AC3E}">
-        <p14:creationId xmlns:p14="http://schemas.microsoft.com/office/powerpoint/2010/main" val="1047483003"/>
+        <p14:creationId xmlns:p14="http://schemas.microsoft.com/office/powerpoint/2010/main" val="1980485107"/>
       </p:ext>
     </p:extLst>
   </p:cSld>
@@ -1468,7 +1546,7 @@
       </p:grpSpPr>
       <p:sp>
         <p:nvSpPr>
-          <p:cNvPr id="48130" name="Rectangle 7"/>
+          <p:cNvPr id="47106" name="Rectangle 7"/>
           <p:cNvSpPr>
             <a:spLocks noGrp="1" noChangeArrowheads="1"/>
           </p:cNvSpPr>
@@ -1483,10 +1561,10 @@
           <a:bodyPr/>
           <a:lstStyle/>
           <a:p>
-            <a:fld id="{BF1D6E96-2AA1-4D49-A49B-E697C1486AF4}" type="slidenum">
+            <a:fld id="{DE45E04E-2D3E-4EFE-812A-9E7755EDB9D2}" type="slidenum">
               <a:rPr lang="en-US" smtClean="0"/>
               <a:pPr/>
-              <a:t>16</a:t>
+              <a:t>14</a:t>
             </a:fld>
             <a:endParaRPr lang="en-US"/>
           </a:p>
@@ -1494,7 +1572,7 @@
       </p:sp>
       <p:sp>
         <p:nvSpPr>
-          <p:cNvPr id="48131" name="Rectangle 2"/>
+          <p:cNvPr id="47107" name="Rectangle 2"/>
           <p:cNvSpPr>
             <a:spLocks noGrp="1" noRot="1" noChangeAspect="1" noChangeArrowheads="1" noTextEdit="1"/>
           </p:cNvSpPr>
@@ -1503,12 +1581,16 @@
           </p:nvPr>
         </p:nvSpPr>
         <p:spPr>
-          <a:ln/>
+          <a:xfrm>
+            <a:off x="841375" y="792163"/>
+            <a:ext cx="5475288" cy="3792537"/>
+          </a:xfrm>
+          <a:ln cap="flat"/>
         </p:spPr>
       </p:sp>
       <p:sp>
         <p:nvSpPr>
-          <p:cNvPr id="48132" name="Rectangle 3"/>
+          <p:cNvPr id="47108" name="Rectangle 3"/>
           <p:cNvSpPr>
             <a:spLocks noGrp="1" noChangeArrowheads="1"/>
           </p:cNvSpPr>
@@ -1517,6 +1599,10 @@
           </p:nvPr>
         </p:nvSpPr>
         <p:spPr>
+          <a:xfrm>
+            <a:off x="977900" y="4900613"/>
+            <a:ext cx="5208588" cy="4581525"/>
+          </a:xfrm>
           <a:noFill/>
           <a:ln/>
         </p:spPr>
@@ -1526,7 +1612,7 @@
           <a:p>
             <a:r>
               <a:rPr lang="en-US" dirty="0"/>
-              <a:t>In this example we consider each word of the text as a separate document identified by its position (for space limitations). We demonstrate the initial steps of constructing the trie structure and adding to it the occurrences of index terms. The changes to the trie structure are highlighted for each step. Note that in the last step the tree structure of the trie does not change, since the index term "the" is already present.</a:t>
+              <a:t>The index construction is performed by first constructing dynamically a trie structure, in order to generate a sorted vocabulary and to collect the occurrences of index terms. </a:t>
             </a:r>
           </a:p>
         </p:txBody>
@@ -1534,7 +1620,7 @@
     </p:spTree>
     <p:extLst>
       <p:ext uri="{BB962C8B-B14F-4D97-AF65-F5344CB8AC3E}">
-        <p14:creationId xmlns:p14="http://schemas.microsoft.com/office/powerpoint/2010/main" val="2420262263"/>
+        <p14:creationId xmlns:p14="http://schemas.microsoft.com/office/powerpoint/2010/main" val="2101416553"/>
       </p:ext>
     </p:extLst>
   </p:cSld>
@@ -1563,73 +1649,67 @@
       </p:grpSpPr>
       <p:sp>
         <p:nvSpPr>
-          <p:cNvPr id="49154" name="Rectangle 7"/>
-          <p:cNvSpPr>
-            <a:spLocks noGrp="1" noChangeArrowheads="1"/>
-          </p:cNvSpPr>
-          <p:nvPr>
-            <p:ph type="sldNum" sz="quarter" idx="5"/>
-          </p:nvPr>
-        </p:nvSpPr>
-        <p:spPr>
-          <a:noFill/>
-        </p:spPr>
-        <p:txBody>
-          <a:bodyPr/>
-          <a:lstStyle/>
-          <a:p>
-            <a:fld id="{4397BEF3-045C-4DC6-99FE-C91BB4AC2577}" type="slidenum">
-              <a:rPr lang="en-US" smtClean="0"/>
-              <a:pPr/>
-              <a:t>17</a:t>
-            </a:fld>
-            <a:endParaRPr lang="en-US"/>
-          </a:p>
-        </p:txBody>
-      </p:sp>
-      <p:sp>
-        <p:nvSpPr>
-          <p:cNvPr id="49155" name="Rectangle 2"/>
-          <p:cNvSpPr>
-            <a:spLocks noGrp="1" noRot="1" noChangeAspect="1" noChangeArrowheads="1" noTextEdit="1"/>
+          <p:cNvPr id="2" name="Slide Image Placeholder 1"/>
+          <p:cNvSpPr>
+            <a:spLocks noGrp="1" noRot="1" noChangeAspect="1"/>
           </p:cNvSpPr>
           <p:nvPr>
             <p:ph type="sldImg"/>
           </p:nvPr>
         </p:nvSpPr>
-        <p:spPr>
-          <a:ln/>
-        </p:spPr>
-      </p:sp>
-      <p:sp>
-        <p:nvSpPr>
-          <p:cNvPr id="49156" name="Rectangle 3"/>
-          <p:cNvSpPr>
-            <a:spLocks noGrp="1" noChangeArrowheads="1"/>
+        <p:spPr/>
+      </p:sp>
+      <p:sp>
+        <p:nvSpPr>
+          <p:cNvPr id="3" name="Notes Placeholder 2"/>
+          <p:cNvSpPr>
+            <a:spLocks noGrp="1"/>
           </p:cNvSpPr>
           <p:nvPr>
             <p:ph type="body" idx="1"/>
           </p:nvPr>
         </p:nvSpPr>
-        <p:spPr>
-          <a:noFill/>
-          <a:ln/>
-        </p:spPr>
+        <p:spPr/>
         <p:txBody>
           <a:bodyPr/>
           <a:lstStyle/>
           <a:p>
             <a:r>
               <a:rPr lang="en-US" dirty="0"/>
-              <a:t>Once the complete trie structure is constructed the inverted file can be derived from it. For doing this, the trie is traversed top-down and left-to-right. Whenever an index term is encountered it is added at the end of the inverted file. Note that if a term is prefix of another term (such as "a" is prefix of "are") index terms can occur on internal nodes of the trie. Analogously to the construction of the inverted file also the posting file can be derived.</a:t>
-            </a:r>
+              <a:t>After the complete document collection has been traversed, the trie structure is sequentially traversed and the posting file is written to secondary storage. The trie structure itself can be used as a data access structure for the index file that is kept in main memory.</a:t>
+            </a:r>
+            <a:endParaRPr lang="en-GB" dirty="0"/>
+          </a:p>
+        </p:txBody>
+      </p:sp>
+      <p:sp>
+        <p:nvSpPr>
+          <p:cNvPr id="4" name="Slide Number Placeholder 3"/>
+          <p:cNvSpPr>
+            <a:spLocks noGrp="1"/>
+          </p:cNvSpPr>
+          <p:nvPr>
+            <p:ph type="sldNum" sz="quarter" idx="10"/>
+          </p:nvPr>
+        </p:nvSpPr>
+        <p:spPr/>
+        <p:txBody>
+          <a:bodyPr/>
+          <a:lstStyle/>
+          <a:p>
+            <a:fld id="{E6C47E0B-2958-48CC-BA4E-C350203CF107}" type="slidenum">
+              <a:rPr lang="en-US" smtClean="0"/>
+              <a:pPr/>
+              <a:t>15</a:t>
+            </a:fld>
+            <a:endParaRPr lang="en-US"/>
           </a:p>
         </p:txBody>
       </p:sp>
     </p:spTree>
     <p:extLst>
       <p:ext uri="{BB962C8B-B14F-4D97-AF65-F5344CB8AC3E}">
-        <p14:creationId xmlns:p14="http://schemas.microsoft.com/office/powerpoint/2010/main" val="3158771979"/>
+        <p14:creationId xmlns:p14="http://schemas.microsoft.com/office/powerpoint/2010/main" val="1047483003"/>
       </p:ext>
     </p:extLst>
   </p:cSld>
@@ -1658,7 +1738,7 @@
       </p:grpSpPr>
       <p:sp>
         <p:nvSpPr>
-          <p:cNvPr id="50178" name="Rectangle 7"/>
+          <p:cNvPr id="48130" name="Rectangle 7"/>
           <p:cNvSpPr>
             <a:spLocks noGrp="1" noChangeArrowheads="1"/>
           </p:cNvSpPr>
@@ -1673,10 +1753,10 @@
           <a:bodyPr/>
           <a:lstStyle/>
           <a:p>
-            <a:fld id="{90656297-2F7A-4283-A857-A54D6ABA4069}" type="slidenum">
+            <a:fld id="{BF1D6E96-2AA1-4D49-A49B-E697C1486AF4}" type="slidenum">
               <a:rPr lang="en-US" smtClean="0"/>
               <a:pPr/>
-              <a:t>18</a:t>
+              <a:t>16</a:t>
             </a:fld>
             <a:endParaRPr lang="en-US"/>
           </a:p>
@@ -1684,7 +1764,7 @@
       </p:sp>
       <p:sp>
         <p:nvSpPr>
-          <p:cNvPr id="50179" name="Rectangle 2"/>
+          <p:cNvPr id="48131" name="Rectangle 2"/>
           <p:cNvSpPr>
             <a:spLocks noGrp="1" noRot="1" noChangeAspect="1" noChangeArrowheads="1" noTextEdit="1"/>
           </p:cNvSpPr>
@@ -1698,7 +1778,7 @@
       </p:sp>
       <p:sp>
         <p:nvSpPr>
-          <p:cNvPr id="50180" name="Rectangle 3"/>
+          <p:cNvPr id="48132" name="Rectangle 3"/>
           <p:cNvSpPr>
             <a:spLocks noGrp="1" noChangeArrowheads="1"/>
           </p:cNvSpPr>
@@ -1716,7 +1796,7 @@
           <a:p>
             <a:r>
               <a:rPr lang="en-US" dirty="0"/>
-              <a:t>The resulting physical organization of the inverted file is shown here. The trie structure can be used as an access structure to the index file in main memory. Thus the entries of the index files occur as leaves (or internal nodes) of the trie. Each entry has a reference to the position of the postings file that is held in secondary storage.</a:t>
+              <a:t>In this example we consider each word of the text as a separate document identified by its position (for space limitations). We demonstrate the initial steps of constructing the trie structure and adding to it the occurrences of index terms. The changes to the trie structure are highlighted for each step. Note that in the last step the tree structure of the trie does not change, since the index term "the" is already present.</a:t>
             </a:r>
           </a:p>
         </p:txBody>
@@ -1724,7 +1804,7 @@
     </p:spTree>
     <p:extLst>
       <p:ext uri="{BB962C8B-B14F-4D97-AF65-F5344CB8AC3E}">
-        <p14:creationId xmlns:p14="http://schemas.microsoft.com/office/powerpoint/2010/main" val="450796360"/>
+        <p14:creationId xmlns:p14="http://schemas.microsoft.com/office/powerpoint/2010/main" val="2420262263"/>
       </p:ext>
     </p:extLst>
   </p:cSld>
@@ -1753,7 +1833,7 @@
       </p:grpSpPr>
       <p:sp>
         <p:nvSpPr>
-          <p:cNvPr id="51202" name="Rectangle 7"/>
+          <p:cNvPr id="49154" name="Rectangle 7"/>
           <p:cNvSpPr>
             <a:spLocks noGrp="1" noChangeArrowheads="1"/>
           </p:cNvSpPr>
@@ -1768,10 +1848,10 @@
           <a:bodyPr/>
           <a:lstStyle/>
           <a:p>
-            <a:fld id="{8B4B0A46-E3B6-4E46-A3C1-86F33FEB1825}" type="slidenum">
+            <a:fld id="{4397BEF3-045C-4DC6-99FE-C91BB4AC2577}" type="slidenum">
               <a:rPr lang="en-US" smtClean="0"/>
               <a:pPr/>
-              <a:t>20</a:t>
+              <a:t>17</a:t>
             </a:fld>
             <a:endParaRPr lang="en-US"/>
           </a:p>
@@ -1779,7 +1859,7 @@
       </p:sp>
       <p:sp>
         <p:nvSpPr>
-          <p:cNvPr id="51203" name="Rectangle 2"/>
+          <p:cNvPr id="49155" name="Rectangle 2"/>
           <p:cNvSpPr>
             <a:spLocks noGrp="1" noRot="1" noChangeAspect="1" noChangeArrowheads="1" noTextEdit="1"/>
           </p:cNvSpPr>
@@ -1788,16 +1868,12 @@
           </p:nvPr>
         </p:nvSpPr>
         <p:spPr>
-          <a:xfrm>
-            <a:off x="841375" y="792163"/>
-            <a:ext cx="5475288" cy="3792537"/>
-          </a:xfrm>
-          <a:ln cap="flat"/>
+          <a:ln/>
         </p:spPr>
       </p:sp>
       <p:sp>
         <p:nvSpPr>
-          <p:cNvPr id="51204" name="Rectangle 3"/>
+          <p:cNvPr id="49156" name="Rectangle 3"/>
           <p:cNvSpPr>
             <a:spLocks noGrp="1" noChangeArrowheads="1"/>
           </p:cNvSpPr>
@@ -1806,10 +1882,6 @@
           </p:nvPr>
         </p:nvSpPr>
         <p:spPr>
-          <a:xfrm>
-            <a:off x="977900" y="4900613"/>
-            <a:ext cx="5208588" cy="4581525"/>
-          </a:xfrm>
           <a:noFill/>
           <a:ln/>
         </p:spPr>
@@ -1819,7 +1891,7 @@
           <a:p>
             <a:r>
               <a:rPr lang="en-US" dirty="0"/>
-              <a:t>On a single node machine the index construction will be inefficient or impossible if the size of the trie structure with the associated posting lists exceeds the main memory space. Then the index construction process has to be partitioned in the following way: while the document collection is sequentially traversed, partial indices are written to the disk whenever the main memory is full. This results in a number of partial indices, indexing consecutive partitions of the text. In a second phase the partial indices need to be merged into one index.</a:t>
+              <a:t>Once the complete trie structure is constructed the inverted file can be derived from it. For doing this, the trie is traversed top-down and left-to-right. Whenever an index term is encountered it is added at the end of the inverted file. Note that if a term is prefix of another term (such as "a" is prefix of "are") index terms can occur on internal nodes of the trie. Analogously to the construction of the inverted file also the posting file can be derived.</a:t>
             </a:r>
           </a:p>
         </p:txBody>
@@ -1827,7 +1899,7 @@
     </p:spTree>
     <p:extLst>
       <p:ext uri="{BB962C8B-B14F-4D97-AF65-F5344CB8AC3E}">
-        <p14:creationId xmlns:p14="http://schemas.microsoft.com/office/powerpoint/2010/main" val="3303462801"/>
+        <p14:creationId xmlns:p14="http://schemas.microsoft.com/office/powerpoint/2010/main" val="3158771979"/>
       </p:ext>
     </p:extLst>
   </p:cSld>
@@ -1856,72 +1928,73 @@
       </p:grpSpPr>
       <p:sp>
         <p:nvSpPr>
-          <p:cNvPr id="2" name="Slide Image Placeholder 1"/>
-          <p:cNvSpPr>
-            <a:spLocks noGrp="1" noRot="1" noChangeAspect="1"/>
+          <p:cNvPr id="50178" name="Rectangle 7"/>
+          <p:cNvSpPr>
+            <a:spLocks noGrp="1" noChangeArrowheads="1"/>
+          </p:cNvSpPr>
+          <p:nvPr>
+            <p:ph type="sldNum" sz="quarter" idx="5"/>
+          </p:nvPr>
+        </p:nvSpPr>
+        <p:spPr>
+          <a:noFill/>
+        </p:spPr>
+        <p:txBody>
+          <a:bodyPr/>
+          <a:lstStyle/>
+          <a:p>
+            <a:fld id="{90656297-2F7A-4283-A857-A54D6ABA4069}" type="slidenum">
+              <a:rPr lang="en-US" smtClean="0"/>
+              <a:pPr/>
+              <a:t>18</a:t>
+            </a:fld>
+            <a:endParaRPr lang="en-US"/>
+          </a:p>
+        </p:txBody>
+      </p:sp>
+      <p:sp>
+        <p:nvSpPr>
+          <p:cNvPr id="50179" name="Rectangle 2"/>
+          <p:cNvSpPr>
+            <a:spLocks noGrp="1" noRot="1" noChangeAspect="1" noChangeArrowheads="1" noTextEdit="1"/>
           </p:cNvSpPr>
           <p:nvPr>
             <p:ph type="sldImg"/>
           </p:nvPr>
         </p:nvSpPr>
-        <p:spPr/>
-      </p:sp>
-      <p:sp>
-        <p:nvSpPr>
-          <p:cNvPr id="3" name="Notes Placeholder 2"/>
-          <p:cNvSpPr>
-            <a:spLocks noGrp="1"/>
+        <p:spPr>
+          <a:ln/>
+        </p:spPr>
+      </p:sp>
+      <p:sp>
+        <p:nvSpPr>
+          <p:cNvPr id="50180" name="Rectangle 3"/>
+          <p:cNvSpPr>
+            <a:spLocks noGrp="1" noChangeArrowheads="1"/>
           </p:cNvSpPr>
           <p:nvPr>
             <p:ph type="body" idx="1"/>
           </p:nvPr>
         </p:nvSpPr>
-        <p:spPr/>
+        <p:spPr>
+          <a:noFill/>
+          <a:ln/>
+        </p:spPr>
         <p:txBody>
           <a:bodyPr/>
           <a:lstStyle/>
           <a:p>
             <a:r>
               <a:rPr lang="en-US" dirty="0"/>
-              <a:t>This figure illustrates the merging process: 8 partial indices have been constructed. Step by step the indices are merged, by merging two indices into one, until one final index remains. The merging can be performed, such that the two partial indices which are to be merged are in parallel sequentially scanned on the disk, and while scanning the resulting index is written sequentially to the disk.</a:t>
-            </a:r>
-          </a:p>
-          <a:p>
-            <a:endParaRPr lang="en-US" dirty="0"/>
-          </a:p>
-          <a:p>
-            <a:endParaRPr lang="en-GB" dirty="0"/>
-          </a:p>
-        </p:txBody>
-      </p:sp>
-      <p:sp>
-        <p:nvSpPr>
-          <p:cNvPr id="4" name="Slide Number Placeholder 3"/>
-          <p:cNvSpPr>
-            <a:spLocks noGrp="1"/>
-          </p:cNvSpPr>
-          <p:nvPr>
-            <p:ph type="sldNum" sz="quarter" idx="10"/>
-          </p:nvPr>
-        </p:nvSpPr>
-        <p:spPr/>
-        <p:txBody>
-          <a:bodyPr/>
-          <a:lstStyle/>
-          <a:p>
-            <a:fld id="{E6C47E0B-2958-48CC-BA4E-C350203CF107}" type="slidenum">
-              <a:rPr lang="en-US" smtClean="0"/>
-              <a:pPr/>
-              <a:t>21</a:t>
-            </a:fld>
-            <a:endParaRPr lang="en-US"/>
+              <a:t>The resulting physical organization of the inverted file is shown here. The trie structure can be used as an access structure to the index file in main memory. Thus the entries of the index files occur as leaves (or internal nodes) of the trie. Each entry has a reference to the position of the postings file that is held in secondary storage.</a:t>
+            </a:r>
           </a:p>
         </p:txBody>
       </p:sp>
     </p:spTree>
     <p:extLst>
       <p:ext uri="{BB962C8B-B14F-4D97-AF65-F5344CB8AC3E}">
-        <p14:creationId xmlns:p14="http://schemas.microsoft.com/office/powerpoint/2010/main" val="940182386"/>
+        <p14:creationId xmlns:p14="http://schemas.microsoft.com/office/powerpoint/2010/main" val="450796360"/>
       </p:ext>
     </p:extLst>
   </p:cSld>
@@ -1950,7 +2023,7 @@
       </p:grpSpPr>
       <p:sp>
         <p:nvSpPr>
-          <p:cNvPr id="52226" name="Rectangle 7"/>
+          <p:cNvPr id="51202" name="Rectangle 7"/>
           <p:cNvSpPr>
             <a:spLocks noGrp="1" noChangeArrowheads="1"/>
           </p:cNvSpPr>
@@ -1965,10 +2038,10 @@
           <a:bodyPr/>
           <a:lstStyle/>
           <a:p>
-            <a:fld id="{6F282B96-0DEB-4DA3-965A-2BA7A1FAFD82}" type="slidenum">
+            <a:fld id="{8B4B0A46-E3B6-4E46-A3C1-86F33FEB1825}" type="slidenum">
               <a:rPr lang="en-US" smtClean="0"/>
               <a:pPr/>
-              <a:t>22</a:t>
+              <a:t>20</a:t>
             </a:fld>
             <a:endParaRPr lang="en-US"/>
           </a:p>
@@ -1976,7 +2049,7 @@
       </p:sp>
       <p:sp>
         <p:nvSpPr>
-          <p:cNvPr id="52227" name="Rectangle 2"/>
+          <p:cNvPr id="51203" name="Rectangle 2"/>
           <p:cNvSpPr>
             <a:spLocks noGrp="1" noRot="1" noChangeAspect="1" noChangeArrowheads="1" noTextEdit="1"/>
           </p:cNvSpPr>
@@ -1985,12 +2058,16 @@
           </p:nvPr>
         </p:nvSpPr>
         <p:spPr>
-          <a:ln/>
+          <a:xfrm>
+            <a:off x="841375" y="792163"/>
+            <a:ext cx="5475288" cy="3792537"/>
+          </a:xfrm>
+          <a:ln cap="flat"/>
         </p:spPr>
       </p:sp>
       <p:sp>
         <p:nvSpPr>
-          <p:cNvPr id="52228" name="Rectangle 3"/>
+          <p:cNvPr id="51204" name="Rectangle 3"/>
           <p:cNvSpPr>
             <a:spLocks noGrp="1" noChangeArrowheads="1"/>
           </p:cNvSpPr>
@@ -1999,6 +2076,10 @@
           </p:nvPr>
         </p:nvSpPr>
         <p:spPr>
+          <a:xfrm>
+            <a:off x="977900" y="4900613"/>
+            <a:ext cx="5208588" cy="4581525"/>
+          </a:xfrm>
           <a:noFill/>
           <a:ln/>
         </p:spPr>
@@ -2008,67 +2089,7 @@
           <a:p>
             <a:r>
               <a:rPr lang="en-US" dirty="0"/>
-              <a:t>Merging the indices requires first merging the vocabularies. As we mentioned earlier, the vocabularies are comparably small and thus the merging of the vocabularies can take place in main memory. In case a vocabulary term occurs in both partial indices, their list of occurrences from the posting file need to be combined. Here we can take advantage of the fact that the partial indices have been constructed by sequentially traversing the document file. Therefore these lists can be directly concatenated without sorting. </a:t>
-            </a:r>
-          </a:p>
-          <a:p>
-            <a:r>
-              <a:rPr lang="en-US" dirty="0"/>
-              <a:t>The total computational complexity of the merging algorithm is </a:t>
-            </a:r>
-            <a:r>
-              <a:rPr lang="en-US" i="1" dirty="0"/>
-              <a:t>O(n log</a:t>
-            </a:r>
-            <a:r>
-              <a:rPr lang="en-US" i="1" baseline="-25000" dirty="0"/>
-              <a:t>2</a:t>
-            </a:r>
-            <a:r>
-              <a:rPr lang="en-US" i="1" dirty="0"/>
-              <a:t>(n/M)).</a:t>
-            </a:r>
-            <a:r>
-              <a:rPr lang="en-US" dirty="0"/>
-              <a:t> This implies</a:t>
-            </a:r>
-            <a:r>
-              <a:rPr lang="en-US" i="1" dirty="0"/>
-              <a:t> </a:t>
-            </a:r>
-            <a:r>
-              <a:rPr lang="en-US" dirty="0"/>
-              <a:t>that the additional cost of merging as compared to the purely main memory based construction of inverted files is a factor of O(</a:t>
-            </a:r>
-            <a:r>
-              <a:rPr lang="en-US" i="1" dirty="0"/>
-              <a:t>log</a:t>
-            </a:r>
-            <a:r>
-              <a:rPr lang="en-US" i="1" baseline="-25000" dirty="0"/>
-              <a:t>2</a:t>
-            </a:r>
-            <a:r>
-              <a:rPr lang="en-US" i="1" dirty="0"/>
-              <a:t>(n/M))). </a:t>
-            </a:r>
-            <a:r>
-              <a:rPr lang="en-US" dirty="0"/>
-              <a:t>This</a:t>
-            </a:r>
-            <a:r>
-              <a:rPr lang="en-US" i="1" dirty="0"/>
-              <a:t> </a:t>
-            </a:r>
-            <a:r>
-              <a:rPr lang="en-US" dirty="0"/>
-              <a:t>is small in practice, e.g., if the database size n is 64 times larger than the main memory size, then this factor would be 6.</a:t>
-            </a:r>
-          </a:p>
-          <a:p>
-            <a:r>
-              <a:rPr lang="en-US" dirty="0"/>
-              <a:t>This example illustrates how the merging process can be performed for example when the database is partitioned into two parts. </a:t>
+              <a:t>On a single node machine the index construction will be inefficient or impossible if the size of the trie structure with the associated posting lists exceeds the main memory space. Then the index construction process has to be partitioned in the following way: while the document collection is sequentially traversed, partial indices are written to the disk whenever the main memory is full. This results in a number of partial indices, indexing consecutive partitions of the text. In a second phase the partial indices need to be merged into one index.</a:t>
             </a:r>
           </a:p>
         </p:txBody>
@@ -2076,7 +2097,7 @@
     </p:spTree>
     <p:extLst>
       <p:ext uri="{BB962C8B-B14F-4D97-AF65-F5344CB8AC3E}">
-        <p14:creationId xmlns:p14="http://schemas.microsoft.com/office/powerpoint/2010/main" val="3541126990"/>
+        <p14:creationId xmlns:p14="http://schemas.microsoft.com/office/powerpoint/2010/main" val="3303462801"/>
       </p:ext>
     </p:extLst>
   </p:cSld>
@@ -2118,14 +2139,14 @@
           <a:ln/>
           <a:extLst>
             <a:ext uri="{909E8E84-426E-40dd-AFC4-6F175D3DCCD1}">
-              <a14:hiddenFill xmlns="" xmlns:a14="http://schemas.microsoft.com/office/drawing/2010/main">
+              <a14:hiddenFill xmlns:a14="http://schemas.microsoft.com/office/drawing/2010/main" xmlns="">
                 <a:solidFill>
                   <a:srgbClr val="FFFFFF"/>
                 </a:solidFill>
               </a14:hiddenFill>
             </a:ext>
             <a:ext uri="{91240B29-F687-4f45-9708-019B960494DF}">
-              <a14:hiddenLine xmlns="" xmlns:a14="http://schemas.microsoft.com/office/drawing/2010/main" w="9525">
+              <a14:hiddenLine xmlns:a14="http://schemas.microsoft.com/office/drawing/2010/main" xmlns="" w="9525">
                 <a:solidFill>
                   <a:srgbClr val="000000"/>
                 </a:solidFill>
@@ -2296,14 +2317,14 @@
           <a:ln/>
           <a:extLst>
             <a:ext uri="{909E8E84-426E-40dd-AFC4-6F175D3DCCD1}">
-              <a14:hiddenFill xmlns="" xmlns:a14="http://schemas.microsoft.com/office/drawing/2010/main">
+              <a14:hiddenFill xmlns:a14="http://schemas.microsoft.com/office/drawing/2010/main" xmlns="">
                 <a:solidFill>
                   <a:srgbClr val="FFFFFF"/>
                 </a:solidFill>
               </a14:hiddenFill>
             </a:ext>
             <a:ext uri="{91240B29-F687-4f45-9708-019B960494DF}">
-              <a14:hiddenLine xmlns="" xmlns:a14="http://schemas.microsoft.com/office/drawing/2010/main" w="9525">
+              <a14:hiddenLine xmlns:a14="http://schemas.microsoft.com/office/drawing/2010/main" xmlns="" w="9525">
                 <a:solidFill>
                   <a:srgbClr val="000000"/>
                 </a:solidFill>
@@ -2431,144 +2452,72 @@
       </p:grpSpPr>
       <p:sp>
         <p:nvSpPr>
-          <p:cNvPr id="53250" name="Rectangle 7"/>
-          <p:cNvSpPr>
-            <a:spLocks noGrp="1" noChangeArrowheads="1"/>
-          </p:cNvSpPr>
-          <p:nvPr>
-            <p:ph type="sldNum" sz="quarter" idx="5"/>
-          </p:nvPr>
-        </p:nvSpPr>
-        <p:spPr>
-          <a:noFill/>
-        </p:spPr>
-        <p:txBody>
-          <a:bodyPr/>
-          <a:lstStyle/>
-          <a:p>
-            <a:fld id="{DA06FB14-FD97-4233-8305-A65803F3AFA7}" type="slidenum">
-              <a:rPr lang="en-US" smtClean="0"/>
-              <a:pPr/>
-              <a:t>23</a:t>
-            </a:fld>
-            <a:endParaRPr lang="en-US"/>
-          </a:p>
-        </p:txBody>
-      </p:sp>
-      <p:sp>
-        <p:nvSpPr>
-          <p:cNvPr id="53251" name="Rectangle 2"/>
-          <p:cNvSpPr>
-            <a:spLocks noGrp="1" noRot="1" noChangeAspect="1" noChangeArrowheads="1" noTextEdit="1"/>
+          <p:cNvPr id="2" name="Slide Image Placeholder 1"/>
+          <p:cNvSpPr>
+            <a:spLocks noGrp="1" noRot="1" noChangeAspect="1"/>
           </p:cNvSpPr>
           <p:nvPr>
             <p:ph type="sldImg"/>
           </p:nvPr>
         </p:nvSpPr>
-        <p:spPr>
-          <a:ln/>
-        </p:spPr>
-      </p:sp>
-      <p:sp>
-        <p:nvSpPr>
-          <p:cNvPr id="53252" name="Rectangle 3"/>
-          <p:cNvSpPr>
-            <a:spLocks noGrp="1" noChangeArrowheads="1"/>
+        <p:spPr/>
+      </p:sp>
+      <p:sp>
+        <p:nvSpPr>
+          <p:cNvPr id="3" name="Notes Placeholder 2"/>
+          <p:cNvSpPr>
+            <a:spLocks noGrp="1"/>
           </p:cNvSpPr>
           <p:nvPr>
             <p:ph type="body" idx="1"/>
           </p:nvPr>
         </p:nvSpPr>
-        <p:spPr>
-          <a:noFill/>
-          <a:ln/>
-        </p:spPr>
+        <p:spPr/>
         <p:txBody>
           <a:bodyPr/>
           <a:lstStyle/>
           <a:p>
             <a:r>
               <a:rPr lang="en-US" dirty="0"/>
-              <a:t>The posting file has the by far largest space requirements. An important factor determining the size of an inverted file is the addressing granularity used. The addressing granularity determines of how exactly positions of index terms are recorded in the posting file. There exist three main options:</a:t>
-            </a:r>
-          </a:p>
-          <a:p>
-            <a:pPr>
-              <a:buFontTx/>
-              <a:buChar char="•"/>
-            </a:pPr>
-            <a:r>
-              <a:rPr lang="en-US" dirty="0"/>
-              <a:t>Exact word position</a:t>
-            </a:r>
-          </a:p>
-          <a:p>
-            <a:pPr>
-              <a:buFontTx/>
-              <a:buChar char="•"/>
-            </a:pPr>
-            <a:r>
-              <a:rPr lang="en-US" dirty="0"/>
-              <a:t>Occurrence within a document</a:t>
-            </a:r>
-          </a:p>
-          <a:p>
-            <a:pPr>
-              <a:buFontTx/>
-              <a:buChar char="•"/>
-            </a:pPr>
-            <a:r>
-              <a:rPr lang="en-US" dirty="0"/>
-              <a:t>Occurrence within an arbitrary sized block = equally sized partitions of the document file spanning probably multiple documents</a:t>
-            </a:r>
-          </a:p>
-          <a:p>
-            <a:r>
-              <a:rPr lang="en-US" dirty="0"/>
-              <a:t>The larger the granularity, the fewer entries occur in the posting file. In turn, with coarser granularity additional post-processing is required in order to determine exact positions of index terms.</a:t>
-            </a:r>
-          </a:p>
-          <a:p>
-            <a:r>
-              <a:rPr lang="en-US" dirty="0"/>
-              <a:t>Experiments illustrate the substantial gains that can be obtained with coarser addressing granularities. Coarser granularities lead to a reduction of the index size for two reasons: </a:t>
-            </a:r>
-          </a:p>
-          <a:p>
-            <a:pPr>
-              <a:buFontTx/>
-              <a:buChar char="•"/>
-            </a:pPr>
-            <a:r>
-              <a:rPr lang="en-US" dirty="0"/>
-              <a:t>a reduction in pointer size (e.g. from 4 Bytes for word addressing to 1 Byte with block addressing) </a:t>
-            </a:r>
-          </a:p>
-          <a:p>
-            <a:pPr>
-              <a:buFontTx/>
-              <a:buChar char="•"/>
-            </a:pPr>
-            <a:r>
-              <a:rPr lang="en-US" dirty="0"/>
-              <a:t>and a lower number of occurrences. </a:t>
-            </a:r>
-          </a:p>
-          <a:p>
-            <a:r>
-              <a:rPr lang="en-US" dirty="0"/>
-              <a:t>Note that in the example for a 2GB document collection with 256K block addressing the index size is reduced by a factor of almost 100.</a:t>
+              <a:t>This figure illustrates the merging process: 8 partial indices have been constructed. Step by step the indices are merged, by merging two indices into one, until one final index remains. The merging can be performed, such that the two partial indices which are to be merged are in parallel sequentially scanned on the disk, and while scanning the resulting index is written sequentially to the disk.</a:t>
             </a:r>
           </a:p>
           <a:p>
             <a:endParaRPr lang="en-US" dirty="0"/>
+          </a:p>
+          <a:p>
+            <a:endParaRPr lang="en-GB" dirty="0"/>
+          </a:p>
+        </p:txBody>
+      </p:sp>
+      <p:sp>
+        <p:nvSpPr>
+          <p:cNvPr id="4" name="Slide Number Placeholder 3"/>
+          <p:cNvSpPr>
+            <a:spLocks noGrp="1"/>
+          </p:cNvSpPr>
+          <p:nvPr>
+            <p:ph type="sldNum" sz="quarter" idx="10"/>
+          </p:nvPr>
+        </p:nvSpPr>
+        <p:spPr/>
+        <p:txBody>
+          <a:bodyPr/>
+          <a:lstStyle/>
+          <a:p>
+            <a:fld id="{E6C47E0B-2958-48CC-BA4E-C350203CF107}" type="slidenum">
+              <a:rPr lang="en-US" smtClean="0"/>
+              <a:pPr/>
+              <a:t>21</a:t>
+            </a:fld>
+            <a:endParaRPr lang="en-US"/>
           </a:p>
         </p:txBody>
       </p:sp>
     </p:spTree>
     <p:extLst>
       <p:ext uri="{BB962C8B-B14F-4D97-AF65-F5344CB8AC3E}">
-        <p14:creationId xmlns:p14="http://schemas.microsoft.com/office/powerpoint/2010/main" val="76461212"/>
+        <p14:creationId xmlns:p14="http://schemas.microsoft.com/office/powerpoint/2010/main" val="940182386"/>
       </p:ext>
     </p:extLst>
   </p:cSld>
@@ -2597,7 +2546,7 @@
       </p:grpSpPr>
       <p:sp>
         <p:nvSpPr>
-          <p:cNvPr id="54274" name="Rectangle 7"/>
+          <p:cNvPr id="52226" name="Rectangle 7"/>
           <p:cNvSpPr>
             <a:spLocks noGrp="1" noChangeArrowheads="1"/>
           </p:cNvSpPr>
@@ -2612,10 +2561,10 @@
           <a:bodyPr/>
           <a:lstStyle/>
           <a:p>
-            <a:fld id="{88CB6FF4-B872-49D0-A209-16B62D96E99F}" type="slidenum">
+            <a:fld id="{6F282B96-0DEB-4DA3-965A-2BA7A1FAFD82}" type="slidenum">
               <a:rPr lang="en-US" smtClean="0"/>
               <a:pPr/>
-              <a:t>24</a:t>
+              <a:t>22</a:t>
             </a:fld>
             <a:endParaRPr lang="en-US"/>
           </a:p>
@@ -2623,7 +2572,7 @@
       </p:sp>
       <p:sp>
         <p:nvSpPr>
-          <p:cNvPr id="54275" name="Rectangle 2"/>
+          <p:cNvPr id="52227" name="Rectangle 2"/>
           <p:cNvSpPr>
             <a:spLocks noGrp="1" noRot="1" noChangeAspect="1" noChangeArrowheads="1" noTextEdit="1"/>
           </p:cNvSpPr>
@@ -2632,16 +2581,12 @@
           </p:nvPr>
         </p:nvSpPr>
         <p:spPr>
-          <a:xfrm>
-            <a:off x="841375" y="792163"/>
-            <a:ext cx="5475288" cy="3792537"/>
-          </a:xfrm>
-          <a:ln cap="flat"/>
+          <a:ln/>
         </p:spPr>
       </p:sp>
       <p:sp>
         <p:nvSpPr>
-          <p:cNvPr id="54276" name="Rectangle 3"/>
+          <p:cNvPr id="52228" name="Rectangle 3"/>
           <p:cNvSpPr>
             <a:spLocks noGrp="1" noChangeArrowheads="1"/>
           </p:cNvSpPr>
@@ -2650,10 +2595,6 @@
           </p:nvPr>
         </p:nvSpPr>
         <p:spPr>
-          <a:xfrm>
-            <a:off x="977900" y="4900613"/>
-            <a:ext cx="5208588" cy="4581525"/>
-          </a:xfrm>
           <a:noFill/>
           <a:ln/>
         </p:spPr>
@@ -2663,13 +2604,67 @@
           <a:p>
             <a:r>
               <a:rPr lang="en-US" dirty="0"/>
-              <a:t>A further reduction of the index size can be achieved by applying compression techniques to the inverted lists. In practice, the inverted list of a single term can be rather large. A first improvement is achieved by storing only differences among subsequent document identifiers. Since they occur in sequential order, the differences are much smaller integers than the absolute position identifiers.</a:t>
+              <a:t>Merging the indices requires first merging the vocabularies. As we mentioned earlier, the vocabularies are comparably small and thus the merging of the vocabularies can take place in main memory. In case a vocabulary term occurs in both partial indices, their list of occurrences from the posting file need to be combined. Here we can take advantage of the fact that the partial indices have been constructed by sequentially traversing the document file. Therefore these lists can be directly concatenated without sorting. </a:t>
             </a:r>
           </a:p>
           <a:p>
             <a:r>
               <a:rPr lang="en-US" dirty="0"/>
-              <a:t>In addition number encoding techniques can be applied to the resulting integer values. Since small values will be more frequent than large ones this leads to a further reduction in the size of the posting file.</a:t>
+              <a:t>The total computational complexity of the merging algorithm is </a:t>
+            </a:r>
+            <a:r>
+              <a:rPr lang="en-US" i="1" dirty="0"/>
+              <a:t>O(n log</a:t>
+            </a:r>
+            <a:r>
+              <a:rPr lang="en-US" i="1" baseline="-25000" dirty="0"/>
+              <a:t>2</a:t>
+            </a:r>
+            <a:r>
+              <a:rPr lang="en-US" i="1" dirty="0"/>
+              <a:t>(n/M)).</a:t>
+            </a:r>
+            <a:r>
+              <a:rPr lang="en-US" dirty="0"/>
+              <a:t> This implies</a:t>
+            </a:r>
+            <a:r>
+              <a:rPr lang="en-US" i="1" dirty="0"/>
+              <a:t> </a:t>
+            </a:r>
+            <a:r>
+              <a:rPr lang="en-US" dirty="0"/>
+              <a:t>that the additional cost of merging as compared to the purely main memory based construction of inverted files is a factor of O(</a:t>
+            </a:r>
+            <a:r>
+              <a:rPr lang="en-US" i="1" dirty="0"/>
+              <a:t>log</a:t>
+            </a:r>
+            <a:r>
+              <a:rPr lang="en-US" i="1" baseline="-25000" dirty="0"/>
+              <a:t>2</a:t>
+            </a:r>
+            <a:r>
+              <a:rPr lang="en-US" i="1" dirty="0"/>
+              <a:t>(n/M))). </a:t>
+            </a:r>
+            <a:r>
+              <a:rPr lang="en-US" dirty="0"/>
+              <a:t>This</a:t>
+            </a:r>
+            <a:r>
+              <a:rPr lang="en-US" i="1" dirty="0"/>
+              <a:t> </a:t>
+            </a:r>
+            <a:r>
+              <a:rPr lang="en-US" dirty="0"/>
+              <a:t>is small in practice, e.g., if the database size n is 64 times larger than the main memory size, then this factor would be 6.</a:t>
+            </a:r>
+          </a:p>
+          <a:p>
+            <a:r>
+              <a:rPr lang="en-US" dirty="0"/>
+              <a:t>This example illustrates how the merging process can be performed for example when the database is partitioned into two parts. </a:t>
             </a:r>
           </a:p>
         </p:txBody>
@@ -2677,7 +2672,7 @@
     </p:spTree>
     <p:extLst>
       <p:ext uri="{BB962C8B-B14F-4D97-AF65-F5344CB8AC3E}">
-        <p14:creationId xmlns:p14="http://schemas.microsoft.com/office/powerpoint/2010/main" val="1941319373"/>
+        <p14:creationId xmlns:p14="http://schemas.microsoft.com/office/powerpoint/2010/main" val="3541126990"/>
       </p:ext>
     </p:extLst>
   </p:cSld>
@@ -2706,99 +2701,144 @@
       </p:grpSpPr>
       <p:sp>
         <p:nvSpPr>
-          <p:cNvPr id="2" name="Slide Image Placeholder 1"/>
-          <p:cNvSpPr>
-            <a:spLocks noGrp="1" noRot="1" noChangeAspect="1"/>
+          <p:cNvPr id="53250" name="Rectangle 7"/>
+          <p:cNvSpPr>
+            <a:spLocks noGrp="1" noChangeArrowheads="1"/>
+          </p:cNvSpPr>
+          <p:nvPr>
+            <p:ph type="sldNum" sz="quarter" idx="5"/>
+          </p:nvPr>
+        </p:nvSpPr>
+        <p:spPr>
+          <a:noFill/>
+        </p:spPr>
+        <p:txBody>
+          <a:bodyPr/>
+          <a:lstStyle/>
+          <a:p>
+            <a:fld id="{DA06FB14-FD97-4233-8305-A65803F3AFA7}" type="slidenum">
+              <a:rPr lang="en-US" smtClean="0"/>
+              <a:pPr/>
+              <a:t>23</a:t>
+            </a:fld>
+            <a:endParaRPr lang="en-US"/>
+          </a:p>
+        </p:txBody>
+      </p:sp>
+      <p:sp>
+        <p:nvSpPr>
+          <p:cNvPr id="53251" name="Rectangle 2"/>
+          <p:cNvSpPr>
+            <a:spLocks noGrp="1" noRot="1" noChangeAspect="1" noChangeArrowheads="1" noTextEdit="1"/>
           </p:cNvSpPr>
           <p:nvPr>
             <p:ph type="sldImg"/>
           </p:nvPr>
         </p:nvSpPr>
-        <p:spPr/>
-      </p:sp>
-      <p:sp>
-        <p:nvSpPr>
-          <p:cNvPr id="3" name="Notes Placeholder 2"/>
-          <p:cNvSpPr>
-            <a:spLocks noGrp="1"/>
+        <p:spPr>
+          <a:ln/>
+        </p:spPr>
+      </p:sp>
+      <p:sp>
+        <p:nvSpPr>
+          <p:cNvPr id="53252" name="Rectangle 3"/>
+          <p:cNvSpPr>
+            <a:spLocks noGrp="1" noChangeArrowheads="1"/>
           </p:cNvSpPr>
           <p:nvPr>
             <p:ph type="body" idx="1"/>
           </p:nvPr>
         </p:nvSpPr>
-        <p:spPr/>
+        <p:spPr>
+          <a:noFill/>
+          <a:ln/>
+        </p:spPr>
         <p:txBody>
           <a:bodyPr/>
           <a:lstStyle/>
           <a:p>
-            <a:pPr marL="0" marR="0" indent="0" algn="l" defTabSz="914400" rtl="0" eaLnBrk="1" fontAlgn="base" latinLnBrk="0" hangingPunct="1">
-              <a:lnSpc>
-                <a:spcPct val="100000"/>
-              </a:lnSpc>
-              <a:spcBef>
-                <a:spcPct val="30000"/>
-              </a:spcBef>
-              <a:spcAft>
-                <a:spcPct val="0"/>
-              </a:spcAft>
-              <a:buClrTx/>
-              <a:buSzTx/>
+            <a:r>
+              <a:rPr lang="en-US" dirty="0"/>
+              <a:t>The posting file has the by far largest space requirements. An important factor determining the size of an inverted file is the addressing granularity used. The addressing granularity determines of how exactly positions of index terms are recorded in the posting file. There exist three main options:</a:t>
+            </a:r>
+          </a:p>
+          <a:p>
+            <a:pPr>
               <a:buFontTx/>
-              <a:buNone/>
-              <a:tabLst/>
-              <a:defRPr/>
+              <a:buChar char="•"/>
             </a:pPr>
             <a:r>
-              <a:rPr lang="en-GB" noProof="0" dirty="0"/>
-              <a:t>For Web scale document collections</a:t>
-            </a:r>
-            <a:r>
-              <a:rPr lang="en-GB" baseline="0" noProof="0" dirty="0"/>
-              <a:t> traditional methods of index construction are no longer feasible. Therefore Google developed new approaches in terms of infrastructure and computing model to index very large document collections. A key element is the map-reduce programming model. It allows to parallelize index construction, within an infrastructure using potentially unreliable commodity hardware. </a:t>
-            </a:r>
-            <a:r>
-              <a:rPr lang="en-GB" noProof="0" dirty="0"/>
-              <a:t>The map-reduce</a:t>
-            </a:r>
-            <a:r>
-              <a:rPr lang="en-GB" baseline="0" noProof="0" dirty="0"/>
-              <a:t> programming model has been key in the ability of Google and later other web providers to scale up the applications. It actually led to a novel distributed programming paradigm and systems approach, that is tuned towards cost-efficiency and simplicity of programming.</a:t>
-            </a:r>
-            <a:endParaRPr lang="en-GB" noProof="0" dirty="0"/>
-          </a:p>
-          <a:p>
-            <a:endParaRPr lang="en-GB" noProof="0" dirty="0"/>
-          </a:p>
-        </p:txBody>
-      </p:sp>
-      <p:sp>
-        <p:nvSpPr>
-          <p:cNvPr id="4" name="Slide Number Placeholder 3"/>
-          <p:cNvSpPr>
-            <a:spLocks noGrp="1"/>
-          </p:cNvSpPr>
-          <p:nvPr>
-            <p:ph type="sldNum" sz="quarter" idx="10"/>
-          </p:nvPr>
-        </p:nvSpPr>
-        <p:spPr/>
-        <p:txBody>
-          <a:bodyPr/>
-          <a:lstStyle/>
-          <a:p>
-            <a:fld id="{E6C47E0B-2958-48CC-BA4E-C350203CF107}" type="slidenum">
-              <a:rPr lang="en-US" smtClean="0"/>
-              <a:pPr/>
-              <a:t>25</a:t>
-            </a:fld>
-            <a:endParaRPr lang="en-US"/>
+              <a:rPr lang="en-US" dirty="0"/>
+              <a:t>Exact word position</a:t>
+            </a:r>
+          </a:p>
+          <a:p>
+            <a:pPr>
+              <a:buFontTx/>
+              <a:buChar char="•"/>
+            </a:pPr>
+            <a:r>
+              <a:rPr lang="en-US" dirty="0"/>
+              <a:t>Occurrence within a document</a:t>
+            </a:r>
+          </a:p>
+          <a:p>
+            <a:pPr>
+              <a:buFontTx/>
+              <a:buChar char="•"/>
+            </a:pPr>
+            <a:r>
+              <a:rPr lang="en-US" dirty="0"/>
+              <a:t>Occurrence within an arbitrary sized block = equally sized partitions of the document file spanning probably multiple documents</a:t>
+            </a:r>
+          </a:p>
+          <a:p>
+            <a:r>
+              <a:rPr lang="en-US" dirty="0"/>
+              <a:t>The larger the granularity, the fewer entries occur in the posting file. In turn, with coarser granularity additional post-processing is required in order to determine exact positions of index terms.</a:t>
+            </a:r>
+          </a:p>
+          <a:p>
+            <a:r>
+              <a:rPr lang="en-US" dirty="0"/>
+              <a:t>Experiments illustrate the substantial gains that can be obtained with coarser addressing granularities. Coarser granularities lead to a reduction of the index size for two reasons: </a:t>
+            </a:r>
+          </a:p>
+          <a:p>
+            <a:pPr>
+              <a:buFontTx/>
+              <a:buChar char="•"/>
+            </a:pPr>
+            <a:r>
+              <a:rPr lang="en-US" dirty="0"/>
+              <a:t>a reduction in pointer size (e.g. from 4 Bytes for word addressing to 1 Byte with block addressing) </a:t>
+            </a:r>
+          </a:p>
+          <a:p>
+            <a:pPr>
+              <a:buFontTx/>
+              <a:buChar char="•"/>
+            </a:pPr>
+            <a:r>
+              <a:rPr lang="en-US" dirty="0"/>
+              <a:t>and a lower number of occurrences. </a:t>
+            </a:r>
+          </a:p>
+          <a:p>
+            <a:r>
+              <a:rPr lang="en-US" dirty="0"/>
+              <a:t>Note that in the example for a 2GB document collection with 256K block addressing the index size is reduced by a factor of almost 100.</a:t>
+            </a:r>
+          </a:p>
+          <a:p>
+            <a:endParaRPr lang="en-US" dirty="0"/>
           </a:p>
         </p:txBody>
       </p:sp>
     </p:spTree>
     <p:extLst>
       <p:ext uri="{BB962C8B-B14F-4D97-AF65-F5344CB8AC3E}">
-        <p14:creationId xmlns:p14="http://schemas.microsoft.com/office/powerpoint/2010/main" val="738808912"/>
+        <p14:creationId xmlns:p14="http://schemas.microsoft.com/office/powerpoint/2010/main" val="76461212"/>
       </p:ext>
     </p:extLst>
   </p:cSld>
@@ -2827,79 +2867,87 @@
       </p:grpSpPr>
       <p:sp>
         <p:nvSpPr>
-          <p:cNvPr id="2" name="Slide Image Placeholder 1"/>
-          <p:cNvSpPr>
-            <a:spLocks noGrp="1" noRot="1" noChangeAspect="1"/>
+          <p:cNvPr id="54274" name="Rectangle 7"/>
+          <p:cNvSpPr>
+            <a:spLocks noGrp="1" noChangeArrowheads="1"/>
+          </p:cNvSpPr>
+          <p:nvPr>
+            <p:ph type="sldNum" sz="quarter" idx="5"/>
+          </p:nvPr>
+        </p:nvSpPr>
+        <p:spPr>
+          <a:noFill/>
+        </p:spPr>
+        <p:txBody>
+          <a:bodyPr/>
+          <a:lstStyle/>
+          <a:p>
+            <a:fld id="{88CB6FF4-B872-49D0-A209-16B62D96E99F}" type="slidenum">
+              <a:rPr lang="en-US" smtClean="0"/>
+              <a:pPr/>
+              <a:t>24</a:t>
+            </a:fld>
+            <a:endParaRPr lang="en-US"/>
+          </a:p>
+        </p:txBody>
+      </p:sp>
+      <p:sp>
+        <p:nvSpPr>
+          <p:cNvPr id="54275" name="Rectangle 2"/>
+          <p:cNvSpPr>
+            <a:spLocks noGrp="1" noRot="1" noChangeAspect="1" noChangeArrowheads="1" noTextEdit="1"/>
           </p:cNvSpPr>
           <p:nvPr>
             <p:ph type="sldImg"/>
           </p:nvPr>
         </p:nvSpPr>
-        <p:spPr/>
-      </p:sp>
-      <p:sp>
-        <p:nvSpPr>
-          <p:cNvPr id="3" name="Notes Placeholder 2"/>
-          <p:cNvSpPr>
-            <a:spLocks noGrp="1"/>
+        <p:spPr>
+          <a:xfrm>
+            <a:off x="841375" y="792163"/>
+            <a:ext cx="5475288" cy="3792537"/>
+          </a:xfrm>
+          <a:ln cap="flat"/>
+        </p:spPr>
+      </p:sp>
+      <p:sp>
+        <p:nvSpPr>
+          <p:cNvPr id="54276" name="Rectangle 3"/>
+          <p:cNvSpPr>
+            <a:spLocks noGrp="1" noChangeArrowheads="1"/>
           </p:cNvSpPr>
           <p:nvPr>
             <p:ph type="body" idx="1"/>
           </p:nvPr>
         </p:nvSpPr>
-        <p:spPr/>
+        <p:spPr>
+          <a:xfrm>
+            <a:off x="977900" y="4900613"/>
+            <a:ext cx="5208588" cy="4581525"/>
+          </a:xfrm>
+          <a:noFill/>
+          <a:ln/>
+        </p:spPr>
         <p:txBody>
           <a:bodyPr/>
           <a:lstStyle/>
           <a:p>
             <a:r>
               <a:rPr lang="en-US" dirty="0"/>
-              <a:t>The map-reduce programming model is based on key-value pairs</a:t>
-            </a:r>
-            <a:r>
-              <a:rPr lang="en-US" baseline="0" dirty="0"/>
-              <a:t> and lists of key value pairs (denoted by angle brackets here). The map function receives some input data (typically a piece of text to analyze or index), and produces a list of key-value pairs, that represent some partial results of the analysis (e.g. the counts of words in the text). A combiner function can locally aggregate results on a node executing the mapper function (e.g. aggregating all counts of the same word), thus reducing the number of intermediate results.</a:t>
-            </a:r>
-          </a:p>
-          <a:p>
-            <a:endParaRPr lang="en-US" baseline="0" dirty="0"/>
-          </a:p>
-          <a:p>
-            <a:r>
-              <a:rPr lang="en-US" baseline="0" dirty="0"/>
-              <a:t>The reducer process receives as input all local results for a given key value, that have been computed by different mapper functions. It computes then an output value (e.g. the total count of words in the document corpus).</a:t>
-            </a:r>
-          </a:p>
-        </p:txBody>
-      </p:sp>
-      <p:sp>
-        <p:nvSpPr>
-          <p:cNvPr id="4" name="Slide Number Placeholder 3"/>
-          <p:cNvSpPr>
-            <a:spLocks noGrp="1"/>
-          </p:cNvSpPr>
-          <p:nvPr>
-            <p:ph type="sldNum" sz="quarter" idx="10"/>
-          </p:nvPr>
-        </p:nvSpPr>
-        <p:spPr/>
-        <p:txBody>
-          <a:bodyPr/>
-          <a:lstStyle/>
-          <a:p>
-            <a:fld id="{E6C47E0B-2958-48CC-BA4E-C350203CF107}" type="slidenum">
-              <a:rPr lang="en-US" smtClean="0"/>
-              <a:pPr/>
-              <a:t>26</a:t>
-            </a:fld>
-            <a:endParaRPr lang="en-US"/>
+              <a:t>A further reduction of the index size can be achieved by applying compression techniques to the inverted lists. In practice, the inverted list of a single term can be rather large. A first improvement is achieved by storing only differences among subsequent document identifiers. Since they occur in sequential order, the differences are much smaller integers than the absolute position identifiers.</a:t>
+            </a:r>
+          </a:p>
+          <a:p>
+            <a:r>
+              <a:rPr lang="en-US" dirty="0"/>
+              <a:t>In addition number encoding techniques can be applied to the resulting integer values. Since small values will be more frequent than large ones this leads to a further reduction in the size of the posting file.</a:t>
+            </a:r>
           </a:p>
         </p:txBody>
       </p:sp>
     </p:spTree>
     <p:extLst>
       <p:ext uri="{BB962C8B-B14F-4D97-AF65-F5344CB8AC3E}">
-        <p14:creationId xmlns:p14="http://schemas.microsoft.com/office/powerpoint/2010/main" val="3727262670"/>
+        <p14:creationId xmlns:p14="http://schemas.microsoft.com/office/powerpoint/2010/main" val="1941319373"/>
       </p:ext>
     </p:extLst>
   </p:cSld>
@@ -2953,7 +3001,7 @@
           <a:bodyPr/>
           <a:lstStyle/>
           <a:p>
-            <a:pPr marL="0" marR="0" lvl="0" indent="0" algn="l" defTabSz="914400" rtl="0" eaLnBrk="0" fontAlgn="base" latinLnBrk="0" hangingPunct="0">
+            <a:pPr marL="0" marR="0" indent="0" algn="l" defTabSz="914400" rtl="0" eaLnBrk="1" fontAlgn="base" latinLnBrk="0" hangingPunct="1">
               <a:lnSpc>
                 <a:spcPct val="100000"/>
               </a:lnSpc>
@@ -2972,16 +3020,24 @@
             </a:pPr>
             <a:r>
               <a:rPr lang="en-GB" noProof="0" dirty="0"/>
-              <a:t>This figure illustrates the basic steps of a map-reduce computation for the basic example of word counting. The document collection is partitioned and assigned</a:t>
+              <a:t>For Web scale document collections</a:t>
             </a:r>
             <a:r>
               <a:rPr lang="en-GB" baseline="0" noProof="0" dirty="0"/>
-              <a:t> to different mapper nodes. The mapper nodes extract word statistics for their partition of the document collection. For each word a reducer node is responsible. Based on the key, i.e., a word, the mapper nodes send their local results for the word to the responsible reducer node. This can be controlled e.g. by hashngi the key values. The reducer nodes aggregate the statistics that they receive from all the mapper nodes. Once the reducer nodes have finalized generating the partial indices for their key space, the results are written to the file system. The allocation of resources for the processes for mappers and reducers is performed automatically by the system and completely transparent to the developer of the code.</a:t>
+              <a:t> traditional methods of index construction are no longer feasible. Therefore Google developed new approaches in terms of infrastructure and computing model to index very large document collections. A key element is the map-reduce programming model. It allows to parallelize index construction, within an infrastructure using potentially unreliable commodity hardware. </a:t>
+            </a:r>
+            <a:r>
+              <a:rPr lang="en-GB" noProof="0" dirty="0"/>
+              <a:t>The map-reduce</a:t>
+            </a:r>
+            <a:r>
+              <a:rPr lang="en-GB" baseline="0" noProof="0" dirty="0"/>
+              <a:t> programming model has been key in the ability of Google and later other web providers to scale up the applications. It actually led to a novel distributed programming paradigm and systems approach, that is tuned towards cost-efficiency and simplicity of programming.</a:t>
             </a:r>
             <a:endParaRPr lang="en-GB" noProof="0" dirty="0"/>
           </a:p>
           <a:p>
-            <a:endParaRPr lang="en-US"/>
+            <a:endParaRPr lang="en-GB" noProof="0" dirty="0"/>
           </a:p>
         </p:txBody>
       </p:sp>
@@ -2992,7 +3048,7 @@
             <a:spLocks noGrp="1"/>
           </p:cNvSpPr>
           <p:nvPr>
-            <p:ph type="sldNum" sz="quarter" idx="5"/>
+            <p:ph type="sldNum" sz="quarter" idx="10"/>
           </p:nvPr>
         </p:nvSpPr>
         <p:spPr/>
@@ -3000,15 +3056,10 @@
           <a:bodyPr/>
           <a:lstStyle/>
           <a:p>
-            <a:pPr>
-              <a:defRPr/>
-            </a:pPr>
-            <a:fld id="{14727734-ABCF-234D-B636-C5B0C95204C2}" type="slidenum">
-              <a:rPr lang="en-US"/>
-              <a:pPr>
-                <a:defRPr/>
-              </a:pPr>
-              <a:t>28</a:t>
+            <a:fld id="{E6C47E0B-2958-48CC-BA4E-C350203CF107}" type="slidenum">
+              <a:rPr lang="en-US" smtClean="0"/>
+              <a:pPr/>
+              <a:t>25</a:t>
             </a:fld>
             <a:endParaRPr lang="en-US"/>
           </a:p>
@@ -3017,7 +3068,7 @@
     </p:spTree>
     <p:extLst>
       <p:ext uri="{BB962C8B-B14F-4D97-AF65-F5344CB8AC3E}">
-        <p14:creationId xmlns:p14="http://schemas.microsoft.com/office/powerpoint/2010/main" val="4245976603"/>
+        <p14:creationId xmlns:p14="http://schemas.microsoft.com/office/powerpoint/2010/main" val="738808912"/>
       </p:ext>
     </p:extLst>
   </p:cSld>
@@ -3071,7 +3122,23 @@
           <a:bodyPr/>
           <a:lstStyle/>
           <a:p>
-            <a:endParaRPr lang="en-US"/>
+            <a:r>
+              <a:rPr lang="en-US" dirty="0"/>
+              <a:t>The map-reduce programming model is based on key-value pairs</a:t>
+            </a:r>
+            <a:r>
+              <a:rPr lang="en-US" baseline="0" dirty="0"/>
+              <a:t> and lists of key value pairs (denoted by angle brackets here). The map function receives some input data (typically a piece of text to analyze or index), and produces a list of key-value pairs, that represent some partial results of the analysis (e.g. the counts of words in the text). A combiner function can locally aggregate results on a node executing the mapper function (e.g. aggregating all counts of the same word), thus reducing the number of intermediate results.</a:t>
+            </a:r>
+          </a:p>
+          <a:p>
+            <a:endParaRPr lang="en-US" baseline="0" dirty="0"/>
+          </a:p>
+          <a:p>
+            <a:r>
+              <a:rPr lang="en-US" baseline="0" dirty="0"/>
+              <a:t>The reducer process receives as input all local results for a given key value, that have been computed by different mapper functions. It computes then an output value (e.g. the total count of words in the document corpus).</a:t>
+            </a:r>
           </a:p>
         </p:txBody>
       </p:sp>
@@ -3093,7 +3160,7 @@
             <a:fld id="{E6C47E0B-2958-48CC-BA4E-C350203CF107}" type="slidenum">
               <a:rPr lang="en-US" smtClean="0"/>
               <a:pPr/>
-              <a:t>34</a:t>
+              <a:t>26</a:t>
             </a:fld>
             <a:endParaRPr lang="en-US"/>
           </a:p>
@@ -3102,7 +3169,7 @@
     </p:spTree>
     <p:extLst>
       <p:ext uri="{BB962C8B-B14F-4D97-AF65-F5344CB8AC3E}">
-        <p14:creationId xmlns:p14="http://schemas.microsoft.com/office/powerpoint/2010/main" val="1701915697"/>
+        <p14:creationId xmlns:p14="http://schemas.microsoft.com/office/powerpoint/2010/main" val="3727262670"/>
       </p:ext>
     </p:extLst>
   </p:cSld>
@@ -3156,6 +3223,34 @@
           <a:bodyPr/>
           <a:lstStyle/>
           <a:p>
+            <a:pPr marL="0" marR="0" lvl="0" indent="0" algn="l" defTabSz="914400" rtl="0" eaLnBrk="0" fontAlgn="base" latinLnBrk="0" hangingPunct="0">
+              <a:lnSpc>
+                <a:spcPct val="100000"/>
+              </a:lnSpc>
+              <a:spcBef>
+                <a:spcPct val="30000"/>
+              </a:spcBef>
+              <a:spcAft>
+                <a:spcPct val="0"/>
+              </a:spcAft>
+              <a:buClrTx/>
+              <a:buSzTx/>
+              <a:buFontTx/>
+              <a:buNone/>
+              <a:tabLst/>
+              <a:defRPr/>
+            </a:pPr>
+            <a:r>
+              <a:rPr lang="en-GB" noProof="0" dirty="0"/>
+              <a:t>This figure illustrates the basic steps of a map-reduce computation for the basic example of word counting. The document collection is partitioned and assigned</a:t>
+            </a:r>
+            <a:r>
+              <a:rPr lang="en-GB" baseline="0" noProof="0" dirty="0"/>
+              <a:t> to different mapper nodes. The mapper nodes extract word statistics for their partition of the document collection. For each word a reducer node is responsible. Based on the key, i.e., a word, the mapper nodes send their local results for the word to the responsible reducer node. This can be controlled e.g. by hashngi the key values. The reducer nodes aggregate the statistics that they receive from all the mapper nodes. Once the reducer nodes have finalized generating the partial indices for their key space, the results are written to the file system. The allocation of resources for the processes for mappers and reducers is performed automatically by the system and completely transparent to the developer of the code.</a:t>
+            </a:r>
+            <a:endParaRPr lang="en-GB" noProof="0" dirty="0"/>
+          </a:p>
+          <a:p>
             <a:endParaRPr lang="en-US"/>
           </a:p>
         </p:txBody>
@@ -3167,7 +3262,7 @@
             <a:spLocks noGrp="1"/>
           </p:cNvSpPr>
           <p:nvPr>
-            <p:ph type="sldNum" sz="quarter" idx="10"/>
+            <p:ph type="sldNum" sz="quarter" idx="5"/>
           </p:nvPr>
         </p:nvSpPr>
         <p:spPr/>
@@ -3175,10 +3270,15 @@
           <a:bodyPr/>
           <a:lstStyle/>
           <a:p>
-            <a:fld id="{E6C47E0B-2958-48CC-BA4E-C350203CF107}" type="slidenum">
-              <a:rPr lang="en-US" smtClean="0"/>
-              <a:pPr/>
-              <a:t>35</a:t>
+            <a:pPr>
+              <a:defRPr/>
+            </a:pPr>
+            <a:fld id="{14727734-ABCF-234D-B636-C5B0C95204C2}" type="slidenum">
+              <a:rPr lang="en-US"/>
+              <a:pPr>
+                <a:defRPr/>
+              </a:pPr>
+              <a:t>28</a:t>
             </a:fld>
             <a:endParaRPr lang="en-US"/>
           </a:p>
@@ -3187,7 +3287,7 @@
     </p:spTree>
     <p:extLst>
       <p:ext uri="{BB962C8B-B14F-4D97-AF65-F5344CB8AC3E}">
-        <p14:creationId xmlns:p14="http://schemas.microsoft.com/office/powerpoint/2010/main" val="4116222727"/>
+        <p14:creationId xmlns:p14="http://schemas.microsoft.com/office/powerpoint/2010/main" val="4245976603"/>
       </p:ext>
     </p:extLst>
   </p:cSld>
@@ -3238,20 +3338,10 @@
         </p:nvSpPr>
         <p:spPr/>
         <p:txBody>
-          <a:bodyPr>
-            <a:normAutofit/>
-          </a:bodyPr>
+          <a:bodyPr/>
           <a:lstStyle/>
           <a:p>
-            <a:r>
-              <a:rPr lang="en-US" dirty="0"/>
-              <a:t>When</a:t>
-            </a:r>
-            <a:r>
-              <a:rPr lang="en-US" baseline="0" dirty="0"/>
-              <a:t> using inverted files, a query involving multiple search terms requires the scanning of the postings lists of all terms. Typically in this process the term frequencies are computed for ALL documents in the document collection containing any of the query terms. In a centralized server this can be implemented relatively efficiently, though still resource-intensive, since scanning of disks is a comparably efficient operation. </a:t>
-            </a:r>
-            <a:endParaRPr lang="en-US" dirty="0"/>
+            <a:endParaRPr lang="en-US"/>
           </a:p>
         </p:txBody>
       </p:sp>
@@ -3270,15 +3360,10 @@
           <a:bodyPr/>
           <a:lstStyle/>
           <a:p>
-            <a:pPr>
-              <a:defRPr/>
-            </a:pPr>
-            <a:fld id="{78A3445B-747A-4EBC-8C94-E1D924E8E331}" type="slidenum">
+            <a:fld id="{E6C47E0B-2958-48CC-BA4E-C350203CF107}" type="slidenum">
               <a:rPr lang="en-US" smtClean="0"/>
-              <a:pPr>
-                <a:defRPr/>
-              </a:pPr>
-              <a:t>36</a:t>
+              <a:pPr/>
+              <a:t>34</a:t>
             </a:fld>
             <a:endParaRPr lang="en-US"/>
           </a:p>
@@ -3287,7 +3372,7 @@
     </p:spTree>
     <p:extLst>
       <p:ext uri="{BB962C8B-B14F-4D97-AF65-F5344CB8AC3E}">
-        <p14:creationId xmlns:p14="http://schemas.microsoft.com/office/powerpoint/2010/main" val="544147157"/>
+        <p14:creationId xmlns:p14="http://schemas.microsoft.com/office/powerpoint/2010/main" val="1701915697"/>
       </p:ext>
     </p:extLst>
   </p:cSld>
@@ -3341,23 +3426,7 @@
           <a:bodyPr/>
           <a:lstStyle/>
           <a:p>
-            <a:r>
-              <a:rPr lang="en-US" baseline="0" dirty="0"/>
-              <a:t>In a distributed setting the picture changes quite significantly. Assuming that posting lists for different terms are stored on different nodes, complete posting lists have to be transferred over the network. Assuming that these postings lists can contain up to millions of entries, data in the order of megabytes needs to be transferred in order to compute the query result, which results in a prohibitively high network bandwidth consumption. So the question is, whether there exist more efficient ways to determine the top ranked (top-k) for the results of a query, avoiding complete scans of posting lists.</a:t>
-            </a:r>
-          </a:p>
-          <a:p>
-            <a:endParaRPr lang="en-US" baseline="0" dirty="0"/>
-          </a:p>
-          <a:p>
-            <a:r>
-              <a:rPr lang="en-US" baseline="0" dirty="0"/>
-              <a:t>Remark: in the following we will use k to indicate the number of results retrieved, despite the fact that we have used earlier k to denote the size of the vocabulary. The terminology top-k is so well established today, that it would be confusing to deviate here for notational consistency.</a:t>
-            </a:r>
-            <a:endParaRPr lang="en-US" dirty="0"/>
-          </a:p>
-          <a:p>
-            <a:endParaRPr lang="en-GB" dirty="0"/>
+            <a:endParaRPr lang="en-US"/>
           </a:p>
         </p:txBody>
       </p:sp>
@@ -3379,7 +3448,7 @@
             <a:fld id="{E6C47E0B-2958-48CC-BA4E-C350203CF107}" type="slidenum">
               <a:rPr lang="en-US" smtClean="0"/>
               <a:pPr/>
-              <a:t>37</a:t>
+              <a:t>35</a:t>
             </a:fld>
             <a:endParaRPr lang="en-US"/>
           </a:p>
@@ -3388,7 +3457,7 @@
     </p:spTree>
     <p:extLst>
       <p:ext uri="{BB962C8B-B14F-4D97-AF65-F5344CB8AC3E}">
-        <p14:creationId xmlns:p14="http://schemas.microsoft.com/office/powerpoint/2010/main" val="3228761365"/>
+        <p14:creationId xmlns:p14="http://schemas.microsoft.com/office/powerpoint/2010/main" val="4116222727"/>
       </p:ext>
     </p:extLst>
   </p:cSld>
@@ -3440,65 +3509,19 @@
         <p:spPr/>
         <p:txBody>
           <a:bodyPr>
-            <a:normAutofit fontScale="85000" lnSpcReduction="20000"/>
+            <a:normAutofit/>
           </a:bodyPr>
           <a:lstStyle/>
           <a:p>
             <a:r>
               <a:rPr lang="en-US" dirty="0"/>
-              <a:t>One approach to deal with this problem is Fagin’s algorithm. It has been originally developed for multimedia queries, where multiple</a:t>
+              <a:t>When</a:t>
             </a:r>
             <a:r>
               <a:rPr lang="en-US" baseline="0" dirty="0"/>
-              <a:t> features of an object (e.g., an image) need to be combined to determine the most similar ones. The algorithm tries to minimize the number of objects (in our case documents) that need to be considered in that process. </a:t>
-            </a:r>
-          </a:p>
-          <a:p>
-            <a:r>
-              <a:rPr lang="en-US" baseline="0" dirty="0"/>
-              <a:t>An important assumption that is made in Fagin’s algorithm, is that the elements in a posting list are ordered according to the scores of the documents. In that case we would consider the </a:t>
-            </a:r>
-            <a:r>
-              <a:rPr lang="en-US" baseline="0" dirty="0" err="1"/>
-              <a:t>tf-idf</a:t>
-            </a:r>
-            <a:r>
-              <a:rPr lang="en-US" baseline="0" dirty="0"/>
-              <a:t> weights as the scores. Note that this assumption implies that an additional cost is occurred for sorting the posting lists (once). The algorithm proceeds as follows:</a:t>
-            </a:r>
-          </a:p>
-          <a:p>
-            <a:endParaRPr lang="en-US" baseline="0" dirty="0"/>
-          </a:p>
-          <a:p>
-            <a:r>
-              <a:rPr lang="en-US" baseline="0" dirty="0"/>
-              <a:t>Phase 1: The algorithm scans in a round-robin fashion the elements of the posting lists starting from those with the highest score. Whenever an element is encountered in multiple lists, their scores are combined (e.g., added). This is continued till k elements are detected that appear in all lists. </a:t>
-            </a:r>
-          </a:p>
-          <a:p>
-            <a:r>
-              <a:rPr lang="en-US" baseline="0" dirty="0"/>
-              <a:t>Phase 2: By then many other documents also may have been detected, but not in all lists. Thus in a next step the missing scores are retrieved from the lists. This requires random (and not scanning) access, e.g., supported by an index. This constitutes the most expensive part of the algorithm. </a:t>
-            </a:r>
-          </a:p>
-          <a:p>
-            <a:r>
-              <a:rPr lang="en-US" baseline="0" dirty="0"/>
-              <a:t>Phase 3: Finally the k elements with the highest scores are returned. These are not necessarily corresponding to those that have been identified in the Phase 1 as those k elements that occur in all lists. They also might include elements for which additional scores have been retrieved in Phase 2.</a:t>
-            </a:r>
-          </a:p>
-          <a:p>
-            <a:endParaRPr lang="en-US" baseline="0" dirty="0"/>
-          </a:p>
-          <a:p>
-            <a:r>
-              <a:rPr lang="en-US" baseline="0" dirty="0"/>
-              <a:t>The algorithm returns provably always the k elements with the highest combined score.</a:t>
-            </a:r>
-          </a:p>
-          <a:p>
-            <a:endParaRPr lang="en-US" baseline="0" dirty="0"/>
+              <a:t> using inverted files, a query involving multiple search terms requires the scanning of the postings lists of all terms. Typically in this process the term frequencies are computed for ALL documents in the document collection containing any of the query terms. In a centralized server this can be implemented relatively efficiently, though still resource-intensive, since scanning of disks is a comparably efficient operation. </a:t>
+            </a:r>
+            <a:endParaRPr lang="en-US" dirty="0"/>
           </a:p>
         </p:txBody>
       </p:sp>
@@ -3525,7 +3548,7 @@
               <a:pPr>
                 <a:defRPr/>
               </a:pPr>
-              <a:t>38</a:t>
+              <a:t>36</a:t>
             </a:fld>
             <a:endParaRPr lang="en-US"/>
           </a:p>
@@ -3534,7 +3557,7 @@
     </p:spTree>
     <p:extLst>
       <p:ext uri="{BB962C8B-B14F-4D97-AF65-F5344CB8AC3E}">
-        <p14:creationId xmlns:p14="http://schemas.microsoft.com/office/powerpoint/2010/main" val="3522881454"/>
+        <p14:creationId xmlns:p14="http://schemas.microsoft.com/office/powerpoint/2010/main" val="544147157"/>
       </p:ext>
     </p:extLst>
   </p:cSld>
@@ -3691,26 +3714,18 @@
           <a:bodyPr/>
           <a:lstStyle/>
           <a:p>
-            <a:pPr marL="0" marR="0" indent="0" algn="l" defTabSz="914400" rtl="0" eaLnBrk="1" fontAlgn="base" latinLnBrk="0" hangingPunct="1">
-              <a:lnSpc>
-                <a:spcPct val="100000"/>
-              </a:lnSpc>
-              <a:spcBef>
-                <a:spcPct val="30000"/>
-              </a:spcBef>
-              <a:spcAft>
-                <a:spcPct val="0"/>
-              </a:spcAft>
-              <a:buClrTx/>
-              <a:buSzTx/>
-              <a:buFontTx/>
-              <a:buNone/>
-              <a:tabLst/>
-              <a:defRPr/>
-            </a:pPr>
             <a:r>
               <a:rPr lang="en-US" baseline="0" dirty="0"/>
-              <a:t>The example illustrates a case where two lists are searched, i.e., processing a query with two terms. First 6 new different documents are detected in phase 1 and their scores are recorded.</a:t>
+              <a:t>In a distributed setting the picture changes quite significantly. Assuming that posting lists for different terms are stored on different nodes, complete posting lists have to be transferred over the network. Assuming that these postings lists can contain up to millions of entries, data in the order of megabytes needs to be transferred in order to compute the query result, which results in a prohibitively high network bandwidth consumption. So the question is, whether there exist more efficient ways to determine the top ranked (top-k) for the results of a query, avoiding complete scans of posting lists.</a:t>
+            </a:r>
+          </a:p>
+          <a:p>
+            <a:endParaRPr lang="en-US" baseline="0" dirty="0"/>
+          </a:p>
+          <a:p>
+            <a:r>
+              <a:rPr lang="en-US" baseline="0" dirty="0"/>
+              <a:t>Remark: in the following we will use k to indicate the number of results retrieved, despite the fact that we have used earlier k to denote the size of the vocabulary. The terminology top-k is so well established today, that it would be confusing to deviate here for notational consistency.</a:t>
             </a:r>
             <a:endParaRPr lang="en-US" dirty="0"/>
           </a:p>
@@ -3737,7 +3752,7 @@
             <a:fld id="{E6C47E0B-2958-48CC-BA4E-C350203CF107}" type="slidenum">
               <a:rPr lang="en-US" smtClean="0"/>
               <a:pPr/>
-              <a:t>39</a:t>
+              <a:t>37</a:t>
             </a:fld>
             <a:endParaRPr lang="en-US"/>
           </a:p>
@@ -3746,7 +3761,7 @@
     </p:spTree>
     <p:extLst>
       <p:ext uri="{BB962C8B-B14F-4D97-AF65-F5344CB8AC3E}">
-        <p14:creationId xmlns:p14="http://schemas.microsoft.com/office/powerpoint/2010/main" val="634839656"/>
+        <p14:creationId xmlns:p14="http://schemas.microsoft.com/office/powerpoint/2010/main" val="3228761365"/>
       </p:ext>
     </p:extLst>
   </p:cSld>
@@ -3797,34 +3812,66 @@
         </p:nvSpPr>
         <p:spPr/>
         <p:txBody>
-          <a:bodyPr/>
+          <a:bodyPr>
+            <a:normAutofit fontScale="85000" lnSpcReduction="20000"/>
+          </a:bodyPr>
           <a:lstStyle/>
           <a:p>
-            <a:pPr marL="0" marR="0" indent="0" algn="l" defTabSz="914400" rtl="0" eaLnBrk="1" fontAlgn="base" latinLnBrk="0" hangingPunct="1">
-              <a:lnSpc>
-                <a:spcPct val="100000"/>
-              </a:lnSpc>
-              <a:spcBef>
-                <a:spcPct val="30000"/>
-              </a:spcBef>
-              <a:spcAft>
-                <a:spcPct val="0"/>
-              </a:spcAft>
-              <a:buClrTx/>
-              <a:buSzTx/>
-              <a:buFontTx/>
-              <a:buNone/>
-              <a:tabLst/>
-              <a:defRPr/>
-            </a:pPr>
+            <a:r>
+              <a:rPr lang="en-US" dirty="0"/>
+              <a:t>One approach to deal with this problem is Fagin’s algorithm. It has been originally developed for multimedia queries, where multiple</a:t>
+            </a:r>
             <a:r>
               <a:rPr lang="en-US" baseline="0" dirty="0"/>
-              <a:t>In the next step we are detecting two documents, d1 and d5, that are occurring in both posting lists. Thus we finish phase 1 of the algorithm, as we are now sure that the top-2 elements will be found in the documents detected so far.</a:t>
-            </a:r>
-            <a:endParaRPr lang="en-US" dirty="0"/>
-          </a:p>
-          <a:p>
-            <a:endParaRPr lang="en-GB" dirty="0"/>
+              <a:t> features of an object (e.g., an image) need to be combined to determine the most similar ones. The algorithm tries to minimize the number of objects (in our case documents) that need to be considered in that process. </a:t>
+            </a:r>
+          </a:p>
+          <a:p>
+            <a:r>
+              <a:rPr lang="en-US" baseline="0" dirty="0"/>
+              <a:t>An important assumption that is made in Fagin’s algorithm, is that the elements in a posting list are ordered according to the scores of the documents. In that case we would consider the </a:t>
+            </a:r>
+            <a:r>
+              <a:rPr lang="en-US" baseline="0" dirty="0" err="1"/>
+              <a:t>tf-idf</a:t>
+            </a:r>
+            <a:r>
+              <a:rPr lang="en-US" baseline="0" dirty="0"/>
+              <a:t> weights as the scores. Note that this assumption implies that an additional cost is occurred for sorting the posting lists (once). The algorithm proceeds as follows:</a:t>
+            </a:r>
+          </a:p>
+          <a:p>
+            <a:endParaRPr lang="en-US" baseline="0" dirty="0"/>
+          </a:p>
+          <a:p>
+            <a:r>
+              <a:rPr lang="en-US" baseline="0" dirty="0"/>
+              <a:t>Phase 1: The algorithm scans in a round-robin fashion the elements of the posting lists starting from those with the highest score. Whenever an element is encountered in multiple lists, their scores are combined (e.g., added). This is continued till k elements are detected that appear in all lists. </a:t>
+            </a:r>
+          </a:p>
+          <a:p>
+            <a:r>
+              <a:rPr lang="en-US" baseline="0" dirty="0"/>
+              <a:t>Phase 2: By then many other documents also may have been detected, but not in all lists. Thus in a next step the missing scores are retrieved from the lists. This requires random (and not scanning) access, e.g., supported by an index. This constitutes the most expensive part of the algorithm. </a:t>
+            </a:r>
+          </a:p>
+          <a:p>
+            <a:r>
+              <a:rPr lang="en-US" baseline="0" dirty="0"/>
+              <a:t>Phase 3: Finally the k elements with the highest scores are returned. These are not necessarily corresponding to those that have been identified in the Phase 1 as those k elements that occur in all lists. They also might include elements for which additional scores have been retrieved in Phase 2.</a:t>
+            </a:r>
+          </a:p>
+          <a:p>
+            <a:endParaRPr lang="en-US" baseline="0" dirty="0"/>
+          </a:p>
+          <a:p>
+            <a:r>
+              <a:rPr lang="en-US" baseline="0" dirty="0"/>
+              <a:t>The algorithm returns provably always the k elements with the highest combined score.</a:t>
+            </a:r>
+          </a:p>
+          <a:p>
+            <a:endParaRPr lang="en-US" baseline="0" dirty="0"/>
           </a:p>
         </p:txBody>
       </p:sp>
@@ -3843,10 +3890,15 @@
           <a:bodyPr/>
           <a:lstStyle/>
           <a:p>
-            <a:fld id="{E6C47E0B-2958-48CC-BA4E-C350203CF107}" type="slidenum">
+            <a:pPr>
+              <a:defRPr/>
+            </a:pPr>
+            <a:fld id="{78A3445B-747A-4EBC-8C94-E1D924E8E331}" type="slidenum">
               <a:rPr lang="en-US" smtClean="0"/>
-              <a:pPr/>
-              <a:t>40</a:t>
+              <a:pPr>
+                <a:defRPr/>
+              </a:pPr>
+              <a:t>38</a:t>
             </a:fld>
             <a:endParaRPr lang="en-US"/>
           </a:p>
@@ -3855,7 +3907,7 @@
     </p:spTree>
     <p:extLst>
       <p:ext uri="{BB962C8B-B14F-4D97-AF65-F5344CB8AC3E}">
-        <p14:creationId xmlns:p14="http://schemas.microsoft.com/office/powerpoint/2010/main" val="1046048335"/>
+        <p14:creationId xmlns:p14="http://schemas.microsoft.com/office/powerpoint/2010/main" val="3522881454"/>
       </p:ext>
     </p:extLst>
   </p:cSld>
@@ -3928,7 +3980,7 @@
             </a:pPr>
             <a:r>
               <a:rPr lang="en-US" baseline="0" dirty="0"/>
-              <a:t>In phase 2, the missing scores of the other documents are retrieved using random access. Once they have been obtained, the top 2 documents are returned. In this example these are documents d1 and d6. Note that these are not the 2 documents that have been first discovered to occur in both lists, which where d1 and d5.</a:t>
+              <a:t>The example illustrates a case where two lists are searched, i.e., processing a query with two terms. First 6 new different documents are detected in phase 1 and their scores are recorded.</a:t>
             </a:r>
             <a:endParaRPr lang="en-US" dirty="0"/>
           </a:p>
@@ -3955,7 +4007,7 @@
             <a:fld id="{E6C47E0B-2958-48CC-BA4E-C350203CF107}" type="slidenum">
               <a:rPr lang="en-US" smtClean="0"/>
               <a:pPr/>
-              <a:t>41</a:t>
+              <a:t>39</a:t>
             </a:fld>
             <a:endParaRPr lang="en-US"/>
           </a:p>
@@ -3964,7 +4016,7 @@
     </p:spTree>
     <p:extLst>
       <p:ext uri="{BB962C8B-B14F-4D97-AF65-F5344CB8AC3E}">
-        <p14:creationId xmlns:p14="http://schemas.microsoft.com/office/powerpoint/2010/main" val="3668367948"/>
+        <p14:creationId xmlns:p14="http://schemas.microsoft.com/office/powerpoint/2010/main" val="634839656"/>
       </p:ext>
     </p:extLst>
   </p:cSld>
@@ -4015,62 +4067,34 @@
         </p:nvSpPr>
         <p:spPr/>
         <p:txBody>
-          <a:bodyPr>
-            <a:normAutofit fontScale="92500" lnSpcReduction="20000"/>
-          </a:bodyPr>
+          <a:bodyPr/>
           <a:lstStyle/>
           <a:p>
-            <a:r>
-              <a:rPr lang="en-US" dirty="0"/>
-              <a:t>It</a:t>
-            </a:r>
+            <a:pPr marL="0" marR="0" indent="0" algn="l" defTabSz="914400" rtl="0" eaLnBrk="1" fontAlgn="base" latinLnBrk="0" hangingPunct="1">
+              <a:lnSpc>
+                <a:spcPct val="100000"/>
+              </a:lnSpc>
+              <a:spcBef>
+                <a:spcPct val="30000"/>
+              </a:spcBef>
+              <a:spcAft>
+                <a:spcPct val="0"/>
+              </a:spcAft>
+              <a:buClrTx/>
+              <a:buSzTx/>
+              <a:buFontTx/>
+              <a:buNone/>
+              <a:tabLst/>
+              <a:defRPr/>
+            </a:pPr>
             <a:r>
               <a:rPr lang="en-US" baseline="0" dirty="0"/>
-              <a:t> can be shown that the complexity of the Fagin algorithm in the case of two lists is </a:t>
-            </a:r>
-            <a:r>
-              <a:rPr lang="en-US" dirty="0"/>
-              <a:t>O((k n)</a:t>
-            </a:r>
-            <a:r>
-              <a:rPr lang="en-US" baseline="30000" dirty="0"/>
-              <a:t>1/2</a:t>
-            </a:r>
-            <a:r>
-              <a:rPr lang="en-US" dirty="0"/>
-              <a:t>) for the number of entries</a:t>
-            </a:r>
-            <a:r>
-              <a:rPr lang="en-US" baseline="0" dirty="0"/>
-              <a:t> that are read from each list, where n is the number of documents in the document collection. This is significantly smaller than reading the complete lists, and reduces further if the entries are positively correlated (i.e., if a document is highly ranked in one list, then it has also higher probability to be highly ranked in the other list), which is likely to be the case. The results generalizes to the case of multiple lists.</a:t>
-            </a:r>
-          </a:p>
-          <a:p>
-            <a:endParaRPr lang="en-US" baseline="0" dirty="0"/>
-          </a:p>
-          <a:p>
-            <a:r>
-              <a:rPr lang="en-US" baseline="0" dirty="0"/>
-              <a:t>In a distributed setting applying Fagin’s algorithm directly is still not very practical, since for every element retrieved from a list a message would have to be exchanged with another node. To avoid this, variants of this algorithm have been proposed, where larger chunks of the list from one node are sent to the other. In the ideal case one node “guesses” how many entries from its list would have to be read and transmits this set of entries to the other node(s).</a:t>
-            </a:r>
-          </a:p>
-          <a:p>
-            <a:endParaRPr lang="en-US" baseline="0" dirty="0"/>
-          </a:p>
-          <a:p>
-            <a:r>
-              <a:rPr lang="en-US" baseline="0" dirty="0"/>
-              <a:t>Fagin’s algorithm has found many applications apart from distributed retrieval. It is being used in multimedia retrieval (it’s original application), but also in processing data from relational databases (e.g. finding tuples with a highest combined value for multiple attributes), sensor data processing, but also in text document filtering. Also alternative algorithms for solving the same problem have been proposed</a:t>
-            </a:r>
-            <a:r>
-              <a:rPr lang="en-US" baseline="0"/>
-              <a:t>. They are </a:t>
-            </a:r>
-            <a:r>
-              <a:rPr lang="en-US" baseline="0" dirty="0"/>
-              <a:t>known under the name of threshold algorithms. They work in a similar fashion, but have slightly different performance characteristics.</a:t>
+              <a:t>In the next step we are detecting two documents, d1 and d5, that are occurring in both posting lists. Thus we finish phase 1 of the algorithm, as we are now sure that the top-2 elements will be found in the documents detected so far.</a:t>
             </a:r>
             <a:endParaRPr lang="en-US" dirty="0"/>
+          </a:p>
+          <a:p>
+            <a:endParaRPr lang="en-GB" dirty="0"/>
           </a:p>
         </p:txBody>
       </p:sp>
@@ -4089,15 +4113,10 @@
           <a:bodyPr/>
           <a:lstStyle/>
           <a:p>
-            <a:pPr>
-              <a:defRPr/>
-            </a:pPr>
-            <a:fld id="{78A3445B-747A-4EBC-8C94-E1D924E8E331}" type="slidenum">
+            <a:fld id="{E6C47E0B-2958-48CC-BA4E-C350203CF107}" type="slidenum">
               <a:rPr lang="en-US" smtClean="0"/>
-              <a:pPr>
-                <a:defRPr/>
-              </a:pPr>
-              <a:t>42</a:t>
+              <a:pPr/>
+              <a:t>40</a:t>
             </a:fld>
             <a:endParaRPr lang="en-US"/>
           </a:p>
@@ -4106,7 +4125,7 @@
     </p:spTree>
     <p:extLst>
       <p:ext uri="{BB962C8B-B14F-4D97-AF65-F5344CB8AC3E}">
-        <p14:creationId xmlns:p14="http://schemas.microsoft.com/office/powerpoint/2010/main" val="1430462604"/>
+        <p14:creationId xmlns:p14="http://schemas.microsoft.com/office/powerpoint/2010/main" val="1046048335"/>
       </p:ext>
     </p:extLst>
   </p:cSld>
@@ -4160,7 +4179,31 @@
           <a:bodyPr/>
           <a:lstStyle/>
           <a:p>
-            <a:endParaRPr lang="en-US"/>
+            <a:pPr marL="0" marR="0" indent="0" algn="l" defTabSz="914400" rtl="0" eaLnBrk="1" fontAlgn="base" latinLnBrk="0" hangingPunct="1">
+              <a:lnSpc>
+                <a:spcPct val="100000"/>
+              </a:lnSpc>
+              <a:spcBef>
+                <a:spcPct val="30000"/>
+              </a:spcBef>
+              <a:spcAft>
+                <a:spcPct val="0"/>
+              </a:spcAft>
+              <a:buClrTx/>
+              <a:buSzTx/>
+              <a:buFontTx/>
+              <a:buNone/>
+              <a:tabLst/>
+              <a:defRPr/>
+            </a:pPr>
+            <a:r>
+              <a:rPr lang="en-US" baseline="0" dirty="0"/>
+              <a:t>In phase 2, the missing scores of the other documents are retrieved using random access. Once they have been obtained, the top 2 documents are returned. In this example these are documents d1 and d6. Note that these are not the 2 documents that have been first discovered to occur in both lists, which where d1 and d5.</a:t>
+            </a:r>
+            <a:endParaRPr lang="en-US" dirty="0"/>
+          </a:p>
+          <a:p>
+            <a:endParaRPr lang="en-GB" dirty="0"/>
           </a:p>
         </p:txBody>
       </p:sp>
@@ -4182,7 +4225,7 @@
             <a:fld id="{E6C47E0B-2958-48CC-BA4E-C350203CF107}" type="slidenum">
               <a:rPr lang="en-US" smtClean="0"/>
               <a:pPr/>
-              <a:t>43</a:t>
+              <a:t>41</a:t>
             </a:fld>
             <a:endParaRPr lang="en-US"/>
           </a:p>
@@ -4191,7 +4234,7 @@
     </p:spTree>
     <p:extLst>
       <p:ext uri="{BB962C8B-B14F-4D97-AF65-F5344CB8AC3E}">
-        <p14:creationId xmlns:p14="http://schemas.microsoft.com/office/powerpoint/2010/main" val="4213441017"/>
+        <p14:creationId xmlns:p14="http://schemas.microsoft.com/office/powerpoint/2010/main" val="3668367948"/>
       </p:ext>
     </p:extLst>
   </p:cSld>
@@ -4242,10 +4285,62 @@
         </p:nvSpPr>
         <p:spPr/>
         <p:txBody>
-          <a:bodyPr/>
+          <a:bodyPr>
+            <a:normAutofit fontScale="92500" lnSpcReduction="20000"/>
+          </a:bodyPr>
           <a:lstStyle/>
           <a:p>
-            <a:endParaRPr lang="en-US"/>
+            <a:r>
+              <a:rPr lang="en-US" dirty="0"/>
+              <a:t>It</a:t>
+            </a:r>
+            <a:r>
+              <a:rPr lang="en-US" baseline="0" dirty="0"/>
+              <a:t> can be shown that the complexity of the Fagin algorithm in the case of two lists is </a:t>
+            </a:r>
+            <a:r>
+              <a:rPr lang="en-US" dirty="0"/>
+              <a:t>O((k n)</a:t>
+            </a:r>
+            <a:r>
+              <a:rPr lang="en-US" baseline="30000" dirty="0"/>
+              <a:t>1/2</a:t>
+            </a:r>
+            <a:r>
+              <a:rPr lang="en-US" dirty="0"/>
+              <a:t>) for the number of entries</a:t>
+            </a:r>
+            <a:r>
+              <a:rPr lang="en-US" baseline="0" dirty="0"/>
+              <a:t> that are read from each list, where n is the number of documents in the document collection. This is significantly smaller than reading the complete lists, and reduces further if the entries are positively correlated (i.e., if a document is highly ranked in one list, then it has also higher probability to be highly ranked in the other list), which is likely to be the case. The results generalizes to the case of multiple lists.</a:t>
+            </a:r>
+          </a:p>
+          <a:p>
+            <a:endParaRPr lang="en-US" baseline="0" dirty="0"/>
+          </a:p>
+          <a:p>
+            <a:r>
+              <a:rPr lang="en-US" baseline="0" dirty="0"/>
+              <a:t>In a distributed setting applying Fagin’s algorithm directly is still not very practical, since for every element retrieved from a list a message would have to be exchanged with another node. To avoid this, variants of this algorithm have been proposed, where larger chunks of the list from one node are sent to the other. In the ideal case one node “guesses” how many entries from its list would have to be read and transmits this set of entries to the other node(s).</a:t>
+            </a:r>
+          </a:p>
+          <a:p>
+            <a:endParaRPr lang="en-US" baseline="0" dirty="0"/>
+          </a:p>
+          <a:p>
+            <a:r>
+              <a:rPr lang="en-US" baseline="0" dirty="0"/>
+              <a:t>Fagin’s algorithm has found many applications apart from distributed retrieval. It is being used in multimedia retrieval (it’s original application), but also in processing data from relational databases (e.g. finding tuples with a highest combined value for multiple attributes), sensor data processing, but also in text document filtering. Also alternative algorithms for solving the same problem have been proposed</a:t>
+            </a:r>
+            <a:r>
+              <a:rPr lang="en-US" baseline="0"/>
+              <a:t>. They are </a:t>
+            </a:r>
+            <a:r>
+              <a:rPr lang="en-US" baseline="0" dirty="0"/>
+              <a:t>known under the name of threshold algorithms. They work in a similar fashion, but have slightly different performance characteristics.</a:t>
+            </a:r>
+            <a:endParaRPr lang="en-US" dirty="0"/>
           </a:p>
         </p:txBody>
       </p:sp>
@@ -4264,10 +4359,15 @@
           <a:bodyPr/>
           <a:lstStyle/>
           <a:p>
-            <a:fld id="{E6C47E0B-2958-48CC-BA4E-C350203CF107}" type="slidenum">
+            <a:pPr>
+              <a:defRPr/>
+            </a:pPr>
+            <a:fld id="{78A3445B-747A-4EBC-8C94-E1D924E8E331}" type="slidenum">
               <a:rPr lang="en-US" smtClean="0"/>
-              <a:pPr/>
-              <a:t>44</a:t>
+              <a:pPr>
+                <a:defRPr/>
+              </a:pPr>
+              <a:t>42</a:t>
             </a:fld>
             <a:endParaRPr lang="en-US"/>
           </a:p>
@@ -4276,7 +4376,7 @@
     </p:spTree>
     <p:extLst>
       <p:ext uri="{BB962C8B-B14F-4D97-AF65-F5344CB8AC3E}">
-        <p14:creationId xmlns:p14="http://schemas.microsoft.com/office/powerpoint/2010/main" val="4099585091"/>
+        <p14:creationId xmlns:p14="http://schemas.microsoft.com/office/powerpoint/2010/main" val="1430462604"/>
       </p:ext>
     </p:extLst>
   </p:cSld>
@@ -4352,7 +4452,7 @@
             <a:fld id="{E6C47E0B-2958-48CC-BA4E-C350203CF107}" type="slidenum">
               <a:rPr lang="en-US" smtClean="0"/>
               <a:pPr/>
-              <a:t>45</a:t>
+              <a:t>43</a:t>
             </a:fld>
             <a:endParaRPr lang="en-US"/>
           </a:p>
@@ -4361,7 +4461,7 @@
     </p:spTree>
     <p:extLst>
       <p:ext uri="{BB962C8B-B14F-4D97-AF65-F5344CB8AC3E}">
-        <p14:creationId xmlns:p14="http://schemas.microsoft.com/office/powerpoint/2010/main" val="1263728803"/>
+        <p14:creationId xmlns:p14="http://schemas.microsoft.com/office/powerpoint/2010/main" val="4213441017"/>
       </p:ext>
     </p:extLst>
   </p:cSld>
@@ -4415,26 +4515,7 @@
           <a:bodyPr/>
           <a:lstStyle/>
           <a:p>
-            <a:r>
-              <a:rPr lang="en-US" dirty="0"/>
-              <a:t>Users cannot predict or imagine all possible ways of how the concepts they are interested to find in their search can be expressed in natural language. This may have as a consequence,</a:t>
-            </a:r>
-            <a:r>
-              <a:rPr lang="en-US" baseline="0" dirty="0"/>
-              <a:t> even under the vector space retrieval model, that relevant results are missed. This is, for the example, the case when there exist different synonyms (different terms with the same meaning). In the following we will see one possible approach to deal with this problem, namely extending the user query automatically by the system with additional terms.</a:t>
-            </a:r>
-          </a:p>
-          <a:p>
-            <a:endParaRPr lang="en-US" baseline="0" dirty="0"/>
-          </a:p>
-          <a:p>
-            <a:r>
-              <a:rPr lang="en-US" baseline="0" dirty="0"/>
-              <a:t>In a situation where the user has not fully specified the information need, also an automated approach such as LSI or word embedding will not be able to guess the users’s information need.</a:t>
-            </a:r>
-          </a:p>
-          <a:p>
-            <a:endParaRPr lang="en-US" baseline="0" dirty="0"/>
+            <a:endParaRPr lang="en-US"/>
           </a:p>
         </p:txBody>
       </p:sp>
@@ -4456,7 +4537,7 @@
             <a:fld id="{E6C47E0B-2958-48CC-BA4E-C350203CF107}" type="slidenum">
               <a:rPr lang="en-US" smtClean="0"/>
               <a:pPr/>
-              <a:t>46</a:t>
+              <a:t>44</a:t>
             </a:fld>
             <a:endParaRPr lang="en-US"/>
           </a:p>
@@ -4465,7 +4546,7 @@
     </p:spTree>
     <p:extLst>
       <p:ext uri="{BB962C8B-B14F-4D97-AF65-F5344CB8AC3E}">
-        <p14:creationId xmlns:p14="http://schemas.microsoft.com/office/powerpoint/2010/main" val="2660902057"/>
+        <p14:creationId xmlns:p14="http://schemas.microsoft.com/office/powerpoint/2010/main" val="4099585091"/>
       </p:ext>
     </p:extLst>
   </p:cSld>
@@ -4519,15 +4600,7 @@
           <a:bodyPr/>
           <a:lstStyle/>
           <a:p>
-            <a:r>
-              <a:rPr lang="en-US" dirty="0"/>
-              <a:t>In the following we will present</a:t>
-            </a:r>
-            <a:r>
-              <a:rPr lang="en-US" baseline="0" dirty="0"/>
-              <a:t> two types of approaches to query extension, which are distinguished by the source of information used to identify new additional query terms. In the local approach the source of information is the current user query, respectively results produced by answering the user query. In the global approach the source of information is a existing document collection, either the documents that make up the corpus that is being queried by the user, or another, external collection of documents.</a:t>
-            </a:r>
-            <a:endParaRPr lang="en-US" dirty="0"/>
+            <a:endParaRPr lang="en-US"/>
           </a:p>
         </p:txBody>
       </p:sp>
@@ -4549,7 +4622,7 @@
             <a:fld id="{E6C47E0B-2958-48CC-BA4E-C350203CF107}" type="slidenum">
               <a:rPr lang="en-US" smtClean="0"/>
               <a:pPr/>
-              <a:t>47</a:t>
+              <a:t>45</a:t>
             </a:fld>
             <a:endParaRPr lang="en-US"/>
           </a:p>
@@ -4558,7 +4631,7 @@
     </p:spTree>
     <p:extLst>
       <p:ext uri="{BB962C8B-B14F-4D97-AF65-F5344CB8AC3E}">
-        <p14:creationId xmlns:p14="http://schemas.microsoft.com/office/powerpoint/2010/main" val="3654875176"/>
+        <p14:creationId xmlns:p14="http://schemas.microsoft.com/office/powerpoint/2010/main" val="1263728803"/>
       </p:ext>
     </p:extLst>
   </p:cSld>
@@ -4587,137 +4660,82 @@
       </p:grpSpPr>
       <p:sp>
         <p:nvSpPr>
-          <p:cNvPr id="45058" name="Rectangle 7"/>
-          <p:cNvSpPr>
-            <a:spLocks noGrp="1" noChangeArrowheads="1"/>
-          </p:cNvSpPr>
-          <p:nvPr>
-            <p:ph type="sldNum" sz="quarter" idx="5"/>
-          </p:nvPr>
-        </p:nvSpPr>
-        <p:spPr>
-          <a:noFill/>
-        </p:spPr>
-        <p:txBody>
-          <a:bodyPr/>
-          <a:lstStyle/>
-          <a:p>
-            <a:fld id="{8EF95DBC-372A-4D93-8D78-7B907D5D752F}" type="slidenum">
-              <a:rPr lang="en-US" smtClean="0"/>
-              <a:pPr/>
-              <a:t>48</a:t>
-            </a:fld>
-            <a:endParaRPr lang="en-US"/>
-          </a:p>
-        </p:txBody>
-      </p:sp>
-      <p:sp>
-        <p:nvSpPr>
-          <p:cNvPr id="45059" name="Rectangle 2"/>
-          <p:cNvSpPr>
-            <a:spLocks noGrp="1" noRot="1" noChangeAspect="1" noChangeArrowheads="1" noTextEdit="1"/>
+          <p:cNvPr id="2" name="Slide Image Placeholder 1"/>
+          <p:cNvSpPr>
+            <a:spLocks noGrp="1" noRot="1" noChangeAspect="1"/>
           </p:cNvSpPr>
           <p:nvPr>
             <p:ph type="sldImg"/>
           </p:nvPr>
         </p:nvSpPr>
-        <p:spPr>
-          <a:xfrm>
-            <a:off x="993775" y="769938"/>
-            <a:ext cx="5113338" cy="3835400"/>
-          </a:xfrm>
-          <a:ln/>
-        </p:spPr>
-      </p:sp>
-      <p:sp>
-        <p:nvSpPr>
-          <p:cNvPr id="45060" name="Rectangle 3"/>
-          <p:cNvSpPr>
-            <a:spLocks noGrp="1" noChangeArrowheads="1"/>
+        <p:spPr/>
+      </p:sp>
+      <p:sp>
+        <p:nvSpPr>
+          <p:cNvPr id="3" name="Notes Placeholder 2"/>
+          <p:cNvSpPr>
+            <a:spLocks noGrp="1"/>
           </p:cNvSpPr>
           <p:nvPr>
             <p:ph type="body" idx="1"/>
           </p:nvPr>
         </p:nvSpPr>
-        <p:spPr>
-          <a:noFill/>
-          <a:ln/>
-        </p:spPr>
+        <p:spPr/>
         <p:txBody>
           <a:bodyPr/>
           <a:lstStyle/>
           <a:p>
             <a:r>
               <a:rPr lang="en-US" dirty="0"/>
-              <a:t>In general, a user does not necessarily know</a:t>
+              <a:t>Users cannot predict or imagine all possible ways of how the concepts they are interested to find in their search can be expressed in natural language. This may have as a consequence,</a:t>
             </a:r>
             <a:r>
               <a:rPr lang="en-US" baseline="0" dirty="0"/>
-              <a:t> </a:t>
-            </a:r>
-            <a:r>
-              <a:rPr lang="en-US" dirty="0"/>
-              <a:t>what is his information need and how to appropriately formulate a query. BUT usually</a:t>
-            </a:r>
+              <a:t> even under the vector space retrieval model, that relevant results are missed. This is, for the example, the case when there exist different synonyms (different terms with the same meaning). In the following we will see one possible approach to deal with this problem, namely extending the user query automatically by the system with additional terms.</a:t>
+            </a:r>
+          </a:p>
+          <a:p>
+            <a:endParaRPr lang="en-US" baseline="0" dirty="0"/>
+          </a:p>
+          <a:p>
             <a:r>
               <a:rPr lang="en-US" baseline="0" dirty="0"/>
-              <a:t> </a:t>
-            </a:r>
-            <a:r>
-              <a:rPr lang="en-US" dirty="0"/>
-              <a:t>a user</a:t>
-            </a:r>
-            <a:r>
-              <a:rPr lang="en-US" baseline="0" dirty="0"/>
-              <a:t> </a:t>
-            </a:r>
-            <a:r>
-              <a:rPr lang="en-US" dirty="0"/>
-              <a:t>can well identify relevant documents. Therefore the idea of user relevance feedback is to reformulate a query by taking into account feedback of the user on the relevance of already retrieved documents.</a:t>
-            </a:r>
-          </a:p>
-          <a:p>
-            <a:r>
-              <a:rPr lang="en-US" dirty="0"/>
-              <a:t>The advantages of such an approach are the following:</a:t>
-            </a:r>
-          </a:p>
-          <a:p>
-            <a:pPr lvl="1">
-              <a:buFontTx/>
-              <a:buChar char="•"/>
-            </a:pPr>
-            <a:r>
-              <a:rPr lang="en-US" dirty="0"/>
-              <a:t>The user is not involved in query formulation, but just points to interesting data items.</a:t>
-            </a:r>
-          </a:p>
-          <a:p>
-            <a:pPr lvl="1">
-              <a:buFontTx/>
-              <a:buChar char="•"/>
-            </a:pPr>
-            <a:r>
-              <a:rPr lang="en-US" dirty="0"/>
-              <a:t>The search task can be split up in smaller steps.</a:t>
-            </a:r>
-          </a:p>
-          <a:p>
-            <a:pPr lvl="1">
-              <a:buFontTx/>
-              <a:buChar char="•"/>
-            </a:pPr>
-            <a:r>
-              <a:rPr lang="en-US" dirty="0"/>
-              <a:t>The search task becomes a process converging to the desired result.</a:t>
-            </a:r>
+              <a:t>In a situation where the user has not fully specified the information need, also an automated approach such as LSI or word embedding will not be able to guess the users’s information need.</a:t>
+            </a:r>
+          </a:p>
+          <a:p>
+            <a:endParaRPr lang="en-US" baseline="0" dirty="0"/>
+          </a:p>
+        </p:txBody>
+      </p:sp>
+      <p:sp>
+        <p:nvSpPr>
+          <p:cNvPr id="4" name="Slide Number Placeholder 3"/>
+          <p:cNvSpPr>
+            <a:spLocks noGrp="1"/>
+          </p:cNvSpPr>
+          <p:nvPr>
+            <p:ph type="sldNum" sz="quarter" idx="10"/>
+          </p:nvPr>
+        </p:nvSpPr>
+        <p:spPr/>
+        <p:txBody>
+          <a:bodyPr/>
+          <a:lstStyle/>
+          <a:p>
+            <a:fld id="{E6C47E0B-2958-48CC-BA4E-C350203CF107}" type="slidenum">
+              <a:rPr lang="en-US" smtClean="0"/>
+              <a:pPr/>
+              <a:t>46</a:t>
+            </a:fld>
+            <a:endParaRPr lang="en-US"/>
           </a:p>
         </p:txBody>
       </p:sp>
     </p:spTree>
     <p:extLst>
       <p:ext uri="{BB962C8B-B14F-4D97-AF65-F5344CB8AC3E}">
-        <p14:creationId xmlns:p14="http://schemas.microsoft.com/office/powerpoint/2010/main" val="1093027495"/>
+        <p14:creationId xmlns:p14="http://schemas.microsoft.com/office/powerpoint/2010/main" val="2660902057"/>
       </p:ext>
     </p:extLst>
   </p:cSld>
@@ -4893,39 +4911,11 @@
           <a:p>
             <a:r>
               <a:rPr lang="en-US" dirty="0"/>
-              <a:t>The general situation when receiving feedback</a:t>
+              <a:t>In the following we will present</a:t>
             </a:r>
             <a:r>
               <a:rPr lang="en-US" baseline="0" dirty="0"/>
-              <a:t> from users can be depicted as follows: the retrieval system returns some result set R that is presented to the user. This result set overlaps with the set of relevant documents (C</a:t>
-            </a:r>
-            <a:r>
-              <a:rPr lang="en-US" baseline="-25000" dirty="0"/>
-              <a:t>r</a:t>
-            </a:r>
-            <a:r>
-              <a:rPr lang="en-US" baseline="0" dirty="0"/>
-              <a:t>). The user can the identify within the result set both documents that are relevant and non-relevant. This gives the two feedback sets </a:t>
-            </a:r>
-            <a:r>
-              <a:rPr lang="en-US" baseline="0" dirty="0" err="1"/>
-              <a:t>D</a:t>
-            </a:r>
-            <a:r>
-              <a:rPr lang="en-US" baseline="-25000" dirty="0" err="1"/>
-              <a:t>r</a:t>
-            </a:r>
-            <a:r>
-              <a:rPr lang="en-US" baseline="0" dirty="0"/>
-              <a:t> and D</a:t>
-            </a:r>
-            <a:r>
-              <a:rPr lang="en-US" baseline="-25000" dirty="0"/>
-              <a:t>n</a:t>
-            </a:r>
-            <a:r>
-              <a:rPr lang="en-US" baseline="0" dirty="0"/>
-              <a:t>.</a:t>
+              <a:t> two types of approaches to query extension, which are distinguished by the source of information used to identify new additional query terms. In the local approach the source of information is the current user query, respectively results produced by answering the user query. In the global approach the source of information is a existing document collection, either the documents that make up the corpus that is being queried by the user, or another, external collection of documents.</a:t>
             </a:r>
             <a:endParaRPr lang="en-US" dirty="0"/>
           </a:p>
@@ -4949,7 +4939,7 @@
             <a:fld id="{E6C47E0B-2958-48CC-BA4E-C350203CF107}" type="slidenum">
               <a:rPr lang="en-US" smtClean="0"/>
               <a:pPr/>
-              <a:t>49</a:t>
+              <a:t>47</a:t>
             </a:fld>
             <a:endParaRPr lang="en-US"/>
           </a:p>
@@ -4958,7 +4948,7 @@
     </p:spTree>
     <p:extLst>
       <p:ext uri="{BB962C8B-B14F-4D97-AF65-F5344CB8AC3E}">
-        <p14:creationId xmlns:p14="http://schemas.microsoft.com/office/powerpoint/2010/main" val="1358494491"/>
+        <p14:creationId xmlns:p14="http://schemas.microsoft.com/office/powerpoint/2010/main" val="3654875176"/>
       </p:ext>
     </p:extLst>
   </p:cSld>
@@ -4987,91 +4977,137 @@
       </p:grpSpPr>
       <p:sp>
         <p:nvSpPr>
-          <p:cNvPr id="2" name="Slide Image Placeholder 1"/>
-          <p:cNvSpPr>
-            <a:spLocks noGrp="1" noRot="1" noChangeAspect="1"/>
+          <p:cNvPr id="45058" name="Rectangle 7"/>
+          <p:cNvSpPr>
+            <a:spLocks noGrp="1" noChangeArrowheads="1"/>
+          </p:cNvSpPr>
+          <p:nvPr>
+            <p:ph type="sldNum" sz="quarter" idx="5"/>
+          </p:nvPr>
+        </p:nvSpPr>
+        <p:spPr>
+          <a:noFill/>
+        </p:spPr>
+        <p:txBody>
+          <a:bodyPr/>
+          <a:lstStyle/>
+          <a:p>
+            <a:fld id="{8EF95DBC-372A-4D93-8D78-7B907D5D752F}" type="slidenum">
+              <a:rPr lang="en-US" smtClean="0"/>
+              <a:pPr/>
+              <a:t>48</a:t>
+            </a:fld>
+            <a:endParaRPr lang="en-US"/>
+          </a:p>
+        </p:txBody>
+      </p:sp>
+      <p:sp>
+        <p:nvSpPr>
+          <p:cNvPr id="45059" name="Rectangle 2"/>
+          <p:cNvSpPr>
+            <a:spLocks noGrp="1" noRot="1" noChangeAspect="1" noChangeArrowheads="1" noTextEdit="1"/>
           </p:cNvSpPr>
           <p:nvPr>
             <p:ph type="sldImg"/>
           </p:nvPr>
         </p:nvSpPr>
-        <p:spPr/>
-      </p:sp>
-      <p:sp>
-        <p:nvSpPr>
-          <p:cNvPr id="3" name="Notes Placeholder 2"/>
-          <p:cNvSpPr>
-            <a:spLocks noGrp="1"/>
+        <p:spPr>
+          <a:xfrm>
+            <a:off x="993775" y="769938"/>
+            <a:ext cx="5113338" cy="3835400"/>
+          </a:xfrm>
+          <a:ln/>
+        </p:spPr>
+      </p:sp>
+      <p:sp>
+        <p:nvSpPr>
+          <p:cNvPr id="45060" name="Rectangle 3"/>
+          <p:cNvSpPr>
+            <a:spLocks noGrp="1" noChangeArrowheads="1"/>
           </p:cNvSpPr>
           <p:nvPr>
             <p:ph type="body" idx="1"/>
           </p:nvPr>
         </p:nvSpPr>
-        <p:spPr/>
+        <p:spPr>
+          <a:noFill/>
+          <a:ln/>
+        </p:spPr>
         <p:txBody>
           <a:bodyPr/>
           <a:lstStyle/>
           <a:p>
             <a:r>
               <a:rPr lang="en-US" dirty="0"/>
-              <a:t>The basic idea for user relevance feedback was introduced by </a:t>
-            </a:r>
-            <a:r>
-              <a:rPr lang="en-US" dirty="0" err="1"/>
-              <a:t>Rocchio</a:t>
+              <a:t>In general, a user does not necessarily know</a:t>
+            </a:r>
+            <a:r>
+              <a:rPr lang="en-US" baseline="0" dirty="0"/>
+              <a:t> </a:t>
             </a:r>
             <a:r>
               <a:rPr lang="en-US" dirty="0"/>
-              <a:t>.</a:t>
+              <a:t>what is his information need and how to appropriately formulate a query. BUT usually</a:t>
             </a:r>
             <a:r>
               <a:rPr lang="en-US" baseline="0" dirty="0"/>
-              <a:t> It is based on the observation, that the centroid of all document vectors of a document set D can be considered as the most characteristic representation of the document set. Then one could attempt to construct a query </a:t>
-            </a:r>
-            <a:r>
-              <a:rPr lang="en-US" baseline="0" dirty="0" err="1"/>
-              <a:t>q</a:t>
-            </a:r>
-            <a:r>
-              <a:rPr lang="en-US" baseline="-25000" dirty="0" err="1"/>
-              <a:t>opt</a:t>
+              <a:t> </a:t>
+            </a:r>
+            <a:r>
+              <a:rPr lang="en-US" dirty="0"/>
+              <a:t>a user</a:t>
             </a:r>
             <a:r>
               <a:rPr lang="en-US" baseline="0" dirty="0"/>
-              <a:t> that optimally separates relevant from non-relevant documents. In order to achieve this, the query to be constructed has to have maximal similarity with the set of relevant documents, respectively its centroid, and maximal dissimilarity with the set of non-relevant documents, respectively its centroid. This can be achieved by finding a query that maximizes the difference among these two similarity values.</a:t>
-            </a:r>
-            <a:endParaRPr lang="en-US" dirty="0"/>
-          </a:p>
-        </p:txBody>
-      </p:sp>
-      <p:sp>
-        <p:nvSpPr>
-          <p:cNvPr id="4" name="Slide Number Placeholder 3"/>
-          <p:cNvSpPr>
-            <a:spLocks noGrp="1"/>
-          </p:cNvSpPr>
-          <p:nvPr>
-            <p:ph type="sldNum" sz="quarter" idx="10"/>
-          </p:nvPr>
-        </p:nvSpPr>
-        <p:spPr/>
-        <p:txBody>
-          <a:bodyPr/>
-          <a:lstStyle/>
-          <a:p>
-            <a:fld id="{E6C47E0B-2958-48CC-BA4E-C350203CF107}" type="slidenum">
-              <a:rPr lang="en-US" smtClean="0"/>
-              <a:pPr/>
-              <a:t>50</a:t>
-            </a:fld>
-            <a:endParaRPr lang="en-US"/>
+              <a:t> </a:t>
+            </a:r>
+            <a:r>
+              <a:rPr lang="en-US" dirty="0"/>
+              <a:t>can well identify relevant documents. Therefore the idea of user relevance feedback is to reformulate a query by taking into account feedback of the user on the relevance of already retrieved documents.</a:t>
+            </a:r>
+          </a:p>
+          <a:p>
+            <a:r>
+              <a:rPr lang="en-US" dirty="0"/>
+              <a:t>The advantages of such an approach are the following:</a:t>
+            </a:r>
+          </a:p>
+          <a:p>
+            <a:pPr lvl="1">
+              <a:buFontTx/>
+              <a:buChar char="•"/>
+            </a:pPr>
+            <a:r>
+              <a:rPr lang="en-US" dirty="0"/>
+              <a:t>The user is not involved in query formulation, but just points to interesting data items.</a:t>
+            </a:r>
+          </a:p>
+          <a:p>
+            <a:pPr lvl="1">
+              <a:buFontTx/>
+              <a:buChar char="•"/>
+            </a:pPr>
+            <a:r>
+              <a:rPr lang="en-US" dirty="0"/>
+              <a:t>The search task can be split up in smaller steps.</a:t>
+            </a:r>
+          </a:p>
+          <a:p>
+            <a:pPr lvl="1">
+              <a:buFontTx/>
+              <a:buChar char="•"/>
+            </a:pPr>
+            <a:r>
+              <a:rPr lang="en-US" dirty="0"/>
+              <a:t>The search task becomes a process converging to the desired result.</a:t>
+            </a:r>
           </a:p>
         </p:txBody>
       </p:sp>
     </p:spTree>
     <p:extLst>
       <p:ext uri="{BB962C8B-B14F-4D97-AF65-F5344CB8AC3E}">
-        <p14:creationId xmlns:p14="http://schemas.microsoft.com/office/powerpoint/2010/main" val="4074311895"/>
+        <p14:creationId xmlns:p14="http://schemas.microsoft.com/office/powerpoint/2010/main" val="1093027495"/>
       </p:ext>
     </p:extLst>
   </p:cSld>
@@ -5127,11 +5163,39 @@
           <a:p>
             <a:r>
               <a:rPr lang="en-US" dirty="0"/>
-              <a:t>We now motivate of how the optimal</a:t>
+              <a:t>The general situation when receiving feedback</a:t>
             </a:r>
             <a:r>
               <a:rPr lang="en-US" baseline="0" dirty="0"/>
-              <a:t> query vector can be found with an illustration. Assume that the relevant documents are marked by circles, and the non-relevant documents are marked by crosses, and that the vector space has (only) 2 dimensions. When we consider the centroid of the relevant documents (which could be a potential query based on user relevance feedback) as a potential search query, then we see that we cannot achieve optimal precision and recall at the same time.</a:t>
+              <a:t> from users can be depicted as follows: the retrieval system returns some result set R that is presented to the user. This result set overlaps with the set of relevant documents (C</a:t>
+            </a:r>
+            <a:r>
+              <a:rPr lang="en-US" baseline="-25000" dirty="0"/>
+              <a:t>r</a:t>
+            </a:r>
+            <a:r>
+              <a:rPr lang="en-US" baseline="0" dirty="0"/>
+              <a:t>). The user can the identify within the result set both documents that are relevant and non-relevant. This gives the two feedback sets </a:t>
+            </a:r>
+            <a:r>
+              <a:rPr lang="en-US" baseline="0" dirty="0" err="1"/>
+              <a:t>D</a:t>
+            </a:r>
+            <a:r>
+              <a:rPr lang="en-US" baseline="-25000" dirty="0" err="1"/>
+              <a:t>r</a:t>
+            </a:r>
+            <a:r>
+              <a:rPr lang="en-US" baseline="0" dirty="0"/>
+              <a:t> and D</a:t>
+            </a:r>
+            <a:r>
+              <a:rPr lang="en-US" baseline="-25000" dirty="0"/>
+              <a:t>n</a:t>
+            </a:r>
+            <a:r>
+              <a:rPr lang="en-US" baseline="0" dirty="0"/>
+              <a:t>.</a:t>
             </a:r>
             <a:endParaRPr lang="en-US" dirty="0"/>
           </a:p>
@@ -5155,7 +5219,7 @@
             <a:fld id="{E6C47E0B-2958-48CC-BA4E-C350203CF107}" type="slidenum">
               <a:rPr lang="en-US" smtClean="0"/>
               <a:pPr/>
-              <a:t>51</a:t>
+              <a:t>49</a:t>
             </a:fld>
             <a:endParaRPr lang="en-US"/>
           </a:p>
@@ -5164,7 +5228,7 @@
     </p:spTree>
     <p:extLst>
       <p:ext uri="{BB962C8B-B14F-4D97-AF65-F5344CB8AC3E}">
-        <p14:creationId xmlns:p14="http://schemas.microsoft.com/office/powerpoint/2010/main" val="1741152168"/>
+        <p14:creationId xmlns:p14="http://schemas.microsoft.com/office/powerpoint/2010/main" val="1358494491"/>
       </p:ext>
     </p:extLst>
   </p:cSld>
@@ -5220,8 +5284,33 @@
           <a:p>
             <a:r>
               <a:rPr lang="en-US" dirty="0"/>
-              <a:t>We therefore consider also the centroid of the non-relevant documents as part of the user relevance feedback. We compute the difference vector among the two centroids, and we will use this difference vector to “move away” the query from the non-relevant documents.</a:t>
-            </a:r>
+              <a:t>The basic idea for user relevance feedback was introduced by </a:t>
+            </a:r>
+            <a:r>
+              <a:rPr lang="en-US" dirty="0" err="1"/>
+              <a:t>Rocchio</a:t>
+            </a:r>
+            <a:r>
+              <a:rPr lang="en-US" dirty="0"/>
+              <a:t>.</a:t>
+            </a:r>
+            <a:r>
+              <a:rPr lang="en-US" baseline="0" dirty="0"/>
+              <a:t> It is based on the observation, that the centroid of all document vectors of a document set D can be considered as the most characteristic representation of the document set. Then one could attempt to construct a query </a:t>
+            </a:r>
+            <a:r>
+              <a:rPr lang="en-US" baseline="0" dirty="0" err="1"/>
+              <a:t>q</a:t>
+            </a:r>
+            <a:r>
+              <a:rPr lang="en-US" baseline="-25000" dirty="0" err="1"/>
+              <a:t>opt</a:t>
+            </a:r>
+            <a:r>
+              <a:rPr lang="en-US" baseline="0" dirty="0"/>
+              <a:t> that optimally separates relevant from non-relevant documents. In order to achieve this, the query to be constructed has to have maximal similarity with the set of relevant documents, respectively its centroid, and maximal dissimilarity with the set of non-relevant documents, respectively its centroid. This can be achieved by finding a query that maximizes the difference among these two similarity values.</a:t>
+            </a:r>
+            <a:endParaRPr lang="en-US" dirty="0"/>
           </a:p>
         </p:txBody>
       </p:sp>
@@ -5243,7 +5332,7 @@
             <a:fld id="{E6C47E0B-2958-48CC-BA4E-C350203CF107}" type="slidenum">
               <a:rPr lang="en-US" smtClean="0"/>
               <a:pPr/>
-              <a:t>52</a:t>
+              <a:t>50</a:t>
             </a:fld>
             <a:endParaRPr lang="en-US"/>
           </a:p>
@@ -5252,7 +5341,7 @@
     </p:spTree>
     <p:extLst>
       <p:ext uri="{BB962C8B-B14F-4D97-AF65-F5344CB8AC3E}">
-        <p14:creationId xmlns:p14="http://schemas.microsoft.com/office/powerpoint/2010/main" val="1939717640"/>
+        <p14:creationId xmlns:p14="http://schemas.microsoft.com/office/powerpoint/2010/main" val="4074311895"/>
       </p:ext>
     </p:extLst>
   </p:cSld>
@@ -5308,11 +5397,11 @@
           <a:p>
             <a:r>
               <a:rPr lang="en-US" dirty="0"/>
-              <a:t>We </a:t>
+              <a:t>We now motivate of how the optimal</a:t>
             </a:r>
             <a:r>
               <a:rPr lang="en-US" baseline="0" dirty="0"/>
-              <a:t>add the difference vector to the centroid for the relevant documents. The resulting optimal query vector now can include all relevant documents in its result, without including non-relevant ones. In practice, such a clear separation will not always be possible, but it has been shown that under some additional assumptions, this method is the optimal way to constructing the optimal query vector.</a:t>
+              <a:t> query vector can be found with an illustration. Assume that the relevant documents are marked by circles, and the non-relevant documents are marked by crosses, and that the vector space has (only) 2 dimensions. When we consider the centroid of the relevant documents (which could be a potential query based on user relevance feedback) as a potential search query, then we see that we cannot achieve optimal precision and recall at the same time.</a:t>
             </a:r>
             <a:endParaRPr lang="en-US" dirty="0"/>
           </a:p>
@@ -5336,7 +5425,7 @@
             <a:fld id="{E6C47E0B-2958-48CC-BA4E-C350203CF107}" type="slidenum">
               <a:rPr lang="en-US" smtClean="0"/>
               <a:pPr/>
-              <a:t>53</a:t>
+              <a:t>51</a:t>
             </a:fld>
             <a:endParaRPr lang="en-US"/>
           </a:p>
@@ -5345,7 +5434,7 @@
     </p:spTree>
     <p:extLst>
       <p:ext uri="{BB962C8B-B14F-4D97-AF65-F5344CB8AC3E}">
-        <p14:creationId xmlns:p14="http://schemas.microsoft.com/office/powerpoint/2010/main" val="3717168209"/>
+        <p14:creationId xmlns:p14="http://schemas.microsoft.com/office/powerpoint/2010/main" val="1741152168"/>
       </p:ext>
     </p:extLst>
   </p:cSld>
@@ -5374,93 +5463,66 @@
       </p:grpSpPr>
       <p:sp>
         <p:nvSpPr>
-          <p:cNvPr id="46082" name="Rectangle 7"/>
-          <p:cNvSpPr>
-            <a:spLocks noGrp="1" noChangeArrowheads="1"/>
-          </p:cNvSpPr>
-          <p:nvPr>
-            <p:ph type="sldNum" sz="quarter" idx="5"/>
-          </p:nvPr>
-        </p:nvSpPr>
-        <p:spPr>
-          <a:noFill/>
-        </p:spPr>
-        <p:txBody>
-          <a:bodyPr/>
-          <a:lstStyle/>
-          <a:p>
-            <a:fld id="{7AFA1379-7213-486D-AB3B-56E1DA74862D}" type="slidenum">
-              <a:rPr lang="en-US" smtClean="0"/>
-              <a:pPr/>
-              <a:t>54</a:t>
-            </a:fld>
-            <a:endParaRPr lang="en-US"/>
-          </a:p>
-        </p:txBody>
-      </p:sp>
-      <p:sp>
-        <p:nvSpPr>
-          <p:cNvPr id="46083" name="Rectangle 2"/>
-          <p:cNvSpPr>
-            <a:spLocks noGrp="1" noRot="1" noChangeAspect="1" noChangeArrowheads="1" noTextEdit="1"/>
+          <p:cNvPr id="2" name="Slide Image Placeholder 1"/>
+          <p:cNvSpPr>
+            <a:spLocks noGrp="1" noRot="1" noChangeAspect="1"/>
           </p:cNvSpPr>
           <p:nvPr>
             <p:ph type="sldImg"/>
           </p:nvPr>
         </p:nvSpPr>
-        <p:spPr>
-          <a:xfrm>
-            <a:off x="993775" y="769938"/>
-            <a:ext cx="5113338" cy="3835400"/>
-          </a:xfrm>
-          <a:ln/>
-        </p:spPr>
-      </p:sp>
-      <p:sp>
-        <p:nvSpPr>
-          <p:cNvPr id="46084" name="Rectangle 3"/>
-          <p:cNvSpPr>
-            <a:spLocks noGrp="1" noChangeArrowheads="1"/>
+        <p:spPr/>
+      </p:sp>
+      <p:sp>
+        <p:nvSpPr>
+          <p:cNvPr id="3" name="Notes Placeholder 2"/>
+          <p:cNvSpPr>
+            <a:spLocks noGrp="1"/>
           </p:cNvSpPr>
           <p:nvPr>
             <p:ph type="body" idx="1"/>
           </p:nvPr>
         </p:nvSpPr>
-        <p:spPr>
-          <a:noFill/>
-          <a:ln/>
-        </p:spPr>
+        <p:spPr/>
         <p:txBody>
           <a:bodyPr/>
           <a:lstStyle/>
           <a:p>
             <a:r>
               <a:rPr lang="en-US" dirty="0"/>
-              <a:t>Constructing</a:t>
-            </a:r>
-            <a:r>
-              <a:rPr lang="en-US" baseline="0" dirty="0"/>
-              <a:t> an optimal query vector as described before is only theoretically possible, since the complete information on relevant and non-relevant documents is lacking in practice. Therefore, the theoretical considerations put forward so far, serve as an intuition to devise a practical scheme, that is </a:t>
-            </a:r>
-            <a:r>
-              <a:rPr lang="en-US" b="1" baseline="0" dirty="0"/>
-              <a:t>approximating</a:t>
-            </a:r>
-            <a:r>
-              <a:rPr lang="en-US" baseline="0" dirty="0"/>
-              <a:t> the theoretical construction of an optimal query vector.</a:t>
-            </a:r>
-            <a:endParaRPr lang="en-US" dirty="0"/>
-          </a:p>
-          <a:p>
-            <a:endParaRPr lang="en-US" dirty="0"/>
+              <a:t>We therefore consider also the centroid of the non-relevant documents as part of the user relevance feedback. We compute the difference vector among the two centroids, and we will use this difference vector to “move away” the query from the non-relevant documents.</a:t>
+            </a:r>
+          </a:p>
+        </p:txBody>
+      </p:sp>
+      <p:sp>
+        <p:nvSpPr>
+          <p:cNvPr id="4" name="Slide Number Placeholder 3"/>
+          <p:cNvSpPr>
+            <a:spLocks noGrp="1"/>
+          </p:cNvSpPr>
+          <p:nvPr>
+            <p:ph type="sldNum" sz="quarter" idx="10"/>
+          </p:nvPr>
+        </p:nvSpPr>
+        <p:spPr/>
+        <p:txBody>
+          <a:bodyPr/>
+          <a:lstStyle/>
+          <a:p>
+            <a:fld id="{E6C47E0B-2958-48CC-BA4E-C350203CF107}" type="slidenum">
+              <a:rPr lang="en-US" smtClean="0"/>
+              <a:pPr/>
+              <a:t>52</a:t>
+            </a:fld>
+            <a:endParaRPr lang="en-US"/>
           </a:p>
         </p:txBody>
       </p:sp>
     </p:spTree>
     <p:extLst>
       <p:ext uri="{BB962C8B-B14F-4D97-AF65-F5344CB8AC3E}">
-        <p14:creationId xmlns:p14="http://schemas.microsoft.com/office/powerpoint/2010/main" val="1427308166"/>
+        <p14:creationId xmlns:p14="http://schemas.microsoft.com/office/powerpoint/2010/main" val="1939717640"/>
       </p:ext>
     </p:extLst>
   </p:cSld>
@@ -5489,119 +5551,71 @@
       </p:grpSpPr>
       <p:sp>
         <p:nvSpPr>
-          <p:cNvPr id="47106" name="Rectangle 7"/>
-          <p:cNvSpPr>
-            <a:spLocks noGrp="1" noChangeArrowheads="1"/>
-          </p:cNvSpPr>
-          <p:nvPr>
-            <p:ph type="sldNum" sz="quarter" idx="5"/>
-          </p:nvPr>
-        </p:nvSpPr>
-        <p:spPr>
-          <a:noFill/>
-        </p:spPr>
-        <p:txBody>
-          <a:bodyPr/>
-          <a:lstStyle/>
-          <a:p>
-            <a:fld id="{757D1873-2BE2-46C3-BED0-96FA55533317}" type="slidenum">
-              <a:rPr lang="en-US" smtClean="0"/>
-              <a:pPr/>
-              <a:t>55</a:t>
-            </a:fld>
-            <a:endParaRPr lang="en-US"/>
-          </a:p>
-        </p:txBody>
-      </p:sp>
-      <p:sp>
-        <p:nvSpPr>
-          <p:cNvPr id="47107" name="Rectangle 2"/>
-          <p:cNvSpPr>
-            <a:spLocks noGrp="1" noRot="1" noChangeAspect="1" noChangeArrowheads="1" noTextEdit="1"/>
+          <p:cNvPr id="2" name="Slide Image Placeholder 1"/>
+          <p:cNvSpPr>
+            <a:spLocks noGrp="1" noRot="1" noChangeAspect="1"/>
           </p:cNvSpPr>
           <p:nvPr>
             <p:ph type="sldImg"/>
           </p:nvPr>
         </p:nvSpPr>
-        <p:spPr>
-          <a:xfrm>
-            <a:off x="993775" y="769938"/>
-            <a:ext cx="5113338" cy="3835400"/>
-          </a:xfrm>
-          <a:ln cap="flat"/>
-        </p:spPr>
-      </p:sp>
-      <p:sp>
-        <p:nvSpPr>
-          <p:cNvPr id="47108" name="Rectangle 3"/>
-          <p:cNvSpPr>
-            <a:spLocks noGrp="1" noChangeArrowheads="1"/>
+        <p:spPr/>
+      </p:sp>
+      <p:sp>
+        <p:nvSpPr>
+          <p:cNvPr id="3" name="Notes Placeholder 2"/>
+          <p:cNvSpPr>
+            <a:spLocks noGrp="1"/>
           </p:cNvSpPr>
           <p:nvPr>
             <p:ph type="body" idx="1"/>
           </p:nvPr>
         </p:nvSpPr>
-        <p:spPr>
-          <a:noFill/>
-          <a:ln/>
-        </p:spPr>
+        <p:spPr/>
         <p:txBody>
           <a:bodyPr/>
           <a:lstStyle/>
           <a:p>
-            <a:pPr marL="0" indent="0">
-              <a:buFont typeface="Arial" charset="0"/>
-              <a:buNone/>
-            </a:pPr>
             <a:r>
               <a:rPr lang="en-US" dirty="0"/>
-              <a:t>The</a:t>
+              <a:t>We </a:t>
             </a:r>
             <a:r>
               <a:rPr lang="en-US" baseline="0" dirty="0"/>
-              <a:t> approximation scheme for user relevance feedback is called SMART. It starts from the assumption that users have identified some relevant documents. Then the scheme assumes that all other documents should be considered as non-relevant. This results in a modification of the original query that is controlled by 3 tuning parameters.</a:t>
-            </a:r>
-          </a:p>
-          <a:p>
-            <a:pPr marL="228600" indent="-228600"/>
-            <a:endParaRPr lang="en-US" baseline="0" dirty="0"/>
-          </a:p>
-          <a:p>
-            <a:pPr marL="228600" indent="-228600"/>
-            <a:r>
-              <a:rPr lang="en-US" baseline="0" dirty="0"/>
-              <a:t>Since this is of course not correct, two mechanisms are used to moderate the impact of this wrong assumption:</a:t>
-            </a:r>
-          </a:p>
-          <a:p>
-            <a:pPr marL="228600" indent="-228600">
-              <a:buAutoNum type="arabicPeriod"/>
-            </a:pPr>
-            <a:r>
-              <a:rPr lang="en-US" baseline="0" dirty="0"/>
-              <a:t>The original query vector is maintained, in order not to drift away too dramatically from the original user query.</a:t>
-            </a:r>
-          </a:p>
-          <a:p>
-            <a:pPr marL="228600" indent="-228600">
-              <a:buAutoNum type="arabicPeriod"/>
-            </a:pPr>
-            <a:r>
-              <a:rPr lang="en-US" baseline="0" dirty="0"/>
-              <a:t>The weight given for the modification using the centroid of non-relevant documents is generally kept lower than the weight for the centroid of the relevant documents, as their non-relevance is just an assumption made, and not based on real user relevance feedback.</a:t>
+              <a:t>add the difference vector to the centroid for the relevant documents. The resulting optimal query vector now can include all relevant documents in its result, without including non-relevant ones. In practice, such a clear separation will not always be possible, but it has been shown that under some additional assumptions, this method is the optimal way to constructing the optimal query vector.</a:t>
             </a:r>
             <a:endParaRPr lang="en-US" dirty="0"/>
           </a:p>
-          <a:p>
-            <a:pPr marL="228600" indent="-228600"/>
-            <a:endParaRPr lang="en-US" dirty="0"/>
+        </p:txBody>
+      </p:sp>
+      <p:sp>
+        <p:nvSpPr>
+          <p:cNvPr id="4" name="Slide Number Placeholder 3"/>
+          <p:cNvSpPr>
+            <a:spLocks noGrp="1"/>
+          </p:cNvSpPr>
+          <p:nvPr>
+            <p:ph type="sldNum" sz="quarter" idx="10"/>
+          </p:nvPr>
+        </p:nvSpPr>
+        <p:spPr/>
+        <p:txBody>
+          <a:bodyPr/>
+          <a:lstStyle/>
+          <a:p>
+            <a:fld id="{E6C47E0B-2958-48CC-BA4E-C350203CF107}" type="slidenum">
+              <a:rPr lang="en-US" smtClean="0"/>
+              <a:pPr/>
+              <a:t>53</a:t>
+            </a:fld>
+            <a:endParaRPr lang="en-US"/>
           </a:p>
         </p:txBody>
       </p:sp>
     </p:spTree>
     <p:extLst>
       <p:ext uri="{BB962C8B-B14F-4D97-AF65-F5344CB8AC3E}">
-        <p14:creationId xmlns:p14="http://schemas.microsoft.com/office/powerpoint/2010/main" val="4058034289"/>
+        <p14:creationId xmlns:p14="http://schemas.microsoft.com/office/powerpoint/2010/main" val="3717168209"/>
       </p:ext>
     </p:extLst>
   </p:cSld>
@@ -5630,7 +5644,7 @@
       </p:grpSpPr>
       <p:sp>
         <p:nvSpPr>
-          <p:cNvPr id="48130" name="Rectangle 7"/>
+          <p:cNvPr id="46082" name="Rectangle 7"/>
           <p:cNvSpPr>
             <a:spLocks noGrp="1" noChangeArrowheads="1"/>
           </p:cNvSpPr>
@@ -5645,10 +5659,10 @@
           <a:bodyPr/>
           <a:lstStyle/>
           <a:p>
-            <a:fld id="{7562DCF6-C322-4C22-95B0-9DADD233296D}" type="slidenum">
+            <a:fld id="{7AFA1379-7213-486D-AB3B-56E1DA74862D}" type="slidenum">
               <a:rPr lang="en-US" smtClean="0"/>
               <a:pPr/>
-              <a:t>56</a:t>
+              <a:t>54</a:t>
             </a:fld>
             <a:endParaRPr lang="en-US"/>
           </a:p>
@@ -5656,7 +5670,7 @@
       </p:sp>
       <p:sp>
         <p:nvSpPr>
-          <p:cNvPr id="48131" name="Rectangle 2"/>
+          <p:cNvPr id="46083" name="Rectangle 2"/>
           <p:cNvSpPr>
             <a:spLocks noGrp="1" noRot="1" noChangeAspect="1" noChangeArrowheads="1" noTextEdit="1"/>
           </p:cNvSpPr>
@@ -5674,7 +5688,7 @@
       </p:sp>
       <p:sp>
         <p:nvSpPr>
-          <p:cNvPr id="48132" name="Rectangle 3"/>
+          <p:cNvPr id="46084" name="Rectangle 3"/>
           <p:cNvSpPr>
             <a:spLocks noGrp="1" noChangeArrowheads="1"/>
           </p:cNvSpPr>
@@ -5692,8 +5706,21 @@
           <a:p>
             <a:r>
               <a:rPr lang="en-US" dirty="0"/>
-              <a:t>This example shows how the query reformulation works. By identifying document B3 as being relevant and modifying the query vector it turns out that new documents (B5 and B7) become relevant. The reason is that those new documents share terms with document B3, and these terms are newly considered in the reformulated query.</a:t>
-            </a:r>
+              <a:t>Constructing</a:t>
+            </a:r>
+            <a:r>
+              <a:rPr lang="en-US" baseline="0" dirty="0"/>
+              <a:t> an optimal query vector as described before is only theoretically possible, since the complete information on relevant and non-relevant documents is lacking in practice. Therefore, the theoretical considerations put forward so far, serve as an intuition to devise a practical scheme, that is </a:t>
+            </a:r>
+            <a:r>
+              <a:rPr lang="en-US" b="1" baseline="0" dirty="0"/>
+              <a:t>approximating</a:t>
+            </a:r>
+            <a:r>
+              <a:rPr lang="en-US" baseline="0" dirty="0"/>
+              <a:t> the theoretical construction of an optimal query vector.</a:t>
+            </a:r>
+            <a:endParaRPr lang="en-US" dirty="0"/>
           </a:p>
           <a:p>
             <a:endParaRPr lang="en-US" dirty="0"/>
@@ -5703,7 +5730,7 @@
     </p:spTree>
     <p:extLst>
       <p:ext uri="{BB962C8B-B14F-4D97-AF65-F5344CB8AC3E}">
-        <p14:creationId xmlns:p14="http://schemas.microsoft.com/office/powerpoint/2010/main" val="2113169755"/>
+        <p14:creationId xmlns:p14="http://schemas.microsoft.com/office/powerpoint/2010/main" val="1427308166"/>
       </p:ext>
     </p:extLst>
   </p:cSld>
@@ -5732,78 +5759,119 @@
       </p:grpSpPr>
       <p:sp>
         <p:nvSpPr>
-          <p:cNvPr id="2" name="Slide Image Placeholder 1"/>
-          <p:cNvSpPr>
-            <a:spLocks noGrp="1" noRot="1" noChangeAspect="1"/>
+          <p:cNvPr id="47106" name="Rectangle 7"/>
+          <p:cNvSpPr>
+            <a:spLocks noGrp="1" noChangeArrowheads="1"/>
+          </p:cNvSpPr>
+          <p:nvPr>
+            <p:ph type="sldNum" sz="quarter" idx="5"/>
+          </p:nvPr>
+        </p:nvSpPr>
+        <p:spPr>
+          <a:noFill/>
+        </p:spPr>
+        <p:txBody>
+          <a:bodyPr/>
+          <a:lstStyle/>
+          <a:p>
+            <a:fld id="{757D1873-2BE2-46C3-BED0-96FA55533317}" type="slidenum">
+              <a:rPr lang="en-US" smtClean="0"/>
+              <a:pPr/>
+              <a:t>55</a:t>
+            </a:fld>
+            <a:endParaRPr lang="en-US"/>
+          </a:p>
+        </p:txBody>
+      </p:sp>
+      <p:sp>
+        <p:nvSpPr>
+          <p:cNvPr id="47107" name="Rectangle 2"/>
+          <p:cNvSpPr>
+            <a:spLocks noGrp="1" noRot="1" noChangeAspect="1" noChangeArrowheads="1" noTextEdit="1"/>
           </p:cNvSpPr>
           <p:nvPr>
             <p:ph type="sldImg"/>
           </p:nvPr>
         </p:nvSpPr>
-        <p:spPr/>
-      </p:sp>
-      <p:sp>
-        <p:nvSpPr>
-          <p:cNvPr id="3" name="Notes Placeholder 2"/>
-          <p:cNvSpPr>
-            <a:spLocks noGrp="1"/>
+        <p:spPr>
+          <a:xfrm>
+            <a:off x="993775" y="769938"/>
+            <a:ext cx="5113338" cy="3835400"/>
+          </a:xfrm>
+          <a:ln cap="flat"/>
+        </p:spPr>
+      </p:sp>
+      <p:sp>
+        <p:nvSpPr>
+          <p:cNvPr id="47108" name="Rectangle 3"/>
+          <p:cNvSpPr>
+            <a:spLocks noGrp="1" noChangeArrowheads="1"/>
           </p:cNvSpPr>
           <p:nvPr>
             <p:ph type="body" idx="1"/>
           </p:nvPr>
         </p:nvSpPr>
-        <p:spPr/>
+        <p:spPr>
+          <a:noFill/>
+          <a:ln/>
+        </p:spPr>
         <p:txBody>
           <a:bodyPr/>
           <a:lstStyle/>
           <a:p>
+            <a:pPr marL="0" indent="0">
+              <a:buFont typeface="Arial" charset="0"/>
+              <a:buNone/>
+            </a:pPr>
             <a:r>
               <a:rPr lang="en-US" dirty="0"/>
-              <a:t>Concerning the first assumption, if the initial query of the user does not contain sufficient information to retrieve at least a few documents that are relevant to the true interest of the user, the relevance feedback system will not be able to produce sufficient relevant documents with additional terms.</a:t>
-            </a:r>
-          </a:p>
-          <a:p>
-            <a:r>
-              <a:rPr lang="en-US" dirty="0"/>
-              <a:t>Concerning the second assumption, new terms can only be included as part of the modified query, if they co-occur at least in some documents together with original query terms. Otherwise, these terms could never be part of relevant documents in the result of the original query (why?).</a:t>
-            </a:r>
-          </a:p>
-          <a:p>
-            <a:r>
-              <a:rPr lang="en-US" dirty="0"/>
-              <a:t>Concerning the third assumption, implicitly the SMART algorithm assumes that all relevant documents are part of one cluster in the vector space. If they form multiple clusters, it is not able to correctly produce a query that can retrieve the relevant documents.</a:t>
-            </a:r>
-          </a:p>
-        </p:txBody>
-      </p:sp>
-      <p:sp>
-        <p:nvSpPr>
-          <p:cNvPr id="4" name="Slide Number Placeholder 3"/>
-          <p:cNvSpPr>
-            <a:spLocks noGrp="1"/>
-          </p:cNvSpPr>
-          <p:nvPr>
-            <p:ph type="sldNum" sz="quarter" idx="10"/>
-          </p:nvPr>
-        </p:nvSpPr>
-        <p:spPr/>
-        <p:txBody>
-          <a:bodyPr/>
-          <a:lstStyle/>
-          <a:p>
-            <a:fld id="{E6C47E0B-2958-48CC-BA4E-C350203CF107}" type="slidenum">
-              <a:rPr lang="en-US" smtClean="0"/>
-              <a:pPr/>
-              <a:t>57</a:t>
-            </a:fld>
-            <a:endParaRPr lang="en-US"/>
+              <a:t>The</a:t>
+            </a:r>
+            <a:r>
+              <a:rPr lang="en-US" baseline="0" dirty="0"/>
+              <a:t> approximation scheme for user relevance feedback is called SMART. It starts from the assumption that users have identified some relevant documents. Then the scheme assumes that all other documents should be considered as non-relevant. This results in a modification of the original query that is controlled by 3 tuning parameters.</a:t>
+            </a:r>
+          </a:p>
+          <a:p>
+            <a:pPr marL="228600" indent="-228600"/>
+            <a:endParaRPr lang="en-US" baseline="0" dirty="0"/>
+          </a:p>
+          <a:p>
+            <a:pPr marL="228600" indent="-228600"/>
+            <a:r>
+              <a:rPr lang="en-US" baseline="0" dirty="0"/>
+              <a:t>Since this is of course not correct, two mechanisms are used to moderate the impact of this wrong assumption:</a:t>
+            </a:r>
+          </a:p>
+          <a:p>
+            <a:pPr marL="228600" indent="-228600">
+              <a:buAutoNum type="arabicPeriod"/>
+            </a:pPr>
+            <a:r>
+              <a:rPr lang="en-US" baseline="0" dirty="0"/>
+              <a:t>The original query vector is maintained, in order not to drift away too dramatically from the original user query.</a:t>
+            </a:r>
+          </a:p>
+          <a:p>
+            <a:pPr marL="228600" indent="-228600">
+              <a:buAutoNum type="arabicPeriod"/>
+            </a:pPr>
+            <a:r>
+              <a:rPr lang="en-US" baseline="0" dirty="0"/>
+              <a:t>The weight given for the modification using the centroid of non-relevant documents is generally kept lower than the weight for the centroid of the relevant documents, as their non-relevance is just an assumption made, and not based on real user relevance feedback.</a:t>
+            </a:r>
+            <a:endParaRPr lang="en-US" dirty="0"/>
+          </a:p>
+          <a:p>
+            <a:pPr marL="228600" indent="-228600"/>
+            <a:endParaRPr lang="en-US" dirty="0"/>
           </a:p>
         </p:txBody>
       </p:sp>
     </p:spTree>
     <p:extLst>
       <p:ext uri="{BB962C8B-B14F-4D97-AF65-F5344CB8AC3E}">
-        <p14:creationId xmlns:p14="http://schemas.microsoft.com/office/powerpoint/2010/main" val="4140893582"/>
+        <p14:creationId xmlns:p14="http://schemas.microsoft.com/office/powerpoint/2010/main" val="4058034289"/>
       </p:ext>
     </p:extLst>
   </p:cSld>
@@ -5832,63 +5900,80 @@
       </p:grpSpPr>
       <p:sp>
         <p:nvSpPr>
-          <p:cNvPr id="2" name="Slide Image Placeholder 1"/>
-          <p:cNvSpPr>
-            <a:spLocks noGrp="1" noRot="1" noChangeAspect="1"/>
+          <p:cNvPr id="48130" name="Rectangle 7"/>
+          <p:cNvSpPr>
+            <a:spLocks noGrp="1" noChangeArrowheads="1"/>
+          </p:cNvSpPr>
+          <p:nvPr>
+            <p:ph type="sldNum" sz="quarter" idx="5"/>
+          </p:nvPr>
+        </p:nvSpPr>
+        <p:spPr>
+          <a:noFill/>
+        </p:spPr>
+        <p:txBody>
+          <a:bodyPr/>
+          <a:lstStyle/>
+          <a:p>
+            <a:fld id="{7562DCF6-C322-4C22-95B0-9DADD233296D}" type="slidenum">
+              <a:rPr lang="en-US" smtClean="0"/>
+              <a:pPr/>
+              <a:t>56</a:t>
+            </a:fld>
+            <a:endParaRPr lang="en-US"/>
+          </a:p>
+        </p:txBody>
+      </p:sp>
+      <p:sp>
+        <p:nvSpPr>
+          <p:cNvPr id="48131" name="Rectangle 2"/>
+          <p:cNvSpPr>
+            <a:spLocks noGrp="1" noRot="1" noChangeAspect="1" noChangeArrowheads="1" noTextEdit="1"/>
           </p:cNvSpPr>
           <p:nvPr>
             <p:ph type="sldImg"/>
           </p:nvPr>
         </p:nvSpPr>
-        <p:spPr/>
-      </p:sp>
-      <p:sp>
-        <p:nvSpPr>
-          <p:cNvPr id="3" name="Notes Placeholder 2"/>
-          <p:cNvSpPr>
-            <a:spLocks noGrp="1"/>
+        <p:spPr>
+          <a:xfrm>
+            <a:off x="993775" y="769938"/>
+            <a:ext cx="5113338" cy="3835400"/>
+          </a:xfrm>
+          <a:ln/>
+        </p:spPr>
+      </p:sp>
+      <p:sp>
+        <p:nvSpPr>
+          <p:cNvPr id="48132" name="Rectangle 3"/>
+          <p:cNvSpPr>
+            <a:spLocks noGrp="1" noChangeArrowheads="1"/>
           </p:cNvSpPr>
           <p:nvPr>
             <p:ph type="body" idx="1"/>
           </p:nvPr>
         </p:nvSpPr>
-        <p:spPr/>
+        <p:spPr>
+          <a:noFill/>
+          <a:ln/>
+        </p:spPr>
         <p:txBody>
           <a:bodyPr/>
           <a:lstStyle/>
           <a:p>
+            <a:r>
+              <a:rPr lang="en-US" dirty="0"/>
+              <a:t>This example shows how the query reformulation works. By identifying document B3 as being relevant and modifying the query vector it turns out that new documents (B5 and B7) become relevant. The reason is that those new documents share terms with document B3, and these terms are newly considered in the reformulated query.</a:t>
+            </a:r>
+          </a:p>
+          <a:p>
             <a:endParaRPr lang="en-US" dirty="0"/>
-          </a:p>
-        </p:txBody>
-      </p:sp>
-      <p:sp>
-        <p:nvSpPr>
-          <p:cNvPr id="4" name="Slide Number Placeholder 3"/>
-          <p:cNvSpPr>
-            <a:spLocks noGrp="1"/>
-          </p:cNvSpPr>
-          <p:nvPr>
-            <p:ph type="sldNum" sz="quarter" idx="10"/>
-          </p:nvPr>
-        </p:nvSpPr>
-        <p:spPr/>
-        <p:txBody>
-          <a:bodyPr/>
-          <a:lstStyle/>
-          <a:p>
-            <a:fld id="{E6C47E0B-2958-48CC-BA4E-C350203CF107}" type="slidenum">
-              <a:rPr lang="en-US" smtClean="0"/>
-              <a:pPr/>
-              <a:t>60</a:t>
-            </a:fld>
-            <a:endParaRPr lang="en-US"/>
           </a:p>
         </p:txBody>
       </p:sp>
     </p:spTree>
     <p:extLst>
       <p:ext uri="{BB962C8B-B14F-4D97-AF65-F5344CB8AC3E}">
-        <p14:creationId xmlns:p14="http://schemas.microsoft.com/office/powerpoint/2010/main" val="4218194486"/>
+        <p14:creationId xmlns:p14="http://schemas.microsoft.com/office/powerpoint/2010/main" val="2113169755"/>
       </p:ext>
     </p:extLst>
   </p:cSld>
@@ -6060,21 +6145,20 @@
           <a:p>
             <a:r>
               <a:rPr lang="en-US" dirty="0"/>
-              <a:t>Global methods for expanding</a:t>
-            </a:r>
-            <a:r>
-              <a:rPr lang="en-US" baseline="0" dirty="0"/>
-              <a:t> user queries can rely on a variety of resources. These may include thesauri (a</a:t>
-            </a:r>
+              <a:t>Concerning the first assumption, if the initial query of the user does not contain sufficient information to retrieve at least a few documents that are relevant to the true interest of the user, the relevance feedback system will not be able to produce sufficient relevant documents with additional terms.</a:t>
+            </a:r>
+          </a:p>
+          <a:p>
             <a:r>
               <a:rPr lang="en-US" dirty="0"/>
-              <a:t> thesaurus is a database that contains</a:t>
-            </a:r>
-            <a:r>
-              <a:rPr lang="en-US" baseline="0" dirty="0"/>
-              <a:t> (near-) synonyms) that are manually constructed or automatically derived, or the automated analysis of query logs.</a:t>
-            </a:r>
-            <a:endParaRPr lang="en-US" dirty="0"/>
+              <a:t>Concerning the second assumption, new terms can only be included as part of the modified query, if they co-occur at least in some documents together with original query terms. Otherwise, these terms could never be part of relevant documents in the result of the original query (why?).</a:t>
+            </a:r>
+          </a:p>
+          <a:p>
+            <a:r>
+              <a:rPr lang="en-US" dirty="0"/>
+              <a:t>Concerning the third assumption, implicitly the SMART algorithm assumes that all relevant documents are part of one cluster in the vector space. If they form multiple clusters, it is not able to correctly produce a query that can retrieve the relevant documents.</a:t>
+            </a:r>
           </a:p>
         </p:txBody>
       </p:sp>
@@ -6093,15 +6177,10 @@
           <a:bodyPr/>
           <a:lstStyle/>
           <a:p>
-            <a:pPr>
-              <a:defRPr/>
-            </a:pPr>
-            <a:fld id="{14727734-ABCF-234D-B636-C5B0C95204C2}" type="slidenum">
+            <a:fld id="{E6C47E0B-2958-48CC-BA4E-C350203CF107}" type="slidenum">
               <a:rPr lang="en-US" smtClean="0"/>
-              <a:pPr>
-                <a:defRPr/>
-              </a:pPr>
-              <a:t>61</a:t>
+              <a:pPr/>
+              <a:t>57</a:t>
             </a:fld>
             <a:endParaRPr lang="en-US"/>
           </a:p>
@@ -6110,7 +6189,7 @@
     </p:spTree>
     <p:extLst>
       <p:ext uri="{BB962C8B-B14F-4D97-AF65-F5344CB8AC3E}">
-        <p14:creationId xmlns:p14="http://schemas.microsoft.com/office/powerpoint/2010/main" val="4161604233"/>
+        <p14:creationId xmlns:p14="http://schemas.microsoft.com/office/powerpoint/2010/main" val="4140893582"/>
       </p:ext>
     </p:extLst>
   </p:cSld>
@@ -6164,30 +6243,6 @@
           <a:bodyPr/>
           <a:lstStyle/>
           <a:p>
-            <a:r>
-              <a:rPr lang="en-US" dirty="0"/>
-              <a:t>Performing</a:t>
-            </a:r>
-            <a:r>
-              <a:rPr lang="en-US" baseline="0" dirty="0"/>
-              <a:t> query expansion using a manually thesaurus requires the (expensive) effort of creating and maintaining such a thesaurus. This task is mainly performed in highly specialized technical fields in science and engineering. One prominent example of such a Thesaurus is maintained by </a:t>
-            </a:r>
-            <a:r>
-              <a:rPr lang="en-US" baseline="0" dirty="0" err="1"/>
-              <a:t>Pubmed</a:t>
-            </a:r>
-            <a:r>
-              <a:rPr lang="en-US" baseline="0" dirty="0"/>
-              <a:t>, the biggest publication database for medical literature maintained by the NIH, the National Institute of Health in the US. When using its search engine, you will find a window ”Search details” that shows how the user query is automatically expanded using the </a:t>
-            </a:r>
-            <a:r>
-              <a:rPr lang="en-US" baseline="0" dirty="0" err="1"/>
-              <a:t>Pubmed</a:t>
-            </a:r>
-            <a:r>
-              <a:rPr lang="en-US" baseline="0" dirty="0"/>
-              <a:t> thesaurus. In this example we see that the search system identifies that “cancer” is an entry on the concept “neoplasms”, and thus extends the query with all entries that it finds associated in the thesaurus (e.g. it would also search for “tumor”).</a:t>
-            </a:r>
             <a:endParaRPr lang="en-US" dirty="0"/>
           </a:p>
         </p:txBody>
@@ -6210,7 +6265,7 @@
             <a:fld id="{E6C47E0B-2958-48CC-BA4E-C350203CF107}" type="slidenum">
               <a:rPr lang="en-US" smtClean="0"/>
               <a:pPr/>
-              <a:t>62</a:t>
+              <a:t>60</a:t>
             </a:fld>
             <a:endParaRPr lang="en-US"/>
           </a:p>
@@ -6219,7 +6274,7 @@
     </p:spTree>
     <p:extLst>
       <p:ext uri="{BB962C8B-B14F-4D97-AF65-F5344CB8AC3E}">
-        <p14:creationId xmlns:p14="http://schemas.microsoft.com/office/powerpoint/2010/main" val="4011098281"/>
+        <p14:creationId xmlns:p14="http://schemas.microsoft.com/office/powerpoint/2010/main" val="4218194486"/>
       </p:ext>
     </p:extLst>
   </p:cSld>
@@ -6275,28 +6330,19 @@
           <a:p>
             <a:r>
               <a:rPr lang="en-US" dirty="0"/>
-              <a:t>In order to avoid the effort of manually creating a thesaurus one can attempt to create it automatically by studying large numbers of documents</a:t>
+              <a:t>Global methods for expanding</a:t>
             </a:r>
             <a:r>
               <a:rPr lang="en-US" baseline="0" dirty="0"/>
-              <a:t> and the distribution of words in those. This leads to the concept of word similarity. There exists two basic methods to study this similarity, either purely statistically, by observing which words occur together in documents, or in a more accurate way by identifying whether the words occur in the same grammatical relationships.</a:t>
-            </a:r>
-          </a:p>
-          <a:p>
-            <a:endParaRPr lang="en-US" baseline="0" dirty="0"/>
-          </a:p>
-          <a:p>
+              <a:t> user queries can rely on a variety of resources. These may include thesauri (a</a:t>
+            </a:r>
+            <a:r>
+              <a:rPr lang="en-US" dirty="0"/>
+              <a:t> thesaurus is a database that contains</a:t>
+            </a:r>
             <a:r>
               <a:rPr lang="en-US" baseline="0" dirty="0"/>
-              <a:t>For the first approach we study so-called “word </a:t>
-            </a:r>
-            <a:r>
-              <a:rPr lang="en-US" baseline="0" dirty="0" err="1"/>
-              <a:t>embeddings</a:t>
-            </a:r>
-            <a:r>
-              <a:rPr lang="en-US" baseline="0" dirty="0"/>
-              <a:t>”. For the second approach we will learn about methods of “information extraction”.</a:t>
+              <a:t> (near-) synonyms) that are manually constructed or automatically derived, or the automated analysis of query logs.</a:t>
             </a:r>
             <a:endParaRPr lang="en-US" dirty="0"/>
           </a:p>
@@ -6317,10 +6363,15 @@
           <a:bodyPr/>
           <a:lstStyle/>
           <a:p>
-            <a:fld id="{E6C47E0B-2958-48CC-BA4E-C350203CF107}" type="slidenum">
+            <a:pPr>
+              <a:defRPr/>
+            </a:pPr>
+            <a:fld id="{14727734-ABCF-234D-B636-C5B0C95204C2}" type="slidenum">
               <a:rPr lang="en-US" smtClean="0"/>
-              <a:pPr/>
-              <a:t>63</a:t>
+              <a:pPr>
+                <a:defRPr/>
+              </a:pPr>
+              <a:t>61</a:t>
             </a:fld>
             <a:endParaRPr lang="en-US"/>
           </a:p>
@@ -6329,7 +6380,7 @@
     </p:spTree>
     <p:extLst>
       <p:ext uri="{BB962C8B-B14F-4D97-AF65-F5344CB8AC3E}">
-        <p14:creationId xmlns:p14="http://schemas.microsoft.com/office/powerpoint/2010/main" val="4082126931"/>
+        <p14:creationId xmlns:p14="http://schemas.microsoft.com/office/powerpoint/2010/main" val="4161604233"/>
       </p:ext>
     </p:extLst>
   </p:cSld>
@@ -6385,11 +6436,27 @@
           <a:p>
             <a:r>
               <a:rPr lang="en-US" dirty="0"/>
-              <a:t>This example illustrates of how such automatic thesaurus generation based on statistical</a:t>
+              <a:t>Performing</a:t>
             </a:r>
             <a:r>
               <a:rPr lang="en-US" baseline="0" dirty="0"/>
-              <a:t> analysis looks in practice. A statistical analysis would allow to compute similarity of words. With such a similarity measure it is possible to search for related words (just like searching for documents with an information retrieval system). As the example shows, such a search reveals immediately many terms directly related with the original word, which was “cat”.</a:t>
+              <a:t> query expansion using a manually thesaurus requires the (expensive) effort of creating and maintaining such a thesaurus. This task is mainly performed in highly specialized technical fields in science and engineering. One prominent example of such a Thesaurus is maintained by </a:t>
+            </a:r>
+            <a:r>
+              <a:rPr lang="en-US" baseline="0" dirty="0" err="1"/>
+              <a:t>Pubmed</a:t>
+            </a:r>
+            <a:r>
+              <a:rPr lang="en-US" baseline="0" dirty="0"/>
+              <a:t>, the biggest publication database for medical literature maintained by the NIH, the National Institute of Health in the US. When using its search engine, you will find a window ”Search details” that shows how the user query is automatically expanded using the </a:t>
+            </a:r>
+            <a:r>
+              <a:rPr lang="en-US" baseline="0" dirty="0" err="1"/>
+              <a:t>Pubmed</a:t>
+            </a:r>
+            <a:r>
+              <a:rPr lang="en-US" baseline="0" dirty="0"/>
+              <a:t> thesaurus. In this example we see that the search system identifies that “cancer” is an entry on the concept “neoplasms”, and thus extends the query with all entries that it finds associated in the thesaurus (e.g. it would also search for “tumor”).</a:t>
             </a:r>
             <a:endParaRPr lang="en-US" dirty="0"/>
           </a:p>
@@ -6413,7 +6480,7 @@
             <a:fld id="{E6C47E0B-2958-48CC-BA4E-C350203CF107}" type="slidenum">
               <a:rPr lang="en-US" smtClean="0"/>
               <a:pPr/>
-              <a:t>64</a:t>
+              <a:t>62</a:t>
             </a:fld>
             <a:endParaRPr lang="en-US"/>
           </a:p>
@@ -6422,7 +6489,7 @@
     </p:spTree>
     <p:extLst>
       <p:ext uri="{BB962C8B-B14F-4D97-AF65-F5344CB8AC3E}">
-        <p14:creationId xmlns:p14="http://schemas.microsoft.com/office/powerpoint/2010/main" val="2350680280"/>
+        <p14:creationId xmlns:p14="http://schemas.microsoft.com/office/powerpoint/2010/main" val="4011098281"/>
       </p:ext>
     </p:extLst>
   </p:cSld>
@@ -6478,11 +6545,28 @@
           <a:p>
             <a:r>
               <a:rPr lang="en-US" dirty="0"/>
-              <a:t>Query logs contain potentially</a:t>
+              <a:t>In order to avoid the effort of manually creating a thesaurus one can attempt to create it automatically by studying large numbers of documents</a:t>
             </a:r>
             <a:r>
               <a:rPr lang="en-US" baseline="0" dirty="0"/>
-              <a:t> rich information for query expansion. There a numerous ways of how such knowledge can be exploited. We show here two possible examples. Other methods rely on mining query logs using various techniques, including clustering and association rule mining, that we will encounter in the later part on data mining.</a:t>
+              <a:t> and the distribution of words in those. This leads to the concept of word similarity. There exists two basic methods to study this similarity, either purely statistically, by observing which words occur together in documents, or in a more accurate way by identifying whether the words occur in the same grammatical relationships.</a:t>
+            </a:r>
+          </a:p>
+          <a:p>
+            <a:endParaRPr lang="en-US" baseline="0" dirty="0"/>
+          </a:p>
+          <a:p>
+            <a:r>
+              <a:rPr lang="en-US" baseline="0" dirty="0"/>
+              <a:t>For the first approach we study so-called “word </a:t>
+            </a:r>
+            <a:r>
+              <a:rPr lang="en-US" baseline="0" dirty="0" err="1"/>
+              <a:t>embeddings</a:t>
+            </a:r>
+            <a:r>
+              <a:rPr lang="en-US" baseline="0" dirty="0"/>
+              <a:t>”. For the second approach we will learn about methods of “information extraction”.</a:t>
             </a:r>
             <a:endParaRPr lang="en-US" dirty="0"/>
           </a:p>
@@ -6503,15 +6587,10 @@
           <a:bodyPr/>
           <a:lstStyle/>
           <a:p>
-            <a:pPr>
-              <a:defRPr/>
-            </a:pPr>
-            <a:fld id="{14727734-ABCF-234D-B636-C5B0C95204C2}" type="slidenum">
+            <a:fld id="{E6C47E0B-2958-48CC-BA4E-C350203CF107}" type="slidenum">
               <a:rPr lang="en-US" smtClean="0"/>
-              <a:pPr>
-                <a:defRPr/>
-              </a:pPr>
-              <a:t>65</a:t>
+              <a:pPr/>
+              <a:t>63</a:t>
             </a:fld>
             <a:endParaRPr lang="en-US"/>
           </a:p>
@@ -6520,7 +6599,7 @@
     </p:spTree>
     <p:extLst>
       <p:ext uri="{BB962C8B-B14F-4D97-AF65-F5344CB8AC3E}">
-        <p14:creationId xmlns:p14="http://schemas.microsoft.com/office/powerpoint/2010/main" val="3596977241"/>
+        <p14:creationId xmlns:p14="http://schemas.microsoft.com/office/powerpoint/2010/main" val="4082126931"/>
       </p:ext>
     </p:extLst>
   </p:cSld>
@@ -6549,6 +6628,197 @@
       </p:grpSpPr>
       <p:sp>
         <p:nvSpPr>
+          <p:cNvPr id="2" name="Slide Image Placeholder 1"/>
+          <p:cNvSpPr>
+            <a:spLocks noGrp="1" noRot="1" noChangeAspect="1"/>
+          </p:cNvSpPr>
+          <p:nvPr>
+            <p:ph type="sldImg"/>
+          </p:nvPr>
+        </p:nvSpPr>
+        <p:spPr/>
+      </p:sp>
+      <p:sp>
+        <p:nvSpPr>
+          <p:cNvPr id="3" name="Notes Placeholder 2"/>
+          <p:cNvSpPr>
+            <a:spLocks noGrp="1"/>
+          </p:cNvSpPr>
+          <p:nvPr>
+            <p:ph type="body" idx="1"/>
+          </p:nvPr>
+        </p:nvSpPr>
+        <p:spPr/>
+        <p:txBody>
+          <a:bodyPr/>
+          <a:lstStyle/>
+          <a:p>
+            <a:r>
+              <a:rPr lang="en-US" dirty="0"/>
+              <a:t>This example illustrates of how such automatic thesaurus generation based on statistical</a:t>
+            </a:r>
+            <a:r>
+              <a:rPr lang="en-US" baseline="0" dirty="0"/>
+              <a:t> analysis looks in practice. A statistical analysis would allow to compute similarity of words. With such a similarity measure it is possible to search for related words (just like searching for documents with an information retrieval system). As the example shows, such a search reveals immediately many terms directly related with the original word, which was “cat”.</a:t>
+            </a:r>
+            <a:endParaRPr lang="en-US" dirty="0"/>
+          </a:p>
+        </p:txBody>
+      </p:sp>
+      <p:sp>
+        <p:nvSpPr>
+          <p:cNvPr id="4" name="Slide Number Placeholder 3"/>
+          <p:cNvSpPr>
+            <a:spLocks noGrp="1"/>
+          </p:cNvSpPr>
+          <p:nvPr>
+            <p:ph type="sldNum" sz="quarter" idx="10"/>
+          </p:nvPr>
+        </p:nvSpPr>
+        <p:spPr/>
+        <p:txBody>
+          <a:bodyPr/>
+          <a:lstStyle/>
+          <a:p>
+            <a:fld id="{E6C47E0B-2958-48CC-BA4E-C350203CF107}" type="slidenum">
+              <a:rPr lang="en-US" smtClean="0"/>
+              <a:pPr/>
+              <a:t>64</a:t>
+            </a:fld>
+            <a:endParaRPr lang="en-US"/>
+          </a:p>
+        </p:txBody>
+      </p:sp>
+    </p:spTree>
+    <p:extLst>
+      <p:ext uri="{BB962C8B-B14F-4D97-AF65-F5344CB8AC3E}">
+        <p14:creationId xmlns:p14="http://schemas.microsoft.com/office/powerpoint/2010/main" val="2350680280"/>
+      </p:ext>
+    </p:extLst>
+  </p:cSld>
+  <p:clrMapOvr>
+    <a:masterClrMapping/>
+  </p:clrMapOvr>
+</p:notes>
+</file>
+
+<file path=ppt/notesSlides/notesSlide56.xml><?xml version="1.0" encoding="utf-8"?>
+<p:notes xmlns:a="http://schemas.openxmlformats.org/drawingml/2006/main" xmlns:r="http://schemas.openxmlformats.org/officeDocument/2006/relationships" xmlns:p="http://schemas.openxmlformats.org/presentationml/2006/main">
+  <p:cSld>
+    <p:spTree>
+      <p:nvGrpSpPr>
+        <p:cNvPr id="1" name=""/>
+        <p:cNvGrpSpPr/>
+        <p:nvPr/>
+      </p:nvGrpSpPr>
+      <p:grpSpPr>
+        <a:xfrm>
+          <a:off x="0" y="0"/>
+          <a:ext cx="0" cy="0"/>
+          <a:chOff x="0" y="0"/>
+          <a:chExt cx="0" cy="0"/>
+        </a:xfrm>
+      </p:grpSpPr>
+      <p:sp>
+        <p:nvSpPr>
+          <p:cNvPr id="2" name="Slide Image Placeholder 1"/>
+          <p:cNvSpPr>
+            <a:spLocks noGrp="1" noRot="1" noChangeAspect="1"/>
+          </p:cNvSpPr>
+          <p:nvPr>
+            <p:ph type="sldImg"/>
+          </p:nvPr>
+        </p:nvSpPr>
+        <p:spPr/>
+      </p:sp>
+      <p:sp>
+        <p:nvSpPr>
+          <p:cNvPr id="3" name="Notes Placeholder 2"/>
+          <p:cNvSpPr>
+            <a:spLocks noGrp="1"/>
+          </p:cNvSpPr>
+          <p:nvPr>
+            <p:ph type="body" idx="1"/>
+          </p:nvPr>
+        </p:nvSpPr>
+        <p:spPr/>
+        <p:txBody>
+          <a:bodyPr/>
+          <a:lstStyle/>
+          <a:p>
+            <a:r>
+              <a:rPr lang="en-US" dirty="0"/>
+              <a:t>Query logs contain potentially</a:t>
+            </a:r>
+            <a:r>
+              <a:rPr lang="en-US" baseline="0" dirty="0"/>
+              <a:t> rich information for query expansion. There a numerous ways of how such knowledge can be exploited. We show here two possible examples. Other methods rely on mining query logs using various techniques, including clustering and association rule mining, that we will encounter in the later part on data mining.</a:t>
+            </a:r>
+            <a:endParaRPr lang="en-US" dirty="0"/>
+          </a:p>
+        </p:txBody>
+      </p:sp>
+      <p:sp>
+        <p:nvSpPr>
+          <p:cNvPr id="4" name="Slide Number Placeholder 3"/>
+          <p:cNvSpPr>
+            <a:spLocks noGrp="1"/>
+          </p:cNvSpPr>
+          <p:nvPr>
+            <p:ph type="sldNum" sz="quarter" idx="10"/>
+          </p:nvPr>
+        </p:nvSpPr>
+        <p:spPr/>
+        <p:txBody>
+          <a:bodyPr/>
+          <a:lstStyle/>
+          <a:p>
+            <a:pPr>
+              <a:defRPr/>
+            </a:pPr>
+            <a:fld id="{14727734-ABCF-234D-B636-C5B0C95204C2}" type="slidenum">
+              <a:rPr lang="en-US" smtClean="0"/>
+              <a:pPr>
+                <a:defRPr/>
+              </a:pPr>
+              <a:t>65</a:t>
+            </a:fld>
+            <a:endParaRPr lang="en-US"/>
+          </a:p>
+        </p:txBody>
+      </p:sp>
+    </p:spTree>
+    <p:extLst>
+      <p:ext uri="{BB962C8B-B14F-4D97-AF65-F5344CB8AC3E}">
+        <p14:creationId xmlns:p14="http://schemas.microsoft.com/office/powerpoint/2010/main" val="3596977241"/>
+      </p:ext>
+    </p:extLst>
+  </p:cSld>
+  <p:clrMapOvr>
+    <a:masterClrMapping/>
+  </p:clrMapOvr>
+</p:notes>
+</file>
+
+<file path=ppt/notesSlides/notesSlide57.xml><?xml version="1.0" encoding="utf-8"?>
+<p:notes xmlns:a="http://schemas.openxmlformats.org/drawingml/2006/main" xmlns:r="http://schemas.openxmlformats.org/officeDocument/2006/relationships" xmlns:p="http://schemas.openxmlformats.org/presentationml/2006/main">
+  <p:cSld>
+    <p:spTree>
+      <p:nvGrpSpPr>
+        <p:cNvPr id="1" name=""/>
+        <p:cNvGrpSpPr/>
+        <p:nvPr/>
+      </p:nvGrpSpPr>
+      <p:grpSpPr>
+        <a:xfrm>
+          <a:off x="0" y="0"/>
+          <a:ext cx="0" cy="0"/>
+          <a:chOff x="0" y="0"/>
+          <a:chExt cx="0" cy="0"/>
+        </a:xfrm>
+      </p:grpSpPr>
+      <p:sp>
+        <p:nvSpPr>
           <p:cNvPr id="105473" name="Rectangle 7"/>
           <p:cNvSpPr>
             <a:spLocks noGrp="1" noChangeArrowheads="1"/>
@@ -6562,14 +6832,14 @@
           <a:ln/>
           <a:extLst>
             <a:ext uri="{909E8E84-426E-40dd-AFC4-6F175D3DCCD1}">
-              <a14:hiddenFill xmlns:a14="http://schemas.microsoft.com/office/drawing/2010/main" xmlns="">
+              <a14:hiddenFill xmlns="" xmlns:a14="http://schemas.microsoft.com/office/drawing/2010/main">
                 <a:solidFill>
                   <a:srgbClr val="FFFFFF"/>
                 </a:solidFill>
               </a14:hiddenFill>
             </a:ext>
             <a:ext uri="{91240B29-F687-4f45-9708-019B960494DF}">
-              <a14:hiddenLine xmlns:a14="http://schemas.microsoft.com/office/drawing/2010/main" xmlns="" w="9525">
+              <a14:hiddenLine xmlns="" xmlns:a14="http://schemas.microsoft.com/office/drawing/2010/main" w="9525">
                 <a:solidFill>
                   <a:srgbClr val="000000"/>
                 </a:solidFill>
@@ -6740,17 +7010,17 @@
           <a:ln/>
           <a:extLst>
             <a:ext uri="{FAA26D3D-D897-4be2-8F04-BA451C77F1D7}">
-              <ma14:placeholderFlag xmlns:ma14="http://schemas.microsoft.com/office/mac/drawingml/2011/main" xmlns="" val="1"/>
+              <ma14:placeholderFlag xmlns:ma14="http://schemas.microsoft.com/office/mac/drawingml/2011/main" val="1"/>
             </a:ext>
             <a:ext uri="{909E8E84-426E-40dd-AFC4-6F175D3DCCD1}">
-              <a14:hiddenFill xmlns:a14="http://schemas.microsoft.com/office/drawing/2010/main" xmlns="">
+              <a14:hiddenFill xmlns="" xmlns:a14="http://schemas.microsoft.com/office/drawing/2010/main">
                 <a:solidFill>
                   <a:srgbClr val="FFFFFF"/>
                 </a:solidFill>
               </a14:hiddenFill>
             </a:ext>
             <a:ext uri="{91240B29-F687-4f45-9708-019B960494DF}">
-              <a14:hiddenLine xmlns:a14="http://schemas.microsoft.com/office/drawing/2010/main" xmlns="" w="9525">
+              <a14:hiddenLine xmlns="" xmlns:a14="http://schemas.microsoft.com/office/drawing/2010/main" w="9525">
                 <a:solidFill>
                   <a:srgbClr val="000000"/>
                 </a:solidFill>
@@ -6817,14 +7087,14 @@
           <a:ln/>
           <a:extLst>
             <a:ext uri="{909E8E84-426E-40dd-AFC4-6F175D3DCCD1}">
-              <a14:hiddenFill xmlns:a14="http://schemas.microsoft.com/office/drawing/2010/main" xmlns="">
+              <a14:hiddenFill xmlns="" xmlns:a14="http://schemas.microsoft.com/office/drawing/2010/main">
                 <a:solidFill>
                   <a:srgbClr val="FFFFFF"/>
                 </a:solidFill>
               </a14:hiddenFill>
             </a:ext>
             <a:ext uri="{91240B29-F687-4f45-9708-019B960494DF}">
-              <a14:hiddenLine xmlns:a14="http://schemas.microsoft.com/office/drawing/2010/main" xmlns="" w="9525">
+              <a14:hiddenLine xmlns="" xmlns:a14="http://schemas.microsoft.com/office/drawing/2010/main" w="9525">
                 <a:solidFill>
                   <a:srgbClr val="000000"/>
                 </a:solidFill>
@@ -10144,17 +10414,17 @@
           </a:ln>
           <a:extLst>
             <a:ext uri="{FAA26D3D-D897-4be2-8F04-BA451C77F1D7}">
-              <ma14:placeholderFlag xmlns:ma14="http://schemas.microsoft.com/office/mac/drawingml/2011/main" xmlns="" val="1"/>
+              <ma14:placeholderFlag xmlns:ma14="http://schemas.microsoft.com/office/mac/drawingml/2011/main" val="1"/>
             </a:ext>
             <a:ext uri="{909E8E84-426E-40dd-AFC4-6F175D3DCCD1}">
-              <a14:hiddenFill xmlns:a14="http://schemas.microsoft.com/office/drawing/2010/main" xmlns="">
+              <a14:hiddenFill xmlns="" xmlns:a14="http://schemas.microsoft.com/office/drawing/2010/main">
                 <a:solidFill>
                   <a:srgbClr val="FFFFFF"/>
                 </a:solidFill>
               </a14:hiddenFill>
             </a:ext>
             <a:ext uri="{91240B29-F687-4f45-9708-019B960494DF}">
-              <a14:hiddenLine xmlns:a14="http://schemas.microsoft.com/office/drawing/2010/main" xmlns="" w="9525">
+              <a14:hiddenLine xmlns="" xmlns:a14="http://schemas.microsoft.com/office/drawing/2010/main" w="9525">
                 <a:solidFill>
                   <a:srgbClr val="000000"/>
                 </a:solidFill>
@@ -10202,17 +10472,17 @@
           </a:ln>
           <a:extLst>
             <a:ext uri="{FAA26D3D-D897-4be2-8F04-BA451C77F1D7}">
-              <ma14:placeholderFlag xmlns:ma14="http://schemas.microsoft.com/office/mac/drawingml/2011/main" xmlns="" val="1"/>
+              <ma14:placeholderFlag xmlns:ma14="http://schemas.microsoft.com/office/mac/drawingml/2011/main" val="1"/>
             </a:ext>
             <a:ext uri="{909E8E84-426E-40dd-AFC4-6F175D3DCCD1}">
-              <a14:hiddenFill xmlns:a14="http://schemas.microsoft.com/office/drawing/2010/main" xmlns="">
+              <a14:hiddenFill xmlns="" xmlns:a14="http://schemas.microsoft.com/office/drawing/2010/main">
                 <a:solidFill>
                   <a:srgbClr val="FFFFFF"/>
                 </a:solidFill>
               </a14:hiddenFill>
             </a:ext>
             <a:ext uri="{91240B29-F687-4f45-9708-019B960494DF}">
-              <a14:hiddenLine xmlns:a14="http://schemas.microsoft.com/office/drawing/2010/main" xmlns="" w="9525">
+              <a14:hiddenLine xmlns="" xmlns:a14="http://schemas.microsoft.com/office/drawing/2010/main" w="9525">
                 <a:solidFill>
                   <a:srgbClr val="000000"/>
                 </a:solidFill>
@@ -10341,14 +10611,14 @@
           </a:ln>
           <a:extLst>
             <a:ext uri="{909E8E84-426E-40dd-AFC4-6F175D3DCCD1}">
-              <a14:hiddenFill xmlns:a14="http://schemas.microsoft.com/office/drawing/2010/main" xmlns="">
+              <a14:hiddenFill xmlns="" xmlns:a14="http://schemas.microsoft.com/office/drawing/2010/main">
                 <a:solidFill>
                   <a:srgbClr val="FFFFFF"/>
                 </a:solidFill>
               </a14:hiddenFill>
             </a:ext>
             <a:ext uri="{91240B29-F687-4f45-9708-019B960494DF}">
-              <a14:hiddenLine xmlns:a14="http://schemas.microsoft.com/office/drawing/2010/main" xmlns="" w="9525">
+              <a14:hiddenLine xmlns="" xmlns:a14="http://schemas.microsoft.com/office/drawing/2010/main" w="9525">
                 <a:solidFill>
                   <a:srgbClr val="000000"/>
                 </a:solidFill>
@@ -11931,7 +12201,7 @@
           <p:cNvPr id="6" name="TPChart" title="Results Chart">
             <a:extLst>
               <a:ext uri="{FF2B5EF4-FFF2-40B4-BE49-F238E27FC236}">
-                <a16:creationId xmlns:a16="http://schemas.microsoft.com/office/drawing/2014/main" id="{855EB9D8-442D-A64B-A906-475B68F5DF1C}"/>
+                <a16:creationId xmlns:a16="http://schemas.microsoft.com/office/drawing/2014/main" xmlns="" id="{855EB9D8-442D-A64B-A906-475B68F5DF1C}"/>
               </a:ext>
             </a:extLst>
           </p:cNvPr>
@@ -11945,7 +12215,7 @@
           </p:nvPr>
         </p:nvPicPr>
         <p:blipFill>
-          <a:blip r:embed="rId5">
+          <a:blip r:embed="rId6">
             <a:extLst>
               <a:ext uri="{28A0092B-C50C-407E-A947-70E740481C1C}">
                 <a14:useLocalDpi xmlns:a14="http://schemas.microsoft.com/office/drawing/2010/main" val="0"/>
@@ -11971,7 +12241,7 @@
           <p:cNvPr id="2" name="Footer Placeholder 1">
             <a:extLst>
               <a:ext uri="{FF2B5EF4-FFF2-40B4-BE49-F238E27FC236}">
-                <a16:creationId xmlns:a16="http://schemas.microsoft.com/office/drawing/2014/main" id="{6B3AA654-F38D-C142-A6B2-ECC60A600E0E}"/>
+                <a16:creationId xmlns:a16="http://schemas.microsoft.com/office/drawing/2014/main" xmlns="" id="{6B3AA654-F38D-C142-A6B2-ECC60A600E0E}"/>
               </a:ext>
             </a:extLst>
           </p:cNvPr>
@@ -12133,7 +12403,7 @@
           <p:cNvPr id="7" name="TPChart" title="Results Chart">
             <a:extLst>
               <a:ext uri="{FF2B5EF4-FFF2-40B4-BE49-F238E27FC236}">
-                <a16:creationId xmlns:a16="http://schemas.microsoft.com/office/drawing/2014/main" id="{628DC226-88ED-084A-BF99-DB22CA6BD364}"/>
+                <a16:creationId xmlns:a16="http://schemas.microsoft.com/office/drawing/2014/main" xmlns="" id="{628DC226-88ED-084A-BF99-DB22CA6BD364}"/>
               </a:ext>
             </a:extLst>
           </p:cNvPr>
@@ -12147,7 +12417,7 @@
           </p:nvPr>
         </p:nvPicPr>
         <p:blipFill>
-          <a:blip r:embed="rId5">
+          <a:blip r:embed="rId6">
             <a:extLst>
               <a:ext uri="{28A0092B-C50C-407E-A947-70E740481C1C}">
                 <a14:useLocalDpi xmlns:a14="http://schemas.microsoft.com/office/drawing/2010/main" val="0"/>
@@ -12173,7 +12443,7 @@
           <p:cNvPr id="2" name="Footer Placeholder 1">
             <a:extLst>
               <a:ext uri="{FF2B5EF4-FFF2-40B4-BE49-F238E27FC236}">
-                <a16:creationId xmlns:a16="http://schemas.microsoft.com/office/drawing/2014/main" id="{85F4DCDB-A5EA-A24E-89FF-5F74F76483D2}"/>
+                <a16:creationId xmlns:a16="http://schemas.microsoft.com/office/drawing/2014/main" xmlns="" id="{85F4DCDB-A5EA-A24E-89FF-5F74F76483D2}"/>
               </a:ext>
             </a:extLst>
           </p:cNvPr>
@@ -20397,7 +20667,7 @@
           <p:cNvPr id="7" name="TPChart" title="Results Chart">
             <a:extLst>
               <a:ext uri="{FF2B5EF4-FFF2-40B4-BE49-F238E27FC236}">
-                <a16:creationId xmlns:a16="http://schemas.microsoft.com/office/drawing/2014/main" id="{5BF5D839-0CA8-4744-B985-8E8FC67546F4}"/>
+                <a16:creationId xmlns:a16="http://schemas.microsoft.com/office/drawing/2014/main" xmlns="" id="{5BF5D839-0CA8-4744-B985-8E8FC67546F4}"/>
               </a:ext>
             </a:extLst>
           </p:cNvPr>
@@ -20437,7 +20707,7 @@
           <p:cNvPr id="2" name="Footer Placeholder 1">
             <a:extLst>
               <a:ext uri="{FF2B5EF4-FFF2-40B4-BE49-F238E27FC236}">
-                <a16:creationId xmlns:a16="http://schemas.microsoft.com/office/drawing/2014/main" id="{CEF4C648-F7AF-1D4C-9946-66BB860DFF1F}"/>
+                <a16:creationId xmlns:a16="http://schemas.microsoft.com/office/drawing/2014/main" xmlns="" id="{CEF4C648-F7AF-1D4C-9946-66BB860DFF1F}"/>
               </a:ext>
             </a:extLst>
           </p:cNvPr>
@@ -20572,14 +20842,14 @@
           </a:ln>
           <a:extLst>
             <a:ext uri="{909E8E84-426E-40dd-AFC4-6F175D3DCCD1}">
-              <a14:hiddenFill xmlns="" xmlns:a14="http://schemas.microsoft.com/office/drawing/2010/main">
+              <a14:hiddenFill xmlns:a14="http://schemas.microsoft.com/office/drawing/2010/main" xmlns="">
                 <a:solidFill>
                   <a:srgbClr val="FFFFFF"/>
                 </a:solidFill>
               </a14:hiddenFill>
             </a:ext>
             <a:ext uri="{91240B29-F687-4f45-9708-019B960494DF}">
-              <a14:hiddenLine xmlns="" xmlns:a14="http://schemas.microsoft.com/office/drawing/2010/main" w="9525">
+              <a14:hiddenLine xmlns:a14="http://schemas.microsoft.com/office/drawing/2010/main" xmlns="" w="9525">
                 <a:solidFill>
                   <a:srgbClr val="000000"/>
                 </a:solidFill>
@@ -20906,14 +21176,14 @@
           <a:ln/>
           <a:extLst>
             <a:ext uri="{909E8E84-426E-40dd-AFC4-6F175D3DCCD1}">
-              <a14:hiddenFill xmlns="" xmlns:a14="http://schemas.microsoft.com/office/drawing/2010/main">
+              <a14:hiddenFill xmlns:a14="http://schemas.microsoft.com/office/drawing/2010/main" xmlns="">
                 <a:solidFill>
                   <a:srgbClr val="FFFFFF"/>
                 </a:solidFill>
               </a14:hiddenFill>
             </a:ext>
             <a:ext uri="{91240B29-F687-4f45-9708-019B960494DF}">
-              <a14:hiddenLine xmlns="" xmlns:a14="http://schemas.microsoft.com/office/drawing/2010/main" w="9525">
+              <a14:hiddenLine xmlns:a14="http://schemas.microsoft.com/office/drawing/2010/main" xmlns="" w="9525">
                 <a:solidFill>
                   <a:srgbClr val="000000"/>
                 </a:solidFill>
@@ -21392,7 +21662,7 @@
           </a:ln>
           <a:extLst>
             <a:ext uri="{91240B29-F687-4f45-9708-019B960494DF}">
-              <a14:hiddenLine xmlns="" xmlns:a14="http://schemas.microsoft.com/office/drawing/2010/main" w="9525">
+              <a14:hiddenLine xmlns:a14="http://schemas.microsoft.com/office/drawing/2010/main" xmlns="" w="9525">
                 <a:solidFill>
                   <a:srgbClr val="000000"/>
                 </a:solidFill>
@@ -21445,7 +21715,7 @@
           </a:ln>
           <a:extLst>
             <a:ext uri="{909E8E84-426E-40dd-AFC4-6F175D3DCCD1}">
-              <a14:hiddenFill xmlns="" xmlns:a14="http://schemas.microsoft.com/office/drawing/2010/main">
+              <a14:hiddenFill xmlns:a14="http://schemas.microsoft.com/office/drawing/2010/main" xmlns="">
                 <a:noFill/>
               </a14:hiddenFill>
             </a:ext>
@@ -21486,7 +21756,7 @@
           </a:ln>
           <a:extLst>
             <a:ext uri="{909E8E84-426E-40dd-AFC4-6F175D3DCCD1}">
-              <a14:hiddenFill xmlns="" xmlns:a14="http://schemas.microsoft.com/office/drawing/2010/main">
+              <a14:hiddenFill xmlns:a14="http://schemas.microsoft.com/office/drawing/2010/main" xmlns="">
                 <a:noFill/>
               </a14:hiddenFill>
             </a:ext>
@@ -21527,7 +21797,7 @@
           </a:ln>
           <a:extLst>
             <a:ext uri="{909E8E84-426E-40dd-AFC4-6F175D3DCCD1}">
-              <a14:hiddenFill xmlns="" xmlns:a14="http://schemas.microsoft.com/office/drawing/2010/main">
+              <a14:hiddenFill xmlns:a14="http://schemas.microsoft.com/office/drawing/2010/main" xmlns="">
                 <a:noFill/>
               </a14:hiddenFill>
             </a:ext>
@@ -21568,7 +21838,7 @@
           </a:ln>
           <a:extLst>
             <a:ext uri="{909E8E84-426E-40dd-AFC4-6F175D3DCCD1}">
-              <a14:hiddenFill xmlns="" xmlns:a14="http://schemas.microsoft.com/office/drawing/2010/main">
+              <a14:hiddenFill xmlns:a14="http://schemas.microsoft.com/office/drawing/2010/main" xmlns="">
                 <a:noFill/>
               </a14:hiddenFill>
             </a:ext>
@@ -21609,7 +21879,7 @@
           </a:ln>
           <a:extLst>
             <a:ext uri="{909E8E84-426E-40dd-AFC4-6F175D3DCCD1}">
-              <a14:hiddenFill xmlns="" xmlns:a14="http://schemas.microsoft.com/office/drawing/2010/main">
+              <a14:hiddenFill xmlns:a14="http://schemas.microsoft.com/office/drawing/2010/main" xmlns="">
                 <a:noFill/>
               </a14:hiddenFill>
             </a:ext>
@@ -21650,7 +21920,7 @@
           </a:ln>
           <a:extLst>
             <a:ext uri="{909E8E84-426E-40dd-AFC4-6F175D3DCCD1}">
-              <a14:hiddenFill xmlns="" xmlns:a14="http://schemas.microsoft.com/office/drawing/2010/main">
+              <a14:hiddenFill xmlns:a14="http://schemas.microsoft.com/office/drawing/2010/main" xmlns="">
                 <a:noFill/>
               </a14:hiddenFill>
             </a:ext>
@@ -21692,7 +21962,7 @@
           </a:ln>
           <a:extLst>
             <a:ext uri="{909E8E84-426E-40dd-AFC4-6F175D3DCCD1}">
-              <a14:hiddenFill xmlns="" xmlns:a14="http://schemas.microsoft.com/office/drawing/2010/main">
+              <a14:hiddenFill xmlns:a14="http://schemas.microsoft.com/office/drawing/2010/main" xmlns="">
                 <a:noFill/>
               </a14:hiddenFill>
             </a:ext>
@@ -21734,7 +22004,7 @@
           </a:ln>
           <a:extLst>
             <a:ext uri="{909E8E84-426E-40dd-AFC4-6F175D3DCCD1}">
-              <a14:hiddenFill xmlns="" xmlns:a14="http://schemas.microsoft.com/office/drawing/2010/main">
+              <a14:hiddenFill xmlns:a14="http://schemas.microsoft.com/office/drawing/2010/main" xmlns="">
                 <a:noFill/>
               </a14:hiddenFill>
             </a:ext>
@@ -21776,7 +22046,7 @@
           </a:ln>
           <a:extLst>
             <a:ext uri="{909E8E84-426E-40dd-AFC4-6F175D3DCCD1}">
-              <a14:hiddenFill xmlns="" xmlns:a14="http://schemas.microsoft.com/office/drawing/2010/main">
+              <a14:hiddenFill xmlns:a14="http://schemas.microsoft.com/office/drawing/2010/main" xmlns="">
                 <a:noFill/>
               </a14:hiddenFill>
             </a:ext>
@@ -21818,7 +22088,7 @@
           </a:ln>
           <a:extLst>
             <a:ext uri="{909E8E84-426E-40dd-AFC4-6F175D3DCCD1}">
-              <a14:hiddenFill xmlns="" xmlns:a14="http://schemas.microsoft.com/office/drawing/2010/main">
+              <a14:hiddenFill xmlns:a14="http://schemas.microsoft.com/office/drawing/2010/main" xmlns="">
                 <a:noFill/>
               </a14:hiddenFill>
             </a:ext>
@@ -21860,7 +22130,7 @@
           </a:ln>
           <a:extLst>
             <a:ext uri="{909E8E84-426E-40dd-AFC4-6F175D3DCCD1}">
-              <a14:hiddenFill xmlns="" xmlns:a14="http://schemas.microsoft.com/office/drawing/2010/main">
+              <a14:hiddenFill xmlns:a14="http://schemas.microsoft.com/office/drawing/2010/main" xmlns="">
                 <a:noFill/>
               </a14:hiddenFill>
             </a:ext>
@@ -21902,7 +22172,7 @@
           </a:ln>
           <a:extLst>
             <a:ext uri="{909E8E84-426E-40dd-AFC4-6F175D3DCCD1}">
-              <a14:hiddenFill xmlns="" xmlns:a14="http://schemas.microsoft.com/office/drawing/2010/main">
+              <a14:hiddenFill xmlns:a14="http://schemas.microsoft.com/office/drawing/2010/main" xmlns="">
                 <a:noFill/>
               </a14:hiddenFill>
             </a:ext>
@@ -21944,7 +22214,7 @@
           </a:ln>
           <a:extLst>
             <a:ext uri="{909E8E84-426E-40dd-AFC4-6F175D3DCCD1}">
-              <a14:hiddenFill xmlns="" xmlns:a14="http://schemas.microsoft.com/office/drawing/2010/main">
+              <a14:hiddenFill xmlns:a14="http://schemas.microsoft.com/office/drawing/2010/main" xmlns="">
                 <a:noFill/>
               </a14:hiddenFill>
             </a:ext>
@@ -21985,7 +22255,7 @@
           </a:ln>
           <a:extLst>
             <a:ext uri="{909E8E84-426E-40dd-AFC4-6F175D3DCCD1}">
-              <a14:hiddenFill xmlns="" xmlns:a14="http://schemas.microsoft.com/office/drawing/2010/main">
+              <a14:hiddenFill xmlns:a14="http://schemas.microsoft.com/office/drawing/2010/main" xmlns="">
                 <a:noFill/>
               </a14:hiddenFill>
             </a:ext>
@@ -22021,14 +22291,14 @@
           </a:ln>
           <a:extLst>
             <a:ext uri="{909E8E84-426E-40dd-AFC4-6F175D3DCCD1}">
-              <a14:hiddenFill xmlns="" xmlns:a14="http://schemas.microsoft.com/office/drawing/2010/main">
+              <a14:hiddenFill xmlns:a14="http://schemas.microsoft.com/office/drawing/2010/main" xmlns="">
                 <a:solidFill>
                   <a:srgbClr val="FFFFFF"/>
                 </a:solidFill>
               </a14:hiddenFill>
             </a:ext>
             <a:ext uri="{91240B29-F687-4f45-9708-019B960494DF}">
-              <a14:hiddenLine xmlns="" xmlns:a14="http://schemas.microsoft.com/office/drawing/2010/main" w="9525">
+              <a14:hiddenLine xmlns:a14="http://schemas.microsoft.com/office/drawing/2010/main" xmlns="" w="9525">
                 <a:solidFill>
                   <a:srgbClr val="000000"/>
                 </a:solidFill>
@@ -22076,14 +22346,14 @@
           </a:ln>
           <a:extLst>
             <a:ext uri="{909E8E84-426E-40dd-AFC4-6F175D3DCCD1}">
-              <a14:hiddenFill xmlns="" xmlns:a14="http://schemas.microsoft.com/office/drawing/2010/main">
+              <a14:hiddenFill xmlns:a14="http://schemas.microsoft.com/office/drawing/2010/main" xmlns="">
                 <a:solidFill>
                   <a:srgbClr val="FFFFFF"/>
                 </a:solidFill>
               </a14:hiddenFill>
             </a:ext>
             <a:ext uri="{91240B29-F687-4f45-9708-019B960494DF}">
-              <a14:hiddenLine xmlns="" xmlns:a14="http://schemas.microsoft.com/office/drawing/2010/main" w="9525">
+              <a14:hiddenLine xmlns:a14="http://schemas.microsoft.com/office/drawing/2010/main" xmlns="" w="9525">
                 <a:solidFill>
                   <a:srgbClr val="000000"/>
                 </a:solidFill>
@@ -22131,14 +22401,14 @@
           </a:ln>
           <a:extLst>
             <a:ext uri="{909E8E84-426E-40dd-AFC4-6F175D3DCCD1}">
-              <a14:hiddenFill xmlns="" xmlns:a14="http://schemas.microsoft.com/office/drawing/2010/main">
+              <a14:hiddenFill xmlns:a14="http://schemas.microsoft.com/office/drawing/2010/main" xmlns="">
                 <a:solidFill>
                   <a:srgbClr val="FFFFFF"/>
                 </a:solidFill>
               </a14:hiddenFill>
             </a:ext>
             <a:ext uri="{91240B29-F687-4f45-9708-019B960494DF}">
-              <a14:hiddenLine xmlns="" xmlns:a14="http://schemas.microsoft.com/office/drawing/2010/main" w="9525">
+              <a14:hiddenLine xmlns:a14="http://schemas.microsoft.com/office/drawing/2010/main" xmlns="" w="9525">
                 <a:solidFill>
                   <a:srgbClr val="000000"/>
                 </a:solidFill>
@@ -22186,14 +22456,14 @@
           </a:ln>
           <a:extLst>
             <a:ext uri="{909E8E84-426E-40dd-AFC4-6F175D3DCCD1}">
-              <a14:hiddenFill xmlns="" xmlns:a14="http://schemas.microsoft.com/office/drawing/2010/main">
+              <a14:hiddenFill xmlns:a14="http://schemas.microsoft.com/office/drawing/2010/main" xmlns="">
                 <a:solidFill>
                   <a:srgbClr val="FFFFFF"/>
                 </a:solidFill>
               </a14:hiddenFill>
             </a:ext>
             <a:ext uri="{91240B29-F687-4f45-9708-019B960494DF}">
-              <a14:hiddenLine xmlns="" xmlns:a14="http://schemas.microsoft.com/office/drawing/2010/main" w="9525">
+              <a14:hiddenLine xmlns:a14="http://schemas.microsoft.com/office/drawing/2010/main" xmlns="" w="9525">
                 <a:solidFill>
                   <a:srgbClr val="000000"/>
                 </a:solidFill>
@@ -22241,14 +22511,14 @@
           </a:ln>
           <a:extLst>
             <a:ext uri="{909E8E84-426E-40dd-AFC4-6F175D3DCCD1}">
-              <a14:hiddenFill xmlns="" xmlns:a14="http://schemas.microsoft.com/office/drawing/2010/main">
+              <a14:hiddenFill xmlns:a14="http://schemas.microsoft.com/office/drawing/2010/main" xmlns="">
                 <a:solidFill>
                   <a:srgbClr val="FFFFFF"/>
                 </a:solidFill>
               </a14:hiddenFill>
             </a:ext>
             <a:ext uri="{91240B29-F687-4f45-9708-019B960494DF}">
-              <a14:hiddenLine xmlns="" xmlns:a14="http://schemas.microsoft.com/office/drawing/2010/main" w="9525">
+              <a14:hiddenLine xmlns:a14="http://schemas.microsoft.com/office/drawing/2010/main" xmlns="" w="9525">
                 <a:solidFill>
                   <a:srgbClr val="000000"/>
                 </a:solidFill>
@@ -22296,14 +22566,14 @@
           </a:ln>
           <a:extLst>
             <a:ext uri="{909E8E84-426E-40dd-AFC4-6F175D3DCCD1}">
-              <a14:hiddenFill xmlns="" xmlns:a14="http://schemas.microsoft.com/office/drawing/2010/main">
+              <a14:hiddenFill xmlns:a14="http://schemas.microsoft.com/office/drawing/2010/main" xmlns="">
                 <a:solidFill>
                   <a:srgbClr val="FFFFFF"/>
                 </a:solidFill>
               </a14:hiddenFill>
             </a:ext>
             <a:ext uri="{91240B29-F687-4f45-9708-019B960494DF}">
-              <a14:hiddenLine xmlns="" xmlns:a14="http://schemas.microsoft.com/office/drawing/2010/main" w="9525">
+              <a14:hiddenLine xmlns:a14="http://schemas.microsoft.com/office/drawing/2010/main" xmlns="" w="9525">
                 <a:solidFill>
                   <a:srgbClr val="000000"/>
                 </a:solidFill>
@@ -22351,14 +22621,14 @@
           </a:ln>
           <a:extLst>
             <a:ext uri="{909E8E84-426E-40dd-AFC4-6F175D3DCCD1}">
-              <a14:hiddenFill xmlns="" xmlns:a14="http://schemas.microsoft.com/office/drawing/2010/main">
+              <a14:hiddenFill xmlns:a14="http://schemas.microsoft.com/office/drawing/2010/main" xmlns="">
                 <a:solidFill>
                   <a:srgbClr val="FFFFFF"/>
                 </a:solidFill>
               </a14:hiddenFill>
             </a:ext>
             <a:ext uri="{91240B29-F687-4f45-9708-019B960494DF}">
-              <a14:hiddenLine xmlns="" xmlns:a14="http://schemas.microsoft.com/office/drawing/2010/main" w="9525">
+              <a14:hiddenLine xmlns:a14="http://schemas.microsoft.com/office/drawing/2010/main" xmlns="" w="9525">
                 <a:solidFill>
                   <a:srgbClr val="000000"/>
                 </a:solidFill>
@@ -22406,14 +22676,14 @@
           </a:ln>
           <a:extLst>
             <a:ext uri="{909E8E84-426E-40dd-AFC4-6F175D3DCCD1}">
-              <a14:hiddenFill xmlns="" xmlns:a14="http://schemas.microsoft.com/office/drawing/2010/main">
+              <a14:hiddenFill xmlns:a14="http://schemas.microsoft.com/office/drawing/2010/main" xmlns="">
                 <a:solidFill>
                   <a:srgbClr val="FFFFFF"/>
                 </a:solidFill>
               </a14:hiddenFill>
             </a:ext>
             <a:ext uri="{91240B29-F687-4f45-9708-019B960494DF}">
-              <a14:hiddenLine xmlns="" xmlns:a14="http://schemas.microsoft.com/office/drawing/2010/main" w="9525">
+              <a14:hiddenLine xmlns:a14="http://schemas.microsoft.com/office/drawing/2010/main" xmlns="" w="9525">
                 <a:solidFill>
                   <a:srgbClr val="000000"/>
                 </a:solidFill>
@@ -22461,14 +22731,14 @@
           </a:ln>
           <a:extLst>
             <a:ext uri="{909E8E84-426E-40dd-AFC4-6F175D3DCCD1}">
-              <a14:hiddenFill xmlns="" xmlns:a14="http://schemas.microsoft.com/office/drawing/2010/main">
+              <a14:hiddenFill xmlns:a14="http://schemas.microsoft.com/office/drawing/2010/main" xmlns="">
                 <a:solidFill>
                   <a:srgbClr val="FFFFFF"/>
                 </a:solidFill>
               </a14:hiddenFill>
             </a:ext>
             <a:ext uri="{91240B29-F687-4f45-9708-019B960494DF}">
-              <a14:hiddenLine xmlns="" xmlns:a14="http://schemas.microsoft.com/office/drawing/2010/main" w="9525">
+              <a14:hiddenLine xmlns:a14="http://schemas.microsoft.com/office/drawing/2010/main" xmlns="" w="9525">
                 <a:solidFill>
                   <a:srgbClr val="000000"/>
                 </a:solidFill>
@@ -22521,7 +22791,7 @@
           </a:ln>
           <a:extLst>
             <a:ext uri="{909E8E84-426E-40dd-AFC4-6F175D3DCCD1}">
-              <a14:hiddenFill xmlns="" xmlns:a14="http://schemas.microsoft.com/office/drawing/2010/main">
+              <a14:hiddenFill xmlns:a14="http://schemas.microsoft.com/office/drawing/2010/main" xmlns="">
                 <a:solidFill>
                   <a:srgbClr val="FFFFFF"/>
                 </a:solidFill>
@@ -22581,7 +22851,7 @@
           </a:ln>
           <a:extLst>
             <a:ext uri="{909E8E84-426E-40dd-AFC4-6F175D3DCCD1}">
-              <a14:hiddenFill xmlns="" xmlns:a14="http://schemas.microsoft.com/office/drawing/2010/main">
+              <a14:hiddenFill xmlns:a14="http://schemas.microsoft.com/office/drawing/2010/main" xmlns="">
                 <a:noFill/>
               </a14:hiddenFill>
             </a:ext>
@@ -22630,14 +22900,14 @@
           </a:ln>
           <a:extLst>
             <a:ext uri="{909E8E84-426E-40dd-AFC4-6F175D3DCCD1}">
-              <a14:hiddenFill xmlns="" xmlns:a14="http://schemas.microsoft.com/office/drawing/2010/main">
+              <a14:hiddenFill xmlns:a14="http://schemas.microsoft.com/office/drawing/2010/main" xmlns="">
                 <a:solidFill>
                   <a:srgbClr val="FFFFFF"/>
                 </a:solidFill>
               </a14:hiddenFill>
             </a:ext>
             <a:ext uri="{91240B29-F687-4f45-9708-019B960494DF}">
-              <a14:hiddenLine xmlns="" xmlns:a14="http://schemas.microsoft.com/office/drawing/2010/main" w="9525">
+              <a14:hiddenLine xmlns:a14="http://schemas.microsoft.com/office/drawing/2010/main" xmlns="" w="9525">
                 <a:solidFill>
                   <a:srgbClr val="000000"/>
                 </a:solidFill>
@@ -22671,14 +22941,14 @@
           </a:ln>
           <a:extLst>
             <a:ext uri="{909E8E84-426E-40dd-AFC4-6F175D3DCCD1}">
-              <a14:hiddenFill xmlns="" xmlns:a14="http://schemas.microsoft.com/office/drawing/2010/main">
+              <a14:hiddenFill xmlns:a14="http://schemas.microsoft.com/office/drawing/2010/main" xmlns="">
                 <a:solidFill>
                   <a:srgbClr val="FFFFFF"/>
                 </a:solidFill>
               </a14:hiddenFill>
             </a:ext>
             <a:ext uri="{91240B29-F687-4f45-9708-019B960494DF}">
-              <a14:hiddenLine xmlns="" xmlns:a14="http://schemas.microsoft.com/office/drawing/2010/main" w="9525">
+              <a14:hiddenLine xmlns:a14="http://schemas.microsoft.com/office/drawing/2010/main" xmlns="" w="9525">
                 <a:solidFill>
                   <a:srgbClr val="000000"/>
                 </a:solidFill>
@@ -22741,7 +23011,7 @@
           </a:ln>
           <a:extLst>
             <a:ext uri="{909E8E84-426E-40dd-AFC4-6F175D3DCCD1}">
-              <a14:hiddenFill xmlns="" xmlns:a14="http://schemas.microsoft.com/office/drawing/2010/main">
+              <a14:hiddenFill xmlns:a14="http://schemas.microsoft.com/office/drawing/2010/main" xmlns="">
                 <a:noFill/>
               </a14:hiddenFill>
             </a:ext>
@@ -22782,7 +23052,7 @@
           </a:ln>
           <a:extLst>
             <a:ext uri="{909E8E84-426E-40dd-AFC4-6F175D3DCCD1}">
-              <a14:hiddenFill xmlns="" xmlns:a14="http://schemas.microsoft.com/office/drawing/2010/main">
+              <a14:hiddenFill xmlns:a14="http://schemas.microsoft.com/office/drawing/2010/main" xmlns="">
                 <a:noFill/>
               </a14:hiddenFill>
             </a:ext>
@@ -22823,7 +23093,7 @@
           </a:ln>
           <a:extLst>
             <a:ext uri="{909E8E84-426E-40dd-AFC4-6F175D3DCCD1}">
-              <a14:hiddenFill xmlns="" xmlns:a14="http://schemas.microsoft.com/office/drawing/2010/main">
+              <a14:hiddenFill xmlns:a14="http://schemas.microsoft.com/office/drawing/2010/main" xmlns="">
                 <a:noFill/>
               </a14:hiddenFill>
             </a:ext>
@@ -22864,7 +23134,7 @@
           </a:ln>
           <a:extLst>
             <a:ext uri="{909E8E84-426E-40dd-AFC4-6F175D3DCCD1}">
-              <a14:hiddenFill xmlns="" xmlns:a14="http://schemas.microsoft.com/office/drawing/2010/main">
+              <a14:hiddenFill xmlns:a14="http://schemas.microsoft.com/office/drawing/2010/main" xmlns="">
                 <a:noFill/>
               </a14:hiddenFill>
             </a:ext>
@@ -22905,7 +23175,7 @@
           </a:ln>
           <a:extLst>
             <a:ext uri="{909E8E84-426E-40dd-AFC4-6F175D3DCCD1}">
-              <a14:hiddenFill xmlns="" xmlns:a14="http://schemas.microsoft.com/office/drawing/2010/main">
+              <a14:hiddenFill xmlns:a14="http://schemas.microsoft.com/office/drawing/2010/main" xmlns="">
                 <a:noFill/>
               </a14:hiddenFill>
             </a:ext>
@@ -22946,7 +23216,7 @@
           </a:ln>
           <a:extLst>
             <a:ext uri="{909E8E84-426E-40dd-AFC4-6F175D3DCCD1}">
-              <a14:hiddenFill xmlns="" xmlns:a14="http://schemas.microsoft.com/office/drawing/2010/main">
+              <a14:hiddenFill xmlns:a14="http://schemas.microsoft.com/office/drawing/2010/main" xmlns="">
                 <a:noFill/>
               </a14:hiddenFill>
             </a:ext>
@@ -22982,14 +23252,14 @@
           </a:ln>
           <a:extLst>
             <a:ext uri="{909E8E84-426E-40dd-AFC4-6F175D3DCCD1}">
-              <a14:hiddenFill xmlns="" xmlns:a14="http://schemas.microsoft.com/office/drawing/2010/main">
+              <a14:hiddenFill xmlns:a14="http://schemas.microsoft.com/office/drawing/2010/main" xmlns="">
                 <a:solidFill>
                   <a:srgbClr val="FFFFFF"/>
                 </a:solidFill>
               </a14:hiddenFill>
             </a:ext>
             <a:ext uri="{91240B29-F687-4f45-9708-019B960494DF}">
-              <a14:hiddenLine xmlns="" xmlns:a14="http://schemas.microsoft.com/office/drawing/2010/main" w="9525">
+              <a14:hiddenLine xmlns:a14="http://schemas.microsoft.com/office/drawing/2010/main" xmlns="" w="9525">
                 <a:solidFill>
                   <a:srgbClr val="000000"/>
                 </a:solidFill>
@@ -23037,14 +23307,14 @@
           </a:ln>
           <a:extLst>
             <a:ext uri="{909E8E84-426E-40dd-AFC4-6F175D3DCCD1}">
-              <a14:hiddenFill xmlns="" xmlns:a14="http://schemas.microsoft.com/office/drawing/2010/main">
+              <a14:hiddenFill xmlns:a14="http://schemas.microsoft.com/office/drawing/2010/main" xmlns="">
                 <a:solidFill>
                   <a:srgbClr val="FFFFFF"/>
                 </a:solidFill>
               </a14:hiddenFill>
             </a:ext>
             <a:ext uri="{91240B29-F687-4f45-9708-019B960494DF}">
-              <a14:hiddenLine xmlns="" xmlns:a14="http://schemas.microsoft.com/office/drawing/2010/main" w="9525">
+              <a14:hiddenLine xmlns:a14="http://schemas.microsoft.com/office/drawing/2010/main" xmlns="" w="9525">
                 <a:solidFill>
                   <a:srgbClr val="000000"/>
                 </a:solidFill>
@@ -23094,14 +23364,14 @@
           </a:ln>
           <a:extLst>
             <a:ext uri="{909E8E84-426E-40dd-AFC4-6F175D3DCCD1}">
-              <a14:hiddenFill xmlns="" xmlns:a14="http://schemas.microsoft.com/office/drawing/2010/main">
+              <a14:hiddenFill xmlns:a14="http://schemas.microsoft.com/office/drawing/2010/main" xmlns="">
                 <a:solidFill>
                   <a:srgbClr val="FFFFFF"/>
                 </a:solidFill>
               </a14:hiddenFill>
             </a:ext>
             <a:ext uri="{91240B29-F687-4f45-9708-019B960494DF}">
-              <a14:hiddenLine xmlns="" xmlns:a14="http://schemas.microsoft.com/office/drawing/2010/main" w="9525">
+              <a14:hiddenLine xmlns:a14="http://schemas.microsoft.com/office/drawing/2010/main" xmlns="" w="9525">
                 <a:solidFill>
                   <a:srgbClr val="000000"/>
                 </a:solidFill>
@@ -27085,7 +27355,7 @@
           <p:cNvPr id="3" name="Rectangle 2">
             <a:extLst>
               <a:ext uri="{FF2B5EF4-FFF2-40B4-BE49-F238E27FC236}">
-                <a16:creationId xmlns:a16="http://schemas.microsoft.com/office/drawing/2014/main" id="{B66445EB-3D94-4A4C-BBCF-E42CBF7AA39A}"/>
+                <a16:creationId xmlns:a16="http://schemas.microsoft.com/office/drawing/2014/main" xmlns="" id="{B66445EB-3D94-4A4C-BBCF-E42CBF7AA39A}"/>
               </a:ext>
             </a:extLst>
           </p:cNvPr>
@@ -29487,7 +29757,7 @@
           <a:graphicData uri="http://schemas.openxmlformats.org/presentationml/2006/ole">
             <mc:AlternateContent xmlns:mc="http://schemas.openxmlformats.org/markup-compatibility/2006">
               <mc:Choice xmlns:v="urn:schemas-microsoft-com:vml" Requires="v">
-                <p:oleObj spid="_x0000_s95311" name="Equation" r:id="rId4" imgW="2145726" imgH="634954" progId="Equation.DSMT4">
+                <p:oleObj spid="_x0000_s95316" name="Equation" r:id="rId4" imgW="2145726" imgH="634954" progId="Equation.DSMT4">
                   <p:embed/>
                 </p:oleObj>
               </mc:Choice>
@@ -29551,7 +29821,7 @@
           <a:graphicData uri="http://schemas.openxmlformats.org/presentationml/2006/ole">
             <mc:AlternateContent xmlns:mc="http://schemas.openxmlformats.org/markup-compatibility/2006">
               <mc:Choice xmlns:v="urn:schemas-microsoft-com:vml" Requires="v">
-                <p:oleObj spid="_x0000_s95312" name="Worksheet" r:id="rId6" imgW="1244600" imgH="1803400" progId="Excel.Sheet.8">
+                <p:oleObj spid="_x0000_s95317" name="Worksheet" r:id="rId6" imgW="1244600" imgH="1803400" progId="Excel.Sheet.8">
                   <p:embed/>
                 </p:oleObj>
               </mc:Choice>
@@ -29588,14 +29858,14 @@
                       <a:effectLst/>
                       <a:extLst>
                         <a:ext uri="{909E8E84-426E-40dd-AFC4-6F175D3DCCD1}">
-                          <a14:hiddenFill xmlns:a14="http://schemas.microsoft.com/office/drawing/2010/main" xmlns="">
+                          <a14:hiddenFill xmlns="" xmlns:a14="http://schemas.microsoft.com/office/drawing/2010/main">
                             <a:solidFill>
                               <a:schemeClr val="accent1"/>
                             </a:solidFill>
                           </a14:hiddenFill>
                         </a:ext>
                         <a:ext uri="{91240B29-F687-4f45-9708-019B960494DF}">
-                          <a14:hiddenLine xmlns:a14="http://schemas.microsoft.com/office/drawing/2010/main" xmlns="" w="9525">
+                          <a14:hiddenLine xmlns="" xmlns:a14="http://schemas.microsoft.com/office/drawing/2010/main" w="9525">
                             <a:solidFill>
                               <a:schemeClr val="tx1"/>
                             </a:solidFill>
@@ -29605,7 +29875,7 @@
                           </a14:hiddenLine>
                         </a:ext>
                         <a:ext uri="{AF507438-7753-43e0-B8FC-AC1667EBCBE1}">
-                          <a14:hiddenEffects xmlns:a14="http://schemas.microsoft.com/office/drawing/2010/main" xmlns="">
+                          <a14:hiddenEffects xmlns="" xmlns:a14="http://schemas.microsoft.com/office/drawing/2010/main">
                             <a:effectLst>
                               <a:outerShdw blurRad="63500" dist="38097" dir="2700000" algn="ctr" rotWithShape="0">
                                 <a:schemeClr val="bg2">
@@ -29946,7 +30216,7 @@
                             <a:solidFill>
                               <a:srgbClr val="000000"/>
                             </a:solidFill>
-                            <a:latin typeface="Cambria Math" panose="02040503050406030204" pitchFamily="18" charset="0"/>
+                            <a:latin typeface="Cambria Math" charset="0"/>
                             <a:ea typeface="ＭＳ Ｐゴシック" charset="0"/>
                             <a:cs typeface="ＭＳ Ｐゴシック" charset="0"/>
                           </a:rPr>
@@ -29997,7 +30267,7 @@
                             <a:solidFill>
                               <a:srgbClr val="000000"/>
                             </a:solidFill>
-                            <a:latin typeface="Cambria Math" panose="02040503050406030204" pitchFamily="18" charset="0"/>
+                            <a:latin typeface="Cambria Math" charset="0"/>
                             <a:ea typeface="ＭＳ Ｐゴシック" charset="0"/>
                             <a:cs typeface="ＭＳ Ｐゴシック" charset="0"/>
                           </a:rPr>
@@ -30061,7 +30331,7 @@
                             <a:solidFill>
                               <a:srgbClr val="000000"/>
                             </a:solidFill>
-                            <a:latin typeface="Cambria Math" panose="02040503050406030204" pitchFamily="18" charset="0"/>
+                            <a:latin typeface="Cambria Math" charset="0"/>
                             <a:ea typeface="Cambria Math" charset="0"/>
                           </a:rPr>
                         </m:ctrlPr>
@@ -30074,7 +30344,7 @@
                                 <a:solidFill>
                                   <a:srgbClr val="000000"/>
                                 </a:solidFill>
-                                <a:latin typeface="Cambria Math" panose="02040503050406030204" pitchFamily="18" charset="0"/>
+                                <a:latin typeface="Cambria Math" charset="0"/>
                                 <a:ea typeface="Cambria Math" charset="0"/>
                                 <a:cs typeface="Cambria Math" charset="0"/>
                               </a:rPr>
@@ -30088,7 +30358,7 @@
                                     <a:solidFill>
                                       <a:srgbClr val="000000"/>
                                     </a:solidFill>
-                                    <a:latin typeface="Cambria Math" panose="02040503050406030204" pitchFamily="18" charset="0"/>
+                                    <a:latin typeface="Cambria Math" charset="0"/>
                                     <a:ea typeface="ＭＳ Ｐゴシック" charset="0"/>
                                     <a:cs typeface="ＭＳ Ｐゴシック" charset="0"/>
                                   </a:rPr>
@@ -30139,7 +30409,7 @@
                                     <a:solidFill>
                                       <a:srgbClr val="000000"/>
                                     </a:solidFill>
-                                    <a:latin typeface="Cambria Math" panose="02040503050406030204" pitchFamily="18" charset="0"/>
+                                    <a:latin typeface="Cambria Math" charset="0"/>
                                     <a:ea typeface="ＭＳ Ｐゴシック" charset="0"/>
                                     <a:cs typeface="ＭＳ Ｐゴシック" charset="0"/>
                                   </a:rPr>
@@ -30228,7 +30498,7 @@
                             <a:solidFill>
                               <a:srgbClr val="000000"/>
                             </a:solidFill>
-                            <a:latin typeface="Cambria Math" panose="02040503050406030204" pitchFamily="18" charset="0"/>
+                            <a:latin typeface="Cambria Math" charset="0"/>
                             <a:ea typeface="ＭＳ Ｐゴシック" charset="0"/>
                             <a:cs typeface="ＭＳ Ｐゴシック" charset="0"/>
                           </a:rPr>
@@ -30281,7 +30551,7 @@
                             <a:solidFill>
                               <a:srgbClr val="000000"/>
                             </a:solidFill>
-                            <a:latin typeface="Cambria Math" panose="02040503050406030204" pitchFamily="18" charset="0"/>
+                            <a:latin typeface="Cambria Math" charset="0"/>
                             <a:ea typeface="ＭＳ Ｐゴシック" charset="0"/>
                           </a:rPr>
                         </m:ctrlPr>
@@ -30294,7 +30564,7 @@
                                 <a:solidFill>
                                   <a:srgbClr val="000000"/>
                                 </a:solidFill>
-                                <a:latin typeface="Cambria Math" panose="02040503050406030204" pitchFamily="18" charset="0"/>
+                                <a:latin typeface="Cambria Math" charset="0"/>
                                 <a:ea typeface="ＭＳ Ｐゴシック" charset="0"/>
                                 <a:cs typeface="ＭＳ Ｐゴシック" charset="0"/>
                               </a:rPr>
@@ -30360,7 +30630,7 @@
                             <a:solidFill>
                               <a:srgbClr val="000000"/>
                             </a:solidFill>
-                            <a:latin typeface="Cambria Math" panose="02040503050406030204" pitchFamily="18" charset="0"/>
+                            <a:latin typeface="Cambria Math" charset="0"/>
                             <a:ea typeface="Cambria Math" charset="0"/>
                           </a:rPr>
                         </m:ctrlPr>
@@ -30373,7 +30643,7 @@
                                 <a:solidFill>
                                   <a:srgbClr val="000000"/>
                                 </a:solidFill>
-                                <a:latin typeface="Cambria Math" panose="02040503050406030204" pitchFamily="18" charset="0"/>
+                                <a:latin typeface="Cambria Math" charset="0"/>
                                 <a:ea typeface="Cambria Math" charset="0"/>
                                 <a:cs typeface="Cambria Math" charset="0"/>
                               </a:rPr>
@@ -30387,7 +30657,7 @@
                                     <a:solidFill>
                                       <a:srgbClr val="000000"/>
                                     </a:solidFill>
-                                    <a:latin typeface="Cambria Math" panose="02040503050406030204" pitchFamily="18" charset="0"/>
+                                    <a:latin typeface="Cambria Math" charset="0"/>
                                     <a:ea typeface="ＭＳ Ｐゴシック" charset="0"/>
                                     <a:cs typeface="ＭＳ Ｐゴシック" charset="0"/>
                                   </a:rPr>
@@ -30438,7 +30708,7 @@
                                     <a:solidFill>
                                       <a:srgbClr val="000000"/>
                                     </a:solidFill>
-                                    <a:latin typeface="Cambria Math" panose="02040503050406030204" pitchFamily="18" charset="0"/>
+                                    <a:latin typeface="Cambria Math" charset="0"/>
                                     <a:ea typeface="ＭＳ Ｐゴシック" charset="0"/>
                                     <a:cs typeface="ＭＳ Ｐゴシック" charset="0"/>
                                   </a:rPr>
@@ -30602,7 +30872,7 @@
           <p:cNvPr id="2" name="Title 1">
             <a:extLst>
               <a:ext uri="{FF2B5EF4-FFF2-40B4-BE49-F238E27FC236}">
-                <a16:creationId xmlns:a16="http://schemas.microsoft.com/office/drawing/2014/main" id="{E78F0285-F64F-664C-A1FE-8948071CE92C}"/>
+                <a16:creationId xmlns:a16="http://schemas.microsoft.com/office/drawing/2014/main" xmlns="" id="{E78F0285-F64F-664C-A1FE-8948071CE92C}"/>
               </a:ext>
             </a:extLst>
           </p:cNvPr>
@@ -30631,7 +30901,7 @@
           <p:cNvPr id="3" name="Content Placeholder 2">
             <a:extLst>
               <a:ext uri="{FF2B5EF4-FFF2-40B4-BE49-F238E27FC236}">
-                <a16:creationId xmlns:a16="http://schemas.microsoft.com/office/drawing/2014/main" id="{D44C8FDE-19BA-624C-82C0-3ABC9756623F}"/>
+                <a16:creationId xmlns:a16="http://schemas.microsoft.com/office/drawing/2014/main" xmlns="" id="{D44C8FDE-19BA-624C-82C0-3ABC9756623F}"/>
               </a:ext>
             </a:extLst>
           </p:cNvPr>
@@ -30764,7 +31034,7 @@
           <p:cNvPr id="4" name="Footer Placeholder 3">
             <a:extLst>
               <a:ext uri="{FF2B5EF4-FFF2-40B4-BE49-F238E27FC236}">
-                <a16:creationId xmlns:a16="http://schemas.microsoft.com/office/drawing/2014/main" id="{6AFB8206-0268-E34F-AC93-DEE2FBEA1144}"/>
+                <a16:creationId xmlns:a16="http://schemas.microsoft.com/office/drawing/2014/main" xmlns="" id="{6AFB8206-0268-E34F-AC93-DEE2FBEA1144}"/>
               </a:ext>
             </a:extLst>
           </p:cNvPr>
@@ -30826,7 +31096,7 @@
           <p:cNvPr id="2" name="Title 1">
             <a:extLst>
               <a:ext uri="{FF2B5EF4-FFF2-40B4-BE49-F238E27FC236}">
-                <a16:creationId xmlns:a16="http://schemas.microsoft.com/office/drawing/2014/main" id="{E0F69908-C980-9F4E-A1C9-C3B26CA35E2E}"/>
+                <a16:creationId xmlns:a16="http://schemas.microsoft.com/office/drawing/2014/main" xmlns="" id="{E0F69908-C980-9F4E-A1C9-C3B26CA35E2E}"/>
               </a:ext>
             </a:extLst>
           </p:cNvPr>
@@ -30855,7 +31125,7 @@
           <p:cNvPr id="6" name="Content Placeholder 5">
             <a:extLst>
               <a:ext uri="{FF2B5EF4-FFF2-40B4-BE49-F238E27FC236}">
-                <a16:creationId xmlns:a16="http://schemas.microsoft.com/office/drawing/2014/main" id="{3A8E1799-8AE2-B942-B0D5-E7A994F769E6}"/>
+                <a16:creationId xmlns:a16="http://schemas.microsoft.com/office/drawing/2014/main" xmlns="" id="{3A8E1799-8AE2-B942-B0D5-E7A994F769E6}"/>
               </a:ext>
             </a:extLst>
           </p:cNvPr>
@@ -30890,7 +31160,7 @@
           <p:cNvPr id="4" name="Footer Placeholder 3">
             <a:extLst>
               <a:ext uri="{FF2B5EF4-FFF2-40B4-BE49-F238E27FC236}">
-                <a16:creationId xmlns:a16="http://schemas.microsoft.com/office/drawing/2014/main" id="{3AF04D9B-723E-6244-9B75-50E01D8AE5E8}"/>
+                <a16:creationId xmlns:a16="http://schemas.microsoft.com/office/drawing/2014/main" xmlns="" id="{3AF04D9B-723E-6244-9B75-50E01D8AE5E8}"/>
               </a:ext>
             </a:extLst>
           </p:cNvPr>
@@ -30922,7 +31192,7 @@
           <p:cNvPr id="7" name="Rectangle 6">
             <a:extLst>
               <a:ext uri="{FF2B5EF4-FFF2-40B4-BE49-F238E27FC236}">
-                <a16:creationId xmlns:a16="http://schemas.microsoft.com/office/drawing/2014/main" id="{7F330870-2C89-674F-BACD-8E9224A070CC}"/>
+                <a16:creationId xmlns:a16="http://schemas.microsoft.com/office/drawing/2014/main" xmlns="" id="{7F330870-2C89-674F-BACD-8E9224A070CC}"/>
               </a:ext>
             </a:extLst>
           </p:cNvPr>
@@ -30970,7 +31240,7 @@
           <p:cNvPr id="8" name="Rectangle 7">
             <a:extLst>
               <a:ext uri="{FF2B5EF4-FFF2-40B4-BE49-F238E27FC236}">
-                <a16:creationId xmlns:a16="http://schemas.microsoft.com/office/drawing/2014/main" id="{23B1DA8A-0EE4-6D40-B8A9-BBD5DDF8A1C1}"/>
+                <a16:creationId xmlns:a16="http://schemas.microsoft.com/office/drawing/2014/main" xmlns="" id="{23B1DA8A-0EE4-6D40-B8A9-BBD5DDF8A1C1}"/>
               </a:ext>
             </a:extLst>
           </p:cNvPr>
@@ -31025,7 +31295,7 @@
           <p:cNvPr id="9" name="Rectangle 8">
             <a:extLst>
               <a:ext uri="{FF2B5EF4-FFF2-40B4-BE49-F238E27FC236}">
-                <a16:creationId xmlns:a16="http://schemas.microsoft.com/office/drawing/2014/main" id="{111515A0-1E3D-2844-A0E8-A719B501BD63}"/>
+                <a16:creationId xmlns:a16="http://schemas.microsoft.com/office/drawing/2014/main" xmlns="" id="{111515A0-1E3D-2844-A0E8-A719B501BD63}"/>
               </a:ext>
             </a:extLst>
           </p:cNvPr>
@@ -31075,7 +31345,7 @@
           <p:cNvPr id="10" name="Rectangle 9">
             <a:extLst>
               <a:ext uri="{FF2B5EF4-FFF2-40B4-BE49-F238E27FC236}">
-                <a16:creationId xmlns:a16="http://schemas.microsoft.com/office/drawing/2014/main" id="{6191C655-9CB3-824A-AA91-FC08FD4470EF}"/>
+                <a16:creationId xmlns:a16="http://schemas.microsoft.com/office/drawing/2014/main" xmlns="" id="{6191C655-9CB3-824A-AA91-FC08FD4470EF}"/>
               </a:ext>
             </a:extLst>
           </p:cNvPr>
@@ -31130,7 +31400,7 @@
           <p:cNvPr id="11" name="Rectangle 10">
             <a:extLst>
               <a:ext uri="{FF2B5EF4-FFF2-40B4-BE49-F238E27FC236}">
-                <a16:creationId xmlns:a16="http://schemas.microsoft.com/office/drawing/2014/main" id="{58FE8A86-8674-FF4E-8B6D-E4C0EF145988}"/>
+                <a16:creationId xmlns:a16="http://schemas.microsoft.com/office/drawing/2014/main" xmlns="" id="{58FE8A86-8674-FF4E-8B6D-E4C0EF145988}"/>
               </a:ext>
             </a:extLst>
           </p:cNvPr>
@@ -31185,7 +31455,7 @@
           <p:cNvPr id="12" name="TextBox 11">
             <a:extLst>
               <a:ext uri="{FF2B5EF4-FFF2-40B4-BE49-F238E27FC236}">
-                <a16:creationId xmlns:a16="http://schemas.microsoft.com/office/drawing/2014/main" id="{EAB2D2FF-7D63-3B44-AB56-9C03951374ED}"/>
+                <a16:creationId xmlns:a16="http://schemas.microsoft.com/office/drawing/2014/main" xmlns="" id="{EAB2D2FF-7D63-3B44-AB56-9C03951374ED}"/>
               </a:ext>
             </a:extLst>
           </p:cNvPr>
@@ -31253,7 +31523,7 @@
           <p:cNvPr id="2" name="Title 1">
             <a:extLst>
               <a:ext uri="{FF2B5EF4-FFF2-40B4-BE49-F238E27FC236}">
-                <a16:creationId xmlns:a16="http://schemas.microsoft.com/office/drawing/2014/main" id="{C5AD4FFA-E588-6147-9A29-1AC351E73081}"/>
+                <a16:creationId xmlns:a16="http://schemas.microsoft.com/office/drawing/2014/main" xmlns="" id="{C5AD4FFA-E588-6147-9A29-1AC351E73081}"/>
               </a:ext>
             </a:extLst>
           </p:cNvPr>
@@ -31286,7 +31556,7 @@
           <p:cNvPr id="6" name="Content Placeholder 5">
             <a:extLst>
               <a:ext uri="{FF2B5EF4-FFF2-40B4-BE49-F238E27FC236}">
-                <a16:creationId xmlns:a16="http://schemas.microsoft.com/office/drawing/2014/main" id="{42A9400B-E3D3-6247-BE37-21B88CDDD4FD}"/>
+                <a16:creationId xmlns:a16="http://schemas.microsoft.com/office/drawing/2014/main" xmlns="" id="{42A9400B-E3D3-6247-BE37-21B88CDDD4FD}"/>
               </a:ext>
             </a:extLst>
           </p:cNvPr>
@@ -31321,7 +31591,7 @@
           <p:cNvPr id="4" name="Footer Placeholder 3">
             <a:extLst>
               <a:ext uri="{FF2B5EF4-FFF2-40B4-BE49-F238E27FC236}">
-                <a16:creationId xmlns:a16="http://schemas.microsoft.com/office/drawing/2014/main" id="{636F18C6-92C7-024F-B54C-549B1C35A585}"/>
+                <a16:creationId xmlns:a16="http://schemas.microsoft.com/office/drawing/2014/main" xmlns="" id="{636F18C6-92C7-024F-B54C-549B1C35A585}"/>
               </a:ext>
             </a:extLst>
           </p:cNvPr>
@@ -31353,7 +31623,7 @@
           <p:cNvPr id="8" name="Rectangle 7">
             <a:extLst>
               <a:ext uri="{FF2B5EF4-FFF2-40B4-BE49-F238E27FC236}">
-                <a16:creationId xmlns:a16="http://schemas.microsoft.com/office/drawing/2014/main" id="{41EAECEE-0908-024D-B024-69AD416B7ABB}"/>
+                <a16:creationId xmlns:a16="http://schemas.microsoft.com/office/drawing/2014/main" xmlns="" id="{41EAECEE-0908-024D-B024-69AD416B7ABB}"/>
               </a:ext>
             </a:extLst>
           </p:cNvPr>
@@ -32204,7 +32474,7 @@
           <p:cNvPr id="2" name="Title 1">
             <a:extLst>
               <a:ext uri="{FF2B5EF4-FFF2-40B4-BE49-F238E27FC236}">
-                <a16:creationId xmlns:a16="http://schemas.microsoft.com/office/drawing/2014/main" id="{CD9CAAD3-3FB2-4840-8EBC-459832B6ACFF}"/>
+                <a16:creationId xmlns:a16="http://schemas.microsoft.com/office/drawing/2014/main" xmlns="" id="{CD9CAAD3-3FB2-4840-8EBC-459832B6ACFF}"/>
               </a:ext>
             </a:extLst>
           </p:cNvPr>
@@ -32232,7 +32502,7 @@
           <p:cNvPr id="3" name="Content Placeholder 2">
             <a:extLst>
               <a:ext uri="{FF2B5EF4-FFF2-40B4-BE49-F238E27FC236}">
-                <a16:creationId xmlns:a16="http://schemas.microsoft.com/office/drawing/2014/main" id="{AF61A118-ED82-B749-969C-8208778DDBFE}"/>
+                <a16:creationId xmlns:a16="http://schemas.microsoft.com/office/drawing/2014/main" xmlns="" id="{AF61A118-ED82-B749-969C-8208778DDBFE}"/>
               </a:ext>
             </a:extLst>
           </p:cNvPr>
@@ -32354,7 +32624,7 @@
           <p:cNvPr id="4" name="Footer Placeholder 3">
             <a:extLst>
               <a:ext uri="{FF2B5EF4-FFF2-40B4-BE49-F238E27FC236}">
-                <a16:creationId xmlns:a16="http://schemas.microsoft.com/office/drawing/2014/main" id="{93C3E308-B1A6-614D-B9A3-027C5A97B393}"/>
+                <a16:creationId xmlns:a16="http://schemas.microsoft.com/office/drawing/2014/main" xmlns="" id="{93C3E308-B1A6-614D-B9A3-027C5A97B393}"/>
               </a:ext>
             </a:extLst>
           </p:cNvPr>
@@ -32416,7 +32686,7 @@
           <p:cNvPr id="2" name="Title 1">
             <a:extLst>
               <a:ext uri="{FF2B5EF4-FFF2-40B4-BE49-F238E27FC236}">
-                <a16:creationId xmlns:a16="http://schemas.microsoft.com/office/drawing/2014/main" id="{F34CE8E0-EFB1-9542-BA31-0E9D8B68DF94}"/>
+                <a16:creationId xmlns:a16="http://schemas.microsoft.com/office/drawing/2014/main" xmlns="" id="{F34CE8E0-EFB1-9542-BA31-0E9D8B68DF94}"/>
               </a:ext>
             </a:extLst>
           </p:cNvPr>
@@ -32444,7 +32714,7 @@
           <p:cNvPr id="4" name="Footer Placeholder 3">
             <a:extLst>
               <a:ext uri="{FF2B5EF4-FFF2-40B4-BE49-F238E27FC236}">
-                <a16:creationId xmlns:a16="http://schemas.microsoft.com/office/drawing/2014/main" id="{422B33B5-917C-F343-B201-16109B95B8B4}"/>
+                <a16:creationId xmlns:a16="http://schemas.microsoft.com/office/drawing/2014/main" xmlns="" id="{422B33B5-917C-F343-B201-16109B95B8B4}"/>
               </a:ext>
             </a:extLst>
           </p:cNvPr>
@@ -32476,7 +32746,7 @@
           <p:cNvPr id="5" name="Content Placeholder 5">
             <a:extLst>
               <a:ext uri="{FF2B5EF4-FFF2-40B4-BE49-F238E27FC236}">
-                <a16:creationId xmlns:a16="http://schemas.microsoft.com/office/drawing/2014/main" id="{CFAF514C-DD28-C146-A82F-7CC1DCF0648F}"/>
+                <a16:creationId xmlns:a16="http://schemas.microsoft.com/office/drawing/2014/main" xmlns="" id="{CFAF514C-DD28-C146-A82F-7CC1DCF0648F}"/>
               </a:ext>
             </a:extLst>
           </p:cNvPr>
@@ -32511,17 +32781,17 @@
           </a:ln>
           <a:extLst>
             <a:ext uri="{FAA26D3D-D897-4be2-8F04-BA451C77F1D7}">
-              <ma14:placeholderFlag xmlns:ma14="http://schemas.microsoft.com/office/mac/drawingml/2011/main" xmlns="" val="1"/>
+              <ma14:placeholderFlag xmlns:ma14="http://schemas.microsoft.com/office/mac/drawingml/2011/main" val="1"/>
             </a:ext>
             <a:ext uri="{909E8E84-426E-40dd-AFC4-6F175D3DCCD1}">
-              <a14:hiddenFill xmlns:a14="http://schemas.microsoft.com/office/drawing/2010/main" xmlns="">
+              <a14:hiddenFill xmlns="" xmlns:a14="http://schemas.microsoft.com/office/drawing/2010/main">
                 <a:solidFill>
                   <a:srgbClr val="FFFFFF"/>
                 </a:solidFill>
               </a14:hiddenFill>
             </a:ext>
             <a:ext uri="{91240B29-F687-4f45-9708-019B960494DF}">
-              <a14:hiddenLine xmlns:a14="http://schemas.microsoft.com/office/drawing/2010/main" xmlns="" w="9525">
+              <a14:hiddenLine xmlns="" xmlns:a14="http://schemas.microsoft.com/office/drawing/2010/main" w="9525">
                 <a:solidFill>
                   <a:srgbClr val="000000"/>
                 </a:solidFill>
@@ -32538,7 +32808,7 @@
           <p:cNvPr id="6" name="Rectangle 5">
             <a:extLst>
               <a:ext uri="{FF2B5EF4-FFF2-40B4-BE49-F238E27FC236}">
-                <a16:creationId xmlns:a16="http://schemas.microsoft.com/office/drawing/2014/main" id="{79D056BF-3930-374D-83DE-F98CB16490F4}"/>
+                <a16:creationId xmlns:a16="http://schemas.microsoft.com/office/drawing/2014/main" xmlns="" id="{79D056BF-3930-374D-83DE-F98CB16490F4}"/>
               </a:ext>
             </a:extLst>
           </p:cNvPr>
@@ -32582,7 +32852,7 @@
           <p:cNvPr id="7" name="Rectangle 6">
             <a:extLst>
               <a:ext uri="{FF2B5EF4-FFF2-40B4-BE49-F238E27FC236}">
-                <a16:creationId xmlns:a16="http://schemas.microsoft.com/office/drawing/2014/main" id="{7178433E-743F-3941-8379-AA557CC12A23}"/>
+                <a16:creationId xmlns:a16="http://schemas.microsoft.com/office/drawing/2014/main" xmlns="" id="{7178433E-743F-3941-8379-AA557CC12A23}"/>
               </a:ext>
             </a:extLst>
           </p:cNvPr>
@@ -32626,7 +32896,7 @@
           <p:cNvPr id="8" name="Rectangle 7">
             <a:extLst>
               <a:ext uri="{FF2B5EF4-FFF2-40B4-BE49-F238E27FC236}">
-                <a16:creationId xmlns:a16="http://schemas.microsoft.com/office/drawing/2014/main" id="{DCFD0BC8-3CDB-484E-9C68-86E248D58DAE}"/>
+                <a16:creationId xmlns:a16="http://schemas.microsoft.com/office/drawing/2014/main" xmlns="" id="{DCFD0BC8-3CDB-484E-9C68-86E248D58DAE}"/>
               </a:ext>
             </a:extLst>
           </p:cNvPr>
@@ -32700,7 +32970,7 @@
           <p:cNvPr id="2" name="Title 1">
             <a:extLst>
               <a:ext uri="{FF2B5EF4-FFF2-40B4-BE49-F238E27FC236}">
-                <a16:creationId xmlns:a16="http://schemas.microsoft.com/office/drawing/2014/main" id="{99AD283C-62D5-334A-80F7-0857C0778A1C}"/>
+                <a16:creationId xmlns:a16="http://schemas.microsoft.com/office/drawing/2014/main" xmlns="" id="{99AD283C-62D5-334A-80F7-0857C0778A1C}"/>
               </a:ext>
             </a:extLst>
           </p:cNvPr>
@@ -32728,7 +32998,7 @@
           <p:cNvPr id="3" name="Content Placeholder 2">
             <a:extLst>
               <a:ext uri="{FF2B5EF4-FFF2-40B4-BE49-F238E27FC236}">
-                <a16:creationId xmlns:a16="http://schemas.microsoft.com/office/drawing/2014/main" id="{35B7BD15-9B10-0943-860A-19AD0C764DCB}"/>
+                <a16:creationId xmlns:a16="http://schemas.microsoft.com/office/drawing/2014/main" xmlns="" id="{35B7BD15-9B10-0943-860A-19AD0C764DCB}"/>
               </a:ext>
             </a:extLst>
           </p:cNvPr>
@@ -32980,7 +33250,7 @@
           <p:cNvPr id="4" name="Footer Placeholder 3">
             <a:extLst>
               <a:ext uri="{FF2B5EF4-FFF2-40B4-BE49-F238E27FC236}">
-                <a16:creationId xmlns:a16="http://schemas.microsoft.com/office/drawing/2014/main" id="{17917CFA-A621-4C4F-BDFE-1B42283E7B1D}"/>
+                <a16:creationId xmlns:a16="http://schemas.microsoft.com/office/drawing/2014/main" xmlns="" id="{17917CFA-A621-4C4F-BDFE-1B42283E7B1D}"/>
               </a:ext>
             </a:extLst>
           </p:cNvPr>
@@ -33042,7 +33312,7 @@
           <p:cNvPr id="2" name="Title 1">
             <a:extLst>
               <a:ext uri="{FF2B5EF4-FFF2-40B4-BE49-F238E27FC236}">
-                <a16:creationId xmlns:a16="http://schemas.microsoft.com/office/drawing/2014/main" id="{5EB5B979-EFBF-F142-A0BF-3B3ECC354BA7}"/>
+                <a16:creationId xmlns:a16="http://schemas.microsoft.com/office/drawing/2014/main" xmlns="" id="{5EB5B979-EFBF-F142-A0BF-3B3ECC354BA7}"/>
               </a:ext>
             </a:extLst>
           </p:cNvPr>
@@ -33070,7 +33340,7 @@
           <p:cNvPr id="3" name="Content Placeholder 2">
             <a:extLst>
               <a:ext uri="{FF2B5EF4-FFF2-40B4-BE49-F238E27FC236}">
-                <a16:creationId xmlns:a16="http://schemas.microsoft.com/office/drawing/2014/main" id="{4B7E6EFB-651D-FB41-B41A-9E01A75803AB}"/>
+                <a16:creationId xmlns:a16="http://schemas.microsoft.com/office/drawing/2014/main" xmlns="" id="{4B7E6EFB-651D-FB41-B41A-9E01A75803AB}"/>
               </a:ext>
             </a:extLst>
           </p:cNvPr>
@@ -33132,7 +33402,7 @@
           <p:cNvPr id="4" name="Footer Placeholder 3">
             <a:extLst>
               <a:ext uri="{FF2B5EF4-FFF2-40B4-BE49-F238E27FC236}">
-                <a16:creationId xmlns:a16="http://schemas.microsoft.com/office/drawing/2014/main" id="{0B96E907-7AF6-BE4C-9E92-5E01BB2679DA}"/>
+                <a16:creationId xmlns:a16="http://schemas.microsoft.com/office/drawing/2014/main" xmlns="" id="{0B96E907-7AF6-BE4C-9E92-5E01BB2679DA}"/>
               </a:ext>
             </a:extLst>
           </p:cNvPr>
@@ -33288,7 +33558,7 @@
           <p:cNvPr id="7" name="TPChart" title="Results Chart">
             <a:extLst>
               <a:ext uri="{FF2B5EF4-FFF2-40B4-BE49-F238E27FC236}">
-                <a16:creationId xmlns:a16="http://schemas.microsoft.com/office/drawing/2014/main" id="{DAA773FB-3ADB-5B45-97CB-D745009F53A7}"/>
+                <a16:creationId xmlns:a16="http://schemas.microsoft.com/office/drawing/2014/main" xmlns="" id="{DAA773FB-3ADB-5B45-97CB-D745009F53A7}"/>
               </a:ext>
             </a:extLst>
           </p:cNvPr>
@@ -33328,7 +33598,7 @@
           <p:cNvPr id="2" name="Footer Placeholder 1">
             <a:extLst>
               <a:ext uri="{FF2B5EF4-FFF2-40B4-BE49-F238E27FC236}">
-                <a16:creationId xmlns:a16="http://schemas.microsoft.com/office/drawing/2014/main" id="{B7B08DEA-D6C1-CA4C-9C03-6CF37FF7034A}"/>
+                <a16:creationId xmlns:a16="http://schemas.microsoft.com/office/drawing/2014/main" xmlns="" id="{B7B08DEA-D6C1-CA4C-9C03-6CF37FF7034A}"/>
               </a:ext>
             </a:extLst>
           </p:cNvPr>
@@ -34081,6 +34351,10 @@
             <a:endParaRPr lang="en-US" sz="2800" dirty="0"/>
           </a:p>
           <a:p>
+            <a:r>
+              <a:rPr lang="en-US" sz="2800" dirty="0"/>
+              <a:t/>
+            </a:r>
             <a:br>
               <a:rPr lang="en-US" sz="2800" dirty="0"/>
             </a:br>
@@ -34469,7 +34743,7 @@
           <p:cNvPr id="12" name="TextBox 11">
             <a:extLst>
               <a:ext uri="{FF2B5EF4-FFF2-40B4-BE49-F238E27FC236}">
-                <a16:creationId xmlns:a16="http://schemas.microsoft.com/office/drawing/2014/main" id="{75330F0E-EB7F-B846-91DE-D09FAEAD1F90}"/>
+                <a16:creationId xmlns:a16="http://schemas.microsoft.com/office/drawing/2014/main" xmlns="" id="{75330F0E-EB7F-B846-91DE-D09FAEAD1F90}"/>
               </a:ext>
             </a:extLst>
           </p:cNvPr>
@@ -34765,14 +35039,14 @@
                 <a:gridCol w="587896">
                   <a:extLst>
                     <a:ext uri="{9D8B030D-6E8A-4147-A177-3AD203B41FA5}">
-                      <a16:colId xmlns:a16="http://schemas.microsoft.com/office/drawing/2014/main" val="20000"/>
+                      <a16:colId xmlns:a16="http://schemas.microsoft.com/office/drawing/2014/main" xmlns="" val="20000"/>
                     </a:ext>
                   </a:extLst>
                 </a:gridCol>
                 <a:gridCol w="587896">
                   <a:extLst>
                     <a:ext uri="{9D8B030D-6E8A-4147-A177-3AD203B41FA5}">
-                      <a16:colId xmlns:a16="http://schemas.microsoft.com/office/drawing/2014/main" val="20001"/>
+                      <a16:colId xmlns:a16="http://schemas.microsoft.com/office/drawing/2014/main" xmlns="" val="20001"/>
                     </a:ext>
                   </a:extLst>
                 </a:gridCol>
@@ -34812,7 +35086,7 @@
                 </a:tc>
                 <a:extLst>
                   <a:ext uri="{0D108BD9-81ED-4DB2-BD59-A6C34878D82A}">
-                    <a16:rowId xmlns:a16="http://schemas.microsoft.com/office/drawing/2014/main" val="10000"/>
+                    <a16:rowId xmlns:a16="http://schemas.microsoft.com/office/drawing/2014/main" xmlns="" val="10000"/>
                   </a:ext>
                 </a:extLst>
               </a:tr>
@@ -34851,7 +35125,7 @@
                 </a:tc>
                 <a:extLst>
                   <a:ext uri="{0D108BD9-81ED-4DB2-BD59-A6C34878D82A}">
-                    <a16:rowId xmlns:a16="http://schemas.microsoft.com/office/drawing/2014/main" val="10001"/>
+                    <a16:rowId xmlns:a16="http://schemas.microsoft.com/office/drawing/2014/main" xmlns="" val="10001"/>
                   </a:ext>
                 </a:extLst>
               </a:tr>
@@ -34890,7 +35164,7 @@
                 </a:tc>
                 <a:extLst>
                   <a:ext uri="{0D108BD9-81ED-4DB2-BD59-A6C34878D82A}">
-                    <a16:rowId xmlns:a16="http://schemas.microsoft.com/office/drawing/2014/main" val="10002"/>
+                    <a16:rowId xmlns:a16="http://schemas.microsoft.com/office/drawing/2014/main" xmlns="" val="10002"/>
                   </a:ext>
                 </a:extLst>
               </a:tr>
@@ -34929,7 +35203,7 @@
                 </a:tc>
                 <a:extLst>
                   <a:ext uri="{0D108BD9-81ED-4DB2-BD59-A6C34878D82A}">
-                    <a16:rowId xmlns:a16="http://schemas.microsoft.com/office/drawing/2014/main" val="10003"/>
+                    <a16:rowId xmlns:a16="http://schemas.microsoft.com/office/drawing/2014/main" xmlns="" val="10003"/>
                   </a:ext>
                 </a:extLst>
               </a:tr>
@@ -34965,7 +35239,7 @@
                 </a:tc>
                 <a:extLst>
                   <a:ext uri="{0D108BD9-81ED-4DB2-BD59-A6C34878D82A}">
-                    <a16:rowId xmlns:a16="http://schemas.microsoft.com/office/drawing/2014/main" val="10004"/>
+                    <a16:rowId xmlns:a16="http://schemas.microsoft.com/office/drawing/2014/main" xmlns="" val="10004"/>
                   </a:ext>
                 </a:extLst>
               </a:tr>
@@ -35004,7 +35278,7 @@
                 </a:tc>
                 <a:extLst>
                   <a:ext uri="{0D108BD9-81ED-4DB2-BD59-A6C34878D82A}">
-                    <a16:rowId xmlns:a16="http://schemas.microsoft.com/office/drawing/2014/main" val="10005"/>
+                    <a16:rowId xmlns:a16="http://schemas.microsoft.com/office/drawing/2014/main" xmlns="" val="10005"/>
                   </a:ext>
                 </a:extLst>
               </a:tr>
@@ -35043,7 +35317,7 @@
                 </a:tc>
                 <a:extLst>
                   <a:ext uri="{0D108BD9-81ED-4DB2-BD59-A6C34878D82A}">
-                    <a16:rowId xmlns:a16="http://schemas.microsoft.com/office/drawing/2014/main" val="10006"/>
+                    <a16:rowId xmlns:a16="http://schemas.microsoft.com/office/drawing/2014/main" xmlns="" val="10006"/>
                   </a:ext>
                 </a:extLst>
               </a:tr>
@@ -35082,7 +35356,7 @@
                 </a:tc>
                 <a:extLst>
                   <a:ext uri="{0D108BD9-81ED-4DB2-BD59-A6C34878D82A}">
-                    <a16:rowId xmlns:a16="http://schemas.microsoft.com/office/drawing/2014/main" val="10007"/>
+                    <a16:rowId xmlns:a16="http://schemas.microsoft.com/office/drawing/2014/main" xmlns="" val="10007"/>
                   </a:ext>
                 </a:extLst>
               </a:tr>
@@ -35114,14 +35388,14 @@
                 <a:gridCol w="587896">
                   <a:extLst>
                     <a:ext uri="{9D8B030D-6E8A-4147-A177-3AD203B41FA5}">
-                      <a16:colId xmlns:a16="http://schemas.microsoft.com/office/drawing/2014/main" val="20000"/>
+                      <a16:colId xmlns:a16="http://schemas.microsoft.com/office/drawing/2014/main" xmlns="" val="20000"/>
                     </a:ext>
                   </a:extLst>
                 </a:gridCol>
                 <a:gridCol w="587896">
                   <a:extLst>
                     <a:ext uri="{9D8B030D-6E8A-4147-A177-3AD203B41FA5}">
-                      <a16:colId xmlns:a16="http://schemas.microsoft.com/office/drawing/2014/main" val="20001"/>
+                      <a16:colId xmlns:a16="http://schemas.microsoft.com/office/drawing/2014/main" xmlns="" val="20001"/>
                     </a:ext>
                   </a:extLst>
                 </a:gridCol>
@@ -35161,7 +35435,7 @@
                 </a:tc>
                 <a:extLst>
                   <a:ext uri="{0D108BD9-81ED-4DB2-BD59-A6C34878D82A}">
-                    <a16:rowId xmlns:a16="http://schemas.microsoft.com/office/drawing/2014/main" val="10000"/>
+                    <a16:rowId xmlns:a16="http://schemas.microsoft.com/office/drawing/2014/main" xmlns="" val="10000"/>
                   </a:ext>
                 </a:extLst>
               </a:tr>
@@ -35200,7 +35474,7 @@
                 </a:tc>
                 <a:extLst>
                   <a:ext uri="{0D108BD9-81ED-4DB2-BD59-A6C34878D82A}">
-                    <a16:rowId xmlns:a16="http://schemas.microsoft.com/office/drawing/2014/main" val="10001"/>
+                    <a16:rowId xmlns:a16="http://schemas.microsoft.com/office/drawing/2014/main" xmlns="" val="10001"/>
                   </a:ext>
                 </a:extLst>
               </a:tr>
@@ -35239,7 +35513,7 @@
                 </a:tc>
                 <a:extLst>
                   <a:ext uri="{0D108BD9-81ED-4DB2-BD59-A6C34878D82A}">
-                    <a16:rowId xmlns:a16="http://schemas.microsoft.com/office/drawing/2014/main" val="10002"/>
+                    <a16:rowId xmlns:a16="http://schemas.microsoft.com/office/drawing/2014/main" xmlns="" val="10002"/>
                   </a:ext>
                 </a:extLst>
               </a:tr>
@@ -35278,7 +35552,7 @@
                 </a:tc>
                 <a:extLst>
                   <a:ext uri="{0D108BD9-81ED-4DB2-BD59-A6C34878D82A}">
-                    <a16:rowId xmlns:a16="http://schemas.microsoft.com/office/drawing/2014/main" val="10003"/>
+                    <a16:rowId xmlns:a16="http://schemas.microsoft.com/office/drawing/2014/main" xmlns="" val="10003"/>
                   </a:ext>
                 </a:extLst>
               </a:tr>
@@ -35314,7 +35588,7 @@
                 </a:tc>
                 <a:extLst>
                   <a:ext uri="{0D108BD9-81ED-4DB2-BD59-A6C34878D82A}">
-                    <a16:rowId xmlns:a16="http://schemas.microsoft.com/office/drawing/2014/main" val="10004"/>
+                    <a16:rowId xmlns:a16="http://schemas.microsoft.com/office/drawing/2014/main" xmlns="" val="10004"/>
                   </a:ext>
                 </a:extLst>
               </a:tr>
@@ -35353,7 +35627,7 @@
                 </a:tc>
                 <a:extLst>
                   <a:ext uri="{0D108BD9-81ED-4DB2-BD59-A6C34878D82A}">
-                    <a16:rowId xmlns:a16="http://schemas.microsoft.com/office/drawing/2014/main" val="10005"/>
+                    <a16:rowId xmlns:a16="http://schemas.microsoft.com/office/drawing/2014/main" xmlns="" val="10005"/>
                   </a:ext>
                 </a:extLst>
               </a:tr>
@@ -35392,7 +35666,7 @@
                 </a:tc>
                 <a:extLst>
                   <a:ext uri="{0D108BD9-81ED-4DB2-BD59-A6C34878D82A}">
-                    <a16:rowId xmlns:a16="http://schemas.microsoft.com/office/drawing/2014/main" val="10006"/>
+                    <a16:rowId xmlns:a16="http://schemas.microsoft.com/office/drawing/2014/main" xmlns="" val="10006"/>
                   </a:ext>
                 </a:extLst>
               </a:tr>
@@ -35431,7 +35705,7 @@
                 </a:tc>
                 <a:extLst>
                   <a:ext uri="{0D108BD9-81ED-4DB2-BD59-A6C34878D82A}">
-                    <a16:rowId xmlns:a16="http://schemas.microsoft.com/office/drawing/2014/main" val="10007"/>
+                    <a16:rowId xmlns:a16="http://schemas.microsoft.com/office/drawing/2014/main" xmlns="" val="10007"/>
                   </a:ext>
                 </a:extLst>
               </a:tr>
@@ -35463,28 +35737,28 @@
                 <a:gridCol w="504056">
                   <a:extLst>
                     <a:ext uri="{9D8B030D-6E8A-4147-A177-3AD203B41FA5}">
-                      <a16:colId xmlns:a16="http://schemas.microsoft.com/office/drawing/2014/main" val="20000"/>
+                      <a16:colId xmlns:a16="http://schemas.microsoft.com/office/drawing/2014/main" xmlns="" val="20000"/>
                     </a:ext>
                   </a:extLst>
                 </a:gridCol>
                 <a:gridCol w="504056">
                   <a:extLst>
                     <a:ext uri="{9D8B030D-6E8A-4147-A177-3AD203B41FA5}">
-                      <a16:colId xmlns:a16="http://schemas.microsoft.com/office/drawing/2014/main" val="20001"/>
+                      <a16:colId xmlns:a16="http://schemas.microsoft.com/office/drawing/2014/main" xmlns="" val="20001"/>
                     </a:ext>
                   </a:extLst>
                 </a:gridCol>
                 <a:gridCol w="504056">
                   <a:extLst>
                     <a:ext uri="{9D8B030D-6E8A-4147-A177-3AD203B41FA5}">
-                      <a16:colId xmlns:a16="http://schemas.microsoft.com/office/drawing/2014/main" val="20002"/>
+                      <a16:colId xmlns:a16="http://schemas.microsoft.com/office/drawing/2014/main" xmlns="" val="20002"/>
                     </a:ext>
                   </a:extLst>
                 </a:gridCol>
                 <a:gridCol w="504056">
                   <a:extLst>
                     <a:ext uri="{9D8B030D-6E8A-4147-A177-3AD203B41FA5}">
-                      <a16:colId xmlns:a16="http://schemas.microsoft.com/office/drawing/2014/main" val="20003"/>
+                      <a16:colId xmlns:a16="http://schemas.microsoft.com/office/drawing/2014/main" xmlns="" val="20003"/>
                     </a:ext>
                   </a:extLst>
                 </a:gridCol>
@@ -35547,7 +35821,7 @@
                 </a:tc>
                 <a:extLst>
                   <a:ext uri="{0D108BD9-81ED-4DB2-BD59-A6C34878D82A}">
-                    <a16:rowId xmlns:a16="http://schemas.microsoft.com/office/drawing/2014/main" val="10000"/>
+                    <a16:rowId xmlns:a16="http://schemas.microsoft.com/office/drawing/2014/main" xmlns="" val="10000"/>
                   </a:ext>
                 </a:extLst>
               </a:tr>
@@ -35615,7 +35889,7 @@
                 </a:tc>
                 <a:extLst>
                   <a:ext uri="{0D108BD9-81ED-4DB2-BD59-A6C34878D82A}">
-                    <a16:rowId xmlns:a16="http://schemas.microsoft.com/office/drawing/2014/main" val="10001"/>
+                    <a16:rowId xmlns:a16="http://schemas.microsoft.com/office/drawing/2014/main" xmlns="" val="10001"/>
                   </a:ext>
                 </a:extLst>
               </a:tr>
@@ -35683,7 +35957,7 @@
                 </a:tc>
                 <a:extLst>
                   <a:ext uri="{0D108BD9-81ED-4DB2-BD59-A6C34878D82A}">
-                    <a16:rowId xmlns:a16="http://schemas.microsoft.com/office/drawing/2014/main" val="10002"/>
+                    <a16:rowId xmlns:a16="http://schemas.microsoft.com/office/drawing/2014/main" xmlns="" val="10002"/>
                   </a:ext>
                 </a:extLst>
               </a:tr>
@@ -35751,7 +36025,7 @@
                 </a:tc>
                 <a:extLst>
                   <a:ext uri="{0D108BD9-81ED-4DB2-BD59-A6C34878D82A}">
-                    <a16:rowId xmlns:a16="http://schemas.microsoft.com/office/drawing/2014/main" val="10003"/>
+                    <a16:rowId xmlns:a16="http://schemas.microsoft.com/office/drawing/2014/main" xmlns="" val="10003"/>
                   </a:ext>
                 </a:extLst>
               </a:tr>
@@ -35819,7 +36093,7 @@
                 </a:tc>
                 <a:extLst>
                   <a:ext uri="{0D108BD9-81ED-4DB2-BD59-A6C34878D82A}">
-                    <a16:rowId xmlns:a16="http://schemas.microsoft.com/office/drawing/2014/main" val="10004"/>
+                    <a16:rowId xmlns:a16="http://schemas.microsoft.com/office/drawing/2014/main" xmlns="" val="10004"/>
                   </a:ext>
                 </a:extLst>
               </a:tr>
@@ -35887,7 +36161,7 @@
                 </a:tc>
                 <a:extLst>
                   <a:ext uri="{0D108BD9-81ED-4DB2-BD59-A6C34878D82A}">
-                    <a16:rowId xmlns:a16="http://schemas.microsoft.com/office/drawing/2014/main" val="10005"/>
+                    <a16:rowId xmlns:a16="http://schemas.microsoft.com/office/drawing/2014/main" xmlns="" val="10005"/>
                   </a:ext>
                 </a:extLst>
               </a:tr>
@@ -36226,28 +36500,28 @@
                 <a:gridCol w="504056">
                   <a:extLst>
                     <a:ext uri="{9D8B030D-6E8A-4147-A177-3AD203B41FA5}">
-                      <a16:colId xmlns:a16="http://schemas.microsoft.com/office/drawing/2014/main" val="20000"/>
+                      <a16:colId xmlns:a16="http://schemas.microsoft.com/office/drawing/2014/main" xmlns="" val="20000"/>
                     </a:ext>
                   </a:extLst>
                 </a:gridCol>
                 <a:gridCol w="504056">
                   <a:extLst>
                     <a:ext uri="{9D8B030D-6E8A-4147-A177-3AD203B41FA5}">
-                      <a16:colId xmlns:a16="http://schemas.microsoft.com/office/drawing/2014/main" val="20001"/>
+                      <a16:colId xmlns:a16="http://schemas.microsoft.com/office/drawing/2014/main" xmlns="" val="20001"/>
                     </a:ext>
                   </a:extLst>
                 </a:gridCol>
                 <a:gridCol w="504056">
                   <a:extLst>
                     <a:ext uri="{9D8B030D-6E8A-4147-A177-3AD203B41FA5}">
-                      <a16:colId xmlns:a16="http://schemas.microsoft.com/office/drawing/2014/main" val="20002"/>
+                      <a16:colId xmlns:a16="http://schemas.microsoft.com/office/drawing/2014/main" xmlns="" val="20002"/>
                     </a:ext>
                   </a:extLst>
                 </a:gridCol>
                 <a:gridCol w="504056">
                   <a:extLst>
                     <a:ext uri="{9D8B030D-6E8A-4147-A177-3AD203B41FA5}">
-                      <a16:colId xmlns:a16="http://schemas.microsoft.com/office/drawing/2014/main" val="20003"/>
+                      <a16:colId xmlns:a16="http://schemas.microsoft.com/office/drawing/2014/main" xmlns="" val="20003"/>
                     </a:ext>
                   </a:extLst>
                 </a:gridCol>
@@ -36295,7 +36569,7 @@
                 </a:tc>
                 <a:extLst>
                   <a:ext uri="{0D108BD9-81ED-4DB2-BD59-A6C34878D82A}">
-                    <a16:rowId xmlns:a16="http://schemas.microsoft.com/office/drawing/2014/main" val="10000"/>
+                    <a16:rowId xmlns:a16="http://schemas.microsoft.com/office/drawing/2014/main" xmlns="" val="10000"/>
                   </a:ext>
                 </a:extLst>
               </a:tr>
@@ -36327,28 +36601,28 @@
                 <a:gridCol w="504056">
                   <a:extLst>
                     <a:ext uri="{9D8B030D-6E8A-4147-A177-3AD203B41FA5}">
-                      <a16:colId xmlns:a16="http://schemas.microsoft.com/office/drawing/2014/main" val="20000"/>
+                      <a16:colId xmlns:a16="http://schemas.microsoft.com/office/drawing/2014/main" xmlns="" val="20000"/>
                     </a:ext>
                   </a:extLst>
                 </a:gridCol>
                 <a:gridCol w="504056">
                   <a:extLst>
                     <a:ext uri="{9D8B030D-6E8A-4147-A177-3AD203B41FA5}">
-                      <a16:colId xmlns:a16="http://schemas.microsoft.com/office/drawing/2014/main" val="20001"/>
+                      <a16:colId xmlns:a16="http://schemas.microsoft.com/office/drawing/2014/main" xmlns="" val="20001"/>
                     </a:ext>
                   </a:extLst>
                 </a:gridCol>
                 <a:gridCol w="504056">
                   <a:extLst>
                     <a:ext uri="{9D8B030D-6E8A-4147-A177-3AD203B41FA5}">
-                      <a16:colId xmlns:a16="http://schemas.microsoft.com/office/drawing/2014/main" val="20002"/>
+                      <a16:colId xmlns:a16="http://schemas.microsoft.com/office/drawing/2014/main" xmlns="" val="20002"/>
                     </a:ext>
                   </a:extLst>
                 </a:gridCol>
                 <a:gridCol w="504056">
                   <a:extLst>
                     <a:ext uri="{9D8B030D-6E8A-4147-A177-3AD203B41FA5}">
-                      <a16:colId xmlns:a16="http://schemas.microsoft.com/office/drawing/2014/main" val="20003"/>
+                      <a16:colId xmlns:a16="http://schemas.microsoft.com/office/drawing/2014/main" xmlns="" val="20003"/>
                     </a:ext>
                   </a:extLst>
                 </a:gridCol>
@@ -36396,7 +36670,7 @@
                 </a:tc>
                 <a:extLst>
                   <a:ext uri="{0D108BD9-81ED-4DB2-BD59-A6C34878D82A}">
-                    <a16:rowId xmlns:a16="http://schemas.microsoft.com/office/drawing/2014/main" val="10000"/>
+                    <a16:rowId xmlns:a16="http://schemas.microsoft.com/office/drawing/2014/main" xmlns="" val="10000"/>
                   </a:ext>
                 </a:extLst>
               </a:tr>
@@ -36428,28 +36702,28 @@
                 <a:gridCol w="504056">
                   <a:extLst>
                     <a:ext uri="{9D8B030D-6E8A-4147-A177-3AD203B41FA5}">
-                      <a16:colId xmlns:a16="http://schemas.microsoft.com/office/drawing/2014/main" val="20000"/>
+                      <a16:colId xmlns:a16="http://schemas.microsoft.com/office/drawing/2014/main" xmlns="" val="20000"/>
                     </a:ext>
                   </a:extLst>
                 </a:gridCol>
                 <a:gridCol w="504056">
                   <a:extLst>
                     <a:ext uri="{9D8B030D-6E8A-4147-A177-3AD203B41FA5}">
-                      <a16:colId xmlns:a16="http://schemas.microsoft.com/office/drawing/2014/main" val="20001"/>
+                      <a16:colId xmlns:a16="http://schemas.microsoft.com/office/drawing/2014/main" xmlns="" val="20001"/>
                     </a:ext>
                   </a:extLst>
                 </a:gridCol>
                 <a:gridCol w="504056">
                   <a:extLst>
                     <a:ext uri="{9D8B030D-6E8A-4147-A177-3AD203B41FA5}">
-                      <a16:colId xmlns:a16="http://schemas.microsoft.com/office/drawing/2014/main" val="20002"/>
+                      <a16:colId xmlns:a16="http://schemas.microsoft.com/office/drawing/2014/main" xmlns="" val="20002"/>
                     </a:ext>
                   </a:extLst>
                 </a:gridCol>
                 <a:gridCol w="504056">
                   <a:extLst>
                     <a:ext uri="{9D8B030D-6E8A-4147-A177-3AD203B41FA5}">
-                      <a16:colId xmlns:a16="http://schemas.microsoft.com/office/drawing/2014/main" val="20003"/>
+                      <a16:colId xmlns:a16="http://schemas.microsoft.com/office/drawing/2014/main" xmlns="" val="20003"/>
                     </a:ext>
                   </a:extLst>
                 </a:gridCol>
@@ -36497,7 +36771,7 @@
                 </a:tc>
                 <a:extLst>
                   <a:ext uri="{0D108BD9-81ED-4DB2-BD59-A6C34878D82A}">
-                    <a16:rowId xmlns:a16="http://schemas.microsoft.com/office/drawing/2014/main" val="10000"/>
+                    <a16:rowId xmlns:a16="http://schemas.microsoft.com/office/drawing/2014/main" xmlns="" val="10000"/>
                   </a:ext>
                 </a:extLst>
               </a:tr>
@@ -36529,28 +36803,28 @@
                 <a:gridCol w="504056">
                   <a:extLst>
                     <a:ext uri="{9D8B030D-6E8A-4147-A177-3AD203B41FA5}">
-                      <a16:colId xmlns:a16="http://schemas.microsoft.com/office/drawing/2014/main" val="20000"/>
+                      <a16:colId xmlns:a16="http://schemas.microsoft.com/office/drawing/2014/main" xmlns="" val="20000"/>
                     </a:ext>
                   </a:extLst>
                 </a:gridCol>
                 <a:gridCol w="504056">
                   <a:extLst>
                     <a:ext uri="{9D8B030D-6E8A-4147-A177-3AD203B41FA5}">
-                      <a16:colId xmlns:a16="http://schemas.microsoft.com/office/drawing/2014/main" val="20001"/>
+                      <a16:colId xmlns:a16="http://schemas.microsoft.com/office/drawing/2014/main" xmlns="" val="20001"/>
                     </a:ext>
                   </a:extLst>
                 </a:gridCol>
                 <a:gridCol w="504056">
                   <a:extLst>
                     <a:ext uri="{9D8B030D-6E8A-4147-A177-3AD203B41FA5}">
-                      <a16:colId xmlns:a16="http://schemas.microsoft.com/office/drawing/2014/main" val="20002"/>
+                      <a16:colId xmlns:a16="http://schemas.microsoft.com/office/drawing/2014/main" xmlns="" val="20002"/>
                     </a:ext>
                   </a:extLst>
                 </a:gridCol>
                 <a:gridCol w="504056">
                   <a:extLst>
                     <a:ext uri="{9D8B030D-6E8A-4147-A177-3AD203B41FA5}">
-                      <a16:colId xmlns:a16="http://schemas.microsoft.com/office/drawing/2014/main" val="20003"/>
+                      <a16:colId xmlns:a16="http://schemas.microsoft.com/office/drawing/2014/main" xmlns="" val="20003"/>
                     </a:ext>
                   </a:extLst>
                 </a:gridCol>
@@ -36598,7 +36872,7 @@
                 </a:tc>
                 <a:extLst>
                   <a:ext uri="{0D108BD9-81ED-4DB2-BD59-A6C34878D82A}">
-                    <a16:rowId xmlns:a16="http://schemas.microsoft.com/office/drawing/2014/main" val="10000"/>
+                    <a16:rowId xmlns:a16="http://schemas.microsoft.com/office/drawing/2014/main" xmlns="" val="10000"/>
                   </a:ext>
                 </a:extLst>
               </a:tr>
@@ -36630,28 +36904,28 @@
                 <a:gridCol w="504056">
                   <a:extLst>
                     <a:ext uri="{9D8B030D-6E8A-4147-A177-3AD203B41FA5}">
-                      <a16:colId xmlns:a16="http://schemas.microsoft.com/office/drawing/2014/main" val="20000"/>
+                      <a16:colId xmlns:a16="http://schemas.microsoft.com/office/drawing/2014/main" xmlns="" val="20000"/>
                     </a:ext>
                   </a:extLst>
                 </a:gridCol>
                 <a:gridCol w="504056">
                   <a:extLst>
                     <a:ext uri="{9D8B030D-6E8A-4147-A177-3AD203B41FA5}">
-                      <a16:colId xmlns:a16="http://schemas.microsoft.com/office/drawing/2014/main" val="20001"/>
+                      <a16:colId xmlns:a16="http://schemas.microsoft.com/office/drawing/2014/main" xmlns="" val="20001"/>
                     </a:ext>
                   </a:extLst>
                 </a:gridCol>
                 <a:gridCol w="504056">
                   <a:extLst>
                     <a:ext uri="{9D8B030D-6E8A-4147-A177-3AD203B41FA5}">
-                      <a16:colId xmlns:a16="http://schemas.microsoft.com/office/drawing/2014/main" val="20002"/>
+                      <a16:colId xmlns:a16="http://schemas.microsoft.com/office/drawing/2014/main" xmlns="" val="20002"/>
                     </a:ext>
                   </a:extLst>
                 </a:gridCol>
                 <a:gridCol w="504056">
                   <a:extLst>
                     <a:ext uri="{9D8B030D-6E8A-4147-A177-3AD203B41FA5}">
-                      <a16:colId xmlns:a16="http://schemas.microsoft.com/office/drawing/2014/main" val="20003"/>
+                      <a16:colId xmlns:a16="http://schemas.microsoft.com/office/drawing/2014/main" xmlns="" val="20003"/>
                     </a:ext>
                   </a:extLst>
                 </a:gridCol>
@@ -36699,7 +36973,7 @@
                 </a:tc>
                 <a:extLst>
                   <a:ext uri="{0D108BD9-81ED-4DB2-BD59-A6C34878D82A}">
-                    <a16:rowId xmlns:a16="http://schemas.microsoft.com/office/drawing/2014/main" val="10000"/>
+                    <a16:rowId xmlns:a16="http://schemas.microsoft.com/office/drawing/2014/main" xmlns="" val="10000"/>
                   </a:ext>
                 </a:extLst>
               </a:tr>
@@ -36731,28 +37005,28 @@
                 <a:gridCol w="504056">
                   <a:extLst>
                     <a:ext uri="{9D8B030D-6E8A-4147-A177-3AD203B41FA5}">
-                      <a16:colId xmlns:a16="http://schemas.microsoft.com/office/drawing/2014/main" val="20000"/>
+                      <a16:colId xmlns:a16="http://schemas.microsoft.com/office/drawing/2014/main" xmlns="" val="20000"/>
                     </a:ext>
                   </a:extLst>
                 </a:gridCol>
                 <a:gridCol w="504056">
                   <a:extLst>
                     <a:ext uri="{9D8B030D-6E8A-4147-A177-3AD203B41FA5}">
-                      <a16:colId xmlns:a16="http://schemas.microsoft.com/office/drawing/2014/main" val="20001"/>
+                      <a16:colId xmlns:a16="http://schemas.microsoft.com/office/drawing/2014/main" xmlns="" val="20001"/>
                     </a:ext>
                   </a:extLst>
                 </a:gridCol>
                 <a:gridCol w="504056">
                   <a:extLst>
                     <a:ext uri="{9D8B030D-6E8A-4147-A177-3AD203B41FA5}">
-                      <a16:colId xmlns:a16="http://schemas.microsoft.com/office/drawing/2014/main" val="20002"/>
+                      <a16:colId xmlns:a16="http://schemas.microsoft.com/office/drawing/2014/main" xmlns="" val="20002"/>
                     </a:ext>
                   </a:extLst>
                 </a:gridCol>
                 <a:gridCol w="504056">
                   <a:extLst>
                     <a:ext uri="{9D8B030D-6E8A-4147-A177-3AD203B41FA5}">
-                      <a16:colId xmlns:a16="http://schemas.microsoft.com/office/drawing/2014/main" val="20003"/>
+                      <a16:colId xmlns:a16="http://schemas.microsoft.com/office/drawing/2014/main" xmlns="" val="20003"/>
                     </a:ext>
                   </a:extLst>
                 </a:gridCol>
@@ -36800,7 +37074,7 @@
                 </a:tc>
                 <a:extLst>
                   <a:ext uri="{0D108BD9-81ED-4DB2-BD59-A6C34878D82A}">
-                    <a16:rowId xmlns:a16="http://schemas.microsoft.com/office/drawing/2014/main" val="10000"/>
+                    <a16:rowId xmlns:a16="http://schemas.microsoft.com/office/drawing/2014/main" xmlns="" val="10000"/>
                   </a:ext>
                 </a:extLst>
               </a:tr>
@@ -37633,14 +37907,14 @@
                 <a:gridCol w="587896">
                   <a:extLst>
                     <a:ext uri="{9D8B030D-6E8A-4147-A177-3AD203B41FA5}">
-                      <a16:colId xmlns:a16="http://schemas.microsoft.com/office/drawing/2014/main" val="20000"/>
+                      <a16:colId xmlns:a16="http://schemas.microsoft.com/office/drawing/2014/main" xmlns="" val="20000"/>
                     </a:ext>
                   </a:extLst>
                 </a:gridCol>
                 <a:gridCol w="587896">
                   <a:extLst>
                     <a:ext uri="{9D8B030D-6E8A-4147-A177-3AD203B41FA5}">
-                      <a16:colId xmlns:a16="http://schemas.microsoft.com/office/drawing/2014/main" val="20001"/>
+                      <a16:colId xmlns:a16="http://schemas.microsoft.com/office/drawing/2014/main" xmlns="" val="20001"/>
                     </a:ext>
                   </a:extLst>
                 </a:gridCol>
@@ -37680,7 +37954,7 @@
                 </a:tc>
                 <a:extLst>
                   <a:ext uri="{0D108BD9-81ED-4DB2-BD59-A6C34878D82A}">
-                    <a16:rowId xmlns:a16="http://schemas.microsoft.com/office/drawing/2014/main" val="10000"/>
+                    <a16:rowId xmlns:a16="http://schemas.microsoft.com/office/drawing/2014/main" xmlns="" val="10000"/>
                   </a:ext>
                 </a:extLst>
               </a:tr>
@@ -37719,7 +37993,7 @@
                 </a:tc>
                 <a:extLst>
                   <a:ext uri="{0D108BD9-81ED-4DB2-BD59-A6C34878D82A}">
-                    <a16:rowId xmlns:a16="http://schemas.microsoft.com/office/drawing/2014/main" val="10001"/>
+                    <a16:rowId xmlns:a16="http://schemas.microsoft.com/office/drawing/2014/main" xmlns="" val="10001"/>
                   </a:ext>
                 </a:extLst>
               </a:tr>
@@ -37758,7 +38032,7 @@
                 </a:tc>
                 <a:extLst>
                   <a:ext uri="{0D108BD9-81ED-4DB2-BD59-A6C34878D82A}">
-                    <a16:rowId xmlns:a16="http://schemas.microsoft.com/office/drawing/2014/main" val="10002"/>
+                    <a16:rowId xmlns:a16="http://schemas.microsoft.com/office/drawing/2014/main" xmlns="" val="10002"/>
                   </a:ext>
                 </a:extLst>
               </a:tr>
@@ -37797,7 +38071,7 @@
                 </a:tc>
                 <a:extLst>
                   <a:ext uri="{0D108BD9-81ED-4DB2-BD59-A6C34878D82A}">
-                    <a16:rowId xmlns:a16="http://schemas.microsoft.com/office/drawing/2014/main" val="10003"/>
+                    <a16:rowId xmlns:a16="http://schemas.microsoft.com/office/drawing/2014/main" xmlns="" val="10003"/>
                   </a:ext>
                 </a:extLst>
               </a:tr>
@@ -37833,7 +38107,7 @@
                 </a:tc>
                 <a:extLst>
                   <a:ext uri="{0D108BD9-81ED-4DB2-BD59-A6C34878D82A}">
-                    <a16:rowId xmlns:a16="http://schemas.microsoft.com/office/drawing/2014/main" val="10004"/>
+                    <a16:rowId xmlns:a16="http://schemas.microsoft.com/office/drawing/2014/main" xmlns="" val="10004"/>
                   </a:ext>
                 </a:extLst>
               </a:tr>
@@ -37872,7 +38146,7 @@
                 </a:tc>
                 <a:extLst>
                   <a:ext uri="{0D108BD9-81ED-4DB2-BD59-A6C34878D82A}">
-                    <a16:rowId xmlns:a16="http://schemas.microsoft.com/office/drawing/2014/main" val="10005"/>
+                    <a16:rowId xmlns:a16="http://schemas.microsoft.com/office/drawing/2014/main" xmlns="" val="10005"/>
                   </a:ext>
                 </a:extLst>
               </a:tr>
@@ -37911,7 +38185,7 @@
                 </a:tc>
                 <a:extLst>
                   <a:ext uri="{0D108BD9-81ED-4DB2-BD59-A6C34878D82A}">
-                    <a16:rowId xmlns:a16="http://schemas.microsoft.com/office/drawing/2014/main" val="10006"/>
+                    <a16:rowId xmlns:a16="http://schemas.microsoft.com/office/drawing/2014/main" xmlns="" val="10006"/>
                   </a:ext>
                 </a:extLst>
               </a:tr>
@@ -37950,7 +38224,7 @@
                 </a:tc>
                 <a:extLst>
                   <a:ext uri="{0D108BD9-81ED-4DB2-BD59-A6C34878D82A}">
-                    <a16:rowId xmlns:a16="http://schemas.microsoft.com/office/drawing/2014/main" val="10007"/>
+                    <a16:rowId xmlns:a16="http://schemas.microsoft.com/office/drawing/2014/main" xmlns="" val="10007"/>
                   </a:ext>
                 </a:extLst>
               </a:tr>
@@ -37982,14 +38256,14 @@
                 <a:gridCol w="587896">
                   <a:extLst>
                     <a:ext uri="{9D8B030D-6E8A-4147-A177-3AD203B41FA5}">
-                      <a16:colId xmlns:a16="http://schemas.microsoft.com/office/drawing/2014/main" val="20000"/>
+                      <a16:colId xmlns:a16="http://schemas.microsoft.com/office/drawing/2014/main" xmlns="" val="20000"/>
                     </a:ext>
                   </a:extLst>
                 </a:gridCol>
                 <a:gridCol w="587896">
                   <a:extLst>
                     <a:ext uri="{9D8B030D-6E8A-4147-A177-3AD203B41FA5}">
-                      <a16:colId xmlns:a16="http://schemas.microsoft.com/office/drawing/2014/main" val="20001"/>
+                      <a16:colId xmlns:a16="http://schemas.microsoft.com/office/drawing/2014/main" xmlns="" val="20001"/>
                     </a:ext>
                   </a:extLst>
                 </a:gridCol>
@@ -38029,7 +38303,7 @@
                 </a:tc>
                 <a:extLst>
                   <a:ext uri="{0D108BD9-81ED-4DB2-BD59-A6C34878D82A}">
-                    <a16:rowId xmlns:a16="http://schemas.microsoft.com/office/drawing/2014/main" val="10000"/>
+                    <a16:rowId xmlns:a16="http://schemas.microsoft.com/office/drawing/2014/main" xmlns="" val="10000"/>
                   </a:ext>
                 </a:extLst>
               </a:tr>
@@ -38068,7 +38342,7 @@
                 </a:tc>
                 <a:extLst>
                   <a:ext uri="{0D108BD9-81ED-4DB2-BD59-A6C34878D82A}">
-                    <a16:rowId xmlns:a16="http://schemas.microsoft.com/office/drawing/2014/main" val="10001"/>
+                    <a16:rowId xmlns:a16="http://schemas.microsoft.com/office/drawing/2014/main" xmlns="" val="10001"/>
                   </a:ext>
                 </a:extLst>
               </a:tr>
@@ -38107,7 +38381,7 @@
                 </a:tc>
                 <a:extLst>
                   <a:ext uri="{0D108BD9-81ED-4DB2-BD59-A6C34878D82A}">
-                    <a16:rowId xmlns:a16="http://schemas.microsoft.com/office/drawing/2014/main" val="10002"/>
+                    <a16:rowId xmlns:a16="http://schemas.microsoft.com/office/drawing/2014/main" xmlns="" val="10002"/>
                   </a:ext>
                 </a:extLst>
               </a:tr>
@@ -38146,7 +38420,7 @@
                 </a:tc>
                 <a:extLst>
                   <a:ext uri="{0D108BD9-81ED-4DB2-BD59-A6C34878D82A}">
-                    <a16:rowId xmlns:a16="http://schemas.microsoft.com/office/drawing/2014/main" val="10003"/>
+                    <a16:rowId xmlns:a16="http://schemas.microsoft.com/office/drawing/2014/main" xmlns="" val="10003"/>
                   </a:ext>
                 </a:extLst>
               </a:tr>
@@ -38182,7 +38456,7 @@
                 </a:tc>
                 <a:extLst>
                   <a:ext uri="{0D108BD9-81ED-4DB2-BD59-A6C34878D82A}">
-                    <a16:rowId xmlns:a16="http://schemas.microsoft.com/office/drawing/2014/main" val="10004"/>
+                    <a16:rowId xmlns:a16="http://schemas.microsoft.com/office/drawing/2014/main" xmlns="" val="10004"/>
                   </a:ext>
                 </a:extLst>
               </a:tr>
@@ -38221,7 +38495,7 @@
                 </a:tc>
                 <a:extLst>
                   <a:ext uri="{0D108BD9-81ED-4DB2-BD59-A6C34878D82A}">
-                    <a16:rowId xmlns:a16="http://schemas.microsoft.com/office/drawing/2014/main" val="10005"/>
+                    <a16:rowId xmlns:a16="http://schemas.microsoft.com/office/drawing/2014/main" xmlns="" val="10005"/>
                   </a:ext>
                 </a:extLst>
               </a:tr>
@@ -38260,7 +38534,7 @@
                 </a:tc>
                 <a:extLst>
                   <a:ext uri="{0D108BD9-81ED-4DB2-BD59-A6C34878D82A}">
-                    <a16:rowId xmlns:a16="http://schemas.microsoft.com/office/drawing/2014/main" val="10006"/>
+                    <a16:rowId xmlns:a16="http://schemas.microsoft.com/office/drawing/2014/main" xmlns="" val="10006"/>
                   </a:ext>
                 </a:extLst>
               </a:tr>
@@ -38299,7 +38573,7 @@
                 </a:tc>
                 <a:extLst>
                   <a:ext uri="{0D108BD9-81ED-4DB2-BD59-A6C34878D82A}">
-                    <a16:rowId xmlns:a16="http://schemas.microsoft.com/office/drawing/2014/main" val="10007"/>
+                    <a16:rowId xmlns:a16="http://schemas.microsoft.com/office/drawing/2014/main" xmlns="" val="10007"/>
                   </a:ext>
                 </a:extLst>
               </a:tr>
@@ -38331,28 +38605,28 @@
                 <a:gridCol w="504056">
                   <a:extLst>
                     <a:ext uri="{9D8B030D-6E8A-4147-A177-3AD203B41FA5}">
-                      <a16:colId xmlns:a16="http://schemas.microsoft.com/office/drawing/2014/main" val="20000"/>
+                      <a16:colId xmlns:a16="http://schemas.microsoft.com/office/drawing/2014/main" xmlns="" val="20000"/>
                     </a:ext>
                   </a:extLst>
                 </a:gridCol>
                 <a:gridCol w="504056">
                   <a:extLst>
                     <a:ext uri="{9D8B030D-6E8A-4147-A177-3AD203B41FA5}">
-                      <a16:colId xmlns:a16="http://schemas.microsoft.com/office/drawing/2014/main" val="20001"/>
+                      <a16:colId xmlns:a16="http://schemas.microsoft.com/office/drawing/2014/main" xmlns="" val="20001"/>
                     </a:ext>
                   </a:extLst>
                 </a:gridCol>
                 <a:gridCol w="504056">
                   <a:extLst>
                     <a:ext uri="{9D8B030D-6E8A-4147-A177-3AD203B41FA5}">
-                      <a16:colId xmlns:a16="http://schemas.microsoft.com/office/drawing/2014/main" val="20002"/>
+                      <a16:colId xmlns:a16="http://schemas.microsoft.com/office/drawing/2014/main" xmlns="" val="20002"/>
                     </a:ext>
                   </a:extLst>
                 </a:gridCol>
                 <a:gridCol w="504056">
                   <a:extLst>
                     <a:ext uri="{9D8B030D-6E8A-4147-A177-3AD203B41FA5}">
-                      <a16:colId xmlns:a16="http://schemas.microsoft.com/office/drawing/2014/main" val="20003"/>
+                      <a16:colId xmlns:a16="http://schemas.microsoft.com/office/drawing/2014/main" xmlns="" val="20003"/>
                     </a:ext>
                   </a:extLst>
                 </a:gridCol>
@@ -38415,7 +38689,7 @@
                 </a:tc>
                 <a:extLst>
                   <a:ext uri="{0D108BD9-81ED-4DB2-BD59-A6C34878D82A}">
-                    <a16:rowId xmlns:a16="http://schemas.microsoft.com/office/drawing/2014/main" val="10000"/>
+                    <a16:rowId xmlns:a16="http://schemas.microsoft.com/office/drawing/2014/main" xmlns="" val="10000"/>
                   </a:ext>
                 </a:extLst>
               </a:tr>
@@ -38483,7 +38757,7 @@
                 </a:tc>
                 <a:extLst>
                   <a:ext uri="{0D108BD9-81ED-4DB2-BD59-A6C34878D82A}">
-                    <a16:rowId xmlns:a16="http://schemas.microsoft.com/office/drawing/2014/main" val="10001"/>
+                    <a16:rowId xmlns:a16="http://schemas.microsoft.com/office/drawing/2014/main" xmlns="" val="10001"/>
                   </a:ext>
                 </a:extLst>
               </a:tr>
@@ -38551,7 +38825,7 @@
                 </a:tc>
                 <a:extLst>
                   <a:ext uri="{0D108BD9-81ED-4DB2-BD59-A6C34878D82A}">
-                    <a16:rowId xmlns:a16="http://schemas.microsoft.com/office/drawing/2014/main" val="10002"/>
+                    <a16:rowId xmlns:a16="http://schemas.microsoft.com/office/drawing/2014/main" xmlns="" val="10002"/>
                   </a:ext>
                 </a:extLst>
               </a:tr>
@@ -38619,7 +38893,7 @@
                 </a:tc>
                 <a:extLst>
                   <a:ext uri="{0D108BD9-81ED-4DB2-BD59-A6C34878D82A}">
-                    <a16:rowId xmlns:a16="http://schemas.microsoft.com/office/drawing/2014/main" val="10003"/>
+                    <a16:rowId xmlns:a16="http://schemas.microsoft.com/office/drawing/2014/main" xmlns="" val="10003"/>
                   </a:ext>
                 </a:extLst>
               </a:tr>
@@ -38687,7 +38961,7 @@
                 </a:tc>
                 <a:extLst>
                   <a:ext uri="{0D108BD9-81ED-4DB2-BD59-A6C34878D82A}">
-                    <a16:rowId xmlns:a16="http://schemas.microsoft.com/office/drawing/2014/main" val="10004"/>
+                    <a16:rowId xmlns:a16="http://schemas.microsoft.com/office/drawing/2014/main" xmlns="" val="10004"/>
                   </a:ext>
                 </a:extLst>
               </a:tr>
@@ -38755,7 +39029,7 @@
                 </a:tc>
                 <a:extLst>
                   <a:ext uri="{0D108BD9-81ED-4DB2-BD59-A6C34878D82A}">
-                    <a16:rowId xmlns:a16="http://schemas.microsoft.com/office/drawing/2014/main" val="10005"/>
+                    <a16:rowId xmlns:a16="http://schemas.microsoft.com/office/drawing/2014/main" xmlns="" val="10005"/>
                   </a:ext>
                 </a:extLst>
               </a:tr>
@@ -39094,28 +39368,28 @@
                 <a:gridCol w="504056">
                   <a:extLst>
                     <a:ext uri="{9D8B030D-6E8A-4147-A177-3AD203B41FA5}">
-                      <a16:colId xmlns:a16="http://schemas.microsoft.com/office/drawing/2014/main" val="20000"/>
+                      <a16:colId xmlns:a16="http://schemas.microsoft.com/office/drawing/2014/main" xmlns="" val="20000"/>
                     </a:ext>
                   </a:extLst>
                 </a:gridCol>
                 <a:gridCol w="504056">
                   <a:extLst>
                     <a:ext uri="{9D8B030D-6E8A-4147-A177-3AD203B41FA5}">
-                      <a16:colId xmlns:a16="http://schemas.microsoft.com/office/drawing/2014/main" val="20001"/>
+                      <a16:colId xmlns:a16="http://schemas.microsoft.com/office/drawing/2014/main" xmlns="" val="20001"/>
                     </a:ext>
                   </a:extLst>
                 </a:gridCol>
                 <a:gridCol w="504056">
                   <a:extLst>
                     <a:ext uri="{9D8B030D-6E8A-4147-A177-3AD203B41FA5}">
-                      <a16:colId xmlns:a16="http://schemas.microsoft.com/office/drawing/2014/main" val="20002"/>
+                      <a16:colId xmlns:a16="http://schemas.microsoft.com/office/drawing/2014/main" xmlns="" val="20002"/>
                     </a:ext>
                   </a:extLst>
                 </a:gridCol>
                 <a:gridCol w="504056">
                   <a:extLst>
                     <a:ext uri="{9D8B030D-6E8A-4147-A177-3AD203B41FA5}">
-                      <a16:colId xmlns:a16="http://schemas.microsoft.com/office/drawing/2014/main" val="20003"/>
+                      <a16:colId xmlns:a16="http://schemas.microsoft.com/office/drawing/2014/main" xmlns="" val="20003"/>
                     </a:ext>
                   </a:extLst>
                 </a:gridCol>
@@ -39187,7 +39461,7 @@
                 </a:tc>
                 <a:extLst>
                   <a:ext uri="{0D108BD9-81ED-4DB2-BD59-A6C34878D82A}">
-                    <a16:rowId xmlns:a16="http://schemas.microsoft.com/office/drawing/2014/main" val="10000"/>
+                    <a16:rowId xmlns:a16="http://schemas.microsoft.com/office/drawing/2014/main" xmlns="" val="10000"/>
                   </a:ext>
                 </a:extLst>
               </a:tr>
@@ -39312,28 +39586,28 @@
                 <a:gridCol w="504056">
                   <a:extLst>
                     <a:ext uri="{9D8B030D-6E8A-4147-A177-3AD203B41FA5}">
-                      <a16:colId xmlns:a16="http://schemas.microsoft.com/office/drawing/2014/main" val="20000"/>
+                      <a16:colId xmlns:a16="http://schemas.microsoft.com/office/drawing/2014/main" xmlns="" val="20000"/>
                     </a:ext>
                   </a:extLst>
                 </a:gridCol>
                 <a:gridCol w="504056">
                   <a:extLst>
                     <a:ext uri="{9D8B030D-6E8A-4147-A177-3AD203B41FA5}">
-                      <a16:colId xmlns:a16="http://schemas.microsoft.com/office/drawing/2014/main" val="20001"/>
+                      <a16:colId xmlns:a16="http://schemas.microsoft.com/office/drawing/2014/main" xmlns="" val="20001"/>
                     </a:ext>
                   </a:extLst>
                 </a:gridCol>
                 <a:gridCol w="504056">
                   <a:extLst>
                     <a:ext uri="{9D8B030D-6E8A-4147-A177-3AD203B41FA5}">
-                      <a16:colId xmlns:a16="http://schemas.microsoft.com/office/drawing/2014/main" val="20002"/>
+                      <a16:colId xmlns:a16="http://schemas.microsoft.com/office/drawing/2014/main" xmlns="" val="20002"/>
                     </a:ext>
                   </a:extLst>
                 </a:gridCol>
                 <a:gridCol w="504056">
                   <a:extLst>
                     <a:ext uri="{9D8B030D-6E8A-4147-A177-3AD203B41FA5}">
-                      <a16:colId xmlns:a16="http://schemas.microsoft.com/office/drawing/2014/main" val="20003"/>
+                      <a16:colId xmlns:a16="http://schemas.microsoft.com/office/drawing/2014/main" xmlns="" val="20003"/>
                     </a:ext>
                   </a:extLst>
                 </a:gridCol>
@@ -39405,7 +39679,7 @@
                 </a:tc>
                 <a:extLst>
                   <a:ext uri="{0D108BD9-81ED-4DB2-BD59-A6C34878D82A}">
-                    <a16:rowId xmlns:a16="http://schemas.microsoft.com/office/drawing/2014/main" val="10000"/>
+                    <a16:rowId xmlns:a16="http://schemas.microsoft.com/office/drawing/2014/main" xmlns="" val="10000"/>
                   </a:ext>
                 </a:extLst>
               </a:tr>
@@ -39751,14 +40025,14 @@
                 <a:gridCol w="587896">
                   <a:extLst>
                     <a:ext uri="{9D8B030D-6E8A-4147-A177-3AD203B41FA5}">
-                      <a16:colId xmlns:a16="http://schemas.microsoft.com/office/drawing/2014/main" val="20000"/>
+                      <a16:colId xmlns:a16="http://schemas.microsoft.com/office/drawing/2014/main" xmlns="" val="20000"/>
                     </a:ext>
                   </a:extLst>
                 </a:gridCol>
                 <a:gridCol w="587896">
                   <a:extLst>
                     <a:ext uri="{9D8B030D-6E8A-4147-A177-3AD203B41FA5}">
-                      <a16:colId xmlns:a16="http://schemas.microsoft.com/office/drawing/2014/main" val="20001"/>
+                      <a16:colId xmlns:a16="http://schemas.microsoft.com/office/drawing/2014/main" xmlns="" val="20001"/>
                     </a:ext>
                   </a:extLst>
                 </a:gridCol>
@@ -39798,7 +40072,7 @@
                 </a:tc>
                 <a:extLst>
                   <a:ext uri="{0D108BD9-81ED-4DB2-BD59-A6C34878D82A}">
-                    <a16:rowId xmlns:a16="http://schemas.microsoft.com/office/drawing/2014/main" val="10000"/>
+                    <a16:rowId xmlns:a16="http://schemas.microsoft.com/office/drawing/2014/main" xmlns="" val="10000"/>
                   </a:ext>
                 </a:extLst>
               </a:tr>
@@ -39837,7 +40111,7 @@
                 </a:tc>
                 <a:extLst>
                   <a:ext uri="{0D108BD9-81ED-4DB2-BD59-A6C34878D82A}">
-                    <a16:rowId xmlns:a16="http://schemas.microsoft.com/office/drawing/2014/main" val="10001"/>
+                    <a16:rowId xmlns:a16="http://schemas.microsoft.com/office/drawing/2014/main" xmlns="" val="10001"/>
                   </a:ext>
                 </a:extLst>
               </a:tr>
@@ -39876,7 +40150,7 @@
                 </a:tc>
                 <a:extLst>
                   <a:ext uri="{0D108BD9-81ED-4DB2-BD59-A6C34878D82A}">
-                    <a16:rowId xmlns:a16="http://schemas.microsoft.com/office/drawing/2014/main" val="10002"/>
+                    <a16:rowId xmlns:a16="http://schemas.microsoft.com/office/drawing/2014/main" xmlns="" val="10002"/>
                   </a:ext>
                 </a:extLst>
               </a:tr>
@@ -39915,7 +40189,7 @@
                 </a:tc>
                 <a:extLst>
                   <a:ext uri="{0D108BD9-81ED-4DB2-BD59-A6C34878D82A}">
-                    <a16:rowId xmlns:a16="http://schemas.microsoft.com/office/drawing/2014/main" val="10003"/>
+                    <a16:rowId xmlns:a16="http://schemas.microsoft.com/office/drawing/2014/main" xmlns="" val="10003"/>
                   </a:ext>
                 </a:extLst>
               </a:tr>
@@ -39951,7 +40225,7 @@
                 </a:tc>
                 <a:extLst>
                   <a:ext uri="{0D108BD9-81ED-4DB2-BD59-A6C34878D82A}">
-                    <a16:rowId xmlns:a16="http://schemas.microsoft.com/office/drawing/2014/main" val="10004"/>
+                    <a16:rowId xmlns:a16="http://schemas.microsoft.com/office/drawing/2014/main" xmlns="" val="10004"/>
                   </a:ext>
                 </a:extLst>
               </a:tr>
@@ -39990,7 +40264,7 @@
                 </a:tc>
                 <a:extLst>
                   <a:ext uri="{0D108BD9-81ED-4DB2-BD59-A6C34878D82A}">
-                    <a16:rowId xmlns:a16="http://schemas.microsoft.com/office/drawing/2014/main" val="10005"/>
+                    <a16:rowId xmlns:a16="http://schemas.microsoft.com/office/drawing/2014/main" xmlns="" val="10005"/>
                   </a:ext>
                 </a:extLst>
               </a:tr>
@@ -40029,7 +40303,7 @@
                 </a:tc>
                 <a:extLst>
                   <a:ext uri="{0D108BD9-81ED-4DB2-BD59-A6C34878D82A}">
-                    <a16:rowId xmlns:a16="http://schemas.microsoft.com/office/drawing/2014/main" val="10006"/>
+                    <a16:rowId xmlns:a16="http://schemas.microsoft.com/office/drawing/2014/main" xmlns="" val="10006"/>
                   </a:ext>
                 </a:extLst>
               </a:tr>
@@ -40068,7 +40342,7 @@
                 </a:tc>
                 <a:extLst>
                   <a:ext uri="{0D108BD9-81ED-4DB2-BD59-A6C34878D82A}">
-                    <a16:rowId xmlns:a16="http://schemas.microsoft.com/office/drawing/2014/main" val="10007"/>
+                    <a16:rowId xmlns:a16="http://schemas.microsoft.com/office/drawing/2014/main" xmlns="" val="10007"/>
                   </a:ext>
                 </a:extLst>
               </a:tr>
@@ -40100,14 +40374,14 @@
                 <a:gridCol w="587896">
                   <a:extLst>
                     <a:ext uri="{9D8B030D-6E8A-4147-A177-3AD203B41FA5}">
-                      <a16:colId xmlns:a16="http://schemas.microsoft.com/office/drawing/2014/main" val="20000"/>
+                      <a16:colId xmlns:a16="http://schemas.microsoft.com/office/drawing/2014/main" xmlns="" val="20000"/>
                     </a:ext>
                   </a:extLst>
                 </a:gridCol>
                 <a:gridCol w="587896">
                   <a:extLst>
                     <a:ext uri="{9D8B030D-6E8A-4147-A177-3AD203B41FA5}">
-                      <a16:colId xmlns:a16="http://schemas.microsoft.com/office/drawing/2014/main" val="20001"/>
+                      <a16:colId xmlns:a16="http://schemas.microsoft.com/office/drawing/2014/main" xmlns="" val="20001"/>
                     </a:ext>
                   </a:extLst>
                 </a:gridCol>
@@ -40147,7 +40421,7 @@
                 </a:tc>
                 <a:extLst>
                   <a:ext uri="{0D108BD9-81ED-4DB2-BD59-A6C34878D82A}">
-                    <a16:rowId xmlns:a16="http://schemas.microsoft.com/office/drawing/2014/main" val="10000"/>
+                    <a16:rowId xmlns:a16="http://schemas.microsoft.com/office/drawing/2014/main" xmlns="" val="10000"/>
                   </a:ext>
                 </a:extLst>
               </a:tr>
@@ -40186,7 +40460,7 @@
                 </a:tc>
                 <a:extLst>
                   <a:ext uri="{0D108BD9-81ED-4DB2-BD59-A6C34878D82A}">
-                    <a16:rowId xmlns:a16="http://schemas.microsoft.com/office/drawing/2014/main" val="10001"/>
+                    <a16:rowId xmlns:a16="http://schemas.microsoft.com/office/drawing/2014/main" xmlns="" val="10001"/>
                   </a:ext>
                 </a:extLst>
               </a:tr>
@@ -40225,7 +40499,7 @@
                 </a:tc>
                 <a:extLst>
                   <a:ext uri="{0D108BD9-81ED-4DB2-BD59-A6C34878D82A}">
-                    <a16:rowId xmlns:a16="http://schemas.microsoft.com/office/drawing/2014/main" val="10002"/>
+                    <a16:rowId xmlns:a16="http://schemas.microsoft.com/office/drawing/2014/main" xmlns="" val="10002"/>
                   </a:ext>
                 </a:extLst>
               </a:tr>
@@ -40264,7 +40538,7 @@
                 </a:tc>
                 <a:extLst>
                   <a:ext uri="{0D108BD9-81ED-4DB2-BD59-A6C34878D82A}">
-                    <a16:rowId xmlns:a16="http://schemas.microsoft.com/office/drawing/2014/main" val="10003"/>
+                    <a16:rowId xmlns:a16="http://schemas.microsoft.com/office/drawing/2014/main" xmlns="" val="10003"/>
                   </a:ext>
                 </a:extLst>
               </a:tr>
@@ -40300,7 +40574,7 @@
                 </a:tc>
                 <a:extLst>
                   <a:ext uri="{0D108BD9-81ED-4DB2-BD59-A6C34878D82A}">
-                    <a16:rowId xmlns:a16="http://schemas.microsoft.com/office/drawing/2014/main" val="10004"/>
+                    <a16:rowId xmlns:a16="http://schemas.microsoft.com/office/drawing/2014/main" xmlns="" val="10004"/>
                   </a:ext>
                 </a:extLst>
               </a:tr>
@@ -40339,7 +40613,7 @@
                 </a:tc>
                 <a:extLst>
                   <a:ext uri="{0D108BD9-81ED-4DB2-BD59-A6C34878D82A}">
-                    <a16:rowId xmlns:a16="http://schemas.microsoft.com/office/drawing/2014/main" val="10005"/>
+                    <a16:rowId xmlns:a16="http://schemas.microsoft.com/office/drawing/2014/main" xmlns="" val="10005"/>
                   </a:ext>
                 </a:extLst>
               </a:tr>
@@ -40378,7 +40652,7 @@
                 </a:tc>
                 <a:extLst>
                   <a:ext uri="{0D108BD9-81ED-4DB2-BD59-A6C34878D82A}">
-                    <a16:rowId xmlns:a16="http://schemas.microsoft.com/office/drawing/2014/main" val="10006"/>
+                    <a16:rowId xmlns:a16="http://schemas.microsoft.com/office/drawing/2014/main" xmlns="" val="10006"/>
                   </a:ext>
                 </a:extLst>
               </a:tr>
@@ -40417,7 +40691,7 @@
                 </a:tc>
                 <a:extLst>
                   <a:ext uri="{0D108BD9-81ED-4DB2-BD59-A6C34878D82A}">
-                    <a16:rowId xmlns:a16="http://schemas.microsoft.com/office/drawing/2014/main" val="10007"/>
+                    <a16:rowId xmlns:a16="http://schemas.microsoft.com/office/drawing/2014/main" xmlns="" val="10007"/>
                   </a:ext>
                 </a:extLst>
               </a:tr>
@@ -40449,28 +40723,28 @@
                 <a:gridCol w="504056">
                   <a:extLst>
                     <a:ext uri="{9D8B030D-6E8A-4147-A177-3AD203B41FA5}">
-                      <a16:colId xmlns:a16="http://schemas.microsoft.com/office/drawing/2014/main" val="20000"/>
+                      <a16:colId xmlns:a16="http://schemas.microsoft.com/office/drawing/2014/main" xmlns="" val="20000"/>
                     </a:ext>
                   </a:extLst>
                 </a:gridCol>
                 <a:gridCol w="504056">
                   <a:extLst>
                     <a:ext uri="{9D8B030D-6E8A-4147-A177-3AD203B41FA5}">
-                      <a16:colId xmlns:a16="http://schemas.microsoft.com/office/drawing/2014/main" val="20001"/>
+                      <a16:colId xmlns:a16="http://schemas.microsoft.com/office/drawing/2014/main" xmlns="" val="20001"/>
                     </a:ext>
                   </a:extLst>
                 </a:gridCol>
                 <a:gridCol w="504056">
                   <a:extLst>
                     <a:ext uri="{9D8B030D-6E8A-4147-A177-3AD203B41FA5}">
-                      <a16:colId xmlns:a16="http://schemas.microsoft.com/office/drawing/2014/main" val="20002"/>
+                      <a16:colId xmlns:a16="http://schemas.microsoft.com/office/drawing/2014/main" xmlns="" val="20002"/>
                     </a:ext>
                   </a:extLst>
                 </a:gridCol>
                 <a:gridCol w="504056">
                   <a:extLst>
                     <a:ext uri="{9D8B030D-6E8A-4147-A177-3AD203B41FA5}">
-                      <a16:colId xmlns:a16="http://schemas.microsoft.com/office/drawing/2014/main" val="20003"/>
+                      <a16:colId xmlns:a16="http://schemas.microsoft.com/office/drawing/2014/main" xmlns="" val="20003"/>
                     </a:ext>
                   </a:extLst>
                 </a:gridCol>
@@ -40533,7 +40807,7 @@
                 </a:tc>
                 <a:extLst>
                   <a:ext uri="{0D108BD9-81ED-4DB2-BD59-A6C34878D82A}">
-                    <a16:rowId xmlns:a16="http://schemas.microsoft.com/office/drawing/2014/main" val="10000"/>
+                    <a16:rowId xmlns:a16="http://schemas.microsoft.com/office/drawing/2014/main" xmlns="" val="10000"/>
                   </a:ext>
                 </a:extLst>
               </a:tr>
@@ -40598,7 +40872,7 @@
                 </a:tc>
                 <a:extLst>
                   <a:ext uri="{0D108BD9-81ED-4DB2-BD59-A6C34878D82A}">
-                    <a16:rowId xmlns:a16="http://schemas.microsoft.com/office/drawing/2014/main" val="10001"/>
+                    <a16:rowId xmlns:a16="http://schemas.microsoft.com/office/drawing/2014/main" xmlns="" val="10001"/>
                   </a:ext>
                 </a:extLst>
               </a:tr>
@@ -40663,7 +40937,7 @@
                 </a:tc>
                 <a:extLst>
                   <a:ext uri="{0D108BD9-81ED-4DB2-BD59-A6C34878D82A}">
-                    <a16:rowId xmlns:a16="http://schemas.microsoft.com/office/drawing/2014/main" val="10002"/>
+                    <a16:rowId xmlns:a16="http://schemas.microsoft.com/office/drawing/2014/main" xmlns="" val="10002"/>
                   </a:ext>
                 </a:extLst>
               </a:tr>
@@ -40728,7 +41002,7 @@
                 </a:tc>
                 <a:extLst>
                   <a:ext uri="{0D108BD9-81ED-4DB2-BD59-A6C34878D82A}">
-                    <a16:rowId xmlns:a16="http://schemas.microsoft.com/office/drawing/2014/main" val="10003"/>
+                    <a16:rowId xmlns:a16="http://schemas.microsoft.com/office/drawing/2014/main" xmlns="" val="10003"/>
                   </a:ext>
                 </a:extLst>
               </a:tr>
@@ -40793,7 +41067,7 @@
                 </a:tc>
                 <a:extLst>
                   <a:ext uri="{0D108BD9-81ED-4DB2-BD59-A6C34878D82A}">
-                    <a16:rowId xmlns:a16="http://schemas.microsoft.com/office/drawing/2014/main" val="10004"/>
+                    <a16:rowId xmlns:a16="http://schemas.microsoft.com/office/drawing/2014/main" xmlns="" val="10004"/>
                   </a:ext>
                 </a:extLst>
               </a:tr>
@@ -40858,7 +41132,7 @@
                 </a:tc>
                 <a:extLst>
                   <a:ext uri="{0D108BD9-81ED-4DB2-BD59-A6C34878D82A}">
-                    <a16:rowId xmlns:a16="http://schemas.microsoft.com/office/drawing/2014/main" val="10005"/>
+                    <a16:rowId xmlns:a16="http://schemas.microsoft.com/office/drawing/2014/main" xmlns="" val="10005"/>
                   </a:ext>
                 </a:extLst>
               </a:tr>
@@ -41290,7 +41564,7 @@
                 <a:gridCol w="504056">
                   <a:extLst>
                     <a:ext uri="{9D8B030D-6E8A-4147-A177-3AD203B41FA5}">
-                      <a16:colId xmlns:a16="http://schemas.microsoft.com/office/drawing/2014/main" val="20000"/>
+                      <a16:colId xmlns:a16="http://schemas.microsoft.com/office/drawing/2014/main" xmlns="" val="20000"/>
                     </a:ext>
                   </a:extLst>
                 </a:gridCol>
@@ -41314,7 +41588,7 @@
                 </a:tc>
                 <a:extLst>
                   <a:ext uri="{0D108BD9-81ED-4DB2-BD59-A6C34878D82A}">
-                    <a16:rowId xmlns:a16="http://schemas.microsoft.com/office/drawing/2014/main" val="10000"/>
+                    <a16:rowId xmlns:a16="http://schemas.microsoft.com/office/drawing/2014/main" xmlns="" val="10000"/>
                   </a:ext>
                 </a:extLst>
               </a:tr>
@@ -41346,7 +41620,7 @@
                 <a:gridCol w="504056">
                   <a:extLst>
                     <a:ext uri="{9D8B030D-6E8A-4147-A177-3AD203B41FA5}">
-                      <a16:colId xmlns:a16="http://schemas.microsoft.com/office/drawing/2014/main" val="20000"/>
+                      <a16:colId xmlns:a16="http://schemas.microsoft.com/office/drawing/2014/main" xmlns="" val="20000"/>
                     </a:ext>
                   </a:extLst>
                 </a:gridCol>
@@ -41370,7 +41644,7 @@
                 </a:tc>
                 <a:extLst>
                   <a:ext uri="{0D108BD9-81ED-4DB2-BD59-A6C34878D82A}">
-                    <a16:rowId xmlns:a16="http://schemas.microsoft.com/office/drawing/2014/main" val="10000"/>
+                    <a16:rowId xmlns:a16="http://schemas.microsoft.com/office/drawing/2014/main" xmlns="" val="10000"/>
                   </a:ext>
                 </a:extLst>
               </a:tr>
@@ -41533,7 +41807,7 @@
                 <a:gridCol w="504056">
                   <a:extLst>
                     <a:ext uri="{9D8B030D-6E8A-4147-A177-3AD203B41FA5}">
-                      <a16:colId xmlns:a16="http://schemas.microsoft.com/office/drawing/2014/main" val="20000"/>
+                      <a16:colId xmlns:a16="http://schemas.microsoft.com/office/drawing/2014/main" xmlns="" val="20000"/>
                     </a:ext>
                   </a:extLst>
                 </a:gridCol>
@@ -41557,7 +41831,7 @@
                 </a:tc>
                 <a:extLst>
                   <a:ext uri="{0D108BD9-81ED-4DB2-BD59-A6C34878D82A}">
-                    <a16:rowId xmlns:a16="http://schemas.microsoft.com/office/drawing/2014/main" val="10000"/>
+                    <a16:rowId xmlns:a16="http://schemas.microsoft.com/office/drawing/2014/main" xmlns="" val="10000"/>
                   </a:ext>
                 </a:extLst>
               </a:tr>
@@ -41589,7 +41863,7 @@
                 <a:gridCol w="504056">
                   <a:extLst>
                     <a:ext uri="{9D8B030D-6E8A-4147-A177-3AD203B41FA5}">
-                      <a16:colId xmlns:a16="http://schemas.microsoft.com/office/drawing/2014/main" val="20000"/>
+                      <a16:colId xmlns:a16="http://schemas.microsoft.com/office/drawing/2014/main" xmlns="" val="20000"/>
                     </a:ext>
                   </a:extLst>
                 </a:gridCol>
@@ -41613,7 +41887,7 @@
                 </a:tc>
                 <a:extLst>
                   <a:ext uri="{0D108BD9-81ED-4DB2-BD59-A6C34878D82A}">
-                    <a16:rowId xmlns:a16="http://schemas.microsoft.com/office/drawing/2014/main" val="10000"/>
+                    <a16:rowId xmlns:a16="http://schemas.microsoft.com/office/drawing/2014/main" xmlns="" val="10000"/>
                   </a:ext>
                 </a:extLst>
               </a:tr>
@@ -41645,7 +41919,7 @@
                 <a:gridCol w="504056">
                   <a:extLst>
                     <a:ext uri="{9D8B030D-6E8A-4147-A177-3AD203B41FA5}">
-                      <a16:colId xmlns:a16="http://schemas.microsoft.com/office/drawing/2014/main" val="20000"/>
+                      <a16:colId xmlns:a16="http://schemas.microsoft.com/office/drawing/2014/main" xmlns="" val="20000"/>
                     </a:ext>
                   </a:extLst>
                 </a:gridCol>
@@ -41669,7 +41943,7 @@
                 </a:tc>
                 <a:extLst>
                   <a:ext uri="{0D108BD9-81ED-4DB2-BD59-A6C34878D82A}">
-                    <a16:rowId xmlns:a16="http://schemas.microsoft.com/office/drawing/2014/main" val="10000"/>
+                    <a16:rowId xmlns:a16="http://schemas.microsoft.com/office/drawing/2014/main" xmlns="" val="10000"/>
                   </a:ext>
                 </a:extLst>
               </a:tr>
@@ -41701,7 +41975,7 @@
                 <a:gridCol w="504056">
                   <a:extLst>
                     <a:ext uri="{9D8B030D-6E8A-4147-A177-3AD203B41FA5}">
-                      <a16:colId xmlns:a16="http://schemas.microsoft.com/office/drawing/2014/main" val="20000"/>
+                      <a16:colId xmlns:a16="http://schemas.microsoft.com/office/drawing/2014/main" xmlns="" val="20000"/>
                     </a:ext>
                   </a:extLst>
                 </a:gridCol>
@@ -41725,7 +41999,7 @@
                 </a:tc>
                 <a:extLst>
                   <a:ext uri="{0D108BD9-81ED-4DB2-BD59-A6C34878D82A}">
-                    <a16:rowId xmlns:a16="http://schemas.microsoft.com/office/drawing/2014/main" val="10000"/>
+                    <a16:rowId xmlns:a16="http://schemas.microsoft.com/office/drawing/2014/main" xmlns="" val="10000"/>
                   </a:ext>
                 </a:extLst>
               </a:tr>
@@ -41757,7 +42031,7 @@
                 <a:gridCol w="504056">
                   <a:extLst>
                     <a:ext uri="{9D8B030D-6E8A-4147-A177-3AD203B41FA5}">
-                      <a16:colId xmlns:a16="http://schemas.microsoft.com/office/drawing/2014/main" val="20000"/>
+                      <a16:colId xmlns:a16="http://schemas.microsoft.com/office/drawing/2014/main" xmlns="" val="20000"/>
                     </a:ext>
                   </a:extLst>
                 </a:gridCol>
@@ -41781,7 +42055,7 @@
                 </a:tc>
                 <a:extLst>
                   <a:ext uri="{0D108BD9-81ED-4DB2-BD59-A6C34878D82A}">
-                    <a16:rowId xmlns:a16="http://schemas.microsoft.com/office/drawing/2014/main" val="10000"/>
+                    <a16:rowId xmlns:a16="http://schemas.microsoft.com/office/drawing/2014/main" xmlns="" val="10000"/>
                   </a:ext>
                 </a:extLst>
               </a:tr>
@@ -41813,7 +42087,7 @@
                 <a:gridCol w="504056">
                   <a:extLst>
                     <a:ext uri="{9D8B030D-6E8A-4147-A177-3AD203B41FA5}">
-                      <a16:colId xmlns:a16="http://schemas.microsoft.com/office/drawing/2014/main" val="20000"/>
+                      <a16:colId xmlns:a16="http://schemas.microsoft.com/office/drawing/2014/main" xmlns="" val="20000"/>
                     </a:ext>
                   </a:extLst>
                 </a:gridCol>
@@ -41837,7 +42111,7 @@
                 </a:tc>
                 <a:extLst>
                   <a:ext uri="{0D108BD9-81ED-4DB2-BD59-A6C34878D82A}">
-                    <a16:rowId xmlns:a16="http://schemas.microsoft.com/office/drawing/2014/main" val="10000"/>
+                    <a16:rowId xmlns:a16="http://schemas.microsoft.com/office/drawing/2014/main" xmlns="" val="10000"/>
                   </a:ext>
                 </a:extLst>
               </a:tr>
@@ -41869,7 +42143,7 @@
                 <a:gridCol w="504056">
                   <a:extLst>
                     <a:ext uri="{9D8B030D-6E8A-4147-A177-3AD203B41FA5}">
-                      <a16:colId xmlns:a16="http://schemas.microsoft.com/office/drawing/2014/main" val="20000"/>
+                      <a16:colId xmlns:a16="http://schemas.microsoft.com/office/drawing/2014/main" xmlns="" val="20000"/>
                     </a:ext>
                   </a:extLst>
                 </a:gridCol>
@@ -41893,7 +42167,7 @@
                 </a:tc>
                 <a:extLst>
                   <a:ext uri="{0D108BD9-81ED-4DB2-BD59-A6C34878D82A}">
-                    <a16:rowId xmlns:a16="http://schemas.microsoft.com/office/drawing/2014/main" val="10000"/>
+                    <a16:rowId xmlns:a16="http://schemas.microsoft.com/office/drawing/2014/main" xmlns="" val="10000"/>
                   </a:ext>
                 </a:extLst>
               </a:tr>
@@ -41925,7 +42199,7 @@
                 <a:gridCol w="504056">
                   <a:extLst>
                     <a:ext uri="{9D8B030D-6E8A-4147-A177-3AD203B41FA5}">
-                      <a16:colId xmlns:a16="http://schemas.microsoft.com/office/drawing/2014/main" val="20000"/>
+                      <a16:colId xmlns:a16="http://schemas.microsoft.com/office/drawing/2014/main" xmlns="" val="20000"/>
                     </a:ext>
                   </a:extLst>
                 </a:gridCol>
@@ -41949,7 +42223,7 @@
                 </a:tc>
                 <a:extLst>
                   <a:ext uri="{0D108BD9-81ED-4DB2-BD59-A6C34878D82A}">
-                    <a16:rowId xmlns:a16="http://schemas.microsoft.com/office/drawing/2014/main" val="10000"/>
+                    <a16:rowId xmlns:a16="http://schemas.microsoft.com/office/drawing/2014/main" xmlns="" val="10000"/>
                   </a:ext>
                 </a:extLst>
               </a:tr>
@@ -41981,7 +42255,7 @@
                 <a:gridCol w="504056">
                   <a:extLst>
                     <a:ext uri="{9D8B030D-6E8A-4147-A177-3AD203B41FA5}">
-                      <a16:colId xmlns:a16="http://schemas.microsoft.com/office/drawing/2014/main" val="20000"/>
+                      <a16:colId xmlns:a16="http://schemas.microsoft.com/office/drawing/2014/main" xmlns="" val="20000"/>
                     </a:ext>
                   </a:extLst>
                 </a:gridCol>
@@ -42005,7 +42279,7 @@
                 </a:tc>
                 <a:extLst>
                   <a:ext uri="{0D108BD9-81ED-4DB2-BD59-A6C34878D82A}">
-                    <a16:rowId xmlns:a16="http://schemas.microsoft.com/office/drawing/2014/main" val="10000"/>
+                    <a16:rowId xmlns:a16="http://schemas.microsoft.com/office/drawing/2014/main" xmlns="" val="10000"/>
                   </a:ext>
                 </a:extLst>
               </a:tr>
@@ -42037,7 +42311,7 @@
                 <a:gridCol w="504056">
                   <a:extLst>
                     <a:ext uri="{9D8B030D-6E8A-4147-A177-3AD203B41FA5}">
-                      <a16:colId xmlns:a16="http://schemas.microsoft.com/office/drawing/2014/main" val="20000"/>
+                      <a16:colId xmlns:a16="http://schemas.microsoft.com/office/drawing/2014/main" xmlns="" val="20000"/>
                     </a:ext>
                   </a:extLst>
                 </a:gridCol>
@@ -42061,7 +42335,7 @@
                 </a:tc>
                 <a:extLst>
                   <a:ext uri="{0D108BD9-81ED-4DB2-BD59-A6C34878D82A}">
-                    <a16:rowId xmlns:a16="http://schemas.microsoft.com/office/drawing/2014/main" val="10000"/>
+                    <a16:rowId xmlns:a16="http://schemas.microsoft.com/office/drawing/2014/main" xmlns="" val="10000"/>
                   </a:ext>
                 </a:extLst>
               </a:tr>
@@ -42396,7 +42670,7 @@
           <p:cNvPr id="7" name="TPChart" title="Results Chart">
             <a:extLst>
               <a:ext uri="{FF2B5EF4-FFF2-40B4-BE49-F238E27FC236}">
-                <a16:creationId xmlns:a16="http://schemas.microsoft.com/office/drawing/2014/main" id="{2176C2FF-2820-3A49-9F4C-1FF2B172F72E}"/>
+                <a16:creationId xmlns:a16="http://schemas.microsoft.com/office/drawing/2014/main" xmlns="" id="{2176C2FF-2820-3A49-9F4C-1FF2B172F72E}"/>
               </a:ext>
             </a:extLst>
           </p:cNvPr>
@@ -42436,7 +42710,7 @@
           <p:cNvPr id="2" name="Footer Placeholder 1">
             <a:extLst>
               <a:ext uri="{FF2B5EF4-FFF2-40B4-BE49-F238E27FC236}">
-                <a16:creationId xmlns:a16="http://schemas.microsoft.com/office/drawing/2014/main" id="{924CD307-1BD8-0344-8403-167F0C8E153E}"/>
+                <a16:creationId xmlns:a16="http://schemas.microsoft.com/office/drawing/2014/main" xmlns="" id="{924CD307-1BD8-0344-8403-167F0C8E153E}"/>
               </a:ext>
             </a:extLst>
           </p:cNvPr>
@@ -42595,7 +42869,7 @@
           <p:cNvPr id="7" name="TPChart" title="Results Chart">
             <a:extLst>
               <a:ext uri="{FF2B5EF4-FFF2-40B4-BE49-F238E27FC236}">
-                <a16:creationId xmlns:a16="http://schemas.microsoft.com/office/drawing/2014/main" id="{089F05FE-9A2F-F244-8FB7-499C4F8388C8}"/>
+                <a16:creationId xmlns:a16="http://schemas.microsoft.com/office/drawing/2014/main" xmlns="" id="{089F05FE-9A2F-F244-8FB7-499C4F8388C8}"/>
               </a:ext>
             </a:extLst>
           </p:cNvPr>
@@ -42635,7 +42909,7 @@
           <p:cNvPr id="2" name="Footer Placeholder 1">
             <a:extLst>
               <a:ext uri="{FF2B5EF4-FFF2-40B4-BE49-F238E27FC236}">
-                <a16:creationId xmlns:a16="http://schemas.microsoft.com/office/drawing/2014/main" id="{09CBB7A8-3F92-894F-8C16-306E0E313FB7}"/>
+                <a16:creationId xmlns:a16="http://schemas.microsoft.com/office/drawing/2014/main" xmlns="" id="{09CBB7A8-3F92-894F-8C16-306E0E313FB7}"/>
               </a:ext>
             </a:extLst>
           </p:cNvPr>
@@ -45020,7 +45294,7 @@
                         <m:sSubPr>
                           <m:ctrlPr>
                             <a:rPr lang="fr-CH" sz="2800" i="1">
-                              <a:latin typeface="Cambria Math" panose="02040503050406030204" pitchFamily="18" charset="0"/>
+                              <a:latin typeface="Cambria Math" charset="0"/>
                               <a:ea typeface="Cambria Math" charset="0"/>
                               <a:cs typeface="Cambria Math" charset="0"/>
                             </a:rPr>
@@ -45142,7 +45416,7 @@
                       <m:sSubPr>
                         <m:ctrlPr>
                           <a:rPr lang="fr-CH" sz="2800" i="1">
-                            <a:latin typeface="Cambria Math" panose="02040503050406030204" pitchFamily="18" charset="0"/>
+                            <a:latin typeface="Cambria Math" charset="0"/>
                             <a:ea typeface="Cambria Math" charset="0"/>
                             <a:cs typeface="Cambria Math" charset="0"/>
                           </a:rPr>
@@ -45547,7 +45821,7 @@
                         <m:sSubPr>
                           <m:ctrlPr>
                             <a:rPr lang="en-US" sz="2800" i="1" dirty="0">
-                              <a:latin typeface="Cambria Math" panose="02040503050406030204" pitchFamily="18" charset="0"/>
+                              <a:latin typeface="Cambria Math" charset="0"/>
                             </a:rPr>
                           </m:ctrlPr>
                         </m:sSubPr>
@@ -45580,7 +45854,7 @@
                           <m:endChr m:val="]"/>
                           <m:ctrlPr>
                             <a:rPr lang="fr-CH" sz="2800" b="0" i="1" dirty="0">
-                              <a:latin typeface="Cambria Math" panose="02040503050406030204" pitchFamily="18" charset="0"/>
+                              <a:latin typeface="Cambria Math" charset="0"/>
                             </a:rPr>
                           </m:ctrlPr>
                         </m:dPr>
@@ -45589,7 +45863,7 @@
                             <m:sSubPr>
                               <m:ctrlPr>
                                 <a:rPr lang="fr-CH" sz="2800" b="0" i="1" dirty="0">
-                                  <a:latin typeface="Cambria Math" panose="02040503050406030204" pitchFamily="18" charset="0"/>
+                                  <a:latin typeface="Cambria Math" charset="0"/>
                                 </a:rPr>
                               </m:ctrlPr>
                             </m:sSubPr>
@@ -45620,7 +45894,7 @@
                             <m:sSubPr>
                               <m:ctrlPr>
                                 <a:rPr lang="fr-CH" sz="2800" b="0" i="1" dirty="0">
-                                  <a:latin typeface="Cambria Math" panose="02040503050406030204" pitchFamily="18" charset="0"/>
+                                  <a:latin typeface="Cambria Math" charset="0"/>
                                 </a:rPr>
                               </m:ctrlPr>
                             </m:sSubPr>
@@ -45637,7 +45911,7 @@
                                 <m:sSubPr>
                                   <m:ctrlPr>
                                     <a:rPr lang="fr-CH" sz="2800" b="0" i="1" dirty="0">
-                                      <a:latin typeface="Cambria Math" panose="02040503050406030204" pitchFamily="18" charset="0"/>
+                                      <a:latin typeface="Cambria Math" charset="0"/>
                                     </a:rPr>
                                   </m:ctrlPr>
                                 </m:sSubPr>
@@ -45670,7 +45944,7 @@
                             <m:sSubPr>
                               <m:ctrlPr>
                                 <a:rPr lang="fr-CH" sz="2800" i="1" dirty="0">
-                                  <a:latin typeface="Cambria Math" panose="02040503050406030204" pitchFamily="18" charset="0"/>
+                                  <a:latin typeface="Cambria Math" charset="0"/>
                                 </a:rPr>
                               </m:ctrlPr>
                             </m:sSubPr>
@@ -45687,7 +45961,7 @@
                                 <m:sSubPr>
                                   <m:ctrlPr>
                                     <a:rPr lang="fr-CH" sz="2800" i="1" dirty="0">
-                                      <a:latin typeface="Cambria Math" panose="02040503050406030204" pitchFamily="18" charset="0"/>
+                                      <a:latin typeface="Cambria Math" charset="0"/>
                                     </a:rPr>
                                   </m:ctrlPr>
                                 </m:sSubPr>
@@ -45704,7 +45978,7 @@
                                     <m:sSubPr>
                                       <m:ctrlPr>
                                         <a:rPr lang="fr-CH" sz="2800" i="1" dirty="0">
-                                          <a:latin typeface="Cambria Math" panose="02040503050406030204" pitchFamily="18" charset="0"/>
+                                          <a:latin typeface="Cambria Math" charset="0"/>
                                         </a:rPr>
                                       </m:ctrlPr>
                                     </m:sSubPr>
@@ -45734,6 +46008,10 @@
                     </m:oMath>
                   </m:oMathPara>
                 </a14:m>
+                <a:r>
+                  <a:rPr lang="fr-CH" sz="2800" dirty="0"/>
+                  <a:t/>
+                </a:r>
                 <a:br>
                   <a:rPr lang="fr-CH" sz="2800" dirty="0"/>
                 </a:br>
@@ -45829,7 +46107,7 @@
                           <m:endChr m:val="]"/>
                           <m:ctrlPr>
                             <a:rPr lang="fr-CH" sz="2800" b="0" i="1" dirty="0">
-                              <a:latin typeface="Cambria Math" panose="02040503050406030204" pitchFamily="18" charset="0"/>
+                              <a:latin typeface="Cambria Math" charset="0"/>
                             </a:rPr>
                           </m:ctrlPr>
                         </m:dPr>
@@ -45850,7 +46128,7 @@
                             <m:sSubPr>
                               <m:ctrlPr>
                                 <a:rPr lang="fr-CH" sz="2800" b="0" i="1" dirty="0">
-                                  <a:latin typeface="Cambria Math" panose="02040503050406030204" pitchFamily="18" charset="0"/>
+                                  <a:latin typeface="Cambria Math" charset="0"/>
                                 </a:rPr>
                               </m:ctrlPr>
                             </m:sSubPr>
@@ -45881,7 +46159,7 @@
                             <m:sSubPr>
                               <m:ctrlPr>
                                 <a:rPr lang="fr-CH" sz="2800" b="0" i="1" dirty="0">
-                                  <a:latin typeface="Cambria Math" panose="02040503050406030204" pitchFamily="18" charset="0"/>
+                                  <a:latin typeface="Cambria Math" charset="0"/>
                                 </a:rPr>
                               </m:ctrlPr>
                             </m:sSubPr>
@@ -45898,7 +46176,7 @@
                                 <m:sSubPr>
                                   <m:ctrlPr>
                                     <a:rPr lang="fr-CH" sz="2800" b="0" i="1" dirty="0">
-                                      <a:latin typeface="Cambria Math" panose="02040503050406030204" pitchFamily="18" charset="0"/>
+                                      <a:latin typeface="Cambria Math" charset="0"/>
                                     </a:rPr>
                                   </m:ctrlPr>
                                 </m:sSubPr>
@@ -46129,7 +46407,7 @@
                         <m:sSubPr>
                           <m:ctrlPr>
                             <a:rPr lang="en-US" sz="2800" i="1">
-                              <a:latin typeface="Cambria Math" panose="02040503050406030204" pitchFamily="18" charset="0"/>
+                              <a:latin typeface="Cambria Math" charset="0"/>
                             </a:rPr>
                           </m:ctrlPr>
                         </m:sSubPr>
@@ -46139,7 +46417,7 @@
                               <m:chr m:val="⃗"/>
                               <m:ctrlPr>
                                 <a:rPr lang="en-US" sz="2800" i="1">
-                                  <a:latin typeface="Cambria Math" panose="02040503050406030204" pitchFamily="18" charset="0"/>
+                                  <a:latin typeface="Cambria Math" charset="0"/>
                                 </a:rPr>
                               </m:ctrlPr>
                             </m:accPr>
@@ -46172,7 +46450,7 @@
                         <m:funcPr>
                           <m:ctrlPr>
                             <a:rPr lang="fr-CH" sz="2800" i="1">
-                              <a:latin typeface="Cambria Math" panose="02040503050406030204" pitchFamily="18" charset="0"/>
+                              <a:latin typeface="Cambria Math" charset="0"/>
                             </a:rPr>
                           </m:ctrlPr>
                         </m:funcPr>
@@ -46181,7 +46459,7 @@
                             <m:limLowPr>
                               <m:ctrlPr>
                                 <a:rPr lang="fr-CH" sz="2800" i="1">
-                                  <a:latin typeface="Cambria Math" panose="02040503050406030204" pitchFamily="18" charset="0"/>
+                                  <a:latin typeface="Cambria Math" charset="0"/>
                                 </a:rPr>
                               </m:ctrlPr>
                             </m:limLowPr>
@@ -46217,7 +46495,7 @@
                                   <m:chr m:val="⃗"/>
                                   <m:ctrlPr>
                                     <a:rPr lang="fr-CH" sz="2800" i="1">
-                                      <a:latin typeface="Cambria Math" panose="02040503050406030204" pitchFamily="18" charset="0"/>
+                                      <a:latin typeface="Cambria Math" charset="0"/>
                                     </a:rPr>
                                   </m:ctrlPr>
                                 </m:accPr>
@@ -46240,7 +46518,7 @@
                               <m:endChr m:val="]"/>
                               <m:ctrlPr>
                                 <a:rPr lang="fr-CH" sz="2800" i="1">
-                                  <a:latin typeface="Cambria Math" panose="02040503050406030204" pitchFamily="18" charset="0"/>
+                                  <a:latin typeface="Cambria Math" charset="0"/>
                                 </a:rPr>
                               </m:ctrlPr>
                             </m:dPr>
@@ -46249,7 +46527,7 @@
                                 <m:funcPr>
                                   <m:ctrlPr>
                                     <a:rPr lang="fr-CH" sz="2800" i="1">
-                                      <a:latin typeface="Cambria Math" panose="02040503050406030204" pitchFamily="18" charset="0"/>
+                                      <a:latin typeface="Cambria Math" charset="0"/>
                                     </a:rPr>
                                   </m:ctrlPr>
                                 </m:funcPr>
@@ -46258,7 +46536,7 @@
                                     <m:funcPr>
                                       <m:ctrlPr>
                                         <a:rPr lang="fr-CH" sz="2800" i="1">
-                                          <a:latin typeface="Cambria Math" panose="02040503050406030204" pitchFamily="18" charset="0"/>
+                                          <a:latin typeface="Cambria Math" charset="0"/>
                                         </a:rPr>
                                       </m:ctrlPr>
                                     </m:funcPr>
@@ -46278,7 +46556,7 @@
                                         <m:dPr>
                                           <m:ctrlPr>
                                             <a:rPr lang="fr-CH" sz="2800" i="1">
-                                              <a:latin typeface="Cambria Math" panose="02040503050406030204" pitchFamily="18" charset="0"/>
+                                              <a:latin typeface="Cambria Math" charset="0"/>
                                             </a:rPr>
                                           </m:ctrlPr>
                                         </m:dPr>
@@ -46288,7 +46566,7 @@
                                               <m:chr m:val="⃗"/>
                                               <m:ctrlPr>
                                                 <a:rPr lang="fr-CH" sz="2800" i="1">
-                                                  <a:latin typeface="Cambria Math" panose="02040503050406030204" pitchFamily="18" charset="0"/>
+                                                  <a:latin typeface="Cambria Math" charset="0"/>
                                                 </a:rPr>
                                               </m:ctrlPr>
                                             </m:accPr>
@@ -46319,7 +46597,7 @@
                                             <m:dPr>
                                               <m:ctrlPr>
                                                 <a:rPr lang="fr-CH" sz="2800" i="1">
-                                                  <a:latin typeface="Cambria Math" panose="02040503050406030204" pitchFamily="18" charset="0"/>
+                                                  <a:latin typeface="Cambria Math" charset="0"/>
                                                   <a:ea typeface="Cambria Math" charset="0"/>
                                                   <a:cs typeface="Cambria Math" charset="0"/>
                                                 </a:rPr>
@@ -46330,7 +46608,7 @@
                                                 <m:sSubPr>
                                                   <m:ctrlPr>
                                                     <a:rPr lang="fr-CH" sz="2800" i="1">
-                                                      <a:latin typeface="Cambria Math" panose="02040503050406030204" pitchFamily="18" charset="0"/>
+                                                      <a:latin typeface="Cambria Math" charset="0"/>
                                                       <a:ea typeface="Cambria Math" charset="0"/>
                                                       <a:cs typeface="Cambria Math" charset="0"/>
                                                     </a:rPr>
@@ -46384,7 +46662,7 @@
                                     <m:dPr>
                                       <m:ctrlPr>
                                         <a:rPr lang="fr-CH" sz="2800" i="1">
-                                          <a:latin typeface="Cambria Math" panose="02040503050406030204" pitchFamily="18" charset="0"/>
+                                          <a:latin typeface="Cambria Math" charset="0"/>
                                         </a:rPr>
                                       </m:ctrlPr>
                                     </m:dPr>
@@ -46394,7 +46672,7 @@
                                           <m:chr m:val="⃗"/>
                                           <m:ctrlPr>
                                             <a:rPr lang="fr-CH" sz="2800" i="1">
-                                              <a:latin typeface="Cambria Math" panose="02040503050406030204" pitchFamily="18" charset="0"/>
+                                              <a:latin typeface="Cambria Math" charset="0"/>
                                             </a:rPr>
                                           </m:ctrlPr>
                                         </m:accPr>
@@ -46425,7 +46703,7 @@
                                         <m:dPr>
                                           <m:ctrlPr>
                                             <a:rPr lang="fr-CH" sz="2800" i="1">
-                                              <a:latin typeface="Cambria Math" panose="02040503050406030204" pitchFamily="18" charset="0"/>
+                                              <a:latin typeface="Cambria Math" charset="0"/>
                                               <a:ea typeface="Cambria Math" charset="0"/>
                                               <a:cs typeface="Cambria Math" charset="0"/>
                                             </a:rPr>
@@ -46436,7 +46714,7 @@
                                             <m:sSubPr>
                                               <m:ctrlPr>
                                                 <a:rPr lang="fr-CH" sz="2800" i="1">
-                                                  <a:latin typeface="Cambria Math" panose="02040503050406030204" pitchFamily="18" charset="0"/>
+                                                  <a:latin typeface="Cambria Math" charset="0"/>
                                                   <a:ea typeface="Cambria Math" charset="0"/>
                                                   <a:cs typeface="Cambria Math" charset="0"/>
                                                 </a:rPr>
@@ -46511,7 +46789,7 @@
                         <m:dPr>
                           <m:ctrlPr>
                             <a:rPr lang="en-US" sz="2800" i="1">
-                              <a:latin typeface="Cambria Math" panose="02040503050406030204" pitchFamily="18" charset="0"/>
+                              <a:latin typeface="Cambria Math" charset="0"/>
                               <a:ea typeface="Cambria Math" charset="0"/>
                               <a:cs typeface="Cambria Math" charset="0"/>
                             </a:rPr>
@@ -46540,7 +46818,7 @@
                         <m:fPr>
                           <m:ctrlPr>
                             <a:rPr lang="fr-CH" sz="2800" i="1">
-                              <a:latin typeface="Cambria Math" panose="02040503050406030204" pitchFamily="18" charset="0"/>
+                              <a:latin typeface="Cambria Math" charset="0"/>
                               <a:ea typeface="Cambria Math" charset="0"/>
                               <a:cs typeface="Cambria Math" charset="0"/>
                             </a:rPr>
@@ -46563,7 +46841,7 @@
                               <m:endChr m:val="|"/>
                               <m:ctrlPr>
                                 <a:rPr lang="fr-CH" sz="2800" i="1">
-                                  <a:latin typeface="Cambria Math" panose="02040503050406030204" pitchFamily="18" charset="0"/>
+                                  <a:latin typeface="Cambria Math" charset="0"/>
                                   <a:ea typeface="Cambria Math" charset="0"/>
                                   <a:cs typeface="Cambria Math" charset="0"/>
                                 </a:rPr>
@@ -46588,7 +46866,7 @@
                           <m:supHide m:val="on"/>
                           <m:ctrlPr>
                             <a:rPr lang="fr-CH" sz="2800" i="1">
-                              <a:latin typeface="Cambria Math" panose="02040503050406030204" pitchFamily="18" charset="0"/>
+                              <a:latin typeface="Cambria Math" charset="0"/>
                               <a:ea typeface="Cambria Math" charset="0"/>
                               <a:cs typeface="Cambria Math" charset="0"/>
                             </a:rPr>
@@ -46630,7 +46908,7 @@
                               <m:chr m:val="⃗"/>
                               <m:ctrlPr>
                                 <a:rPr lang="fr-CH" sz="2800" i="1">
-                                  <a:latin typeface="Cambria Math" panose="02040503050406030204" pitchFamily="18" charset="0"/>
+                                  <a:latin typeface="Cambria Math" charset="0"/>
                                   <a:ea typeface="Cambria Math" charset="0"/>
                                   <a:cs typeface="Cambria Math" charset="0"/>
                                 </a:rPr>
@@ -46655,6 +46933,10 @@
                 <a:endParaRPr lang="en-US" sz="2800" dirty="0"/>
               </a:p>
               <a:p>
+                <a:r>
+                  <a:rPr lang="en-US" sz="2800" dirty="0"/>
+                  <a:t/>
+                </a:r>
                 <a:br>
                   <a:rPr lang="en-US" sz="2800" dirty="0"/>
                 </a:br>
@@ -46847,7 +47129,7 @@
           <p:cNvPr id="3" name="Oval 2">
             <a:extLst>
               <a:ext uri="{FF2B5EF4-FFF2-40B4-BE49-F238E27FC236}">
-                <a16:creationId xmlns:a16="http://schemas.microsoft.com/office/drawing/2014/main" id="{D543096C-68C5-FA4E-9531-D9CA9A32C9AC}"/>
+                <a16:creationId xmlns:a16="http://schemas.microsoft.com/office/drawing/2014/main" xmlns="" id="{D543096C-68C5-FA4E-9531-D9CA9A32C9AC}"/>
               </a:ext>
             </a:extLst>
           </p:cNvPr>
@@ -46897,7 +47179,7 @@
           <p:cNvPr id="7" name="Straight Arrow Connector 6">
             <a:extLst>
               <a:ext uri="{FF2B5EF4-FFF2-40B4-BE49-F238E27FC236}">
-                <a16:creationId xmlns:a16="http://schemas.microsoft.com/office/drawing/2014/main" id="{21C9DEEC-2BC9-3A48-A244-DF6E20995E15}"/>
+                <a16:creationId xmlns:a16="http://schemas.microsoft.com/office/drawing/2014/main" xmlns="" id="{21C9DEEC-2BC9-3A48-A244-DF6E20995E15}"/>
               </a:ext>
             </a:extLst>
           </p:cNvPr>
@@ -46936,7 +47218,7 @@
               <p:cNvPr id="8" name="Rectangle 7">
                 <a:extLst>
                   <a:ext uri="{FF2B5EF4-FFF2-40B4-BE49-F238E27FC236}">
-                    <a16:creationId xmlns:a16="http://schemas.microsoft.com/office/drawing/2014/main" id="{6EE69103-0777-D846-9C3C-35C02A95F8AE}"/>
+                    <a16:creationId xmlns:a16="http://schemas.microsoft.com/office/drawing/2014/main" xmlns="" id="{6EE69103-0777-D846-9C3C-35C02A95F8AE}"/>
                   </a:ext>
                 </a:extLst>
               </p:cNvPr>
@@ -46977,7 +47259,7 @@
                         <m:dPr>
                           <m:ctrlPr>
                             <a:rPr lang="fr-CH" i="1">
-                              <a:latin typeface="Cambria Math" panose="02040503050406030204" pitchFamily="18" charset="0"/>
+                              <a:latin typeface="Cambria Math" charset="0"/>
                               <a:ea typeface="Cambria Math" charset="0"/>
                               <a:cs typeface="Cambria Math" charset="0"/>
                             </a:rPr>
@@ -46988,7 +47270,7 @@
                             <m:sSubPr>
                               <m:ctrlPr>
                                 <a:rPr lang="fr-CH" i="1">
-                                  <a:latin typeface="Cambria Math" panose="02040503050406030204" pitchFamily="18" charset="0"/>
+                                  <a:latin typeface="Cambria Math" charset="0"/>
                                   <a:ea typeface="Cambria Math" charset="0"/>
                                   <a:cs typeface="Cambria Math" charset="0"/>
                                 </a:rPr>
@@ -47075,7 +47357,7 @@
           <p:cNvPr id="9" name="Oval 8">
             <a:extLst>
               <a:ext uri="{FF2B5EF4-FFF2-40B4-BE49-F238E27FC236}">
-                <a16:creationId xmlns:a16="http://schemas.microsoft.com/office/drawing/2014/main" id="{7A434735-F200-3F44-A52D-1F20CA17A787}"/>
+                <a16:creationId xmlns:a16="http://schemas.microsoft.com/office/drawing/2014/main" xmlns="" id="{7A434735-F200-3F44-A52D-1F20CA17A787}"/>
               </a:ext>
             </a:extLst>
           </p:cNvPr>
@@ -47125,7 +47407,7 @@
           <p:cNvPr id="5" name="TextBox 4">
             <a:extLst>
               <a:ext uri="{FF2B5EF4-FFF2-40B4-BE49-F238E27FC236}">
-                <a16:creationId xmlns:a16="http://schemas.microsoft.com/office/drawing/2014/main" id="{AB0107E1-9562-064C-B059-AFB90563DB02}"/>
+                <a16:creationId xmlns:a16="http://schemas.microsoft.com/office/drawing/2014/main" xmlns="" id="{AB0107E1-9562-064C-B059-AFB90563DB02}"/>
               </a:ext>
             </a:extLst>
           </p:cNvPr>
@@ -47160,7 +47442,7 @@
           <p:cNvPr id="10" name="TextBox 9">
             <a:extLst>
               <a:ext uri="{FF2B5EF4-FFF2-40B4-BE49-F238E27FC236}">
-                <a16:creationId xmlns:a16="http://schemas.microsoft.com/office/drawing/2014/main" id="{D31CA93C-4AF3-AB4A-861B-ACD39B279C0A}"/>
+                <a16:creationId xmlns:a16="http://schemas.microsoft.com/office/drawing/2014/main" xmlns="" id="{D31CA93C-4AF3-AB4A-861B-ACD39B279C0A}"/>
               </a:ext>
             </a:extLst>
           </p:cNvPr>
@@ -47310,7 +47592,7 @@
           <p:cNvPr id="11" name="Straight Arrow Connector 10">
             <a:extLst>
               <a:ext uri="{FF2B5EF4-FFF2-40B4-BE49-F238E27FC236}">
-                <a16:creationId xmlns:a16="http://schemas.microsoft.com/office/drawing/2014/main" id="{2CFC0162-3651-B145-8DFB-966CBD600A2E}"/>
+                <a16:creationId xmlns:a16="http://schemas.microsoft.com/office/drawing/2014/main" xmlns="" id="{2CFC0162-3651-B145-8DFB-966CBD600A2E}"/>
               </a:ext>
             </a:extLst>
           </p:cNvPr>
@@ -47349,7 +47631,7 @@
               <p:cNvPr id="12" name="Rectangle 11">
                 <a:extLst>
                   <a:ext uri="{FF2B5EF4-FFF2-40B4-BE49-F238E27FC236}">
-                    <a16:creationId xmlns:a16="http://schemas.microsoft.com/office/drawing/2014/main" id="{1C849D5F-45DD-9542-A2DC-5E794229B92D}"/>
+                    <a16:creationId xmlns:a16="http://schemas.microsoft.com/office/drawing/2014/main" xmlns="" id="{1C849D5F-45DD-9542-A2DC-5E794229B92D}"/>
                   </a:ext>
                 </a:extLst>
               </p:cNvPr>
@@ -47390,7 +47672,7 @@
                         <m:dPr>
                           <m:ctrlPr>
                             <a:rPr lang="fr-CH" i="1">
-                              <a:latin typeface="Cambria Math" panose="02040503050406030204" pitchFamily="18" charset="0"/>
+                              <a:latin typeface="Cambria Math" charset="0"/>
                               <a:ea typeface="Cambria Math" charset="0"/>
                               <a:cs typeface="Cambria Math" charset="0"/>
                             </a:rPr>
@@ -47401,7 +47683,7 @@
                             <m:sSubPr>
                               <m:ctrlPr>
                                 <a:rPr lang="fr-CH" i="1">
-                                  <a:latin typeface="Cambria Math" panose="02040503050406030204" pitchFamily="18" charset="0"/>
+                                  <a:latin typeface="Cambria Math" charset="0"/>
                                   <a:ea typeface="Cambria Math" charset="0"/>
                                   <a:cs typeface="Cambria Math" charset="0"/>
                                 </a:rPr>
@@ -47488,7 +47770,7 @@
           <p:cNvPr id="16" name="Straight Arrow Connector 15">
             <a:extLst>
               <a:ext uri="{FF2B5EF4-FFF2-40B4-BE49-F238E27FC236}">
-                <a16:creationId xmlns:a16="http://schemas.microsoft.com/office/drawing/2014/main" id="{6DF4F5C4-0FB5-C04D-9D41-DDEABA806EDE}"/>
+                <a16:creationId xmlns:a16="http://schemas.microsoft.com/office/drawing/2014/main" xmlns="" id="{6DF4F5C4-0FB5-C04D-9D41-DDEABA806EDE}"/>
               </a:ext>
             </a:extLst>
           </p:cNvPr>
@@ -47525,7 +47807,7 @@
           <p:cNvPr id="19" name="Straight Arrow Connector 18">
             <a:extLst>
               <a:ext uri="{FF2B5EF4-FFF2-40B4-BE49-F238E27FC236}">
-                <a16:creationId xmlns:a16="http://schemas.microsoft.com/office/drawing/2014/main" id="{7F9BCC0B-D8AD-9645-8E07-5AC35EFC07D2}"/>
+                <a16:creationId xmlns:a16="http://schemas.microsoft.com/office/drawing/2014/main" xmlns="" id="{7F9BCC0B-D8AD-9645-8E07-5AC35EFC07D2}"/>
               </a:ext>
             </a:extLst>
           </p:cNvPr>
@@ -47564,7 +47846,7 @@
               <p:cNvPr id="22" name="Rectangle 21">
                 <a:extLst>
                   <a:ext uri="{FF2B5EF4-FFF2-40B4-BE49-F238E27FC236}">
-                    <a16:creationId xmlns:a16="http://schemas.microsoft.com/office/drawing/2014/main" id="{C53DB93E-0D22-0B45-9A20-D0D56F860243}"/>
+                    <a16:creationId xmlns:a16="http://schemas.microsoft.com/office/drawing/2014/main" xmlns="" id="{C53DB93E-0D22-0B45-9A20-D0D56F860243}"/>
                   </a:ext>
                 </a:extLst>
               </p:cNvPr>
@@ -47605,7 +47887,7 @@
                         <m:dPr>
                           <m:ctrlPr>
                             <a:rPr lang="fr-CH" i="1">
-                              <a:latin typeface="Cambria Math" panose="02040503050406030204" pitchFamily="18" charset="0"/>
+                              <a:latin typeface="Cambria Math" charset="0"/>
                               <a:ea typeface="Cambria Math" charset="0"/>
                               <a:cs typeface="Cambria Math" charset="0"/>
                             </a:rPr>
@@ -47616,7 +47898,7 @@
                             <m:sSubPr>
                               <m:ctrlPr>
                                 <a:rPr lang="fr-CH" i="1">
-                                  <a:latin typeface="Cambria Math" panose="02040503050406030204" pitchFamily="18" charset="0"/>
+                                  <a:latin typeface="Cambria Math" charset="0"/>
                                   <a:ea typeface="Cambria Math" charset="0"/>
                                   <a:cs typeface="Cambria Math" charset="0"/>
                                 </a:rPr>
@@ -47705,7 +47987,7 @@
               <p:cNvPr id="23" name="Rectangle 22">
                 <a:extLst>
                   <a:ext uri="{FF2B5EF4-FFF2-40B4-BE49-F238E27FC236}">
-                    <a16:creationId xmlns:a16="http://schemas.microsoft.com/office/drawing/2014/main" id="{8347BC61-CEC1-2645-8728-D923AA09FA7C}"/>
+                    <a16:creationId xmlns:a16="http://schemas.microsoft.com/office/drawing/2014/main" xmlns="" id="{8347BC61-CEC1-2645-8728-D923AA09FA7C}"/>
                   </a:ext>
                 </a:extLst>
               </p:cNvPr>
@@ -47746,7 +48028,7 @@
                         <m:dPr>
                           <m:ctrlPr>
                             <a:rPr lang="fr-CH" i="1">
-                              <a:latin typeface="Cambria Math" panose="02040503050406030204" pitchFamily="18" charset="0"/>
+                              <a:latin typeface="Cambria Math" charset="0"/>
                               <a:ea typeface="Cambria Math" charset="0"/>
                               <a:cs typeface="Cambria Math" charset="0"/>
                             </a:rPr>
@@ -47757,7 +48039,7 @@
                             <m:sSubPr>
                               <m:ctrlPr>
                                 <a:rPr lang="fr-CH" i="1">
-                                  <a:latin typeface="Cambria Math" panose="02040503050406030204" pitchFamily="18" charset="0"/>
+                                  <a:latin typeface="Cambria Math" charset="0"/>
                                   <a:ea typeface="Cambria Math" charset="0"/>
                                   <a:cs typeface="Cambria Math" charset="0"/>
                                 </a:rPr>
@@ -47806,7 +48088,7 @@
                         <m:dPr>
                           <m:ctrlPr>
                             <a:rPr lang="fr-CH" i="1">
-                              <a:latin typeface="Cambria Math" panose="02040503050406030204" pitchFamily="18" charset="0"/>
+                              <a:latin typeface="Cambria Math" charset="0"/>
                               <a:ea typeface="Cambria Math" charset="0"/>
                               <a:cs typeface="Cambria Math" charset="0"/>
                             </a:rPr>
@@ -47817,7 +48099,7 @@
                             <m:sSubPr>
                               <m:ctrlPr>
                                 <a:rPr lang="fr-CH" i="1">
-                                  <a:latin typeface="Cambria Math" panose="02040503050406030204" pitchFamily="18" charset="0"/>
+                                  <a:latin typeface="Cambria Math" charset="0"/>
                                   <a:ea typeface="Cambria Math" charset="0"/>
                                   <a:cs typeface="Cambria Math" charset="0"/>
                                 </a:rPr>
@@ -48019,7 +48301,7 @@
           <p:cNvPr id="11" name="Straight Arrow Connector 10">
             <a:extLst>
               <a:ext uri="{FF2B5EF4-FFF2-40B4-BE49-F238E27FC236}">
-                <a16:creationId xmlns:a16="http://schemas.microsoft.com/office/drawing/2014/main" id="{2CFC0162-3651-B145-8DFB-966CBD600A2E}"/>
+                <a16:creationId xmlns:a16="http://schemas.microsoft.com/office/drawing/2014/main" xmlns="" id="{2CFC0162-3651-B145-8DFB-966CBD600A2E}"/>
               </a:ext>
             </a:extLst>
           </p:cNvPr>
@@ -48058,7 +48340,7 @@
               <p:cNvPr id="12" name="Rectangle 11">
                 <a:extLst>
                   <a:ext uri="{FF2B5EF4-FFF2-40B4-BE49-F238E27FC236}">
-                    <a16:creationId xmlns:a16="http://schemas.microsoft.com/office/drawing/2014/main" id="{1C849D5F-45DD-9542-A2DC-5E794229B92D}"/>
+                    <a16:creationId xmlns:a16="http://schemas.microsoft.com/office/drawing/2014/main" xmlns="" id="{1C849D5F-45DD-9542-A2DC-5E794229B92D}"/>
                   </a:ext>
                 </a:extLst>
               </p:cNvPr>
@@ -48099,7 +48381,7 @@
                         <m:dPr>
                           <m:ctrlPr>
                             <a:rPr lang="fr-CH" i="1">
-                              <a:latin typeface="Cambria Math" panose="02040503050406030204" pitchFamily="18" charset="0"/>
+                              <a:latin typeface="Cambria Math" charset="0"/>
                               <a:ea typeface="Cambria Math" charset="0"/>
                               <a:cs typeface="Cambria Math" charset="0"/>
                             </a:rPr>
@@ -48110,7 +48392,7 @@
                             <m:sSubPr>
                               <m:ctrlPr>
                                 <a:rPr lang="fr-CH" i="1">
-                                  <a:latin typeface="Cambria Math" panose="02040503050406030204" pitchFamily="18" charset="0"/>
+                                  <a:latin typeface="Cambria Math" charset="0"/>
                                   <a:ea typeface="Cambria Math" charset="0"/>
                                   <a:cs typeface="Cambria Math" charset="0"/>
                                 </a:rPr>
@@ -48197,7 +48479,7 @@
           <p:cNvPr id="16" name="Straight Arrow Connector 15">
             <a:extLst>
               <a:ext uri="{FF2B5EF4-FFF2-40B4-BE49-F238E27FC236}">
-                <a16:creationId xmlns:a16="http://schemas.microsoft.com/office/drawing/2014/main" id="{6DF4F5C4-0FB5-C04D-9D41-DDEABA806EDE}"/>
+                <a16:creationId xmlns:a16="http://schemas.microsoft.com/office/drawing/2014/main" xmlns="" id="{6DF4F5C4-0FB5-C04D-9D41-DDEABA806EDE}"/>
               </a:ext>
             </a:extLst>
           </p:cNvPr>
@@ -48234,7 +48516,7 @@
           <p:cNvPr id="19" name="Straight Arrow Connector 18">
             <a:extLst>
               <a:ext uri="{FF2B5EF4-FFF2-40B4-BE49-F238E27FC236}">
-                <a16:creationId xmlns:a16="http://schemas.microsoft.com/office/drawing/2014/main" id="{7F9BCC0B-D8AD-9645-8E07-5AC35EFC07D2}"/>
+                <a16:creationId xmlns:a16="http://schemas.microsoft.com/office/drawing/2014/main" xmlns="" id="{7F9BCC0B-D8AD-9645-8E07-5AC35EFC07D2}"/>
               </a:ext>
             </a:extLst>
           </p:cNvPr>
@@ -48273,7 +48555,7 @@
               <p:cNvPr id="5" name="Rectangle 4">
                 <a:extLst>
                   <a:ext uri="{FF2B5EF4-FFF2-40B4-BE49-F238E27FC236}">
-                    <a16:creationId xmlns:a16="http://schemas.microsoft.com/office/drawing/2014/main" id="{704748F9-C27D-F447-9D13-E112DBEE8492}"/>
+                    <a16:creationId xmlns:a16="http://schemas.microsoft.com/office/drawing/2014/main" xmlns="" id="{704748F9-C27D-F447-9D13-E112DBEE8492}"/>
                   </a:ext>
                 </a:extLst>
               </p:cNvPr>
@@ -48317,7 +48599,7 @@
                         <m:dPr>
                           <m:ctrlPr>
                             <a:rPr lang="fr-CH" i="1">
-                              <a:latin typeface="Cambria Math" panose="02040503050406030204" pitchFamily="18" charset="0"/>
+                              <a:latin typeface="Cambria Math" charset="0"/>
                               <a:ea typeface="Cambria Math" charset="0"/>
                               <a:cs typeface="Cambria Math" charset="0"/>
                             </a:rPr>
@@ -48328,7 +48610,7 @@
                             <m:sSubPr>
                               <m:ctrlPr>
                                 <a:rPr lang="fr-CH" i="1">
-                                  <a:latin typeface="Cambria Math" panose="02040503050406030204" pitchFamily="18" charset="0"/>
+                                  <a:latin typeface="Cambria Math" charset="0"/>
                                   <a:ea typeface="Cambria Math" charset="0"/>
                                   <a:cs typeface="Cambria Math" charset="0"/>
                                 </a:rPr>
@@ -48371,7 +48653,7 @@
                           <m:endChr m:val="]"/>
                           <m:ctrlPr>
                             <a:rPr lang="fr-CH" i="1">
-                              <a:latin typeface="Cambria Math" panose="02040503050406030204" pitchFamily="18" charset="0"/>
+                              <a:latin typeface="Cambria Math" charset="0"/>
                               <a:ea typeface="Cambria Math" charset="0"/>
                               <a:cs typeface="Cambria Math" charset="0"/>
                             </a:rPr>
@@ -48390,7 +48672,7 @@
                             <m:dPr>
                               <m:ctrlPr>
                                 <a:rPr lang="fr-CH" i="1">
-                                  <a:latin typeface="Cambria Math" panose="02040503050406030204" pitchFamily="18" charset="0"/>
+                                  <a:latin typeface="Cambria Math" charset="0"/>
                                   <a:ea typeface="Cambria Math" charset="0"/>
                                   <a:cs typeface="Cambria Math" charset="0"/>
                                 </a:rPr>
@@ -48401,7 +48683,7 @@
                                 <m:sSubPr>
                                   <m:ctrlPr>
                                     <a:rPr lang="fr-CH" i="1">
-                                      <a:latin typeface="Cambria Math" panose="02040503050406030204" pitchFamily="18" charset="0"/>
+                                      <a:latin typeface="Cambria Math" charset="0"/>
                                       <a:ea typeface="Cambria Math" charset="0"/>
                                       <a:cs typeface="Cambria Math" charset="0"/>
                                     </a:rPr>
@@ -48450,7 +48732,7 @@
                             <m:dPr>
                               <m:ctrlPr>
                                 <a:rPr lang="fr-CH" i="1">
-                                  <a:latin typeface="Cambria Math" panose="02040503050406030204" pitchFamily="18" charset="0"/>
+                                  <a:latin typeface="Cambria Math" charset="0"/>
                                   <a:ea typeface="Cambria Math" charset="0"/>
                                   <a:cs typeface="Cambria Math" charset="0"/>
                                 </a:rPr>
@@ -48461,7 +48743,7 @@
                                 <m:sSubPr>
                                   <m:ctrlPr>
                                     <a:rPr lang="fr-CH" i="1">
-                                      <a:latin typeface="Cambria Math" panose="02040503050406030204" pitchFamily="18" charset="0"/>
+                                      <a:latin typeface="Cambria Math" charset="0"/>
                                       <a:ea typeface="Cambria Math" charset="0"/>
                                       <a:cs typeface="Cambria Math" charset="0"/>
                                     </a:rPr>
@@ -48550,7 +48832,7 @@
           <p:cNvPr id="13" name="Oval 12">
             <a:extLst>
               <a:ext uri="{FF2B5EF4-FFF2-40B4-BE49-F238E27FC236}">
-                <a16:creationId xmlns:a16="http://schemas.microsoft.com/office/drawing/2014/main" id="{6157159C-0FD1-C74E-BBD3-EB931D64332E}"/>
+                <a16:creationId xmlns:a16="http://schemas.microsoft.com/office/drawing/2014/main" xmlns="" id="{6157159C-0FD1-C74E-BBD3-EB931D64332E}"/>
               </a:ext>
             </a:extLst>
           </p:cNvPr>
@@ -48600,7 +48882,7 @@
           <p:cNvPr id="14" name="TextBox 13">
             <a:extLst>
               <a:ext uri="{FF2B5EF4-FFF2-40B4-BE49-F238E27FC236}">
-                <a16:creationId xmlns:a16="http://schemas.microsoft.com/office/drawing/2014/main" id="{DDFE15FD-FC53-0443-849F-820B7FDD2778}"/>
+                <a16:creationId xmlns:a16="http://schemas.microsoft.com/office/drawing/2014/main" xmlns="" id="{DDFE15FD-FC53-0443-849F-820B7FDD2778}"/>
               </a:ext>
             </a:extLst>
           </p:cNvPr>
@@ -48760,7 +49042,7 @@
                         <m:sSubPr>
                           <m:ctrlPr>
                             <a:rPr lang="en-US" i="1">
-                              <a:latin typeface="Cambria Math" panose="02040503050406030204" pitchFamily="18" charset="0"/>
+                              <a:latin typeface="Cambria Math" charset="0"/>
                             </a:rPr>
                           </m:ctrlPr>
                         </m:sSubPr>
@@ -48770,7 +49052,7 @@
                               <m:chr m:val="⃗"/>
                               <m:ctrlPr>
                                 <a:rPr lang="en-US" i="1">
-                                  <a:latin typeface="Cambria Math" panose="02040503050406030204" pitchFamily="18" charset="0"/>
+                                  <a:latin typeface="Cambria Math" charset="0"/>
                                 </a:rPr>
                               </m:ctrlPr>
                             </m:accPr>
@@ -48811,7 +49093,7 @@
                         <m:dPr>
                           <m:ctrlPr>
                             <a:rPr lang="fr-CH" sz="2800" i="1">
-                              <a:latin typeface="Cambria Math" panose="02040503050406030204" pitchFamily="18" charset="0"/>
+                              <a:latin typeface="Cambria Math" charset="0"/>
                               <a:ea typeface="Cambria Math" charset="0"/>
                               <a:cs typeface="Cambria Math" charset="0"/>
                             </a:rPr>
@@ -48822,7 +49104,7 @@
                             <m:sSubPr>
                               <m:ctrlPr>
                                 <a:rPr lang="fr-CH" sz="2800" i="1">
-                                  <a:latin typeface="Cambria Math" panose="02040503050406030204" pitchFamily="18" charset="0"/>
+                                  <a:latin typeface="Cambria Math" charset="0"/>
                                   <a:ea typeface="Cambria Math" charset="0"/>
                                   <a:cs typeface="Cambria Math" charset="0"/>
                                 </a:rPr>
@@ -48865,7 +49147,7 @@
                           <m:endChr m:val="]"/>
                           <m:ctrlPr>
                             <a:rPr lang="fr-CH" sz="2800" i="1">
-                              <a:latin typeface="Cambria Math" panose="02040503050406030204" pitchFamily="18" charset="0"/>
+                              <a:latin typeface="Cambria Math" charset="0"/>
                               <a:ea typeface="Cambria Math" charset="0"/>
                               <a:cs typeface="Cambria Math" charset="0"/>
                             </a:rPr>
@@ -48884,7 +49166,7 @@
                             <m:dPr>
                               <m:ctrlPr>
                                 <a:rPr lang="fr-CH" sz="2800" i="1">
-                                  <a:latin typeface="Cambria Math" panose="02040503050406030204" pitchFamily="18" charset="0"/>
+                                  <a:latin typeface="Cambria Math" charset="0"/>
                                   <a:ea typeface="Cambria Math" charset="0"/>
                                   <a:cs typeface="Cambria Math" charset="0"/>
                                 </a:rPr>
@@ -48895,7 +49177,7 @@
                                 <m:sSubPr>
                                   <m:ctrlPr>
                                     <a:rPr lang="fr-CH" sz="2800" i="1">
-                                      <a:latin typeface="Cambria Math" panose="02040503050406030204" pitchFamily="18" charset="0"/>
+                                      <a:latin typeface="Cambria Math" charset="0"/>
                                       <a:ea typeface="Cambria Math" charset="0"/>
                                       <a:cs typeface="Cambria Math" charset="0"/>
                                     </a:rPr>
@@ -48944,7 +49226,7 @@
                             <m:dPr>
                               <m:ctrlPr>
                                 <a:rPr lang="fr-CH" sz="2800" i="1">
-                                  <a:latin typeface="Cambria Math" panose="02040503050406030204" pitchFamily="18" charset="0"/>
+                                  <a:latin typeface="Cambria Math" charset="0"/>
                                   <a:ea typeface="Cambria Math" charset="0"/>
                                   <a:cs typeface="Cambria Math" charset="0"/>
                                 </a:rPr>
@@ -48955,7 +49237,7 @@
                                 <m:sSubPr>
                                   <m:ctrlPr>
                                     <a:rPr lang="fr-CH" sz="2800" i="1">
-                                      <a:latin typeface="Cambria Math" panose="02040503050406030204" pitchFamily="18" charset="0"/>
+                                      <a:latin typeface="Cambria Math" charset="0"/>
                                       <a:ea typeface="Cambria Math" charset="0"/>
                                       <a:cs typeface="Cambria Math" charset="0"/>
                                     </a:rPr>
@@ -48999,7 +49281,7 @@
                       <m:sSubPr>
                         <m:ctrlPr>
                           <a:rPr lang="en-US" sz="2400" i="1">
-                            <a:latin typeface="Cambria Math" panose="02040503050406030204" pitchFamily="18" charset="0"/>
+                            <a:latin typeface="Cambria Math" charset="0"/>
                           </a:rPr>
                         </m:ctrlPr>
                       </m:sSubPr>
@@ -49009,7 +49291,7 @@
                             <m:chr m:val="⃗"/>
                             <m:ctrlPr>
                               <a:rPr lang="en-US" sz="2400" i="1">
-                                <a:latin typeface="Cambria Math" panose="02040503050406030204" pitchFamily="18" charset="0"/>
+                                <a:latin typeface="Cambria Math" charset="0"/>
                               </a:rPr>
                             </m:ctrlPr>
                           </m:accPr>
@@ -49044,7 +49326,7 @@
                         <m:endChr m:val="]"/>
                         <m:ctrlPr>
                           <a:rPr lang="fr-CH" sz="2400" i="1">
-                            <a:latin typeface="Cambria Math" panose="02040503050406030204" pitchFamily="18" charset="0"/>
+                            <a:latin typeface="Cambria Math" charset="0"/>
                             <a:ea typeface="Cambria Math" charset="0"/>
                             <a:cs typeface="Cambria Math" charset="0"/>
                           </a:rPr>
@@ -49063,7 +49345,7 @@
                           <m:dPr>
                             <m:ctrlPr>
                               <a:rPr lang="fr-CH" sz="2400" i="1">
-                                <a:latin typeface="Cambria Math" panose="02040503050406030204" pitchFamily="18" charset="0"/>
+                                <a:latin typeface="Cambria Math" charset="0"/>
                                 <a:ea typeface="Cambria Math" charset="0"/>
                                 <a:cs typeface="Cambria Math" charset="0"/>
                               </a:rPr>
@@ -49074,7 +49356,7 @@
                               <m:sSubPr>
                                 <m:ctrlPr>
                                   <a:rPr lang="fr-CH" sz="2400" i="1">
-                                    <a:latin typeface="Cambria Math" panose="02040503050406030204" pitchFamily="18" charset="0"/>
+                                    <a:latin typeface="Cambria Math" charset="0"/>
                                     <a:ea typeface="Cambria Math" charset="0"/>
                                     <a:cs typeface="Cambria Math" charset="0"/>
                                   </a:rPr>
@@ -49123,7 +49405,7 @@
                           <m:dPr>
                             <m:ctrlPr>
                               <a:rPr lang="fr-CH" sz="2400" i="1">
-                                <a:latin typeface="Cambria Math" panose="02040503050406030204" pitchFamily="18" charset="0"/>
+                                <a:latin typeface="Cambria Math" charset="0"/>
                                 <a:ea typeface="Cambria Math" charset="0"/>
                                 <a:cs typeface="Cambria Math" charset="0"/>
                               </a:rPr>
@@ -49134,7 +49416,7 @@
                               <m:sSubPr>
                                 <m:ctrlPr>
                                   <a:rPr lang="fr-CH" sz="2400" i="1">
-                                    <a:latin typeface="Cambria Math" panose="02040503050406030204" pitchFamily="18" charset="0"/>
+                                    <a:latin typeface="Cambria Math" charset="0"/>
                                     <a:ea typeface="Cambria Math" charset="0"/>
                                     <a:cs typeface="Cambria Math" charset="0"/>
                                   </a:rPr>
@@ -49580,7 +49862,7 @@
           <a:graphicData uri="http://schemas.openxmlformats.org/presentationml/2006/ole">
             <mc:AlternateContent xmlns:mc="http://schemas.openxmlformats.org/markup-compatibility/2006">
               <mc:Choice xmlns:v="urn:schemas-microsoft-com:vml" Requires="v">
-                <p:oleObj spid="_x0000_s96263" name="Equation" r:id="rId4" imgW="2540000" imgH="495300" progId="Equation.3">
+                <p:oleObj spid="_x0000_s96266" name="Equation" r:id="rId4" imgW="2540000" imgH="495300" progId="Equation.3">
                   <p:embed/>
                 </p:oleObj>
               </mc:Choice>
@@ -49998,7 +50280,7 @@
           <a:graphicData uri="http://schemas.openxmlformats.org/presentationml/2006/ole">
             <mc:AlternateContent xmlns:mc="http://schemas.openxmlformats.org/markup-compatibility/2006">
               <mc:Choice xmlns:v="urn:schemas-microsoft-com:vml" Requires="v">
-                <p:oleObj spid="_x0000_s97287" name="Equation" r:id="rId4" imgW="3136900" imgH="406400" progId="Equation.3">
+                <p:oleObj spid="_x0000_s97290" name="Equation" r:id="rId4" imgW="3136900" imgH="406400" progId="Equation.3">
                   <p:embed/>
                 </p:oleObj>
               </mc:Choice>
@@ -50035,14 +50317,14 @@
                       <a:effectLst/>
                       <a:extLst>
                         <a:ext uri="{909E8E84-426E-40dd-AFC4-6F175D3DCCD1}">
-                          <a14:hiddenFill xmlns:a14="http://schemas.microsoft.com/office/drawing/2010/main" xmlns="">
+                          <a14:hiddenFill xmlns="" xmlns:a14="http://schemas.microsoft.com/office/drawing/2010/main">
                             <a:solidFill>
                               <a:schemeClr val="accent1"/>
                             </a:solidFill>
                           </a14:hiddenFill>
                         </a:ext>
                         <a:ext uri="{91240B29-F687-4f45-9708-019B960494DF}">
-                          <a14:hiddenLine xmlns:a14="http://schemas.microsoft.com/office/drawing/2010/main" xmlns="" w="9525">
+                          <a14:hiddenLine xmlns="" xmlns:a14="http://schemas.microsoft.com/office/drawing/2010/main" w="9525">
                             <a:solidFill>
                               <a:schemeClr val="tx1"/>
                             </a:solidFill>
@@ -50052,7 +50334,7 @@
                           </a14:hiddenLine>
                         </a:ext>
                         <a:ext uri="{AF507438-7753-43e0-B8FC-AC1667EBCBE1}">
-                          <a14:hiddenEffects xmlns:a14="http://schemas.microsoft.com/office/drawing/2010/main" xmlns="">
+                          <a14:hiddenEffects xmlns="" xmlns:a14="http://schemas.microsoft.com/office/drawing/2010/main">
                             <a:effectLst>
                               <a:outerShdw blurRad="63500" dist="38099" dir="2700000" algn="ctr" rotWithShape="0">
                                 <a:schemeClr val="bg2">
@@ -50478,7 +50760,7 @@
           <p:cNvPr id="7" name="TPChart" title="Results Chart">
             <a:extLst>
               <a:ext uri="{FF2B5EF4-FFF2-40B4-BE49-F238E27FC236}">
-                <a16:creationId xmlns:a16="http://schemas.microsoft.com/office/drawing/2014/main" id="{02DD3C81-302E-734D-B580-8D415E880ADE}"/>
+                <a16:creationId xmlns:a16="http://schemas.microsoft.com/office/drawing/2014/main" xmlns="" id="{02DD3C81-302E-734D-B580-8D415E880ADE}"/>
               </a:ext>
             </a:extLst>
           </p:cNvPr>
@@ -50518,7 +50800,7 @@
           <p:cNvPr id="2" name="Footer Placeholder 1">
             <a:extLst>
               <a:ext uri="{FF2B5EF4-FFF2-40B4-BE49-F238E27FC236}">
-                <a16:creationId xmlns:a16="http://schemas.microsoft.com/office/drawing/2014/main" id="{D18414BF-C44B-2A43-A16E-B2F288504154}"/>
+                <a16:creationId xmlns:a16="http://schemas.microsoft.com/office/drawing/2014/main" xmlns="" id="{D18414BF-C44B-2A43-A16E-B2F288504154}"/>
               </a:ext>
             </a:extLst>
           </p:cNvPr>
@@ -50690,7 +50972,7 @@
           <p:cNvPr id="7" name="TPChart" title="Results Chart">
             <a:extLst>
               <a:ext uri="{FF2B5EF4-FFF2-40B4-BE49-F238E27FC236}">
-                <a16:creationId xmlns:a16="http://schemas.microsoft.com/office/drawing/2014/main" id="{8A9C4852-D609-3C4D-9D20-47B6CE4A59D0}"/>
+                <a16:creationId xmlns:a16="http://schemas.microsoft.com/office/drawing/2014/main" xmlns="" id="{8A9C4852-D609-3C4D-9D20-47B6CE4A59D0}"/>
               </a:ext>
             </a:extLst>
           </p:cNvPr>
@@ -50730,7 +51012,7 @@
           <p:cNvPr id="2" name="Footer Placeholder 1">
             <a:extLst>
               <a:ext uri="{FF2B5EF4-FFF2-40B4-BE49-F238E27FC236}">
-                <a16:creationId xmlns:a16="http://schemas.microsoft.com/office/drawing/2014/main" id="{00A5A9E3-E13F-F445-A8C1-E5D306E8D441}"/>
+                <a16:creationId xmlns:a16="http://schemas.microsoft.com/office/drawing/2014/main" xmlns="" id="{00A5A9E3-E13F-F445-A8C1-E5D306E8D441}"/>
               </a:ext>
             </a:extLst>
           </p:cNvPr>
@@ -51085,14 +51367,14 @@
           <a:ln/>
           <a:extLst>
             <a:ext uri="{909E8E84-426E-40dd-AFC4-6F175D3DCCD1}">
-              <a14:hiddenFill xmlns:a14="http://schemas.microsoft.com/office/drawing/2010/main" xmlns="">
+              <a14:hiddenFill xmlns="" xmlns:a14="http://schemas.microsoft.com/office/drawing/2010/main">
                 <a:solidFill>
                   <a:srgbClr val="FFFFFF"/>
                 </a:solidFill>
               </a14:hiddenFill>
             </a:ext>
             <a:ext uri="{91240B29-F687-4f45-9708-019B960494DF}">
-              <a14:hiddenLine xmlns:a14="http://schemas.microsoft.com/office/drawing/2010/main" xmlns="" w="9525">
+              <a14:hiddenLine xmlns="" xmlns:a14="http://schemas.microsoft.com/office/drawing/2010/main" w="9525">
                 <a:solidFill>
                   <a:srgbClr val="000000"/>
                 </a:solidFill>
@@ -51750,7 +52032,7 @@
           <p:cNvPr id="9" name="Picture 8">
             <a:extLst>
               <a:ext uri="{FF2B5EF4-FFF2-40B4-BE49-F238E27FC236}">
-                <a16:creationId xmlns:a16="http://schemas.microsoft.com/office/drawing/2014/main" id="{DFAEAB84-3041-DE4E-ADD5-F1C96F2E03D6}"/>
+                <a16:creationId xmlns:a16="http://schemas.microsoft.com/office/drawing/2014/main" xmlns="" id="{DFAEAB84-3041-DE4E-ADD5-F1C96F2E03D6}"/>
               </a:ext>
             </a:extLst>
           </p:cNvPr>
@@ -51786,7 +52068,7 @@
           <p:cNvPr id="11" name="Curved Connector 10">
             <a:extLst>
               <a:ext uri="{FF2B5EF4-FFF2-40B4-BE49-F238E27FC236}">
-                <a16:creationId xmlns:a16="http://schemas.microsoft.com/office/drawing/2014/main" id="{152477C0-2828-D94C-8659-A9752139CA2C}"/>
+                <a16:creationId xmlns:a16="http://schemas.microsoft.com/office/drawing/2014/main" xmlns="" id="{152477C0-2828-D94C-8659-A9752139CA2C}"/>
               </a:ext>
             </a:extLst>
           </p:cNvPr>
@@ -52539,6 +52821,13 @@
               </a:rPr>
               <a:t>Ponte, Jay Michael, and W. Bruce Croft. "A language modeling approach to information retrieval." PhD diss., University of Massachusetts at Amherst, 1998.</a:t>
             </a:r>
+            <a:r>
+              <a:rPr lang="en-US" sz="2000" dirty="0">
+                <a:latin typeface="Calibri" charset="0"/>
+                <a:cs typeface="Calibri" charset="0"/>
+              </a:rPr>
+              <a:t/>
+            </a:r>
             <a:br>
               <a:rPr lang="en-US" sz="2000" dirty="0">
                 <a:latin typeface="Calibri" charset="0"/>
@@ -52593,14 +52882,14 @@
           <a:ln/>
           <a:extLst>
             <a:ext uri="{909E8E84-426E-40dd-AFC4-6F175D3DCCD1}">
-              <a14:hiddenFill xmlns:a14="http://schemas.microsoft.com/office/drawing/2010/main" xmlns="">
+              <a14:hiddenFill xmlns="" xmlns:a14="http://schemas.microsoft.com/office/drawing/2010/main">
                 <a:solidFill>
                   <a:srgbClr val="FFFFFF"/>
                 </a:solidFill>
               </a14:hiddenFill>
             </a:ext>
             <a:ext uri="{91240B29-F687-4f45-9708-019B960494DF}">
-              <a14:hiddenLine xmlns:a14="http://schemas.microsoft.com/office/drawing/2010/main" xmlns="" w="9525">
+              <a14:hiddenLine xmlns="" xmlns:a14="http://schemas.microsoft.com/office/drawing/2010/main" w="9525">
                 <a:solidFill>
                   <a:srgbClr val="000000"/>
                 </a:solidFill>
@@ -54882,7 +55171,7 @@
           <p:cNvPr id="2" name="Title 1">
             <a:extLst>
               <a:ext uri="{FF2B5EF4-FFF2-40B4-BE49-F238E27FC236}">
-                <a16:creationId xmlns:a16="http://schemas.microsoft.com/office/drawing/2014/main" id="{57A60CB8-FF4A-1B43-987B-BA3EAD195B56}"/>
+                <a16:creationId xmlns:a16="http://schemas.microsoft.com/office/drawing/2014/main" xmlns="" id="{57A60CB8-FF4A-1B43-987B-BA3EAD195B56}"/>
               </a:ext>
             </a:extLst>
           </p:cNvPr>
@@ -54912,7 +55201,7 @@
               <p:cNvPr id="3" name="Content Placeholder 2">
                 <a:extLst>
                   <a:ext uri="{FF2B5EF4-FFF2-40B4-BE49-F238E27FC236}">
-                    <a16:creationId xmlns:a16="http://schemas.microsoft.com/office/drawing/2014/main" id="{E9A1F85E-AEDC-1D40-8F2A-109879C6026F}"/>
+                    <a16:creationId xmlns:a16="http://schemas.microsoft.com/office/drawing/2014/main" xmlns="" id="{E9A1F85E-AEDC-1D40-8F2A-109879C6026F}"/>
                   </a:ext>
                 </a:extLst>
               </p:cNvPr>
@@ -54964,7 +55253,7 @@
                         <m:sSupPr>
                           <m:ctrlPr>
                             <a:rPr lang="fr-CH" sz="2800" b="0" i="1">
-                              <a:latin typeface="Cambria Math" panose="02040503050406030204" pitchFamily="18" charset="0"/>
+                              <a:latin typeface="Cambria Math" charset="0"/>
                             </a:rPr>
                           </m:ctrlPr>
                         </m:sSupPr>
@@ -55129,7 +55418,7 @@
           <p:cNvPr id="4" name="Footer Placeholder 3">
             <a:extLst>
               <a:ext uri="{FF2B5EF4-FFF2-40B4-BE49-F238E27FC236}">
-                <a16:creationId xmlns:a16="http://schemas.microsoft.com/office/drawing/2014/main" id="{68854FC7-A06F-2941-844E-0E1B9FBE6DE7}"/>
+                <a16:creationId xmlns:a16="http://schemas.microsoft.com/office/drawing/2014/main" xmlns="" id="{68854FC7-A06F-2941-844E-0E1B9FBE6DE7}"/>
               </a:ext>
             </a:extLst>
           </p:cNvPr>
@@ -55161,7 +55450,7 @@
           <p:cNvPr id="6" name="Picture 5">
             <a:extLst>
               <a:ext uri="{FF2B5EF4-FFF2-40B4-BE49-F238E27FC236}">
-                <a16:creationId xmlns:a16="http://schemas.microsoft.com/office/drawing/2014/main" id="{384D48EB-B5DA-C148-8667-7A62AAC6D747}"/>
+                <a16:creationId xmlns:a16="http://schemas.microsoft.com/office/drawing/2014/main" xmlns="" id="{384D48EB-B5DA-C148-8667-7A62AAC6D747}"/>
               </a:ext>
             </a:extLst>
           </p:cNvPr>
@@ -55197,7 +55486,7 @@
           <p:cNvPr id="7" name="Rectangle 6">
             <a:extLst>
               <a:ext uri="{FF2B5EF4-FFF2-40B4-BE49-F238E27FC236}">
-                <a16:creationId xmlns:a16="http://schemas.microsoft.com/office/drawing/2014/main" id="{BEDA3F7D-D1F2-7F4C-858F-922390179C62}"/>
+                <a16:creationId xmlns:a16="http://schemas.microsoft.com/office/drawing/2014/main" xmlns="" id="{BEDA3F7D-D1F2-7F4C-858F-922390179C62}"/>
               </a:ext>
             </a:extLst>
           </p:cNvPr>
@@ -55305,7 +55594,7 @@
           <p:cNvPr id="8" name="Rectangle 7">
             <a:extLst>
               <a:ext uri="{FF2B5EF4-FFF2-40B4-BE49-F238E27FC236}">
-                <a16:creationId xmlns:a16="http://schemas.microsoft.com/office/drawing/2014/main" id="{B663E08F-5E3C-CD4A-9B4E-838A28A77108}"/>
+                <a16:creationId xmlns:a16="http://schemas.microsoft.com/office/drawing/2014/main" xmlns="" id="{B663E08F-5E3C-CD4A-9B4E-838A28A77108}"/>
               </a:ext>
             </a:extLst>
           </p:cNvPr>
